--- a/3.requirement/5.需求变更/G07需求变更评审.pptx
+++ b/3.requirement/5.需求变更/G07需求变更评审.pptx
@@ -5,7 +5,7 @@
     <p:sldMasterId id="2147483648" r:id="rId1"/>
   </p:sldMasterIdLst>
   <p:notesMasterIdLst>
-    <p:notesMasterId r:id="rId30"/>
+    <p:notesMasterId r:id="rId31"/>
   </p:notesMasterIdLst>
   <p:sldIdLst>
     <p:sldId id="256" r:id="rId2"/>
@@ -13,34 +13,35 @@
     <p:sldId id="292" r:id="rId4"/>
     <p:sldId id="261" r:id="rId5"/>
     <p:sldId id="293" r:id="rId6"/>
-    <p:sldId id="269" r:id="rId7"/>
-    <p:sldId id="286" r:id="rId8"/>
-    <p:sldId id="287" r:id="rId9"/>
-    <p:sldId id="270" r:id="rId10"/>
-    <p:sldId id="280" r:id="rId11"/>
-    <p:sldId id="294" r:id="rId12"/>
-    <p:sldId id="273" r:id="rId13"/>
-    <p:sldId id="279" r:id="rId14"/>
-    <p:sldId id="284" r:id="rId15"/>
-    <p:sldId id="283" r:id="rId16"/>
-    <p:sldId id="281" r:id="rId17"/>
-    <p:sldId id="289" r:id="rId18"/>
-    <p:sldId id="278" r:id="rId19"/>
-    <p:sldId id="290" r:id="rId20"/>
-    <p:sldId id="295" r:id="rId21"/>
-    <p:sldId id="275" r:id="rId22"/>
-    <p:sldId id="296" r:id="rId23"/>
-    <p:sldId id="282" r:id="rId24"/>
-    <p:sldId id="297" r:id="rId25"/>
-    <p:sldId id="272" r:id="rId26"/>
-    <p:sldId id="274" r:id="rId27"/>
-    <p:sldId id="299" r:id="rId28"/>
-    <p:sldId id="298" r:id="rId29"/>
+    <p:sldId id="300" r:id="rId7"/>
+    <p:sldId id="269" r:id="rId8"/>
+    <p:sldId id="286" r:id="rId9"/>
+    <p:sldId id="287" r:id="rId10"/>
+    <p:sldId id="270" r:id="rId11"/>
+    <p:sldId id="280" r:id="rId12"/>
+    <p:sldId id="294" r:id="rId13"/>
+    <p:sldId id="273" r:id="rId14"/>
+    <p:sldId id="279" r:id="rId15"/>
+    <p:sldId id="284" r:id="rId16"/>
+    <p:sldId id="283" r:id="rId17"/>
+    <p:sldId id="281" r:id="rId18"/>
+    <p:sldId id="289" r:id="rId19"/>
+    <p:sldId id="278" r:id="rId20"/>
+    <p:sldId id="290" r:id="rId21"/>
+    <p:sldId id="295" r:id="rId22"/>
+    <p:sldId id="275" r:id="rId23"/>
+    <p:sldId id="296" r:id="rId24"/>
+    <p:sldId id="282" r:id="rId25"/>
+    <p:sldId id="297" r:id="rId26"/>
+    <p:sldId id="272" r:id="rId27"/>
+    <p:sldId id="274" r:id="rId28"/>
+    <p:sldId id="299" r:id="rId29"/>
+    <p:sldId id="298" r:id="rId30"/>
   </p:sldIdLst>
   <p:sldSz cx="12192000" cy="6858000"/>
   <p:notesSz cx="6858000" cy="9144000"/>
   <p:custDataLst>
-    <p:tags r:id="rId31"/>
+    <p:tags r:id="rId32"/>
   </p:custDataLst>
   <p:defaultTextStyle>
     <a:defPPr>
@@ -805,7 +806,7 @@
           <a:p>
             <a:fld id="{93B838D7-ACB7-4D7F-8F6C-15C3D1214DC2}" type="slidenum">
               <a:rPr lang="zh-CN" altLang="en-US" smtClean="0"/>
-              <a:t>11</a:t>
+              <a:t>12</a:t>
             </a:fld>
             <a:endParaRPr lang="zh-CN" altLang="en-US"/>
           </a:p>
@@ -884,7 +885,7 @@
           <a:p>
             <a:fld id="{93B838D7-ACB7-4D7F-8F6C-15C3D1214DC2}" type="slidenum">
               <a:rPr lang="zh-CN" altLang="en-US" smtClean="0"/>
-              <a:t>20</a:t>
+              <a:t>21</a:t>
             </a:fld>
             <a:endParaRPr lang="zh-CN" altLang="en-US"/>
           </a:p>
@@ -963,7 +964,7 @@
           <a:p>
             <a:fld id="{93B838D7-ACB7-4D7F-8F6C-15C3D1214DC2}" type="slidenum">
               <a:rPr lang="zh-CN" altLang="en-US" smtClean="0"/>
-              <a:t>22</a:t>
+              <a:t>23</a:t>
             </a:fld>
             <a:endParaRPr lang="zh-CN" altLang="en-US"/>
           </a:p>
@@ -1042,7 +1043,7 @@
           <a:p>
             <a:fld id="{93B838D7-ACB7-4D7F-8F6C-15C3D1214DC2}" type="slidenum">
               <a:rPr lang="zh-CN" altLang="en-US" smtClean="0"/>
-              <a:t>24</a:t>
+              <a:t>25</a:t>
             </a:fld>
             <a:endParaRPr lang="zh-CN" altLang="en-US"/>
           </a:p>
@@ -1121,7 +1122,7 @@
           <a:p>
             <a:fld id="{93B838D7-ACB7-4D7F-8F6C-15C3D1214DC2}" type="slidenum">
               <a:rPr lang="zh-CN" altLang="en-US" smtClean="0"/>
-              <a:t>28</a:t>
+              <a:t>29</a:t>
             </a:fld>
             <a:endParaRPr lang="zh-CN" altLang="en-US"/>
           </a:p>
@@ -8938,6 +8939,126 @@
       </p:sp>
       <p:pic>
         <p:nvPicPr>
+          <p:cNvPr id="6" name="图片 5"/>
+          <p:cNvPicPr>
+            <a:picLocks noChangeAspect="1"/>
+          </p:cNvPicPr>
+          <p:nvPr/>
+        </p:nvPicPr>
+        <p:blipFill>
+          <a:blip r:embed="rId3"/>
+          <a:stretch>
+            <a:fillRect/>
+          </a:stretch>
+        </p:blipFill>
+        <p:spPr>
+          <a:xfrm>
+            <a:off x="838200" y="1499870"/>
+            <a:ext cx="7655560" cy="4622800"/>
+          </a:xfrm>
+          <a:prstGeom prst="rect">
+            <a:avLst/>
+          </a:prstGeom>
+        </p:spPr>
+      </p:pic>
+      <p:sp>
+        <p:nvSpPr>
+          <p:cNvPr id="7" name="文本框 6"/>
+          <p:cNvSpPr txBox="1"/>
+          <p:nvPr/>
+        </p:nvSpPr>
+        <p:spPr>
+          <a:xfrm>
+            <a:off x="8724900" y="3060065"/>
+            <a:ext cx="3093720" cy="1198880"/>
+          </a:xfrm>
+          <a:prstGeom prst="rect">
+            <a:avLst/>
+          </a:prstGeom>
+          <a:noFill/>
+        </p:spPr>
+        <p:txBody>
+          <a:bodyPr wrap="square" rtlCol="0" anchor="t">
+            <a:spAutoFit/>
+          </a:bodyPr>
+          <a:lstStyle/>
+          <a:p>
+            <a:r>
+              <a:rPr lang="zh-CN" altLang="en-US" sz="2400" dirty="0"/>
+              <a:t>项目总分支可以看到每个人提交的文档更新和历史信息</a:t>
+            </a:r>
+          </a:p>
+        </p:txBody>
+      </p:sp>
+    </p:spTree>
+    <p:custDataLst>
+      <p:tags r:id="rId1"/>
+    </p:custDataLst>
+  </p:cSld>
+  <p:clrMapOvr>
+    <a:masterClrMapping/>
+  </p:clrMapOvr>
+</p:sld>
+</file>
+
+<file path=ppt/slides/slide11.xml><?xml version="1.0" encoding="utf-8"?>
+<p:sld xmlns:a="http://schemas.openxmlformats.org/drawingml/2006/main" xmlns:r="http://schemas.openxmlformats.org/officeDocument/2006/relationships" xmlns:p="http://schemas.openxmlformats.org/presentationml/2006/main">
+  <p:cSld>
+    <p:bg>
+      <p:bgPr>
+        <a:noFill/>
+        <a:effectLst/>
+      </p:bgPr>
+    </p:bg>
+    <p:spTree>
+      <p:nvGrpSpPr>
+        <p:cNvPr id="1" name=""/>
+        <p:cNvGrpSpPr/>
+        <p:nvPr/>
+      </p:nvGrpSpPr>
+      <p:grpSpPr>
+        <a:xfrm>
+          <a:off x="0" y="0"/>
+          <a:ext cx="0" cy="0"/>
+          <a:chOff x="0" y="0"/>
+          <a:chExt cx="0" cy="0"/>
+        </a:xfrm>
+      </p:grpSpPr>
+      <p:sp>
+        <p:nvSpPr>
+          <p:cNvPr id="2" name="标题 1"/>
+          <p:cNvSpPr>
+            <a:spLocks noGrp="1"/>
+          </p:cNvSpPr>
+          <p:nvPr>
+            <p:ph type="title"/>
+          </p:nvPr>
+        </p:nvSpPr>
+        <p:spPr>
+          <a:xfrm>
+            <a:off x="838200" y="425450"/>
+            <a:ext cx="8658225" cy="598170"/>
+          </a:xfrm>
+        </p:spPr>
+        <p:txBody>
+          <a:bodyPr>
+            <a:noAutofit/>
+          </a:bodyPr>
+          <a:lstStyle/>
+          <a:p>
+            <a:r>
+              <a:rPr lang="zh-CN" altLang="en-US" sz="3200"/>
+              <a:t>项目文档管理</a:t>
+            </a:r>
+            <a:r>
+              <a:rPr lang="en-US" altLang="zh-CN" sz="3200"/>
+              <a:t>   </a:t>
+            </a:r>
+          </a:p>
+        </p:txBody>
+      </p:sp>
+      <p:pic>
+        <p:nvPicPr>
           <p:cNvPr id="3" name="图片 2"/>
           <p:cNvPicPr>
             <a:picLocks noChangeAspect="1"/>
@@ -9024,7 +9145,7 @@
 </p:sld>
 </file>
 
-<file path=ppt/slides/slide11.xml><?xml version="1.0" encoding="utf-8"?>
+<file path=ppt/slides/slide12.xml><?xml version="1.0" encoding="utf-8"?>
 <p:sld xmlns:a="http://schemas.openxmlformats.org/drawingml/2006/main" xmlns:r="http://schemas.openxmlformats.org/officeDocument/2006/relationships" xmlns:p="http://schemas.openxmlformats.org/presentationml/2006/main">
   <p:cSld>
     <p:bg>
@@ -9134,7 +9255,7 @@
 </p:sld>
 </file>
 
-<file path=ppt/slides/slide12.xml><?xml version="1.0" encoding="utf-8"?>
+<file path=ppt/slides/slide13.xml><?xml version="1.0" encoding="utf-8"?>
 <p:sld xmlns:a="http://schemas.openxmlformats.org/drawingml/2006/main" xmlns:r="http://schemas.openxmlformats.org/officeDocument/2006/relationships" xmlns:p="http://schemas.openxmlformats.org/presentationml/2006/main">
   <p:cSld>
     <p:bg>
@@ -9272,7 +9393,7 @@
 </p:sld>
 </file>
 
-<file path=ppt/slides/slide13.xml><?xml version="1.0" encoding="utf-8"?>
+<file path=ppt/slides/slide14.xml><?xml version="1.0" encoding="utf-8"?>
 <p:sld xmlns:a="http://schemas.openxmlformats.org/drawingml/2006/main" xmlns:r="http://schemas.openxmlformats.org/officeDocument/2006/relationships" xmlns:p="http://schemas.openxmlformats.org/presentationml/2006/main">
   <p:cSld>
     <p:bg>
@@ -11046,7 +11167,7 @@
 </p:sld>
 </file>
 
-<file path=ppt/slides/slide14.xml><?xml version="1.0" encoding="utf-8"?>
+<file path=ppt/slides/slide15.xml><?xml version="1.0" encoding="utf-8"?>
 <p:sld xmlns:a="http://schemas.openxmlformats.org/drawingml/2006/main" xmlns:r="http://schemas.openxmlformats.org/officeDocument/2006/relationships" xmlns:p="http://schemas.openxmlformats.org/presentationml/2006/main">
   <p:cSld>
     <p:bg>
@@ -11516,7 +11637,7 @@
 </p:sld>
 </file>
 
-<file path=ppt/slides/slide15.xml><?xml version="1.0" encoding="utf-8"?>
+<file path=ppt/slides/slide16.xml><?xml version="1.0" encoding="utf-8"?>
 <p:sld xmlns:a="http://schemas.openxmlformats.org/drawingml/2006/main" xmlns:r="http://schemas.openxmlformats.org/officeDocument/2006/relationships" xmlns:p="http://schemas.openxmlformats.org/presentationml/2006/main">
   <p:cSld>
     <p:bg>
@@ -11895,7 +12016,7 @@
 </p:sld>
 </file>
 
-<file path=ppt/slides/slide16.xml><?xml version="1.0" encoding="utf-8"?>
+<file path=ppt/slides/slide17.xml><?xml version="1.0" encoding="utf-8"?>
 <p:sld xmlns:a="http://schemas.openxmlformats.org/drawingml/2006/main" xmlns:r="http://schemas.openxmlformats.org/officeDocument/2006/relationships" xmlns:p="http://schemas.openxmlformats.org/presentationml/2006/main">
   <p:cSld>
     <p:bg>
@@ -11970,7 +12091,7 @@
 </p:sld>
 </file>
 
-<file path=ppt/slides/slide17.xml><?xml version="1.0" encoding="utf-8"?>
+<file path=ppt/slides/slide18.xml><?xml version="1.0" encoding="utf-8"?>
 <p:sld xmlns:a="http://schemas.openxmlformats.org/drawingml/2006/main" xmlns:r="http://schemas.openxmlformats.org/officeDocument/2006/relationships" xmlns:p="http://schemas.openxmlformats.org/presentationml/2006/main">
   <p:cSld>
     <p:bg>
@@ -12093,7 +12214,7 @@
 </p:sld>
 </file>
 
-<file path=ppt/slides/slide18.xml><?xml version="1.0" encoding="utf-8"?>
+<file path=ppt/slides/slide19.xml><?xml version="1.0" encoding="utf-8"?>
 <p:sld xmlns:a="http://schemas.openxmlformats.org/drawingml/2006/main" xmlns:r="http://schemas.openxmlformats.org/officeDocument/2006/relationships" xmlns:p="http://schemas.openxmlformats.org/presentationml/2006/main">
   <p:cSld>
     <p:bg>
@@ -12225,7 +12346,3757 @@
 </p:sld>
 </file>
 
-<file path=ppt/slides/slide19.xml><?xml version="1.0" encoding="utf-8"?>
+<file path=ppt/slides/slide2.xml><?xml version="1.0" encoding="utf-8"?>
+<p:sld xmlns:a="http://schemas.openxmlformats.org/drawingml/2006/main" xmlns:r="http://schemas.openxmlformats.org/officeDocument/2006/relationships" xmlns:p="http://schemas.openxmlformats.org/presentationml/2006/main">
+  <p:cSld>
+    <p:bg>
+      <p:bgPr>
+        <a:noFill/>
+        <a:effectLst/>
+      </p:bgPr>
+    </p:bg>
+    <p:spTree>
+      <p:nvGrpSpPr>
+        <p:cNvPr id="1" name=""/>
+        <p:cNvGrpSpPr/>
+        <p:nvPr/>
+      </p:nvGrpSpPr>
+      <p:grpSpPr>
+        <a:xfrm>
+          <a:off x="0" y="0"/>
+          <a:ext cx="0" cy="0"/>
+          <a:chOff x="0" y="0"/>
+          <a:chExt cx="0" cy="0"/>
+        </a:xfrm>
+      </p:grpSpPr>
+      <p:sp>
+        <p:nvSpPr>
+          <p:cNvPr id="4" name="直角三角形 3"/>
+          <p:cNvSpPr>
+            <a:spLocks noChangeArrowheads="1"/>
+          </p:cNvSpPr>
+          <p:nvPr>
+            <p:custDataLst>
+              <p:tags r:id="rId2"/>
+            </p:custDataLst>
+          </p:nvPr>
+        </p:nvSpPr>
+        <p:spPr bwMode="auto">
+          <a:xfrm>
+            <a:off x="0" y="0"/>
+            <a:ext cx="10401300" cy="6858000"/>
+          </a:xfrm>
+          <a:prstGeom prst="rtTriangle">
+            <a:avLst/>
+          </a:prstGeom>
+          <a:solidFill>
+            <a:schemeClr val="accent1">
+              <a:lumMod val="20000"/>
+              <a:lumOff val="80000"/>
+            </a:schemeClr>
+          </a:solidFill>
+          <a:ln>
+            <a:noFill/>
+          </a:ln>
+        </p:spPr>
+        <p:txBody>
+          <a:bodyPr anchor="ctr"/>
+          <a:lstStyle>
+            <a:lvl1pPr>
+              <a:defRPr>
+                <a:solidFill>
+                  <a:schemeClr val="tx1"/>
+                </a:solidFill>
+                <a:latin typeface="Calibri" panose="020F0502020204030204" charset="0"/>
+                <a:ea typeface="微软雅黑" panose="020B0503020204020204" charset="-122"/>
+              </a:defRPr>
+            </a:lvl1pPr>
+            <a:lvl2pPr marL="742950" indent="-285750">
+              <a:defRPr>
+                <a:solidFill>
+                  <a:schemeClr val="tx1"/>
+                </a:solidFill>
+                <a:latin typeface="Calibri" panose="020F0502020204030204" charset="0"/>
+                <a:ea typeface="微软雅黑" panose="020B0503020204020204" charset="-122"/>
+              </a:defRPr>
+            </a:lvl2pPr>
+            <a:lvl3pPr marL="1143000" indent="-228600">
+              <a:defRPr>
+                <a:solidFill>
+                  <a:schemeClr val="tx1"/>
+                </a:solidFill>
+                <a:latin typeface="Calibri" panose="020F0502020204030204" charset="0"/>
+                <a:ea typeface="微软雅黑" panose="020B0503020204020204" charset="-122"/>
+              </a:defRPr>
+            </a:lvl3pPr>
+            <a:lvl4pPr marL="1600200" indent="-228600">
+              <a:defRPr>
+                <a:solidFill>
+                  <a:schemeClr val="tx1"/>
+                </a:solidFill>
+                <a:latin typeface="Calibri" panose="020F0502020204030204" charset="0"/>
+                <a:ea typeface="微软雅黑" panose="020B0503020204020204" charset="-122"/>
+              </a:defRPr>
+            </a:lvl4pPr>
+            <a:lvl5pPr marL="2057400" indent="-228600">
+              <a:defRPr>
+                <a:solidFill>
+                  <a:schemeClr val="tx1"/>
+                </a:solidFill>
+                <a:latin typeface="Calibri" panose="020F0502020204030204" charset="0"/>
+                <a:ea typeface="微软雅黑" panose="020B0503020204020204" charset="-122"/>
+              </a:defRPr>
+            </a:lvl5pPr>
+            <a:lvl6pPr marL="2514600" indent="-228600" fontAlgn="base">
+              <a:spcBef>
+                <a:spcPct val="0"/>
+              </a:spcBef>
+              <a:spcAft>
+                <a:spcPct val="0"/>
+              </a:spcAft>
+              <a:buFont typeface="Arial" panose="020B0604020202020204" pitchFamily="34" charset="0"/>
+              <a:defRPr>
+                <a:solidFill>
+                  <a:schemeClr val="tx1"/>
+                </a:solidFill>
+                <a:latin typeface="Calibri" panose="020F0502020204030204" charset="0"/>
+                <a:ea typeface="微软雅黑" panose="020B0503020204020204" charset="-122"/>
+              </a:defRPr>
+            </a:lvl6pPr>
+            <a:lvl7pPr marL="2971800" indent="-228600" fontAlgn="base">
+              <a:spcBef>
+                <a:spcPct val="0"/>
+              </a:spcBef>
+              <a:spcAft>
+                <a:spcPct val="0"/>
+              </a:spcAft>
+              <a:buFont typeface="Arial" panose="020B0604020202020204" pitchFamily="34" charset="0"/>
+              <a:defRPr>
+                <a:solidFill>
+                  <a:schemeClr val="tx1"/>
+                </a:solidFill>
+                <a:latin typeface="Calibri" panose="020F0502020204030204" charset="0"/>
+                <a:ea typeface="微软雅黑" panose="020B0503020204020204" charset="-122"/>
+              </a:defRPr>
+            </a:lvl7pPr>
+            <a:lvl8pPr marL="3429000" indent="-228600" fontAlgn="base">
+              <a:spcBef>
+                <a:spcPct val="0"/>
+              </a:spcBef>
+              <a:spcAft>
+                <a:spcPct val="0"/>
+              </a:spcAft>
+              <a:buFont typeface="Arial" panose="020B0604020202020204" pitchFamily="34" charset="0"/>
+              <a:defRPr>
+                <a:solidFill>
+                  <a:schemeClr val="tx1"/>
+                </a:solidFill>
+                <a:latin typeface="Calibri" panose="020F0502020204030204" charset="0"/>
+                <a:ea typeface="微软雅黑" panose="020B0503020204020204" charset="-122"/>
+              </a:defRPr>
+            </a:lvl8pPr>
+            <a:lvl9pPr marL="3886200" indent="-228600" fontAlgn="base">
+              <a:spcBef>
+                <a:spcPct val="0"/>
+              </a:spcBef>
+              <a:spcAft>
+                <a:spcPct val="0"/>
+              </a:spcAft>
+              <a:buFont typeface="Arial" panose="020B0604020202020204" pitchFamily="34" charset="0"/>
+              <a:defRPr>
+                <a:solidFill>
+                  <a:schemeClr val="tx1"/>
+                </a:solidFill>
+                <a:latin typeface="Calibri" panose="020F0502020204030204" charset="0"/>
+                <a:ea typeface="微软雅黑" panose="020B0503020204020204" charset="-122"/>
+              </a:defRPr>
+            </a:lvl9pPr>
+          </a:lstStyle>
+          <a:p>
+            <a:pPr algn="ctr" eaLnBrk="1" hangingPunct="1"/>
+            <a:endParaRPr lang="zh-CN" altLang="en-US">
+              <a:solidFill>
+                <a:srgbClr val="FFFFFF"/>
+              </a:solidFill>
+              <a:latin typeface="+mn-lt"/>
+              <a:ea typeface="+mn-ea"/>
+            </a:endParaRPr>
+          </a:p>
+        </p:txBody>
+      </p:sp>
+      <p:sp>
+        <p:nvSpPr>
+          <p:cNvPr id="6" name="矩形 9"/>
+          <p:cNvSpPr>
+            <a:spLocks noChangeArrowheads="1"/>
+          </p:cNvSpPr>
+          <p:nvPr>
+            <p:custDataLst>
+              <p:tags r:id="rId3"/>
+            </p:custDataLst>
+          </p:nvPr>
+        </p:nvSpPr>
+        <p:spPr bwMode="auto">
+          <a:xfrm>
+            <a:off x="361951" y="767482"/>
+            <a:ext cx="3467100" cy="1040681"/>
+          </a:xfrm>
+          <a:prstGeom prst="rect">
+            <a:avLst/>
+          </a:prstGeom>
+          <a:noFill/>
+          <a:ln>
+            <a:noFill/>
+          </a:ln>
+          <a:extLst>
+            <a:ext uri="{909E8E84-426E-40DD-AFC4-6F175D3DCCD1}">
+              <a14:hiddenFill xmlns:a14="http://schemas.microsoft.com/office/drawing/2010/main">
+                <a:solidFill>
+                  <a:srgbClr val="FFFFFF"/>
+                </a:solidFill>
+              </a14:hiddenFill>
+            </a:ext>
+            <a:ext uri="{91240B29-F687-4F45-9708-019B960494DF}">
+              <a14:hiddenLine xmlns:a14="http://schemas.microsoft.com/office/drawing/2010/main" w="9525">
+                <a:solidFill>
+                  <a:srgbClr val="000000"/>
+                </a:solidFill>
+                <a:miter lim="800000"/>
+                <a:headEnd/>
+                <a:tailEnd/>
+              </a14:hiddenLine>
+            </a:ext>
+          </a:extLst>
+        </p:spPr>
+        <p:txBody>
+          <a:bodyPr wrap="none" anchor="ctr" anchorCtr="0">
+            <a:normAutofit/>
+          </a:bodyPr>
+          <a:lstStyle>
+            <a:lvl1pPr>
+              <a:defRPr>
+                <a:solidFill>
+                  <a:schemeClr val="tx1"/>
+                </a:solidFill>
+                <a:latin typeface="Calibri" panose="020F0502020204030204" charset="0"/>
+                <a:ea typeface="微软雅黑" panose="020B0503020204020204" charset="-122"/>
+              </a:defRPr>
+            </a:lvl1pPr>
+            <a:lvl2pPr marL="742950" indent="-285750">
+              <a:defRPr>
+                <a:solidFill>
+                  <a:schemeClr val="tx1"/>
+                </a:solidFill>
+                <a:latin typeface="Calibri" panose="020F0502020204030204" charset="0"/>
+                <a:ea typeface="微软雅黑" panose="020B0503020204020204" charset="-122"/>
+              </a:defRPr>
+            </a:lvl2pPr>
+            <a:lvl3pPr marL="1143000" indent="-228600">
+              <a:defRPr>
+                <a:solidFill>
+                  <a:schemeClr val="tx1"/>
+                </a:solidFill>
+                <a:latin typeface="Calibri" panose="020F0502020204030204" charset="0"/>
+                <a:ea typeface="微软雅黑" panose="020B0503020204020204" charset="-122"/>
+              </a:defRPr>
+            </a:lvl3pPr>
+            <a:lvl4pPr marL="1600200" indent="-228600">
+              <a:defRPr>
+                <a:solidFill>
+                  <a:schemeClr val="tx1"/>
+                </a:solidFill>
+                <a:latin typeface="Calibri" panose="020F0502020204030204" charset="0"/>
+                <a:ea typeface="微软雅黑" panose="020B0503020204020204" charset="-122"/>
+              </a:defRPr>
+            </a:lvl4pPr>
+            <a:lvl5pPr marL="2057400" indent="-228600">
+              <a:defRPr>
+                <a:solidFill>
+                  <a:schemeClr val="tx1"/>
+                </a:solidFill>
+                <a:latin typeface="Calibri" panose="020F0502020204030204" charset="0"/>
+                <a:ea typeface="微软雅黑" panose="020B0503020204020204" charset="-122"/>
+              </a:defRPr>
+            </a:lvl5pPr>
+            <a:lvl6pPr marL="2514600" indent="-228600" fontAlgn="base">
+              <a:spcBef>
+                <a:spcPct val="0"/>
+              </a:spcBef>
+              <a:spcAft>
+                <a:spcPct val="0"/>
+              </a:spcAft>
+              <a:buFont typeface="Arial" panose="020B0604020202020204" pitchFamily="34" charset="0"/>
+              <a:defRPr>
+                <a:solidFill>
+                  <a:schemeClr val="tx1"/>
+                </a:solidFill>
+                <a:latin typeface="Calibri" panose="020F0502020204030204" charset="0"/>
+                <a:ea typeface="微软雅黑" panose="020B0503020204020204" charset="-122"/>
+              </a:defRPr>
+            </a:lvl6pPr>
+            <a:lvl7pPr marL="2971800" indent="-228600" fontAlgn="base">
+              <a:spcBef>
+                <a:spcPct val="0"/>
+              </a:spcBef>
+              <a:spcAft>
+                <a:spcPct val="0"/>
+              </a:spcAft>
+              <a:buFont typeface="Arial" panose="020B0604020202020204" pitchFamily="34" charset="0"/>
+              <a:defRPr>
+                <a:solidFill>
+                  <a:schemeClr val="tx1"/>
+                </a:solidFill>
+                <a:latin typeface="Calibri" panose="020F0502020204030204" charset="0"/>
+                <a:ea typeface="微软雅黑" panose="020B0503020204020204" charset="-122"/>
+              </a:defRPr>
+            </a:lvl7pPr>
+            <a:lvl8pPr marL="3429000" indent="-228600" fontAlgn="base">
+              <a:spcBef>
+                <a:spcPct val="0"/>
+              </a:spcBef>
+              <a:spcAft>
+                <a:spcPct val="0"/>
+              </a:spcAft>
+              <a:buFont typeface="Arial" panose="020B0604020202020204" pitchFamily="34" charset="0"/>
+              <a:defRPr>
+                <a:solidFill>
+                  <a:schemeClr val="tx1"/>
+                </a:solidFill>
+                <a:latin typeface="Calibri" panose="020F0502020204030204" charset="0"/>
+                <a:ea typeface="微软雅黑" panose="020B0503020204020204" charset="-122"/>
+              </a:defRPr>
+            </a:lvl8pPr>
+            <a:lvl9pPr marL="3886200" indent="-228600" fontAlgn="base">
+              <a:spcBef>
+                <a:spcPct val="0"/>
+              </a:spcBef>
+              <a:spcAft>
+                <a:spcPct val="0"/>
+              </a:spcAft>
+              <a:buFont typeface="Arial" panose="020B0604020202020204" pitchFamily="34" charset="0"/>
+              <a:defRPr>
+                <a:solidFill>
+                  <a:schemeClr val="tx1"/>
+                </a:solidFill>
+                <a:latin typeface="Calibri" panose="020F0502020204030204" charset="0"/>
+                <a:ea typeface="微软雅黑" panose="020B0503020204020204" charset="-122"/>
+              </a:defRPr>
+            </a:lvl9pPr>
+          </a:lstStyle>
+          <a:p>
+            <a:pPr algn="ctr" eaLnBrk="1" hangingPunct="1"/>
+            <a:r>
+              <a:rPr lang="en-US" altLang="zh-CN" sz="4000">
+                <a:solidFill>
+                  <a:schemeClr val="accent1"/>
+                </a:solidFill>
+                <a:latin typeface="+mj-lt"/>
+                <a:ea typeface="+mj-ea"/>
+                <a:cs typeface="+mj-cs"/>
+              </a:rPr>
+              <a:t>CONTENTS</a:t>
+            </a:r>
+          </a:p>
+        </p:txBody>
+      </p:sp>
+      <p:sp>
+        <p:nvSpPr>
+          <p:cNvPr id="7" name="直角三角形 11"/>
+          <p:cNvSpPr>
+            <a:spLocks noChangeArrowheads="1"/>
+          </p:cNvSpPr>
+          <p:nvPr>
+            <p:custDataLst>
+              <p:tags r:id="rId4"/>
+            </p:custDataLst>
+          </p:nvPr>
+        </p:nvSpPr>
+        <p:spPr bwMode="auto">
+          <a:xfrm>
+            <a:off x="1588" y="4468813"/>
+            <a:ext cx="3495675" cy="2389187"/>
+          </a:xfrm>
+          <a:prstGeom prst="rtTriangle">
+            <a:avLst/>
+          </a:prstGeom>
+          <a:solidFill>
+            <a:schemeClr val="accent1"/>
+          </a:solidFill>
+          <a:ln>
+            <a:noFill/>
+          </a:ln>
+        </p:spPr>
+        <p:txBody>
+          <a:bodyPr anchor="ctr"/>
+          <a:lstStyle>
+            <a:lvl1pPr>
+              <a:defRPr>
+                <a:solidFill>
+                  <a:schemeClr val="tx1"/>
+                </a:solidFill>
+                <a:latin typeface="Calibri" panose="020F0502020204030204" charset="0"/>
+                <a:ea typeface="微软雅黑" panose="020B0503020204020204" charset="-122"/>
+              </a:defRPr>
+            </a:lvl1pPr>
+            <a:lvl2pPr marL="742950" indent="-285750">
+              <a:defRPr>
+                <a:solidFill>
+                  <a:schemeClr val="tx1"/>
+                </a:solidFill>
+                <a:latin typeface="Calibri" panose="020F0502020204030204" charset="0"/>
+                <a:ea typeface="微软雅黑" panose="020B0503020204020204" charset="-122"/>
+              </a:defRPr>
+            </a:lvl2pPr>
+            <a:lvl3pPr marL="1143000" indent="-228600">
+              <a:defRPr>
+                <a:solidFill>
+                  <a:schemeClr val="tx1"/>
+                </a:solidFill>
+                <a:latin typeface="Calibri" panose="020F0502020204030204" charset="0"/>
+                <a:ea typeface="微软雅黑" panose="020B0503020204020204" charset="-122"/>
+              </a:defRPr>
+            </a:lvl3pPr>
+            <a:lvl4pPr marL="1600200" indent="-228600">
+              <a:defRPr>
+                <a:solidFill>
+                  <a:schemeClr val="tx1"/>
+                </a:solidFill>
+                <a:latin typeface="Calibri" panose="020F0502020204030204" charset="0"/>
+                <a:ea typeface="微软雅黑" panose="020B0503020204020204" charset="-122"/>
+              </a:defRPr>
+            </a:lvl4pPr>
+            <a:lvl5pPr marL="2057400" indent="-228600">
+              <a:defRPr>
+                <a:solidFill>
+                  <a:schemeClr val="tx1"/>
+                </a:solidFill>
+                <a:latin typeface="Calibri" panose="020F0502020204030204" charset="0"/>
+                <a:ea typeface="微软雅黑" panose="020B0503020204020204" charset="-122"/>
+              </a:defRPr>
+            </a:lvl5pPr>
+            <a:lvl6pPr marL="2514600" indent="-228600" fontAlgn="base">
+              <a:spcBef>
+                <a:spcPct val="0"/>
+              </a:spcBef>
+              <a:spcAft>
+                <a:spcPct val="0"/>
+              </a:spcAft>
+              <a:buFont typeface="Arial" panose="020B0604020202020204" pitchFamily="34" charset="0"/>
+              <a:defRPr>
+                <a:solidFill>
+                  <a:schemeClr val="tx1"/>
+                </a:solidFill>
+                <a:latin typeface="Calibri" panose="020F0502020204030204" charset="0"/>
+                <a:ea typeface="微软雅黑" panose="020B0503020204020204" charset="-122"/>
+              </a:defRPr>
+            </a:lvl6pPr>
+            <a:lvl7pPr marL="2971800" indent="-228600" fontAlgn="base">
+              <a:spcBef>
+                <a:spcPct val="0"/>
+              </a:spcBef>
+              <a:spcAft>
+                <a:spcPct val="0"/>
+              </a:spcAft>
+              <a:buFont typeface="Arial" panose="020B0604020202020204" pitchFamily="34" charset="0"/>
+              <a:defRPr>
+                <a:solidFill>
+                  <a:schemeClr val="tx1"/>
+                </a:solidFill>
+                <a:latin typeface="Calibri" panose="020F0502020204030204" charset="0"/>
+                <a:ea typeface="微软雅黑" panose="020B0503020204020204" charset="-122"/>
+              </a:defRPr>
+            </a:lvl7pPr>
+            <a:lvl8pPr marL="3429000" indent="-228600" fontAlgn="base">
+              <a:spcBef>
+                <a:spcPct val="0"/>
+              </a:spcBef>
+              <a:spcAft>
+                <a:spcPct val="0"/>
+              </a:spcAft>
+              <a:buFont typeface="Arial" panose="020B0604020202020204" pitchFamily="34" charset="0"/>
+              <a:defRPr>
+                <a:solidFill>
+                  <a:schemeClr val="tx1"/>
+                </a:solidFill>
+                <a:latin typeface="Calibri" panose="020F0502020204030204" charset="0"/>
+                <a:ea typeface="微软雅黑" panose="020B0503020204020204" charset="-122"/>
+              </a:defRPr>
+            </a:lvl8pPr>
+            <a:lvl9pPr marL="3886200" indent="-228600" fontAlgn="base">
+              <a:spcBef>
+                <a:spcPct val="0"/>
+              </a:spcBef>
+              <a:spcAft>
+                <a:spcPct val="0"/>
+              </a:spcAft>
+              <a:buFont typeface="Arial" panose="020B0604020202020204" pitchFamily="34" charset="0"/>
+              <a:defRPr>
+                <a:solidFill>
+                  <a:schemeClr val="tx1"/>
+                </a:solidFill>
+                <a:latin typeface="Calibri" panose="020F0502020204030204" charset="0"/>
+                <a:ea typeface="微软雅黑" panose="020B0503020204020204" charset="-122"/>
+              </a:defRPr>
+            </a:lvl9pPr>
+          </a:lstStyle>
+          <a:p>
+            <a:pPr algn="ctr" eaLnBrk="1" hangingPunct="1"/>
+            <a:endParaRPr lang="zh-CN" altLang="en-US">
+              <a:solidFill>
+                <a:srgbClr val="FFFFFF"/>
+              </a:solidFill>
+              <a:latin typeface="+mn-lt"/>
+              <a:ea typeface="+mn-ea"/>
+            </a:endParaRPr>
+          </a:p>
+        </p:txBody>
+      </p:sp>
+      <p:sp>
+        <p:nvSpPr>
+          <p:cNvPr id="8" name="等腰三角形 12"/>
+          <p:cNvSpPr>
+            <a:spLocks noChangeArrowheads="1"/>
+          </p:cNvSpPr>
+          <p:nvPr>
+            <p:custDataLst>
+              <p:tags r:id="rId5"/>
+            </p:custDataLst>
+          </p:nvPr>
+        </p:nvSpPr>
+        <p:spPr bwMode="auto">
+          <a:xfrm rot="5400000" flipH="1">
+            <a:off x="1219201" y="2305050"/>
+            <a:ext cx="2017712" cy="1449387"/>
+          </a:xfrm>
+          <a:prstGeom prst="triangle">
+            <a:avLst>
+              <a:gd name="adj" fmla="val 50000"/>
+            </a:avLst>
+          </a:prstGeom>
+          <a:noFill/>
+          <a:ln w="12700" cmpd="sng">
+            <a:solidFill>
+              <a:schemeClr val="accent1">
+                <a:lumMod val="60000"/>
+                <a:lumOff val="40000"/>
+              </a:schemeClr>
+            </a:solidFill>
+            <a:miter lim="800000"/>
+          </a:ln>
+          <a:extLst>
+            <a:ext uri="{909E8E84-426E-40DD-AFC4-6F175D3DCCD1}">
+              <a14:hiddenFill xmlns:a14="http://schemas.microsoft.com/office/drawing/2010/main">
+                <a:solidFill>
+                  <a:srgbClr val="FFFFFF"/>
+                </a:solidFill>
+              </a14:hiddenFill>
+            </a:ext>
+          </a:extLst>
+        </p:spPr>
+        <p:txBody>
+          <a:bodyPr anchor="ctr"/>
+          <a:lstStyle>
+            <a:lvl1pPr>
+              <a:defRPr>
+                <a:solidFill>
+                  <a:schemeClr val="tx1"/>
+                </a:solidFill>
+                <a:latin typeface="Calibri" panose="020F0502020204030204" charset="0"/>
+                <a:ea typeface="微软雅黑" panose="020B0503020204020204" charset="-122"/>
+              </a:defRPr>
+            </a:lvl1pPr>
+            <a:lvl2pPr marL="742950" indent="-285750">
+              <a:defRPr>
+                <a:solidFill>
+                  <a:schemeClr val="tx1"/>
+                </a:solidFill>
+                <a:latin typeface="Calibri" panose="020F0502020204030204" charset="0"/>
+                <a:ea typeface="微软雅黑" panose="020B0503020204020204" charset="-122"/>
+              </a:defRPr>
+            </a:lvl2pPr>
+            <a:lvl3pPr marL="1143000" indent="-228600">
+              <a:defRPr>
+                <a:solidFill>
+                  <a:schemeClr val="tx1"/>
+                </a:solidFill>
+                <a:latin typeface="Calibri" panose="020F0502020204030204" charset="0"/>
+                <a:ea typeface="微软雅黑" panose="020B0503020204020204" charset="-122"/>
+              </a:defRPr>
+            </a:lvl3pPr>
+            <a:lvl4pPr marL="1600200" indent="-228600">
+              <a:defRPr>
+                <a:solidFill>
+                  <a:schemeClr val="tx1"/>
+                </a:solidFill>
+                <a:latin typeface="Calibri" panose="020F0502020204030204" charset="0"/>
+                <a:ea typeface="微软雅黑" panose="020B0503020204020204" charset="-122"/>
+              </a:defRPr>
+            </a:lvl4pPr>
+            <a:lvl5pPr marL="2057400" indent="-228600">
+              <a:defRPr>
+                <a:solidFill>
+                  <a:schemeClr val="tx1"/>
+                </a:solidFill>
+                <a:latin typeface="Calibri" panose="020F0502020204030204" charset="0"/>
+                <a:ea typeface="微软雅黑" panose="020B0503020204020204" charset="-122"/>
+              </a:defRPr>
+            </a:lvl5pPr>
+            <a:lvl6pPr marL="2514600" indent="-228600" fontAlgn="base">
+              <a:spcBef>
+                <a:spcPct val="0"/>
+              </a:spcBef>
+              <a:spcAft>
+                <a:spcPct val="0"/>
+              </a:spcAft>
+              <a:buFont typeface="Arial" panose="020B0604020202020204" pitchFamily="34" charset="0"/>
+              <a:defRPr>
+                <a:solidFill>
+                  <a:schemeClr val="tx1"/>
+                </a:solidFill>
+                <a:latin typeface="Calibri" panose="020F0502020204030204" charset="0"/>
+                <a:ea typeface="微软雅黑" panose="020B0503020204020204" charset="-122"/>
+              </a:defRPr>
+            </a:lvl6pPr>
+            <a:lvl7pPr marL="2971800" indent="-228600" fontAlgn="base">
+              <a:spcBef>
+                <a:spcPct val="0"/>
+              </a:spcBef>
+              <a:spcAft>
+                <a:spcPct val="0"/>
+              </a:spcAft>
+              <a:buFont typeface="Arial" panose="020B0604020202020204" pitchFamily="34" charset="0"/>
+              <a:defRPr>
+                <a:solidFill>
+                  <a:schemeClr val="tx1"/>
+                </a:solidFill>
+                <a:latin typeface="Calibri" panose="020F0502020204030204" charset="0"/>
+                <a:ea typeface="微软雅黑" panose="020B0503020204020204" charset="-122"/>
+              </a:defRPr>
+            </a:lvl7pPr>
+            <a:lvl8pPr marL="3429000" indent="-228600" fontAlgn="base">
+              <a:spcBef>
+                <a:spcPct val="0"/>
+              </a:spcBef>
+              <a:spcAft>
+                <a:spcPct val="0"/>
+              </a:spcAft>
+              <a:buFont typeface="Arial" panose="020B0604020202020204" pitchFamily="34" charset="0"/>
+              <a:defRPr>
+                <a:solidFill>
+                  <a:schemeClr val="tx1"/>
+                </a:solidFill>
+                <a:latin typeface="Calibri" panose="020F0502020204030204" charset="0"/>
+                <a:ea typeface="微软雅黑" panose="020B0503020204020204" charset="-122"/>
+              </a:defRPr>
+            </a:lvl8pPr>
+            <a:lvl9pPr marL="3886200" indent="-228600" fontAlgn="base">
+              <a:spcBef>
+                <a:spcPct val="0"/>
+              </a:spcBef>
+              <a:spcAft>
+                <a:spcPct val="0"/>
+              </a:spcAft>
+              <a:buFont typeface="Arial" panose="020B0604020202020204" pitchFamily="34" charset="0"/>
+              <a:defRPr>
+                <a:solidFill>
+                  <a:schemeClr val="tx1"/>
+                </a:solidFill>
+                <a:latin typeface="Calibri" panose="020F0502020204030204" charset="0"/>
+                <a:ea typeface="微软雅黑" panose="020B0503020204020204" charset="-122"/>
+              </a:defRPr>
+            </a:lvl9pPr>
+          </a:lstStyle>
+          <a:p>
+            <a:pPr algn="ctr" eaLnBrk="1" hangingPunct="1"/>
+            <a:endParaRPr lang="zh-CN" altLang="en-US">
+              <a:solidFill>
+                <a:srgbClr val="FFFFFF"/>
+              </a:solidFill>
+              <a:latin typeface="+mn-lt"/>
+              <a:ea typeface="+mn-ea"/>
+            </a:endParaRPr>
+          </a:p>
+        </p:txBody>
+      </p:sp>
+      <p:sp>
+        <p:nvSpPr>
+          <p:cNvPr id="9" name="等腰三角形 13"/>
+          <p:cNvSpPr>
+            <a:spLocks noChangeArrowheads="1"/>
+          </p:cNvSpPr>
+          <p:nvPr>
+            <p:custDataLst>
+              <p:tags r:id="rId6"/>
+            </p:custDataLst>
+          </p:nvPr>
+        </p:nvSpPr>
+        <p:spPr bwMode="auto">
+          <a:xfrm rot="5400000" flipH="1">
+            <a:off x="2050098" y="3152775"/>
+            <a:ext cx="1187450" cy="854075"/>
+          </a:xfrm>
+          <a:prstGeom prst="triangle">
+            <a:avLst>
+              <a:gd name="adj" fmla="val 50000"/>
+            </a:avLst>
+          </a:prstGeom>
+          <a:noFill/>
+          <a:ln w="12700" cmpd="sng">
+            <a:solidFill>
+              <a:schemeClr val="accent1">
+                <a:lumMod val="60000"/>
+                <a:lumOff val="40000"/>
+              </a:schemeClr>
+            </a:solidFill>
+            <a:miter lim="800000"/>
+          </a:ln>
+          <a:extLst>
+            <a:ext uri="{909E8E84-426E-40DD-AFC4-6F175D3DCCD1}">
+              <a14:hiddenFill xmlns:a14="http://schemas.microsoft.com/office/drawing/2010/main">
+                <a:solidFill>
+                  <a:srgbClr val="FFFFFF"/>
+                </a:solidFill>
+              </a14:hiddenFill>
+            </a:ext>
+          </a:extLst>
+        </p:spPr>
+        <p:txBody>
+          <a:bodyPr anchor="ctr"/>
+          <a:lstStyle>
+            <a:lvl1pPr>
+              <a:defRPr>
+                <a:solidFill>
+                  <a:schemeClr val="tx1"/>
+                </a:solidFill>
+                <a:latin typeface="Calibri" panose="020F0502020204030204" charset="0"/>
+                <a:ea typeface="微软雅黑" panose="020B0503020204020204" charset="-122"/>
+              </a:defRPr>
+            </a:lvl1pPr>
+            <a:lvl2pPr marL="742950" indent="-285750">
+              <a:defRPr>
+                <a:solidFill>
+                  <a:schemeClr val="tx1"/>
+                </a:solidFill>
+                <a:latin typeface="Calibri" panose="020F0502020204030204" charset="0"/>
+                <a:ea typeface="微软雅黑" panose="020B0503020204020204" charset="-122"/>
+              </a:defRPr>
+            </a:lvl2pPr>
+            <a:lvl3pPr marL="1143000" indent="-228600">
+              <a:defRPr>
+                <a:solidFill>
+                  <a:schemeClr val="tx1"/>
+                </a:solidFill>
+                <a:latin typeface="Calibri" panose="020F0502020204030204" charset="0"/>
+                <a:ea typeface="微软雅黑" panose="020B0503020204020204" charset="-122"/>
+              </a:defRPr>
+            </a:lvl3pPr>
+            <a:lvl4pPr marL="1600200" indent="-228600">
+              <a:defRPr>
+                <a:solidFill>
+                  <a:schemeClr val="tx1"/>
+                </a:solidFill>
+                <a:latin typeface="Calibri" panose="020F0502020204030204" charset="0"/>
+                <a:ea typeface="微软雅黑" panose="020B0503020204020204" charset="-122"/>
+              </a:defRPr>
+            </a:lvl4pPr>
+            <a:lvl5pPr marL="2057400" indent="-228600">
+              <a:defRPr>
+                <a:solidFill>
+                  <a:schemeClr val="tx1"/>
+                </a:solidFill>
+                <a:latin typeface="Calibri" panose="020F0502020204030204" charset="0"/>
+                <a:ea typeface="微软雅黑" panose="020B0503020204020204" charset="-122"/>
+              </a:defRPr>
+            </a:lvl5pPr>
+            <a:lvl6pPr marL="2514600" indent="-228600" fontAlgn="base">
+              <a:spcBef>
+                <a:spcPct val="0"/>
+              </a:spcBef>
+              <a:spcAft>
+                <a:spcPct val="0"/>
+              </a:spcAft>
+              <a:buFont typeface="Arial" panose="020B0604020202020204" pitchFamily="34" charset="0"/>
+              <a:defRPr>
+                <a:solidFill>
+                  <a:schemeClr val="tx1"/>
+                </a:solidFill>
+                <a:latin typeface="Calibri" panose="020F0502020204030204" charset="0"/>
+                <a:ea typeface="微软雅黑" panose="020B0503020204020204" charset="-122"/>
+              </a:defRPr>
+            </a:lvl6pPr>
+            <a:lvl7pPr marL="2971800" indent="-228600" fontAlgn="base">
+              <a:spcBef>
+                <a:spcPct val="0"/>
+              </a:spcBef>
+              <a:spcAft>
+                <a:spcPct val="0"/>
+              </a:spcAft>
+              <a:buFont typeface="Arial" panose="020B0604020202020204" pitchFamily="34" charset="0"/>
+              <a:defRPr>
+                <a:solidFill>
+                  <a:schemeClr val="tx1"/>
+                </a:solidFill>
+                <a:latin typeface="Calibri" panose="020F0502020204030204" charset="0"/>
+                <a:ea typeface="微软雅黑" panose="020B0503020204020204" charset="-122"/>
+              </a:defRPr>
+            </a:lvl7pPr>
+            <a:lvl8pPr marL="3429000" indent="-228600" fontAlgn="base">
+              <a:spcBef>
+                <a:spcPct val="0"/>
+              </a:spcBef>
+              <a:spcAft>
+                <a:spcPct val="0"/>
+              </a:spcAft>
+              <a:buFont typeface="Arial" panose="020B0604020202020204" pitchFamily="34" charset="0"/>
+              <a:defRPr>
+                <a:solidFill>
+                  <a:schemeClr val="tx1"/>
+                </a:solidFill>
+                <a:latin typeface="Calibri" panose="020F0502020204030204" charset="0"/>
+                <a:ea typeface="微软雅黑" panose="020B0503020204020204" charset="-122"/>
+              </a:defRPr>
+            </a:lvl8pPr>
+            <a:lvl9pPr marL="3886200" indent="-228600" fontAlgn="base">
+              <a:spcBef>
+                <a:spcPct val="0"/>
+              </a:spcBef>
+              <a:spcAft>
+                <a:spcPct val="0"/>
+              </a:spcAft>
+              <a:buFont typeface="Arial" panose="020B0604020202020204" pitchFamily="34" charset="0"/>
+              <a:defRPr>
+                <a:solidFill>
+                  <a:schemeClr val="tx1"/>
+                </a:solidFill>
+                <a:latin typeface="Calibri" panose="020F0502020204030204" charset="0"/>
+                <a:ea typeface="微软雅黑" panose="020B0503020204020204" charset="-122"/>
+              </a:defRPr>
+            </a:lvl9pPr>
+          </a:lstStyle>
+          <a:p>
+            <a:pPr algn="ctr" eaLnBrk="1" hangingPunct="1"/>
+            <a:endParaRPr lang="zh-CN" altLang="en-US">
+              <a:solidFill>
+                <a:srgbClr val="FFFFFF"/>
+              </a:solidFill>
+              <a:latin typeface="+mn-lt"/>
+              <a:ea typeface="+mn-ea"/>
+            </a:endParaRPr>
+          </a:p>
+        </p:txBody>
+      </p:sp>
+      <p:sp>
+        <p:nvSpPr>
+          <p:cNvPr id="11" name="等腰三角形 1"/>
+          <p:cNvSpPr>
+            <a:spLocks noChangeArrowheads="1"/>
+          </p:cNvSpPr>
+          <p:nvPr>
+            <p:custDataLst>
+              <p:tags r:id="rId7"/>
+            </p:custDataLst>
+          </p:nvPr>
+        </p:nvSpPr>
+        <p:spPr bwMode="auto">
+          <a:xfrm rot="5400000">
+            <a:off x="5773346" y="536967"/>
+            <a:ext cx="790680" cy="681948"/>
+          </a:xfrm>
+          <a:prstGeom prst="triangle">
+            <a:avLst>
+              <a:gd name="adj" fmla="val 50000"/>
+            </a:avLst>
+          </a:prstGeom>
+          <a:solidFill>
+            <a:schemeClr val="accent1"/>
+          </a:solidFill>
+          <a:ln>
+            <a:noFill/>
+          </a:ln>
+        </p:spPr>
+        <p:txBody>
+          <a:bodyPr anchor="ctr"/>
+          <a:lstStyle>
+            <a:lvl1pPr>
+              <a:defRPr>
+                <a:solidFill>
+                  <a:schemeClr val="tx1"/>
+                </a:solidFill>
+                <a:latin typeface="Calibri" panose="020F0502020204030204" charset="0"/>
+                <a:ea typeface="微软雅黑" panose="020B0503020204020204" charset="-122"/>
+              </a:defRPr>
+            </a:lvl1pPr>
+            <a:lvl2pPr marL="742950" indent="-285750">
+              <a:defRPr>
+                <a:solidFill>
+                  <a:schemeClr val="tx1"/>
+                </a:solidFill>
+                <a:latin typeface="Calibri" panose="020F0502020204030204" charset="0"/>
+                <a:ea typeface="微软雅黑" panose="020B0503020204020204" charset="-122"/>
+              </a:defRPr>
+            </a:lvl2pPr>
+            <a:lvl3pPr marL="1143000" indent="-228600">
+              <a:defRPr>
+                <a:solidFill>
+                  <a:schemeClr val="tx1"/>
+                </a:solidFill>
+                <a:latin typeface="Calibri" panose="020F0502020204030204" charset="0"/>
+                <a:ea typeface="微软雅黑" panose="020B0503020204020204" charset="-122"/>
+              </a:defRPr>
+            </a:lvl3pPr>
+            <a:lvl4pPr marL="1600200" indent="-228600">
+              <a:defRPr>
+                <a:solidFill>
+                  <a:schemeClr val="tx1"/>
+                </a:solidFill>
+                <a:latin typeface="Calibri" panose="020F0502020204030204" charset="0"/>
+                <a:ea typeface="微软雅黑" panose="020B0503020204020204" charset="-122"/>
+              </a:defRPr>
+            </a:lvl4pPr>
+            <a:lvl5pPr marL="2057400" indent="-228600">
+              <a:defRPr>
+                <a:solidFill>
+                  <a:schemeClr val="tx1"/>
+                </a:solidFill>
+                <a:latin typeface="Calibri" panose="020F0502020204030204" charset="0"/>
+                <a:ea typeface="微软雅黑" panose="020B0503020204020204" charset="-122"/>
+              </a:defRPr>
+            </a:lvl5pPr>
+            <a:lvl6pPr marL="2514600" indent="-228600" fontAlgn="base">
+              <a:spcBef>
+                <a:spcPct val="0"/>
+              </a:spcBef>
+              <a:spcAft>
+                <a:spcPct val="0"/>
+              </a:spcAft>
+              <a:buFont typeface="Arial" panose="020B0604020202020204" pitchFamily="34" charset="0"/>
+              <a:defRPr>
+                <a:solidFill>
+                  <a:schemeClr val="tx1"/>
+                </a:solidFill>
+                <a:latin typeface="Calibri" panose="020F0502020204030204" charset="0"/>
+                <a:ea typeface="微软雅黑" panose="020B0503020204020204" charset="-122"/>
+              </a:defRPr>
+            </a:lvl6pPr>
+            <a:lvl7pPr marL="2971800" indent="-228600" fontAlgn="base">
+              <a:spcBef>
+                <a:spcPct val="0"/>
+              </a:spcBef>
+              <a:spcAft>
+                <a:spcPct val="0"/>
+              </a:spcAft>
+              <a:buFont typeface="Arial" panose="020B0604020202020204" pitchFamily="34" charset="0"/>
+              <a:defRPr>
+                <a:solidFill>
+                  <a:schemeClr val="tx1"/>
+                </a:solidFill>
+                <a:latin typeface="Calibri" panose="020F0502020204030204" charset="0"/>
+                <a:ea typeface="微软雅黑" panose="020B0503020204020204" charset="-122"/>
+              </a:defRPr>
+            </a:lvl7pPr>
+            <a:lvl8pPr marL="3429000" indent="-228600" fontAlgn="base">
+              <a:spcBef>
+                <a:spcPct val="0"/>
+              </a:spcBef>
+              <a:spcAft>
+                <a:spcPct val="0"/>
+              </a:spcAft>
+              <a:buFont typeface="Arial" panose="020B0604020202020204" pitchFamily="34" charset="0"/>
+              <a:defRPr>
+                <a:solidFill>
+                  <a:schemeClr val="tx1"/>
+                </a:solidFill>
+                <a:latin typeface="Calibri" panose="020F0502020204030204" charset="0"/>
+                <a:ea typeface="微软雅黑" panose="020B0503020204020204" charset="-122"/>
+              </a:defRPr>
+            </a:lvl8pPr>
+            <a:lvl9pPr marL="3886200" indent="-228600" fontAlgn="base">
+              <a:spcBef>
+                <a:spcPct val="0"/>
+              </a:spcBef>
+              <a:spcAft>
+                <a:spcPct val="0"/>
+              </a:spcAft>
+              <a:buFont typeface="Arial" panose="020B0604020202020204" pitchFamily="34" charset="0"/>
+              <a:defRPr>
+                <a:solidFill>
+                  <a:schemeClr val="tx1"/>
+                </a:solidFill>
+                <a:latin typeface="Calibri" panose="020F0502020204030204" charset="0"/>
+                <a:ea typeface="微软雅黑" panose="020B0503020204020204" charset="-122"/>
+              </a:defRPr>
+            </a:lvl9pPr>
+          </a:lstStyle>
+          <a:p>
+            <a:pPr algn="ctr" eaLnBrk="1" hangingPunct="1"/>
+            <a:endParaRPr lang="zh-CN" altLang="en-US">
+              <a:solidFill>
+                <a:srgbClr val="FFFFFF"/>
+              </a:solidFill>
+              <a:latin typeface="+mn-lt"/>
+              <a:ea typeface="+mn-ea"/>
+            </a:endParaRPr>
+          </a:p>
+        </p:txBody>
+      </p:sp>
+      <p:sp>
+        <p:nvSpPr>
+          <p:cNvPr id="12" name="等腰三角形 10"/>
+          <p:cNvSpPr>
+            <a:spLocks noChangeArrowheads="1"/>
+          </p:cNvSpPr>
+          <p:nvPr>
+            <p:custDataLst>
+              <p:tags r:id="rId8"/>
+            </p:custDataLst>
+          </p:nvPr>
+        </p:nvSpPr>
+        <p:spPr bwMode="auto">
+          <a:xfrm rot="5400000">
+            <a:off x="5939215" y="810003"/>
+            <a:ext cx="618405" cy="533364"/>
+          </a:xfrm>
+          <a:prstGeom prst="triangle">
+            <a:avLst>
+              <a:gd name="adj" fmla="val 50000"/>
+            </a:avLst>
+          </a:prstGeom>
+          <a:solidFill>
+            <a:schemeClr val="bg1"/>
+          </a:solidFill>
+          <a:ln>
+            <a:noFill/>
+          </a:ln>
+        </p:spPr>
+        <p:txBody>
+          <a:bodyPr anchor="ctr"/>
+          <a:lstStyle>
+            <a:lvl1pPr>
+              <a:defRPr>
+                <a:solidFill>
+                  <a:schemeClr val="tx1"/>
+                </a:solidFill>
+                <a:latin typeface="Calibri" panose="020F0502020204030204" charset="0"/>
+                <a:ea typeface="微软雅黑" panose="020B0503020204020204" charset="-122"/>
+              </a:defRPr>
+            </a:lvl1pPr>
+            <a:lvl2pPr marL="742950" indent="-285750">
+              <a:defRPr>
+                <a:solidFill>
+                  <a:schemeClr val="tx1"/>
+                </a:solidFill>
+                <a:latin typeface="Calibri" panose="020F0502020204030204" charset="0"/>
+                <a:ea typeface="微软雅黑" panose="020B0503020204020204" charset="-122"/>
+              </a:defRPr>
+            </a:lvl2pPr>
+            <a:lvl3pPr marL="1143000" indent="-228600">
+              <a:defRPr>
+                <a:solidFill>
+                  <a:schemeClr val="tx1"/>
+                </a:solidFill>
+                <a:latin typeface="Calibri" panose="020F0502020204030204" charset="0"/>
+                <a:ea typeface="微软雅黑" panose="020B0503020204020204" charset="-122"/>
+              </a:defRPr>
+            </a:lvl3pPr>
+            <a:lvl4pPr marL="1600200" indent="-228600">
+              <a:defRPr>
+                <a:solidFill>
+                  <a:schemeClr val="tx1"/>
+                </a:solidFill>
+                <a:latin typeface="Calibri" panose="020F0502020204030204" charset="0"/>
+                <a:ea typeface="微软雅黑" panose="020B0503020204020204" charset="-122"/>
+              </a:defRPr>
+            </a:lvl4pPr>
+            <a:lvl5pPr marL="2057400" indent="-228600">
+              <a:defRPr>
+                <a:solidFill>
+                  <a:schemeClr val="tx1"/>
+                </a:solidFill>
+                <a:latin typeface="Calibri" panose="020F0502020204030204" charset="0"/>
+                <a:ea typeface="微软雅黑" panose="020B0503020204020204" charset="-122"/>
+              </a:defRPr>
+            </a:lvl5pPr>
+            <a:lvl6pPr marL="2514600" indent="-228600" fontAlgn="base">
+              <a:spcBef>
+                <a:spcPct val="0"/>
+              </a:spcBef>
+              <a:spcAft>
+                <a:spcPct val="0"/>
+              </a:spcAft>
+              <a:buFont typeface="Arial" panose="020B0604020202020204" pitchFamily="34" charset="0"/>
+              <a:defRPr>
+                <a:solidFill>
+                  <a:schemeClr val="tx1"/>
+                </a:solidFill>
+                <a:latin typeface="Calibri" panose="020F0502020204030204" charset="0"/>
+                <a:ea typeface="微软雅黑" panose="020B0503020204020204" charset="-122"/>
+              </a:defRPr>
+            </a:lvl6pPr>
+            <a:lvl7pPr marL="2971800" indent="-228600" fontAlgn="base">
+              <a:spcBef>
+                <a:spcPct val="0"/>
+              </a:spcBef>
+              <a:spcAft>
+                <a:spcPct val="0"/>
+              </a:spcAft>
+              <a:buFont typeface="Arial" panose="020B0604020202020204" pitchFamily="34" charset="0"/>
+              <a:defRPr>
+                <a:solidFill>
+                  <a:schemeClr val="tx1"/>
+                </a:solidFill>
+                <a:latin typeface="Calibri" panose="020F0502020204030204" charset="0"/>
+                <a:ea typeface="微软雅黑" panose="020B0503020204020204" charset="-122"/>
+              </a:defRPr>
+            </a:lvl7pPr>
+            <a:lvl8pPr marL="3429000" indent="-228600" fontAlgn="base">
+              <a:spcBef>
+                <a:spcPct val="0"/>
+              </a:spcBef>
+              <a:spcAft>
+                <a:spcPct val="0"/>
+              </a:spcAft>
+              <a:buFont typeface="Arial" panose="020B0604020202020204" pitchFamily="34" charset="0"/>
+              <a:defRPr>
+                <a:solidFill>
+                  <a:schemeClr val="tx1"/>
+                </a:solidFill>
+                <a:latin typeface="Calibri" panose="020F0502020204030204" charset="0"/>
+                <a:ea typeface="微软雅黑" panose="020B0503020204020204" charset="-122"/>
+              </a:defRPr>
+            </a:lvl8pPr>
+            <a:lvl9pPr marL="3886200" indent="-228600" fontAlgn="base">
+              <a:spcBef>
+                <a:spcPct val="0"/>
+              </a:spcBef>
+              <a:spcAft>
+                <a:spcPct val="0"/>
+              </a:spcAft>
+              <a:buFont typeface="Arial" panose="020B0604020202020204" pitchFamily="34" charset="0"/>
+              <a:defRPr>
+                <a:solidFill>
+                  <a:schemeClr val="tx1"/>
+                </a:solidFill>
+                <a:latin typeface="Calibri" panose="020F0502020204030204" charset="0"/>
+                <a:ea typeface="微软雅黑" panose="020B0503020204020204" charset="-122"/>
+              </a:defRPr>
+            </a:lvl9pPr>
+          </a:lstStyle>
+          <a:p>
+            <a:pPr algn="ctr" eaLnBrk="1" hangingPunct="1"/>
+            <a:endParaRPr lang="zh-CN" altLang="en-US">
+              <a:solidFill>
+                <a:srgbClr val="FFFFFF"/>
+              </a:solidFill>
+              <a:latin typeface="+mn-lt"/>
+              <a:ea typeface="+mn-ea"/>
+            </a:endParaRPr>
+          </a:p>
+        </p:txBody>
+      </p:sp>
+      <p:sp>
+        <p:nvSpPr>
+          <p:cNvPr id="13" name="文本框 2"/>
+          <p:cNvSpPr txBox="1">
+            <a:spLocks noChangeArrowheads="1"/>
+          </p:cNvSpPr>
+          <p:nvPr>
+            <p:custDataLst>
+              <p:tags r:id="rId9"/>
+            </p:custDataLst>
+          </p:nvPr>
+        </p:nvSpPr>
+        <p:spPr bwMode="auto">
+          <a:xfrm>
+            <a:off x="6757988" y="371475"/>
+            <a:ext cx="4002087" cy="1014414"/>
+          </a:xfrm>
+          <a:prstGeom prst="rect">
+            <a:avLst/>
+          </a:prstGeom>
+          <a:noFill/>
+          <a:ln>
+            <a:noFill/>
+          </a:ln>
+          <a:extLst>
+            <a:ext uri="{909E8E84-426E-40DD-AFC4-6F175D3DCCD1}">
+              <a14:hiddenFill xmlns:a14="http://schemas.microsoft.com/office/drawing/2010/main">
+                <a:solidFill>
+                  <a:srgbClr val="FFFFFF"/>
+                </a:solidFill>
+              </a14:hiddenFill>
+            </a:ext>
+            <a:ext uri="{91240B29-F687-4F45-9708-019B960494DF}">
+              <a14:hiddenLine xmlns:a14="http://schemas.microsoft.com/office/drawing/2010/main" w="9525">
+                <a:solidFill>
+                  <a:srgbClr val="000000"/>
+                </a:solidFill>
+                <a:miter lim="800000"/>
+                <a:headEnd/>
+                <a:tailEnd/>
+              </a14:hiddenLine>
+            </a:ext>
+          </a:extLst>
+        </p:spPr>
+        <p:txBody>
+          <a:bodyPr wrap="square" lIns="0" rIns="0" anchor="ctr" anchorCtr="0">
+            <a:normAutofit/>
+          </a:bodyPr>
+          <a:lstStyle>
+            <a:lvl1pPr>
+              <a:defRPr>
+                <a:solidFill>
+                  <a:schemeClr val="tx1"/>
+                </a:solidFill>
+                <a:latin typeface="Calibri" panose="020F0502020204030204" charset="0"/>
+                <a:ea typeface="微软雅黑" panose="020B0503020204020204" charset="-122"/>
+              </a:defRPr>
+            </a:lvl1pPr>
+            <a:lvl2pPr marL="742950" indent="-285750">
+              <a:defRPr>
+                <a:solidFill>
+                  <a:schemeClr val="tx1"/>
+                </a:solidFill>
+                <a:latin typeface="Calibri" panose="020F0502020204030204" charset="0"/>
+                <a:ea typeface="微软雅黑" panose="020B0503020204020204" charset="-122"/>
+              </a:defRPr>
+            </a:lvl2pPr>
+            <a:lvl3pPr marL="1143000" indent="-228600">
+              <a:defRPr>
+                <a:solidFill>
+                  <a:schemeClr val="tx1"/>
+                </a:solidFill>
+                <a:latin typeface="Calibri" panose="020F0502020204030204" charset="0"/>
+                <a:ea typeface="微软雅黑" panose="020B0503020204020204" charset="-122"/>
+              </a:defRPr>
+            </a:lvl3pPr>
+            <a:lvl4pPr marL="1600200" indent="-228600">
+              <a:defRPr>
+                <a:solidFill>
+                  <a:schemeClr val="tx1"/>
+                </a:solidFill>
+                <a:latin typeface="Calibri" panose="020F0502020204030204" charset="0"/>
+                <a:ea typeface="微软雅黑" panose="020B0503020204020204" charset="-122"/>
+              </a:defRPr>
+            </a:lvl4pPr>
+            <a:lvl5pPr marL="2057400" indent="-228600">
+              <a:defRPr>
+                <a:solidFill>
+                  <a:schemeClr val="tx1"/>
+                </a:solidFill>
+                <a:latin typeface="Calibri" panose="020F0502020204030204" charset="0"/>
+                <a:ea typeface="微软雅黑" panose="020B0503020204020204" charset="-122"/>
+              </a:defRPr>
+            </a:lvl5pPr>
+            <a:lvl6pPr marL="2514600" indent="-228600" fontAlgn="base">
+              <a:spcBef>
+                <a:spcPct val="0"/>
+              </a:spcBef>
+              <a:spcAft>
+                <a:spcPct val="0"/>
+              </a:spcAft>
+              <a:buFont typeface="Arial" panose="020B0604020202020204" pitchFamily="34" charset="0"/>
+              <a:defRPr>
+                <a:solidFill>
+                  <a:schemeClr val="tx1"/>
+                </a:solidFill>
+                <a:latin typeface="Calibri" panose="020F0502020204030204" charset="0"/>
+                <a:ea typeface="微软雅黑" panose="020B0503020204020204" charset="-122"/>
+              </a:defRPr>
+            </a:lvl6pPr>
+            <a:lvl7pPr marL="2971800" indent="-228600" fontAlgn="base">
+              <a:spcBef>
+                <a:spcPct val="0"/>
+              </a:spcBef>
+              <a:spcAft>
+                <a:spcPct val="0"/>
+              </a:spcAft>
+              <a:buFont typeface="Arial" panose="020B0604020202020204" pitchFamily="34" charset="0"/>
+              <a:defRPr>
+                <a:solidFill>
+                  <a:schemeClr val="tx1"/>
+                </a:solidFill>
+                <a:latin typeface="Calibri" panose="020F0502020204030204" charset="0"/>
+                <a:ea typeface="微软雅黑" panose="020B0503020204020204" charset="-122"/>
+              </a:defRPr>
+            </a:lvl7pPr>
+            <a:lvl8pPr marL="3429000" indent="-228600" fontAlgn="base">
+              <a:spcBef>
+                <a:spcPct val="0"/>
+              </a:spcBef>
+              <a:spcAft>
+                <a:spcPct val="0"/>
+              </a:spcAft>
+              <a:buFont typeface="Arial" panose="020B0604020202020204" pitchFamily="34" charset="0"/>
+              <a:defRPr>
+                <a:solidFill>
+                  <a:schemeClr val="tx1"/>
+                </a:solidFill>
+                <a:latin typeface="Calibri" panose="020F0502020204030204" charset="0"/>
+                <a:ea typeface="微软雅黑" panose="020B0503020204020204" charset="-122"/>
+              </a:defRPr>
+            </a:lvl8pPr>
+            <a:lvl9pPr marL="3886200" indent="-228600" fontAlgn="base">
+              <a:spcBef>
+                <a:spcPct val="0"/>
+              </a:spcBef>
+              <a:spcAft>
+                <a:spcPct val="0"/>
+              </a:spcAft>
+              <a:buFont typeface="Arial" panose="020B0604020202020204" pitchFamily="34" charset="0"/>
+              <a:defRPr>
+                <a:solidFill>
+                  <a:schemeClr val="tx1"/>
+                </a:solidFill>
+                <a:latin typeface="Calibri" panose="020F0502020204030204" charset="0"/>
+                <a:ea typeface="微软雅黑" panose="020B0503020204020204" charset="-122"/>
+              </a:defRPr>
+            </a:lvl9pPr>
+          </a:lstStyle>
+          <a:p>
+            <a:r>
+              <a:rPr lang="en-US" altLang="zh-CN" sz="2400">
+                <a:latin typeface="+mn-lt"/>
+                <a:ea typeface="+mn-ea"/>
+                <a:sym typeface="+mn-ea"/>
+              </a:rPr>
+              <a:t>用户的需求</a:t>
+            </a:r>
+            <a:r>
+              <a:rPr lang="zh-CN" altLang="en-US" sz="2400">
+                <a:latin typeface="+mn-lt"/>
+                <a:ea typeface="+mn-ea"/>
+                <a:sym typeface="+mn-ea"/>
+              </a:rPr>
+              <a:t>变更</a:t>
+            </a:r>
+            <a:endParaRPr lang="en-US" altLang="zh-CN" sz="2400">
+              <a:latin typeface="+mn-lt"/>
+              <a:ea typeface="+mn-ea"/>
+            </a:endParaRPr>
+          </a:p>
+        </p:txBody>
+      </p:sp>
+      <p:sp>
+        <p:nvSpPr>
+          <p:cNvPr id="15" name="等腰三角形 34"/>
+          <p:cNvSpPr>
+            <a:spLocks noChangeArrowheads="1"/>
+          </p:cNvSpPr>
+          <p:nvPr>
+            <p:custDataLst>
+              <p:tags r:id="rId10"/>
+            </p:custDataLst>
+          </p:nvPr>
+        </p:nvSpPr>
+        <p:spPr bwMode="auto">
+          <a:xfrm rot="5400000">
+            <a:off x="5773347" y="1529154"/>
+            <a:ext cx="790679" cy="681948"/>
+          </a:xfrm>
+          <a:prstGeom prst="triangle">
+            <a:avLst>
+              <a:gd name="adj" fmla="val 50000"/>
+            </a:avLst>
+          </a:prstGeom>
+          <a:solidFill>
+            <a:schemeClr val="accent1"/>
+          </a:solidFill>
+          <a:ln>
+            <a:noFill/>
+          </a:ln>
+        </p:spPr>
+        <p:txBody>
+          <a:bodyPr anchor="ctr"/>
+          <a:lstStyle>
+            <a:lvl1pPr>
+              <a:defRPr>
+                <a:solidFill>
+                  <a:schemeClr val="tx1"/>
+                </a:solidFill>
+                <a:latin typeface="Calibri" panose="020F0502020204030204" charset="0"/>
+                <a:ea typeface="微软雅黑" panose="020B0503020204020204" charset="-122"/>
+              </a:defRPr>
+            </a:lvl1pPr>
+            <a:lvl2pPr marL="742950" indent="-285750">
+              <a:defRPr>
+                <a:solidFill>
+                  <a:schemeClr val="tx1"/>
+                </a:solidFill>
+                <a:latin typeface="Calibri" panose="020F0502020204030204" charset="0"/>
+                <a:ea typeface="微软雅黑" panose="020B0503020204020204" charset="-122"/>
+              </a:defRPr>
+            </a:lvl2pPr>
+            <a:lvl3pPr marL="1143000" indent="-228600">
+              <a:defRPr>
+                <a:solidFill>
+                  <a:schemeClr val="tx1"/>
+                </a:solidFill>
+                <a:latin typeface="Calibri" panose="020F0502020204030204" charset="0"/>
+                <a:ea typeface="微软雅黑" panose="020B0503020204020204" charset="-122"/>
+              </a:defRPr>
+            </a:lvl3pPr>
+            <a:lvl4pPr marL="1600200" indent="-228600">
+              <a:defRPr>
+                <a:solidFill>
+                  <a:schemeClr val="tx1"/>
+                </a:solidFill>
+                <a:latin typeface="Calibri" panose="020F0502020204030204" charset="0"/>
+                <a:ea typeface="微软雅黑" panose="020B0503020204020204" charset="-122"/>
+              </a:defRPr>
+            </a:lvl4pPr>
+            <a:lvl5pPr marL="2057400" indent="-228600">
+              <a:defRPr>
+                <a:solidFill>
+                  <a:schemeClr val="tx1"/>
+                </a:solidFill>
+                <a:latin typeface="Calibri" panose="020F0502020204030204" charset="0"/>
+                <a:ea typeface="微软雅黑" panose="020B0503020204020204" charset="-122"/>
+              </a:defRPr>
+            </a:lvl5pPr>
+            <a:lvl6pPr marL="2514600" indent="-228600" fontAlgn="base">
+              <a:spcBef>
+                <a:spcPct val="0"/>
+              </a:spcBef>
+              <a:spcAft>
+                <a:spcPct val="0"/>
+              </a:spcAft>
+              <a:buFont typeface="Arial" panose="020B0604020202020204" pitchFamily="34" charset="0"/>
+              <a:defRPr>
+                <a:solidFill>
+                  <a:schemeClr val="tx1"/>
+                </a:solidFill>
+                <a:latin typeface="Calibri" panose="020F0502020204030204" charset="0"/>
+                <a:ea typeface="微软雅黑" panose="020B0503020204020204" charset="-122"/>
+              </a:defRPr>
+            </a:lvl6pPr>
+            <a:lvl7pPr marL="2971800" indent="-228600" fontAlgn="base">
+              <a:spcBef>
+                <a:spcPct val="0"/>
+              </a:spcBef>
+              <a:spcAft>
+                <a:spcPct val="0"/>
+              </a:spcAft>
+              <a:buFont typeface="Arial" panose="020B0604020202020204" pitchFamily="34" charset="0"/>
+              <a:defRPr>
+                <a:solidFill>
+                  <a:schemeClr val="tx1"/>
+                </a:solidFill>
+                <a:latin typeface="Calibri" panose="020F0502020204030204" charset="0"/>
+                <a:ea typeface="微软雅黑" panose="020B0503020204020204" charset="-122"/>
+              </a:defRPr>
+            </a:lvl7pPr>
+            <a:lvl8pPr marL="3429000" indent="-228600" fontAlgn="base">
+              <a:spcBef>
+                <a:spcPct val="0"/>
+              </a:spcBef>
+              <a:spcAft>
+                <a:spcPct val="0"/>
+              </a:spcAft>
+              <a:buFont typeface="Arial" panose="020B0604020202020204" pitchFamily="34" charset="0"/>
+              <a:defRPr>
+                <a:solidFill>
+                  <a:schemeClr val="tx1"/>
+                </a:solidFill>
+                <a:latin typeface="Calibri" panose="020F0502020204030204" charset="0"/>
+                <a:ea typeface="微软雅黑" panose="020B0503020204020204" charset="-122"/>
+              </a:defRPr>
+            </a:lvl8pPr>
+            <a:lvl9pPr marL="3886200" indent="-228600" fontAlgn="base">
+              <a:spcBef>
+                <a:spcPct val="0"/>
+              </a:spcBef>
+              <a:spcAft>
+                <a:spcPct val="0"/>
+              </a:spcAft>
+              <a:buFont typeface="Arial" panose="020B0604020202020204" pitchFamily="34" charset="0"/>
+              <a:defRPr>
+                <a:solidFill>
+                  <a:schemeClr val="tx1"/>
+                </a:solidFill>
+                <a:latin typeface="Calibri" panose="020F0502020204030204" charset="0"/>
+                <a:ea typeface="微软雅黑" panose="020B0503020204020204" charset="-122"/>
+              </a:defRPr>
+            </a:lvl9pPr>
+          </a:lstStyle>
+          <a:p>
+            <a:pPr algn="ctr" eaLnBrk="1" hangingPunct="1"/>
+            <a:endParaRPr lang="zh-CN" altLang="en-US">
+              <a:solidFill>
+                <a:srgbClr val="FFFFFF"/>
+              </a:solidFill>
+              <a:latin typeface="+mn-lt"/>
+              <a:ea typeface="+mn-ea"/>
+            </a:endParaRPr>
+          </a:p>
+        </p:txBody>
+      </p:sp>
+      <p:sp>
+        <p:nvSpPr>
+          <p:cNvPr id="16" name="等腰三角形 35"/>
+          <p:cNvSpPr>
+            <a:spLocks noChangeArrowheads="1"/>
+          </p:cNvSpPr>
+          <p:nvPr>
+            <p:custDataLst>
+              <p:tags r:id="rId11"/>
+            </p:custDataLst>
+          </p:nvPr>
+        </p:nvSpPr>
+        <p:spPr bwMode="auto">
+          <a:xfrm rot="5400000">
+            <a:off x="5939215" y="1802190"/>
+            <a:ext cx="618404" cy="533364"/>
+          </a:xfrm>
+          <a:prstGeom prst="triangle">
+            <a:avLst>
+              <a:gd name="adj" fmla="val 50000"/>
+            </a:avLst>
+          </a:prstGeom>
+          <a:solidFill>
+            <a:schemeClr val="bg1"/>
+          </a:solidFill>
+          <a:ln>
+            <a:noFill/>
+          </a:ln>
+        </p:spPr>
+        <p:txBody>
+          <a:bodyPr anchor="ctr"/>
+          <a:lstStyle>
+            <a:lvl1pPr>
+              <a:defRPr>
+                <a:solidFill>
+                  <a:schemeClr val="tx1"/>
+                </a:solidFill>
+                <a:latin typeface="Calibri" panose="020F0502020204030204" charset="0"/>
+                <a:ea typeface="微软雅黑" panose="020B0503020204020204" charset="-122"/>
+              </a:defRPr>
+            </a:lvl1pPr>
+            <a:lvl2pPr marL="742950" indent="-285750">
+              <a:defRPr>
+                <a:solidFill>
+                  <a:schemeClr val="tx1"/>
+                </a:solidFill>
+                <a:latin typeface="Calibri" panose="020F0502020204030204" charset="0"/>
+                <a:ea typeface="微软雅黑" panose="020B0503020204020204" charset="-122"/>
+              </a:defRPr>
+            </a:lvl2pPr>
+            <a:lvl3pPr marL="1143000" indent="-228600">
+              <a:defRPr>
+                <a:solidFill>
+                  <a:schemeClr val="tx1"/>
+                </a:solidFill>
+                <a:latin typeface="Calibri" panose="020F0502020204030204" charset="0"/>
+                <a:ea typeface="微软雅黑" panose="020B0503020204020204" charset="-122"/>
+              </a:defRPr>
+            </a:lvl3pPr>
+            <a:lvl4pPr marL="1600200" indent="-228600">
+              <a:defRPr>
+                <a:solidFill>
+                  <a:schemeClr val="tx1"/>
+                </a:solidFill>
+                <a:latin typeface="Calibri" panose="020F0502020204030204" charset="0"/>
+                <a:ea typeface="微软雅黑" panose="020B0503020204020204" charset="-122"/>
+              </a:defRPr>
+            </a:lvl4pPr>
+            <a:lvl5pPr marL="2057400" indent="-228600">
+              <a:defRPr>
+                <a:solidFill>
+                  <a:schemeClr val="tx1"/>
+                </a:solidFill>
+                <a:latin typeface="Calibri" panose="020F0502020204030204" charset="0"/>
+                <a:ea typeface="微软雅黑" panose="020B0503020204020204" charset="-122"/>
+              </a:defRPr>
+            </a:lvl5pPr>
+            <a:lvl6pPr marL="2514600" indent="-228600" fontAlgn="base">
+              <a:spcBef>
+                <a:spcPct val="0"/>
+              </a:spcBef>
+              <a:spcAft>
+                <a:spcPct val="0"/>
+              </a:spcAft>
+              <a:buFont typeface="Arial" panose="020B0604020202020204" pitchFamily="34" charset="0"/>
+              <a:defRPr>
+                <a:solidFill>
+                  <a:schemeClr val="tx1"/>
+                </a:solidFill>
+                <a:latin typeface="Calibri" panose="020F0502020204030204" charset="0"/>
+                <a:ea typeface="微软雅黑" panose="020B0503020204020204" charset="-122"/>
+              </a:defRPr>
+            </a:lvl6pPr>
+            <a:lvl7pPr marL="2971800" indent="-228600" fontAlgn="base">
+              <a:spcBef>
+                <a:spcPct val="0"/>
+              </a:spcBef>
+              <a:spcAft>
+                <a:spcPct val="0"/>
+              </a:spcAft>
+              <a:buFont typeface="Arial" panose="020B0604020202020204" pitchFamily="34" charset="0"/>
+              <a:defRPr>
+                <a:solidFill>
+                  <a:schemeClr val="tx1"/>
+                </a:solidFill>
+                <a:latin typeface="Calibri" panose="020F0502020204030204" charset="0"/>
+                <a:ea typeface="微软雅黑" panose="020B0503020204020204" charset="-122"/>
+              </a:defRPr>
+            </a:lvl7pPr>
+            <a:lvl8pPr marL="3429000" indent="-228600" fontAlgn="base">
+              <a:spcBef>
+                <a:spcPct val="0"/>
+              </a:spcBef>
+              <a:spcAft>
+                <a:spcPct val="0"/>
+              </a:spcAft>
+              <a:buFont typeface="Arial" panose="020B0604020202020204" pitchFamily="34" charset="0"/>
+              <a:defRPr>
+                <a:solidFill>
+                  <a:schemeClr val="tx1"/>
+                </a:solidFill>
+                <a:latin typeface="Calibri" panose="020F0502020204030204" charset="0"/>
+                <a:ea typeface="微软雅黑" panose="020B0503020204020204" charset="-122"/>
+              </a:defRPr>
+            </a:lvl8pPr>
+            <a:lvl9pPr marL="3886200" indent="-228600" fontAlgn="base">
+              <a:spcBef>
+                <a:spcPct val="0"/>
+              </a:spcBef>
+              <a:spcAft>
+                <a:spcPct val="0"/>
+              </a:spcAft>
+              <a:buFont typeface="Arial" panose="020B0604020202020204" pitchFamily="34" charset="0"/>
+              <a:defRPr>
+                <a:solidFill>
+                  <a:schemeClr val="tx1"/>
+                </a:solidFill>
+                <a:latin typeface="Calibri" panose="020F0502020204030204" charset="0"/>
+                <a:ea typeface="微软雅黑" panose="020B0503020204020204" charset="-122"/>
+              </a:defRPr>
+            </a:lvl9pPr>
+          </a:lstStyle>
+          <a:p>
+            <a:pPr algn="ctr" eaLnBrk="1" hangingPunct="1"/>
+            <a:endParaRPr lang="zh-CN" altLang="en-US">
+              <a:solidFill>
+                <a:srgbClr val="FFFFFF"/>
+              </a:solidFill>
+              <a:latin typeface="+mn-lt"/>
+              <a:ea typeface="+mn-ea"/>
+            </a:endParaRPr>
+          </a:p>
+        </p:txBody>
+      </p:sp>
+      <p:sp>
+        <p:nvSpPr>
+          <p:cNvPr id="17" name="文本框 36"/>
+          <p:cNvSpPr txBox="1">
+            <a:spLocks noChangeArrowheads="1"/>
+          </p:cNvSpPr>
+          <p:nvPr>
+            <p:custDataLst>
+              <p:tags r:id="rId12"/>
+            </p:custDataLst>
+          </p:nvPr>
+        </p:nvSpPr>
+        <p:spPr bwMode="auto">
+          <a:xfrm>
+            <a:off x="6757988" y="1362394"/>
+            <a:ext cx="4002087" cy="1014410"/>
+          </a:xfrm>
+          <a:prstGeom prst="rect">
+            <a:avLst/>
+          </a:prstGeom>
+          <a:noFill/>
+          <a:ln>
+            <a:noFill/>
+          </a:ln>
+          <a:extLst>
+            <a:ext uri="{909E8E84-426E-40DD-AFC4-6F175D3DCCD1}">
+              <a14:hiddenFill xmlns:a14="http://schemas.microsoft.com/office/drawing/2010/main">
+                <a:solidFill>
+                  <a:srgbClr val="FFFFFF"/>
+                </a:solidFill>
+              </a14:hiddenFill>
+            </a:ext>
+            <a:ext uri="{91240B29-F687-4F45-9708-019B960494DF}">
+              <a14:hiddenLine xmlns:a14="http://schemas.microsoft.com/office/drawing/2010/main" w="9525">
+                <a:solidFill>
+                  <a:srgbClr val="000000"/>
+                </a:solidFill>
+                <a:miter lim="800000"/>
+                <a:headEnd/>
+                <a:tailEnd/>
+              </a14:hiddenLine>
+            </a:ext>
+          </a:extLst>
+        </p:spPr>
+        <p:txBody>
+          <a:bodyPr wrap="square" lIns="0" rIns="0" anchor="ctr" anchorCtr="0">
+            <a:normAutofit/>
+          </a:bodyPr>
+          <a:lstStyle>
+            <a:lvl1pPr>
+              <a:defRPr>
+                <a:solidFill>
+                  <a:schemeClr val="tx1"/>
+                </a:solidFill>
+                <a:latin typeface="Calibri" panose="020F0502020204030204" charset="0"/>
+                <a:ea typeface="微软雅黑" panose="020B0503020204020204" charset="-122"/>
+              </a:defRPr>
+            </a:lvl1pPr>
+            <a:lvl2pPr marL="742950" indent="-285750">
+              <a:defRPr>
+                <a:solidFill>
+                  <a:schemeClr val="tx1"/>
+                </a:solidFill>
+                <a:latin typeface="Calibri" panose="020F0502020204030204" charset="0"/>
+                <a:ea typeface="微软雅黑" panose="020B0503020204020204" charset="-122"/>
+              </a:defRPr>
+            </a:lvl2pPr>
+            <a:lvl3pPr marL="1143000" indent="-228600">
+              <a:defRPr>
+                <a:solidFill>
+                  <a:schemeClr val="tx1"/>
+                </a:solidFill>
+                <a:latin typeface="Calibri" panose="020F0502020204030204" charset="0"/>
+                <a:ea typeface="微软雅黑" panose="020B0503020204020204" charset="-122"/>
+              </a:defRPr>
+            </a:lvl3pPr>
+            <a:lvl4pPr marL="1600200" indent="-228600">
+              <a:defRPr>
+                <a:solidFill>
+                  <a:schemeClr val="tx1"/>
+                </a:solidFill>
+                <a:latin typeface="Calibri" panose="020F0502020204030204" charset="0"/>
+                <a:ea typeface="微软雅黑" panose="020B0503020204020204" charset="-122"/>
+              </a:defRPr>
+            </a:lvl4pPr>
+            <a:lvl5pPr marL="2057400" indent="-228600">
+              <a:defRPr>
+                <a:solidFill>
+                  <a:schemeClr val="tx1"/>
+                </a:solidFill>
+                <a:latin typeface="Calibri" panose="020F0502020204030204" charset="0"/>
+                <a:ea typeface="微软雅黑" panose="020B0503020204020204" charset="-122"/>
+              </a:defRPr>
+            </a:lvl5pPr>
+            <a:lvl6pPr marL="2514600" indent="-228600" fontAlgn="base">
+              <a:spcBef>
+                <a:spcPct val="0"/>
+              </a:spcBef>
+              <a:spcAft>
+                <a:spcPct val="0"/>
+              </a:spcAft>
+              <a:buFont typeface="Arial" panose="020B0604020202020204" pitchFamily="34" charset="0"/>
+              <a:defRPr>
+                <a:solidFill>
+                  <a:schemeClr val="tx1"/>
+                </a:solidFill>
+                <a:latin typeface="Calibri" panose="020F0502020204030204" charset="0"/>
+                <a:ea typeface="微软雅黑" panose="020B0503020204020204" charset="-122"/>
+              </a:defRPr>
+            </a:lvl6pPr>
+            <a:lvl7pPr marL="2971800" indent="-228600" fontAlgn="base">
+              <a:spcBef>
+                <a:spcPct val="0"/>
+              </a:spcBef>
+              <a:spcAft>
+                <a:spcPct val="0"/>
+              </a:spcAft>
+              <a:buFont typeface="Arial" panose="020B0604020202020204" pitchFamily="34" charset="0"/>
+              <a:defRPr>
+                <a:solidFill>
+                  <a:schemeClr val="tx1"/>
+                </a:solidFill>
+                <a:latin typeface="Calibri" panose="020F0502020204030204" charset="0"/>
+                <a:ea typeface="微软雅黑" panose="020B0503020204020204" charset="-122"/>
+              </a:defRPr>
+            </a:lvl7pPr>
+            <a:lvl8pPr marL="3429000" indent="-228600" fontAlgn="base">
+              <a:spcBef>
+                <a:spcPct val="0"/>
+              </a:spcBef>
+              <a:spcAft>
+                <a:spcPct val="0"/>
+              </a:spcAft>
+              <a:buFont typeface="Arial" panose="020B0604020202020204" pitchFamily="34" charset="0"/>
+              <a:defRPr>
+                <a:solidFill>
+                  <a:schemeClr val="tx1"/>
+                </a:solidFill>
+                <a:latin typeface="Calibri" panose="020F0502020204030204" charset="0"/>
+                <a:ea typeface="微软雅黑" panose="020B0503020204020204" charset="-122"/>
+              </a:defRPr>
+            </a:lvl8pPr>
+            <a:lvl9pPr marL="3886200" indent="-228600" fontAlgn="base">
+              <a:spcBef>
+                <a:spcPct val="0"/>
+              </a:spcBef>
+              <a:spcAft>
+                <a:spcPct val="0"/>
+              </a:spcAft>
+              <a:buFont typeface="Arial" panose="020B0604020202020204" pitchFamily="34" charset="0"/>
+              <a:defRPr>
+                <a:solidFill>
+                  <a:schemeClr val="tx1"/>
+                </a:solidFill>
+                <a:latin typeface="Calibri" panose="020F0502020204030204" charset="0"/>
+                <a:ea typeface="微软雅黑" panose="020B0503020204020204" charset="-122"/>
+              </a:defRPr>
+            </a:lvl9pPr>
+          </a:lstStyle>
+          <a:p>
+            <a:r>
+              <a:rPr lang="zh-CN" altLang="en-US" sz="2400">
+                <a:latin typeface="+mn-lt"/>
+                <a:ea typeface="+mn-ea"/>
+                <a:sym typeface="+mn-ea"/>
+              </a:rPr>
+              <a:t>需求管理工具</a:t>
+            </a:r>
+          </a:p>
+        </p:txBody>
+      </p:sp>
+      <p:sp>
+        <p:nvSpPr>
+          <p:cNvPr id="19" name="等腰三角形 43"/>
+          <p:cNvSpPr>
+            <a:spLocks noChangeArrowheads="1"/>
+          </p:cNvSpPr>
+          <p:nvPr>
+            <p:custDataLst>
+              <p:tags r:id="rId13"/>
+            </p:custDataLst>
+          </p:nvPr>
+        </p:nvSpPr>
+        <p:spPr bwMode="auto">
+          <a:xfrm rot="5400000">
+            <a:off x="5774041" y="2522235"/>
+            <a:ext cx="789290" cy="681948"/>
+          </a:xfrm>
+          <a:prstGeom prst="triangle">
+            <a:avLst>
+              <a:gd name="adj" fmla="val 50000"/>
+            </a:avLst>
+          </a:prstGeom>
+          <a:solidFill>
+            <a:schemeClr val="accent1"/>
+          </a:solidFill>
+          <a:ln>
+            <a:noFill/>
+          </a:ln>
+        </p:spPr>
+        <p:txBody>
+          <a:bodyPr anchor="ctr"/>
+          <a:lstStyle>
+            <a:lvl1pPr>
+              <a:defRPr>
+                <a:solidFill>
+                  <a:schemeClr val="tx1"/>
+                </a:solidFill>
+                <a:latin typeface="Calibri" panose="020F0502020204030204" charset="0"/>
+                <a:ea typeface="微软雅黑" panose="020B0503020204020204" charset="-122"/>
+              </a:defRPr>
+            </a:lvl1pPr>
+            <a:lvl2pPr marL="742950" indent="-285750">
+              <a:defRPr>
+                <a:solidFill>
+                  <a:schemeClr val="tx1"/>
+                </a:solidFill>
+                <a:latin typeface="Calibri" panose="020F0502020204030204" charset="0"/>
+                <a:ea typeface="微软雅黑" panose="020B0503020204020204" charset="-122"/>
+              </a:defRPr>
+            </a:lvl2pPr>
+            <a:lvl3pPr marL="1143000" indent="-228600">
+              <a:defRPr>
+                <a:solidFill>
+                  <a:schemeClr val="tx1"/>
+                </a:solidFill>
+                <a:latin typeface="Calibri" panose="020F0502020204030204" charset="0"/>
+                <a:ea typeface="微软雅黑" panose="020B0503020204020204" charset="-122"/>
+              </a:defRPr>
+            </a:lvl3pPr>
+            <a:lvl4pPr marL="1600200" indent="-228600">
+              <a:defRPr>
+                <a:solidFill>
+                  <a:schemeClr val="tx1"/>
+                </a:solidFill>
+                <a:latin typeface="Calibri" panose="020F0502020204030204" charset="0"/>
+                <a:ea typeface="微软雅黑" panose="020B0503020204020204" charset="-122"/>
+              </a:defRPr>
+            </a:lvl4pPr>
+            <a:lvl5pPr marL="2057400" indent="-228600">
+              <a:defRPr>
+                <a:solidFill>
+                  <a:schemeClr val="tx1"/>
+                </a:solidFill>
+                <a:latin typeface="Calibri" panose="020F0502020204030204" charset="0"/>
+                <a:ea typeface="微软雅黑" panose="020B0503020204020204" charset="-122"/>
+              </a:defRPr>
+            </a:lvl5pPr>
+            <a:lvl6pPr marL="2514600" indent="-228600" fontAlgn="base">
+              <a:spcBef>
+                <a:spcPct val="0"/>
+              </a:spcBef>
+              <a:spcAft>
+                <a:spcPct val="0"/>
+              </a:spcAft>
+              <a:buFont typeface="Arial" panose="020B0604020202020204" pitchFamily="34" charset="0"/>
+              <a:defRPr>
+                <a:solidFill>
+                  <a:schemeClr val="tx1"/>
+                </a:solidFill>
+                <a:latin typeface="Calibri" panose="020F0502020204030204" charset="0"/>
+                <a:ea typeface="微软雅黑" panose="020B0503020204020204" charset="-122"/>
+              </a:defRPr>
+            </a:lvl6pPr>
+            <a:lvl7pPr marL="2971800" indent="-228600" fontAlgn="base">
+              <a:spcBef>
+                <a:spcPct val="0"/>
+              </a:spcBef>
+              <a:spcAft>
+                <a:spcPct val="0"/>
+              </a:spcAft>
+              <a:buFont typeface="Arial" panose="020B0604020202020204" pitchFamily="34" charset="0"/>
+              <a:defRPr>
+                <a:solidFill>
+                  <a:schemeClr val="tx1"/>
+                </a:solidFill>
+                <a:latin typeface="Calibri" panose="020F0502020204030204" charset="0"/>
+                <a:ea typeface="微软雅黑" panose="020B0503020204020204" charset="-122"/>
+              </a:defRPr>
+            </a:lvl7pPr>
+            <a:lvl8pPr marL="3429000" indent="-228600" fontAlgn="base">
+              <a:spcBef>
+                <a:spcPct val="0"/>
+              </a:spcBef>
+              <a:spcAft>
+                <a:spcPct val="0"/>
+              </a:spcAft>
+              <a:buFont typeface="Arial" panose="020B0604020202020204" pitchFamily="34" charset="0"/>
+              <a:defRPr>
+                <a:solidFill>
+                  <a:schemeClr val="tx1"/>
+                </a:solidFill>
+                <a:latin typeface="Calibri" panose="020F0502020204030204" charset="0"/>
+                <a:ea typeface="微软雅黑" panose="020B0503020204020204" charset="-122"/>
+              </a:defRPr>
+            </a:lvl8pPr>
+            <a:lvl9pPr marL="3886200" indent="-228600" fontAlgn="base">
+              <a:spcBef>
+                <a:spcPct val="0"/>
+              </a:spcBef>
+              <a:spcAft>
+                <a:spcPct val="0"/>
+              </a:spcAft>
+              <a:buFont typeface="Arial" panose="020B0604020202020204" pitchFamily="34" charset="0"/>
+              <a:defRPr>
+                <a:solidFill>
+                  <a:schemeClr val="tx1"/>
+                </a:solidFill>
+                <a:latin typeface="Calibri" panose="020F0502020204030204" charset="0"/>
+                <a:ea typeface="微软雅黑" panose="020B0503020204020204" charset="-122"/>
+              </a:defRPr>
+            </a:lvl9pPr>
+          </a:lstStyle>
+          <a:p>
+            <a:pPr algn="ctr" eaLnBrk="1" hangingPunct="1"/>
+            <a:endParaRPr lang="zh-CN" altLang="en-US">
+              <a:solidFill>
+                <a:srgbClr val="FFFFFF"/>
+              </a:solidFill>
+              <a:latin typeface="+mn-lt"/>
+              <a:ea typeface="+mn-ea"/>
+            </a:endParaRPr>
+          </a:p>
+        </p:txBody>
+      </p:sp>
+      <p:sp>
+        <p:nvSpPr>
+          <p:cNvPr id="20" name="等腰三角形 44"/>
+          <p:cNvSpPr>
+            <a:spLocks noChangeArrowheads="1"/>
+          </p:cNvSpPr>
+          <p:nvPr>
+            <p:custDataLst>
+              <p:tags r:id="rId14"/>
+            </p:custDataLst>
+          </p:nvPr>
+        </p:nvSpPr>
+        <p:spPr bwMode="auto">
+          <a:xfrm rot="5400000">
+            <a:off x="5939758" y="2794921"/>
+            <a:ext cx="617318" cy="533364"/>
+          </a:xfrm>
+          <a:prstGeom prst="triangle">
+            <a:avLst>
+              <a:gd name="adj" fmla="val 50000"/>
+            </a:avLst>
+          </a:prstGeom>
+          <a:solidFill>
+            <a:schemeClr val="bg1"/>
+          </a:solidFill>
+          <a:ln>
+            <a:noFill/>
+          </a:ln>
+        </p:spPr>
+        <p:txBody>
+          <a:bodyPr anchor="ctr"/>
+          <a:lstStyle>
+            <a:lvl1pPr>
+              <a:defRPr>
+                <a:solidFill>
+                  <a:schemeClr val="tx1"/>
+                </a:solidFill>
+                <a:latin typeface="Calibri" panose="020F0502020204030204" charset="0"/>
+                <a:ea typeface="微软雅黑" panose="020B0503020204020204" charset="-122"/>
+              </a:defRPr>
+            </a:lvl1pPr>
+            <a:lvl2pPr marL="742950" indent="-285750">
+              <a:defRPr>
+                <a:solidFill>
+                  <a:schemeClr val="tx1"/>
+                </a:solidFill>
+                <a:latin typeface="Calibri" panose="020F0502020204030204" charset="0"/>
+                <a:ea typeface="微软雅黑" panose="020B0503020204020204" charset="-122"/>
+              </a:defRPr>
+            </a:lvl2pPr>
+            <a:lvl3pPr marL="1143000" indent="-228600">
+              <a:defRPr>
+                <a:solidFill>
+                  <a:schemeClr val="tx1"/>
+                </a:solidFill>
+                <a:latin typeface="Calibri" panose="020F0502020204030204" charset="0"/>
+                <a:ea typeface="微软雅黑" panose="020B0503020204020204" charset="-122"/>
+              </a:defRPr>
+            </a:lvl3pPr>
+            <a:lvl4pPr marL="1600200" indent="-228600">
+              <a:defRPr>
+                <a:solidFill>
+                  <a:schemeClr val="tx1"/>
+                </a:solidFill>
+                <a:latin typeface="Calibri" panose="020F0502020204030204" charset="0"/>
+                <a:ea typeface="微软雅黑" panose="020B0503020204020204" charset="-122"/>
+              </a:defRPr>
+            </a:lvl4pPr>
+            <a:lvl5pPr marL="2057400" indent="-228600">
+              <a:defRPr>
+                <a:solidFill>
+                  <a:schemeClr val="tx1"/>
+                </a:solidFill>
+                <a:latin typeface="Calibri" panose="020F0502020204030204" charset="0"/>
+                <a:ea typeface="微软雅黑" panose="020B0503020204020204" charset="-122"/>
+              </a:defRPr>
+            </a:lvl5pPr>
+            <a:lvl6pPr marL="2514600" indent="-228600" fontAlgn="base">
+              <a:spcBef>
+                <a:spcPct val="0"/>
+              </a:spcBef>
+              <a:spcAft>
+                <a:spcPct val="0"/>
+              </a:spcAft>
+              <a:buFont typeface="Arial" panose="020B0604020202020204" pitchFamily="34" charset="0"/>
+              <a:defRPr>
+                <a:solidFill>
+                  <a:schemeClr val="tx1"/>
+                </a:solidFill>
+                <a:latin typeface="Calibri" panose="020F0502020204030204" charset="0"/>
+                <a:ea typeface="微软雅黑" panose="020B0503020204020204" charset="-122"/>
+              </a:defRPr>
+            </a:lvl6pPr>
+            <a:lvl7pPr marL="2971800" indent="-228600" fontAlgn="base">
+              <a:spcBef>
+                <a:spcPct val="0"/>
+              </a:spcBef>
+              <a:spcAft>
+                <a:spcPct val="0"/>
+              </a:spcAft>
+              <a:buFont typeface="Arial" panose="020B0604020202020204" pitchFamily="34" charset="0"/>
+              <a:defRPr>
+                <a:solidFill>
+                  <a:schemeClr val="tx1"/>
+                </a:solidFill>
+                <a:latin typeface="Calibri" panose="020F0502020204030204" charset="0"/>
+                <a:ea typeface="微软雅黑" panose="020B0503020204020204" charset="-122"/>
+              </a:defRPr>
+            </a:lvl7pPr>
+            <a:lvl8pPr marL="3429000" indent="-228600" fontAlgn="base">
+              <a:spcBef>
+                <a:spcPct val="0"/>
+              </a:spcBef>
+              <a:spcAft>
+                <a:spcPct val="0"/>
+              </a:spcAft>
+              <a:buFont typeface="Arial" panose="020B0604020202020204" pitchFamily="34" charset="0"/>
+              <a:defRPr>
+                <a:solidFill>
+                  <a:schemeClr val="tx1"/>
+                </a:solidFill>
+                <a:latin typeface="Calibri" panose="020F0502020204030204" charset="0"/>
+                <a:ea typeface="微软雅黑" panose="020B0503020204020204" charset="-122"/>
+              </a:defRPr>
+            </a:lvl8pPr>
+            <a:lvl9pPr marL="3886200" indent="-228600" fontAlgn="base">
+              <a:spcBef>
+                <a:spcPct val="0"/>
+              </a:spcBef>
+              <a:spcAft>
+                <a:spcPct val="0"/>
+              </a:spcAft>
+              <a:buFont typeface="Arial" panose="020B0604020202020204" pitchFamily="34" charset="0"/>
+              <a:defRPr>
+                <a:solidFill>
+                  <a:schemeClr val="tx1"/>
+                </a:solidFill>
+                <a:latin typeface="Calibri" panose="020F0502020204030204" charset="0"/>
+                <a:ea typeface="微软雅黑" panose="020B0503020204020204" charset="-122"/>
+              </a:defRPr>
+            </a:lvl9pPr>
+          </a:lstStyle>
+          <a:p>
+            <a:pPr algn="ctr" eaLnBrk="1" hangingPunct="1"/>
+            <a:endParaRPr lang="zh-CN" altLang="en-US">
+              <a:solidFill>
+                <a:srgbClr val="FFFFFF"/>
+              </a:solidFill>
+              <a:latin typeface="+mn-lt"/>
+              <a:ea typeface="+mn-ea"/>
+            </a:endParaRPr>
+          </a:p>
+        </p:txBody>
+      </p:sp>
+      <p:sp>
+        <p:nvSpPr>
+          <p:cNvPr id="21" name="文本框 45"/>
+          <p:cNvSpPr txBox="1">
+            <a:spLocks noChangeArrowheads="1"/>
+          </p:cNvSpPr>
+          <p:nvPr>
+            <p:custDataLst>
+              <p:tags r:id="rId15"/>
+            </p:custDataLst>
+          </p:nvPr>
+        </p:nvSpPr>
+        <p:spPr bwMode="auto">
+          <a:xfrm>
+            <a:off x="6757988" y="2355850"/>
+            <a:ext cx="4002087" cy="1014414"/>
+          </a:xfrm>
+          <a:prstGeom prst="rect">
+            <a:avLst/>
+          </a:prstGeom>
+          <a:noFill/>
+          <a:ln>
+            <a:noFill/>
+          </a:ln>
+          <a:extLst>
+            <a:ext uri="{909E8E84-426E-40DD-AFC4-6F175D3DCCD1}">
+              <a14:hiddenFill xmlns:a14="http://schemas.microsoft.com/office/drawing/2010/main">
+                <a:solidFill>
+                  <a:srgbClr val="FFFFFF"/>
+                </a:solidFill>
+              </a14:hiddenFill>
+            </a:ext>
+            <a:ext uri="{91240B29-F687-4F45-9708-019B960494DF}">
+              <a14:hiddenLine xmlns:a14="http://schemas.microsoft.com/office/drawing/2010/main" w="9525">
+                <a:solidFill>
+                  <a:srgbClr val="000000"/>
+                </a:solidFill>
+                <a:miter lim="800000"/>
+                <a:headEnd/>
+                <a:tailEnd/>
+              </a14:hiddenLine>
+            </a:ext>
+          </a:extLst>
+        </p:spPr>
+        <p:txBody>
+          <a:bodyPr wrap="square" lIns="0" rIns="0" anchor="ctr" anchorCtr="0">
+            <a:normAutofit/>
+          </a:bodyPr>
+          <a:lstStyle>
+            <a:lvl1pPr>
+              <a:defRPr>
+                <a:solidFill>
+                  <a:schemeClr val="tx1"/>
+                </a:solidFill>
+                <a:latin typeface="Calibri" panose="020F0502020204030204" charset="0"/>
+                <a:ea typeface="微软雅黑" panose="020B0503020204020204" charset="-122"/>
+              </a:defRPr>
+            </a:lvl1pPr>
+            <a:lvl2pPr marL="742950" indent="-285750">
+              <a:defRPr>
+                <a:solidFill>
+                  <a:schemeClr val="tx1"/>
+                </a:solidFill>
+                <a:latin typeface="Calibri" panose="020F0502020204030204" charset="0"/>
+                <a:ea typeface="微软雅黑" panose="020B0503020204020204" charset="-122"/>
+              </a:defRPr>
+            </a:lvl2pPr>
+            <a:lvl3pPr marL="1143000" indent="-228600">
+              <a:defRPr>
+                <a:solidFill>
+                  <a:schemeClr val="tx1"/>
+                </a:solidFill>
+                <a:latin typeface="Calibri" panose="020F0502020204030204" charset="0"/>
+                <a:ea typeface="微软雅黑" panose="020B0503020204020204" charset="-122"/>
+              </a:defRPr>
+            </a:lvl3pPr>
+            <a:lvl4pPr marL="1600200" indent="-228600">
+              <a:defRPr>
+                <a:solidFill>
+                  <a:schemeClr val="tx1"/>
+                </a:solidFill>
+                <a:latin typeface="Calibri" panose="020F0502020204030204" charset="0"/>
+                <a:ea typeface="微软雅黑" panose="020B0503020204020204" charset="-122"/>
+              </a:defRPr>
+            </a:lvl4pPr>
+            <a:lvl5pPr marL="2057400" indent="-228600">
+              <a:defRPr>
+                <a:solidFill>
+                  <a:schemeClr val="tx1"/>
+                </a:solidFill>
+                <a:latin typeface="Calibri" panose="020F0502020204030204" charset="0"/>
+                <a:ea typeface="微软雅黑" panose="020B0503020204020204" charset="-122"/>
+              </a:defRPr>
+            </a:lvl5pPr>
+            <a:lvl6pPr marL="2514600" indent="-228600" fontAlgn="base">
+              <a:spcBef>
+                <a:spcPct val="0"/>
+              </a:spcBef>
+              <a:spcAft>
+                <a:spcPct val="0"/>
+              </a:spcAft>
+              <a:buFont typeface="Arial" panose="020B0604020202020204" pitchFamily="34" charset="0"/>
+              <a:defRPr>
+                <a:solidFill>
+                  <a:schemeClr val="tx1"/>
+                </a:solidFill>
+                <a:latin typeface="Calibri" panose="020F0502020204030204" charset="0"/>
+                <a:ea typeface="微软雅黑" panose="020B0503020204020204" charset="-122"/>
+              </a:defRPr>
+            </a:lvl6pPr>
+            <a:lvl7pPr marL="2971800" indent="-228600" fontAlgn="base">
+              <a:spcBef>
+                <a:spcPct val="0"/>
+              </a:spcBef>
+              <a:spcAft>
+                <a:spcPct val="0"/>
+              </a:spcAft>
+              <a:buFont typeface="Arial" panose="020B0604020202020204" pitchFamily="34" charset="0"/>
+              <a:defRPr>
+                <a:solidFill>
+                  <a:schemeClr val="tx1"/>
+                </a:solidFill>
+                <a:latin typeface="Calibri" panose="020F0502020204030204" charset="0"/>
+                <a:ea typeface="微软雅黑" panose="020B0503020204020204" charset="-122"/>
+              </a:defRPr>
+            </a:lvl7pPr>
+            <a:lvl8pPr marL="3429000" indent="-228600" fontAlgn="base">
+              <a:spcBef>
+                <a:spcPct val="0"/>
+              </a:spcBef>
+              <a:spcAft>
+                <a:spcPct val="0"/>
+              </a:spcAft>
+              <a:buFont typeface="Arial" panose="020B0604020202020204" pitchFamily="34" charset="0"/>
+              <a:defRPr>
+                <a:solidFill>
+                  <a:schemeClr val="tx1"/>
+                </a:solidFill>
+                <a:latin typeface="Calibri" panose="020F0502020204030204" charset="0"/>
+                <a:ea typeface="微软雅黑" panose="020B0503020204020204" charset="-122"/>
+              </a:defRPr>
+            </a:lvl8pPr>
+            <a:lvl9pPr marL="3886200" indent="-228600" fontAlgn="base">
+              <a:spcBef>
+                <a:spcPct val="0"/>
+              </a:spcBef>
+              <a:spcAft>
+                <a:spcPct val="0"/>
+              </a:spcAft>
+              <a:buFont typeface="Arial" panose="020B0604020202020204" pitchFamily="34" charset="0"/>
+              <a:defRPr>
+                <a:solidFill>
+                  <a:schemeClr val="tx1"/>
+                </a:solidFill>
+                <a:latin typeface="Calibri" panose="020F0502020204030204" charset="0"/>
+                <a:ea typeface="微软雅黑" panose="020B0503020204020204" charset="-122"/>
+              </a:defRPr>
+            </a:lvl9pPr>
+          </a:lstStyle>
+          <a:p>
+            <a:r>
+              <a:rPr lang="zh-CN" altLang="en-US" sz="2400">
+                <a:latin typeface="+mn-lt"/>
+                <a:ea typeface="+mn-ea"/>
+              </a:rPr>
+              <a:t>对于新需求的文档变更</a:t>
+            </a:r>
+          </a:p>
+        </p:txBody>
+      </p:sp>
+      <p:sp>
+        <p:nvSpPr>
+          <p:cNvPr id="23" name="等腰三角形 47"/>
+          <p:cNvSpPr>
+            <a:spLocks noChangeArrowheads="1"/>
+          </p:cNvSpPr>
+          <p:nvPr>
+            <p:custDataLst>
+              <p:tags r:id="rId16"/>
+            </p:custDataLst>
+          </p:nvPr>
+        </p:nvSpPr>
+        <p:spPr bwMode="auto">
+          <a:xfrm rot="5400000">
+            <a:off x="5773346" y="3515117"/>
+            <a:ext cx="790680" cy="681948"/>
+          </a:xfrm>
+          <a:prstGeom prst="triangle">
+            <a:avLst>
+              <a:gd name="adj" fmla="val 50000"/>
+            </a:avLst>
+          </a:prstGeom>
+          <a:solidFill>
+            <a:schemeClr val="accent1"/>
+          </a:solidFill>
+          <a:ln>
+            <a:noFill/>
+          </a:ln>
+        </p:spPr>
+        <p:txBody>
+          <a:bodyPr anchor="ctr"/>
+          <a:lstStyle>
+            <a:lvl1pPr>
+              <a:defRPr>
+                <a:solidFill>
+                  <a:schemeClr val="tx1"/>
+                </a:solidFill>
+                <a:latin typeface="Calibri" panose="020F0502020204030204" charset="0"/>
+                <a:ea typeface="微软雅黑" panose="020B0503020204020204" charset="-122"/>
+              </a:defRPr>
+            </a:lvl1pPr>
+            <a:lvl2pPr marL="742950" indent="-285750">
+              <a:defRPr>
+                <a:solidFill>
+                  <a:schemeClr val="tx1"/>
+                </a:solidFill>
+                <a:latin typeface="Calibri" panose="020F0502020204030204" charset="0"/>
+                <a:ea typeface="微软雅黑" panose="020B0503020204020204" charset="-122"/>
+              </a:defRPr>
+            </a:lvl2pPr>
+            <a:lvl3pPr marL="1143000" indent="-228600">
+              <a:defRPr>
+                <a:solidFill>
+                  <a:schemeClr val="tx1"/>
+                </a:solidFill>
+                <a:latin typeface="Calibri" panose="020F0502020204030204" charset="0"/>
+                <a:ea typeface="微软雅黑" panose="020B0503020204020204" charset="-122"/>
+              </a:defRPr>
+            </a:lvl3pPr>
+            <a:lvl4pPr marL="1600200" indent="-228600">
+              <a:defRPr>
+                <a:solidFill>
+                  <a:schemeClr val="tx1"/>
+                </a:solidFill>
+                <a:latin typeface="Calibri" panose="020F0502020204030204" charset="0"/>
+                <a:ea typeface="微软雅黑" panose="020B0503020204020204" charset="-122"/>
+              </a:defRPr>
+            </a:lvl4pPr>
+            <a:lvl5pPr marL="2057400" indent="-228600">
+              <a:defRPr>
+                <a:solidFill>
+                  <a:schemeClr val="tx1"/>
+                </a:solidFill>
+                <a:latin typeface="Calibri" panose="020F0502020204030204" charset="0"/>
+                <a:ea typeface="微软雅黑" panose="020B0503020204020204" charset="-122"/>
+              </a:defRPr>
+            </a:lvl5pPr>
+            <a:lvl6pPr marL="2514600" indent="-228600" fontAlgn="base">
+              <a:spcBef>
+                <a:spcPct val="0"/>
+              </a:spcBef>
+              <a:spcAft>
+                <a:spcPct val="0"/>
+              </a:spcAft>
+              <a:buFont typeface="Arial" panose="020B0604020202020204" pitchFamily="34" charset="0"/>
+              <a:defRPr>
+                <a:solidFill>
+                  <a:schemeClr val="tx1"/>
+                </a:solidFill>
+                <a:latin typeface="Calibri" panose="020F0502020204030204" charset="0"/>
+                <a:ea typeface="微软雅黑" panose="020B0503020204020204" charset="-122"/>
+              </a:defRPr>
+            </a:lvl6pPr>
+            <a:lvl7pPr marL="2971800" indent="-228600" fontAlgn="base">
+              <a:spcBef>
+                <a:spcPct val="0"/>
+              </a:spcBef>
+              <a:spcAft>
+                <a:spcPct val="0"/>
+              </a:spcAft>
+              <a:buFont typeface="Arial" panose="020B0604020202020204" pitchFamily="34" charset="0"/>
+              <a:defRPr>
+                <a:solidFill>
+                  <a:schemeClr val="tx1"/>
+                </a:solidFill>
+                <a:latin typeface="Calibri" panose="020F0502020204030204" charset="0"/>
+                <a:ea typeface="微软雅黑" panose="020B0503020204020204" charset="-122"/>
+              </a:defRPr>
+            </a:lvl7pPr>
+            <a:lvl8pPr marL="3429000" indent="-228600" fontAlgn="base">
+              <a:spcBef>
+                <a:spcPct val="0"/>
+              </a:spcBef>
+              <a:spcAft>
+                <a:spcPct val="0"/>
+              </a:spcAft>
+              <a:buFont typeface="Arial" panose="020B0604020202020204" pitchFamily="34" charset="0"/>
+              <a:defRPr>
+                <a:solidFill>
+                  <a:schemeClr val="tx1"/>
+                </a:solidFill>
+                <a:latin typeface="Calibri" panose="020F0502020204030204" charset="0"/>
+                <a:ea typeface="微软雅黑" panose="020B0503020204020204" charset="-122"/>
+              </a:defRPr>
+            </a:lvl8pPr>
+            <a:lvl9pPr marL="3886200" indent="-228600" fontAlgn="base">
+              <a:spcBef>
+                <a:spcPct val="0"/>
+              </a:spcBef>
+              <a:spcAft>
+                <a:spcPct val="0"/>
+              </a:spcAft>
+              <a:buFont typeface="Arial" panose="020B0604020202020204" pitchFamily="34" charset="0"/>
+              <a:defRPr>
+                <a:solidFill>
+                  <a:schemeClr val="tx1"/>
+                </a:solidFill>
+                <a:latin typeface="Calibri" panose="020F0502020204030204" charset="0"/>
+                <a:ea typeface="微软雅黑" panose="020B0503020204020204" charset="-122"/>
+              </a:defRPr>
+            </a:lvl9pPr>
+          </a:lstStyle>
+          <a:p>
+            <a:pPr algn="ctr" eaLnBrk="1" hangingPunct="1"/>
+            <a:endParaRPr lang="zh-CN" altLang="en-US">
+              <a:solidFill>
+                <a:srgbClr val="FFFFFF"/>
+              </a:solidFill>
+              <a:latin typeface="+mn-lt"/>
+              <a:ea typeface="+mn-ea"/>
+            </a:endParaRPr>
+          </a:p>
+        </p:txBody>
+      </p:sp>
+      <p:sp>
+        <p:nvSpPr>
+          <p:cNvPr id="24" name="等腰三角形 48"/>
+          <p:cNvSpPr>
+            <a:spLocks noChangeArrowheads="1"/>
+          </p:cNvSpPr>
+          <p:nvPr>
+            <p:custDataLst>
+              <p:tags r:id="rId17"/>
+            </p:custDataLst>
+          </p:nvPr>
+        </p:nvSpPr>
+        <p:spPr bwMode="auto">
+          <a:xfrm rot="5400000">
+            <a:off x="5939215" y="3788153"/>
+            <a:ext cx="618405" cy="533364"/>
+          </a:xfrm>
+          <a:prstGeom prst="triangle">
+            <a:avLst>
+              <a:gd name="adj" fmla="val 50000"/>
+            </a:avLst>
+          </a:prstGeom>
+          <a:solidFill>
+            <a:schemeClr val="bg1"/>
+          </a:solidFill>
+          <a:ln>
+            <a:noFill/>
+          </a:ln>
+        </p:spPr>
+        <p:txBody>
+          <a:bodyPr anchor="ctr"/>
+          <a:lstStyle>
+            <a:lvl1pPr>
+              <a:defRPr>
+                <a:solidFill>
+                  <a:schemeClr val="tx1"/>
+                </a:solidFill>
+                <a:latin typeface="Calibri" panose="020F0502020204030204" charset="0"/>
+                <a:ea typeface="微软雅黑" panose="020B0503020204020204" charset="-122"/>
+              </a:defRPr>
+            </a:lvl1pPr>
+            <a:lvl2pPr marL="742950" indent="-285750">
+              <a:defRPr>
+                <a:solidFill>
+                  <a:schemeClr val="tx1"/>
+                </a:solidFill>
+                <a:latin typeface="Calibri" panose="020F0502020204030204" charset="0"/>
+                <a:ea typeface="微软雅黑" panose="020B0503020204020204" charset="-122"/>
+              </a:defRPr>
+            </a:lvl2pPr>
+            <a:lvl3pPr marL="1143000" indent="-228600">
+              <a:defRPr>
+                <a:solidFill>
+                  <a:schemeClr val="tx1"/>
+                </a:solidFill>
+                <a:latin typeface="Calibri" panose="020F0502020204030204" charset="0"/>
+                <a:ea typeface="微软雅黑" panose="020B0503020204020204" charset="-122"/>
+              </a:defRPr>
+            </a:lvl3pPr>
+            <a:lvl4pPr marL="1600200" indent="-228600">
+              <a:defRPr>
+                <a:solidFill>
+                  <a:schemeClr val="tx1"/>
+                </a:solidFill>
+                <a:latin typeface="Calibri" panose="020F0502020204030204" charset="0"/>
+                <a:ea typeface="微软雅黑" panose="020B0503020204020204" charset="-122"/>
+              </a:defRPr>
+            </a:lvl4pPr>
+            <a:lvl5pPr marL="2057400" indent="-228600">
+              <a:defRPr>
+                <a:solidFill>
+                  <a:schemeClr val="tx1"/>
+                </a:solidFill>
+                <a:latin typeface="Calibri" panose="020F0502020204030204" charset="0"/>
+                <a:ea typeface="微软雅黑" panose="020B0503020204020204" charset="-122"/>
+              </a:defRPr>
+            </a:lvl5pPr>
+            <a:lvl6pPr marL="2514600" indent="-228600" fontAlgn="base">
+              <a:spcBef>
+                <a:spcPct val="0"/>
+              </a:spcBef>
+              <a:spcAft>
+                <a:spcPct val="0"/>
+              </a:spcAft>
+              <a:buFont typeface="Arial" panose="020B0604020202020204" pitchFamily="34" charset="0"/>
+              <a:defRPr>
+                <a:solidFill>
+                  <a:schemeClr val="tx1"/>
+                </a:solidFill>
+                <a:latin typeface="Calibri" panose="020F0502020204030204" charset="0"/>
+                <a:ea typeface="微软雅黑" panose="020B0503020204020204" charset="-122"/>
+              </a:defRPr>
+            </a:lvl6pPr>
+            <a:lvl7pPr marL="2971800" indent="-228600" fontAlgn="base">
+              <a:spcBef>
+                <a:spcPct val="0"/>
+              </a:spcBef>
+              <a:spcAft>
+                <a:spcPct val="0"/>
+              </a:spcAft>
+              <a:buFont typeface="Arial" panose="020B0604020202020204" pitchFamily="34" charset="0"/>
+              <a:defRPr>
+                <a:solidFill>
+                  <a:schemeClr val="tx1"/>
+                </a:solidFill>
+                <a:latin typeface="Calibri" panose="020F0502020204030204" charset="0"/>
+                <a:ea typeface="微软雅黑" panose="020B0503020204020204" charset="-122"/>
+              </a:defRPr>
+            </a:lvl7pPr>
+            <a:lvl8pPr marL="3429000" indent="-228600" fontAlgn="base">
+              <a:spcBef>
+                <a:spcPct val="0"/>
+              </a:spcBef>
+              <a:spcAft>
+                <a:spcPct val="0"/>
+              </a:spcAft>
+              <a:buFont typeface="Arial" panose="020B0604020202020204" pitchFamily="34" charset="0"/>
+              <a:defRPr>
+                <a:solidFill>
+                  <a:schemeClr val="tx1"/>
+                </a:solidFill>
+                <a:latin typeface="Calibri" panose="020F0502020204030204" charset="0"/>
+                <a:ea typeface="微软雅黑" panose="020B0503020204020204" charset="-122"/>
+              </a:defRPr>
+            </a:lvl8pPr>
+            <a:lvl9pPr marL="3886200" indent="-228600" fontAlgn="base">
+              <a:spcBef>
+                <a:spcPct val="0"/>
+              </a:spcBef>
+              <a:spcAft>
+                <a:spcPct val="0"/>
+              </a:spcAft>
+              <a:buFont typeface="Arial" panose="020B0604020202020204" pitchFamily="34" charset="0"/>
+              <a:defRPr>
+                <a:solidFill>
+                  <a:schemeClr val="tx1"/>
+                </a:solidFill>
+                <a:latin typeface="Calibri" panose="020F0502020204030204" charset="0"/>
+                <a:ea typeface="微软雅黑" panose="020B0503020204020204" charset="-122"/>
+              </a:defRPr>
+            </a:lvl9pPr>
+          </a:lstStyle>
+          <a:p>
+            <a:pPr algn="ctr" eaLnBrk="1" hangingPunct="1"/>
+            <a:endParaRPr lang="zh-CN" altLang="en-US">
+              <a:solidFill>
+                <a:srgbClr val="FFFFFF"/>
+              </a:solidFill>
+              <a:latin typeface="+mn-lt"/>
+              <a:ea typeface="+mn-ea"/>
+            </a:endParaRPr>
+          </a:p>
+        </p:txBody>
+      </p:sp>
+      <p:sp>
+        <p:nvSpPr>
+          <p:cNvPr id="25" name="文本框 49"/>
+          <p:cNvSpPr txBox="1">
+            <a:spLocks noChangeArrowheads="1"/>
+          </p:cNvSpPr>
+          <p:nvPr>
+            <p:custDataLst>
+              <p:tags r:id="rId18"/>
+            </p:custDataLst>
+          </p:nvPr>
+        </p:nvSpPr>
+        <p:spPr bwMode="auto">
+          <a:xfrm>
+            <a:off x="6757988" y="3348039"/>
+            <a:ext cx="4002087" cy="1014410"/>
+          </a:xfrm>
+          <a:prstGeom prst="rect">
+            <a:avLst/>
+          </a:prstGeom>
+          <a:noFill/>
+          <a:ln>
+            <a:noFill/>
+          </a:ln>
+          <a:extLst>
+            <a:ext uri="{909E8E84-426E-40DD-AFC4-6F175D3DCCD1}">
+              <a14:hiddenFill xmlns:a14="http://schemas.microsoft.com/office/drawing/2010/main">
+                <a:solidFill>
+                  <a:srgbClr val="FFFFFF"/>
+                </a:solidFill>
+              </a14:hiddenFill>
+            </a:ext>
+            <a:ext uri="{91240B29-F687-4F45-9708-019B960494DF}">
+              <a14:hiddenLine xmlns:a14="http://schemas.microsoft.com/office/drawing/2010/main" w="9525">
+                <a:solidFill>
+                  <a:srgbClr val="000000"/>
+                </a:solidFill>
+                <a:miter lim="800000"/>
+                <a:headEnd/>
+                <a:tailEnd/>
+              </a14:hiddenLine>
+            </a:ext>
+          </a:extLst>
+        </p:spPr>
+        <p:txBody>
+          <a:bodyPr wrap="square" lIns="0" rIns="0" anchor="ctr" anchorCtr="0">
+            <a:normAutofit/>
+          </a:bodyPr>
+          <a:lstStyle>
+            <a:lvl1pPr>
+              <a:defRPr>
+                <a:solidFill>
+                  <a:schemeClr val="tx1"/>
+                </a:solidFill>
+                <a:latin typeface="Calibri" panose="020F0502020204030204" charset="0"/>
+                <a:ea typeface="微软雅黑" panose="020B0503020204020204" charset="-122"/>
+              </a:defRPr>
+            </a:lvl1pPr>
+            <a:lvl2pPr marL="742950" indent="-285750">
+              <a:defRPr>
+                <a:solidFill>
+                  <a:schemeClr val="tx1"/>
+                </a:solidFill>
+                <a:latin typeface="Calibri" panose="020F0502020204030204" charset="0"/>
+                <a:ea typeface="微软雅黑" panose="020B0503020204020204" charset="-122"/>
+              </a:defRPr>
+            </a:lvl2pPr>
+            <a:lvl3pPr marL="1143000" indent="-228600">
+              <a:defRPr>
+                <a:solidFill>
+                  <a:schemeClr val="tx1"/>
+                </a:solidFill>
+                <a:latin typeface="Calibri" panose="020F0502020204030204" charset="0"/>
+                <a:ea typeface="微软雅黑" panose="020B0503020204020204" charset="-122"/>
+              </a:defRPr>
+            </a:lvl3pPr>
+            <a:lvl4pPr marL="1600200" indent="-228600">
+              <a:defRPr>
+                <a:solidFill>
+                  <a:schemeClr val="tx1"/>
+                </a:solidFill>
+                <a:latin typeface="Calibri" panose="020F0502020204030204" charset="0"/>
+                <a:ea typeface="微软雅黑" panose="020B0503020204020204" charset="-122"/>
+              </a:defRPr>
+            </a:lvl4pPr>
+            <a:lvl5pPr marL="2057400" indent="-228600">
+              <a:defRPr>
+                <a:solidFill>
+                  <a:schemeClr val="tx1"/>
+                </a:solidFill>
+                <a:latin typeface="Calibri" panose="020F0502020204030204" charset="0"/>
+                <a:ea typeface="微软雅黑" panose="020B0503020204020204" charset="-122"/>
+              </a:defRPr>
+            </a:lvl5pPr>
+            <a:lvl6pPr marL="2514600" indent="-228600" fontAlgn="base">
+              <a:spcBef>
+                <a:spcPct val="0"/>
+              </a:spcBef>
+              <a:spcAft>
+                <a:spcPct val="0"/>
+              </a:spcAft>
+              <a:buFont typeface="Arial" panose="020B0604020202020204" pitchFamily="34" charset="0"/>
+              <a:defRPr>
+                <a:solidFill>
+                  <a:schemeClr val="tx1"/>
+                </a:solidFill>
+                <a:latin typeface="Calibri" panose="020F0502020204030204" charset="0"/>
+                <a:ea typeface="微软雅黑" panose="020B0503020204020204" charset="-122"/>
+              </a:defRPr>
+            </a:lvl6pPr>
+            <a:lvl7pPr marL="2971800" indent="-228600" fontAlgn="base">
+              <a:spcBef>
+                <a:spcPct val="0"/>
+              </a:spcBef>
+              <a:spcAft>
+                <a:spcPct val="0"/>
+              </a:spcAft>
+              <a:buFont typeface="Arial" panose="020B0604020202020204" pitchFamily="34" charset="0"/>
+              <a:defRPr>
+                <a:solidFill>
+                  <a:schemeClr val="tx1"/>
+                </a:solidFill>
+                <a:latin typeface="Calibri" panose="020F0502020204030204" charset="0"/>
+                <a:ea typeface="微软雅黑" panose="020B0503020204020204" charset="-122"/>
+              </a:defRPr>
+            </a:lvl7pPr>
+            <a:lvl8pPr marL="3429000" indent="-228600" fontAlgn="base">
+              <a:spcBef>
+                <a:spcPct val="0"/>
+              </a:spcBef>
+              <a:spcAft>
+                <a:spcPct val="0"/>
+              </a:spcAft>
+              <a:buFont typeface="Arial" panose="020B0604020202020204" pitchFamily="34" charset="0"/>
+              <a:defRPr>
+                <a:solidFill>
+                  <a:schemeClr val="tx1"/>
+                </a:solidFill>
+                <a:latin typeface="Calibri" panose="020F0502020204030204" charset="0"/>
+                <a:ea typeface="微软雅黑" panose="020B0503020204020204" charset="-122"/>
+              </a:defRPr>
+            </a:lvl8pPr>
+            <a:lvl9pPr marL="3886200" indent="-228600" fontAlgn="base">
+              <a:spcBef>
+                <a:spcPct val="0"/>
+              </a:spcBef>
+              <a:spcAft>
+                <a:spcPct val="0"/>
+              </a:spcAft>
+              <a:buFont typeface="Arial" panose="020B0604020202020204" pitchFamily="34" charset="0"/>
+              <a:defRPr>
+                <a:solidFill>
+                  <a:schemeClr val="tx1"/>
+                </a:solidFill>
+                <a:latin typeface="Calibri" panose="020F0502020204030204" charset="0"/>
+                <a:ea typeface="微软雅黑" panose="020B0503020204020204" charset="-122"/>
+              </a:defRPr>
+            </a:lvl9pPr>
+          </a:lstStyle>
+          <a:p>
+            <a:r>
+              <a:rPr lang="en-US" altLang="zh-CN" sz="2400">
+                <a:latin typeface="+mn-lt"/>
+                <a:ea typeface="+mn-ea"/>
+                <a:sym typeface="+mn-ea"/>
+              </a:rPr>
+              <a:t>阶段项目会议</a:t>
+            </a:r>
+            <a:r>
+              <a:rPr lang="zh-CN" altLang="en-US" sz="2400">
+                <a:latin typeface="+mn-lt"/>
+                <a:ea typeface="+mn-ea"/>
+                <a:sym typeface="+mn-ea"/>
+              </a:rPr>
+              <a:t>与评价</a:t>
+            </a:r>
+            <a:endParaRPr lang="en-US" altLang="zh-CN" sz="2400">
+              <a:latin typeface="+mn-lt"/>
+              <a:ea typeface="+mn-ea"/>
+            </a:endParaRPr>
+          </a:p>
+        </p:txBody>
+      </p:sp>
+      <p:sp>
+        <p:nvSpPr>
+          <p:cNvPr id="27" name="等腰三角形 51"/>
+          <p:cNvSpPr>
+            <a:spLocks noChangeArrowheads="1"/>
+          </p:cNvSpPr>
+          <p:nvPr>
+            <p:custDataLst>
+              <p:tags r:id="rId19"/>
+            </p:custDataLst>
+          </p:nvPr>
+        </p:nvSpPr>
+        <p:spPr bwMode="auto">
+          <a:xfrm rot="5400000">
+            <a:off x="5773347" y="4507304"/>
+            <a:ext cx="790679" cy="681948"/>
+          </a:xfrm>
+          <a:prstGeom prst="triangle">
+            <a:avLst>
+              <a:gd name="adj" fmla="val 50000"/>
+            </a:avLst>
+          </a:prstGeom>
+          <a:solidFill>
+            <a:schemeClr val="accent1"/>
+          </a:solidFill>
+          <a:ln>
+            <a:noFill/>
+          </a:ln>
+        </p:spPr>
+        <p:txBody>
+          <a:bodyPr anchor="ctr"/>
+          <a:lstStyle>
+            <a:lvl1pPr>
+              <a:defRPr>
+                <a:solidFill>
+                  <a:schemeClr val="tx1"/>
+                </a:solidFill>
+                <a:latin typeface="Calibri" panose="020F0502020204030204" charset="0"/>
+                <a:ea typeface="微软雅黑" panose="020B0503020204020204" charset="-122"/>
+              </a:defRPr>
+            </a:lvl1pPr>
+            <a:lvl2pPr marL="742950" indent="-285750">
+              <a:defRPr>
+                <a:solidFill>
+                  <a:schemeClr val="tx1"/>
+                </a:solidFill>
+                <a:latin typeface="Calibri" panose="020F0502020204030204" charset="0"/>
+                <a:ea typeface="微软雅黑" panose="020B0503020204020204" charset="-122"/>
+              </a:defRPr>
+            </a:lvl2pPr>
+            <a:lvl3pPr marL="1143000" indent="-228600">
+              <a:defRPr>
+                <a:solidFill>
+                  <a:schemeClr val="tx1"/>
+                </a:solidFill>
+                <a:latin typeface="Calibri" panose="020F0502020204030204" charset="0"/>
+                <a:ea typeface="微软雅黑" panose="020B0503020204020204" charset="-122"/>
+              </a:defRPr>
+            </a:lvl3pPr>
+            <a:lvl4pPr marL="1600200" indent="-228600">
+              <a:defRPr>
+                <a:solidFill>
+                  <a:schemeClr val="tx1"/>
+                </a:solidFill>
+                <a:latin typeface="Calibri" panose="020F0502020204030204" charset="0"/>
+                <a:ea typeface="微软雅黑" panose="020B0503020204020204" charset="-122"/>
+              </a:defRPr>
+            </a:lvl4pPr>
+            <a:lvl5pPr marL="2057400" indent="-228600">
+              <a:defRPr>
+                <a:solidFill>
+                  <a:schemeClr val="tx1"/>
+                </a:solidFill>
+                <a:latin typeface="Calibri" panose="020F0502020204030204" charset="0"/>
+                <a:ea typeface="微软雅黑" panose="020B0503020204020204" charset="-122"/>
+              </a:defRPr>
+            </a:lvl5pPr>
+            <a:lvl6pPr marL="2514600" indent="-228600" fontAlgn="base">
+              <a:spcBef>
+                <a:spcPct val="0"/>
+              </a:spcBef>
+              <a:spcAft>
+                <a:spcPct val="0"/>
+              </a:spcAft>
+              <a:buFont typeface="Arial" panose="020B0604020202020204" pitchFamily="34" charset="0"/>
+              <a:defRPr>
+                <a:solidFill>
+                  <a:schemeClr val="tx1"/>
+                </a:solidFill>
+                <a:latin typeface="Calibri" panose="020F0502020204030204" charset="0"/>
+                <a:ea typeface="微软雅黑" panose="020B0503020204020204" charset="-122"/>
+              </a:defRPr>
+            </a:lvl6pPr>
+            <a:lvl7pPr marL="2971800" indent="-228600" fontAlgn="base">
+              <a:spcBef>
+                <a:spcPct val="0"/>
+              </a:spcBef>
+              <a:spcAft>
+                <a:spcPct val="0"/>
+              </a:spcAft>
+              <a:buFont typeface="Arial" panose="020B0604020202020204" pitchFamily="34" charset="0"/>
+              <a:defRPr>
+                <a:solidFill>
+                  <a:schemeClr val="tx1"/>
+                </a:solidFill>
+                <a:latin typeface="Calibri" panose="020F0502020204030204" charset="0"/>
+                <a:ea typeface="微软雅黑" panose="020B0503020204020204" charset="-122"/>
+              </a:defRPr>
+            </a:lvl7pPr>
+            <a:lvl8pPr marL="3429000" indent="-228600" fontAlgn="base">
+              <a:spcBef>
+                <a:spcPct val="0"/>
+              </a:spcBef>
+              <a:spcAft>
+                <a:spcPct val="0"/>
+              </a:spcAft>
+              <a:buFont typeface="Arial" panose="020B0604020202020204" pitchFamily="34" charset="0"/>
+              <a:defRPr>
+                <a:solidFill>
+                  <a:schemeClr val="tx1"/>
+                </a:solidFill>
+                <a:latin typeface="Calibri" panose="020F0502020204030204" charset="0"/>
+                <a:ea typeface="微软雅黑" panose="020B0503020204020204" charset="-122"/>
+              </a:defRPr>
+            </a:lvl8pPr>
+            <a:lvl9pPr marL="3886200" indent="-228600" fontAlgn="base">
+              <a:spcBef>
+                <a:spcPct val="0"/>
+              </a:spcBef>
+              <a:spcAft>
+                <a:spcPct val="0"/>
+              </a:spcAft>
+              <a:buFont typeface="Arial" panose="020B0604020202020204" pitchFamily="34" charset="0"/>
+              <a:defRPr>
+                <a:solidFill>
+                  <a:schemeClr val="tx1"/>
+                </a:solidFill>
+                <a:latin typeface="Calibri" panose="020F0502020204030204" charset="0"/>
+                <a:ea typeface="微软雅黑" panose="020B0503020204020204" charset="-122"/>
+              </a:defRPr>
+            </a:lvl9pPr>
+          </a:lstStyle>
+          <a:p>
+            <a:pPr algn="ctr" eaLnBrk="1" hangingPunct="1"/>
+            <a:endParaRPr lang="zh-CN" altLang="en-US">
+              <a:solidFill>
+                <a:srgbClr val="FFFFFF"/>
+              </a:solidFill>
+              <a:latin typeface="+mn-lt"/>
+              <a:ea typeface="+mn-ea"/>
+            </a:endParaRPr>
+          </a:p>
+        </p:txBody>
+      </p:sp>
+      <p:sp>
+        <p:nvSpPr>
+          <p:cNvPr id="28" name="等腰三角形 52"/>
+          <p:cNvSpPr>
+            <a:spLocks noChangeArrowheads="1"/>
+          </p:cNvSpPr>
+          <p:nvPr>
+            <p:custDataLst>
+              <p:tags r:id="rId20"/>
+            </p:custDataLst>
+          </p:nvPr>
+        </p:nvSpPr>
+        <p:spPr bwMode="auto">
+          <a:xfrm rot="5400000">
+            <a:off x="5939215" y="4780340"/>
+            <a:ext cx="618404" cy="533364"/>
+          </a:xfrm>
+          <a:prstGeom prst="triangle">
+            <a:avLst>
+              <a:gd name="adj" fmla="val 50000"/>
+            </a:avLst>
+          </a:prstGeom>
+          <a:solidFill>
+            <a:schemeClr val="bg1"/>
+          </a:solidFill>
+          <a:ln>
+            <a:noFill/>
+          </a:ln>
+        </p:spPr>
+        <p:txBody>
+          <a:bodyPr anchor="ctr"/>
+          <a:lstStyle>
+            <a:lvl1pPr>
+              <a:defRPr>
+                <a:solidFill>
+                  <a:schemeClr val="tx1"/>
+                </a:solidFill>
+                <a:latin typeface="Calibri" panose="020F0502020204030204" charset="0"/>
+                <a:ea typeface="微软雅黑" panose="020B0503020204020204" charset="-122"/>
+              </a:defRPr>
+            </a:lvl1pPr>
+            <a:lvl2pPr marL="742950" indent="-285750">
+              <a:defRPr>
+                <a:solidFill>
+                  <a:schemeClr val="tx1"/>
+                </a:solidFill>
+                <a:latin typeface="Calibri" panose="020F0502020204030204" charset="0"/>
+                <a:ea typeface="微软雅黑" panose="020B0503020204020204" charset="-122"/>
+              </a:defRPr>
+            </a:lvl2pPr>
+            <a:lvl3pPr marL="1143000" indent="-228600">
+              <a:defRPr>
+                <a:solidFill>
+                  <a:schemeClr val="tx1"/>
+                </a:solidFill>
+                <a:latin typeface="Calibri" panose="020F0502020204030204" charset="0"/>
+                <a:ea typeface="微软雅黑" panose="020B0503020204020204" charset="-122"/>
+              </a:defRPr>
+            </a:lvl3pPr>
+            <a:lvl4pPr marL="1600200" indent="-228600">
+              <a:defRPr>
+                <a:solidFill>
+                  <a:schemeClr val="tx1"/>
+                </a:solidFill>
+                <a:latin typeface="Calibri" panose="020F0502020204030204" charset="0"/>
+                <a:ea typeface="微软雅黑" panose="020B0503020204020204" charset="-122"/>
+              </a:defRPr>
+            </a:lvl4pPr>
+            <a:lvl5pPr marL="2057400" indent="-228600">
+              <a:defRPr>
+                <a:solidFill>
+                  <a:schemeClr val="tx1"/>
+                </a:solidFill>
+                <a:latin typeface="Calibri" panose="020F0502020204030204" charset="0"/>
+                <a:ea typeface="微软雅黑" panose="020B0503020204020204" charset="-122"/>
+              </a:defRPr>
+            </a:lvl5pPr>
+            <a:lvl6pPr marL="2514600" indent="-228600" fontAlgn="base">
+              <a:spcBef>
+                <a:spcPct val="0"/>
+              </a:spcBef>
+              <a:spcAft>
+                <a:spcPct val="0"/>
+              </a:spcAft>
+              <a:buFont typeface="Arial" panose="020B0604020202020204" pitchFamily="34" charset="0"/>
+              <a:defRPr>
+                <a:solidFill>
+                  <a:schemeClr val="tx1"/>
+                </a:solidFill>
+                <a:latin typeface="Calibri" panose="020F0502020204030204" charset="0"/>
+                <a:ea typeface="微软雅黑" panose="020B0503020204020204" charset="-122"/>
+              </a:defRPr>
+            </a:lvl6pPr>
+            <a:lvl7pPr marL="2971800" indent="-228600" fontAlgn="base">
+              <a:spcBef>
+                <a:spcPct val="0"/>
+              </a:spcBef>
+              <a:spcAft>
+                <a:spcPct val="0"/>
+              </a:spcAft>
+              <a:buFont typeface="Arial" panose="020B0604020202020204" pitchFamily="34" charset="0"/>
+              <a:defRPr>
+                <a:solidFill>
+                  <a:schemeClr val="tx1"/>
+                </a:solidFill>
+                <a:latin typeface="Calibri" panose="020F0502020204030204" charset="0"/>
+                <a:ea typeface="微软雅黑" panose="020B0503020204020204" charset="-122"/>
+              </a:defRPr>
+            </a:lvl7pPr>
+            <a:lvl8pPr marL="3429000" indent="-228600" fontAlgn="base">
+              <a:spcBef>
+                <a:spcPct val="0"/>
+              </a:spcBef>
+              <a:spcAft>
+                <a:spcPct val="0"/>
+              </a:spcAft>
+              <a:buFont typeface="Arial" panose="020B0604020202020204" pitchFamily="34" charset="0"/>
+              <a:defRPr>
+                <a:solidFill>
+                  <a:schemeClr val="tx1"/>
+                </a:solidFill>
+                <a:latin typeface="Calibri" panose="020F0502020204030204" charset="0"/>
+                <a:ea typeface="微软雅黑" panose="020B0503020204020204" charset="-122"/>
+              </a:defRPr>
+            </a:lvl8pPr>
+            <a:lvl9pPr marL="3886200" indent="-228600" fontAlgn="base">
+              <a:spcBef>
+                <a:spcPct val="0"/>
+              </a:spcBef>
+              <a:spcAft>
+                <a:spcPct val="0"/>
+              </a:spcAft>
+              <a:buFont typeface="Arial" panose="020B0604020202020204" pitchFamily="34" charset="0"/>
+              <a:defRPr>
+                <a:solidFill>
+                  <a:schemeClr val="tx1"/>
+                </a:solidFill>
+                <a:latin typeface="Calibri" panose="020F0502020204030204" charset="0"/>
+                <a:ea typeface="微软雅黑" panose="020B0503020204020204" charset="-122"/>
+              </a:defRPr>
+            </a:lvl9pPr>
+          </a:lstStyle>
+          <a:p>
+            <a:pPr algn="ctr" eaLnBrk="1" hangingPunct="1"/>
+            <a:endParaRPr lang="zh-CN" altLang="en-US">
+              <a:solidFill>
+                <a:srgbClr val="FFFFFF"/>
+              </a:solidFill>
+              <a:latin typeface="+mn-lt"/>
+              <a:ea typeface="+mn-ea"/>
+            </a:endParaRPr>
+          </a:p>
+        </p:txBody>
+      </p:sp>
+      <p:sp>
+        <p:nvSpPr>
+          <p:cNvPr id="29" name="文本框 53"/>
+          <p:cNvSpPr txBox="1">
+            <a:spLocks noChangeArrowheads="1"/>
+          </p:cNvSpPr>
+          <p:nvPr>
+            <p:custDataLst>
+              <p:tags r:id="rId21"/>
+            </p:custDataLst>
+          </p:nvPr>
+        </p:nvSpPr>
+        <p:spPr bwMode="auto">
+          <a:xfrm>
+            <a:off x="6757988" y="4342763"/>
+            <a:ext cx="4002087" cy="1010926"/>
+          </a:xfrm>
+          <a:prstGeom prst="rect">
+            <a:avLst/>
+          </a:prstGeom>
+          <a:noFill/>
+          <a:ln>
+            <a:noFill/>
+          </a:ln>
+          <a:extLst>
+            <a:ext uri="{909E8E84-426E-40DD-AFC4-6F175D3DCCD1}">
+              <a14:hiddenFill xmlns:a14="http://schemas.microsoft.com/office/drawing/2010/main">
+                <a:solidFill>
+                  <a:srgbClr val="FFFFFF"/>
+                </a:solidFill>
+              </a14:hiddenFill>
+            </a:ext>
+            <a:ext uri="{91240B29-F687-4F45-9708-019B960494DF}">
+              <a14:hiddenLine xmlns:a14="http://schemas.microsoft.com/office/drawing/2010/main" w="9525">
+                <a:solidFill>
+                  <a:srgbClr val="000000"/>
+                </a:solidFill>
+                <a:miter lim="800000"/>
+                <a:headEnd/>
+                <a:tailEnd/>
+              </a14:hiddenLine>
+            </a:ext>
+          </a:extLst>
+        </p:spPr>
+        <p:txBody>
+          <a:bodyPr wrap="square" lIns="0" rIns="0" anchor="ctr" anchorCtr="0">
+            <a:normAutofit/>
+          </a:bodyPr>
+          <a:lstStyle>
+            <a:lvl1pPr>
+              <a:defRPr>
+                <a:solidFill>
+                  <a:schemeClr val="tx1"/>
+                </a:solidFill>
+                <a:latin typeface="Calibri" panose="020F0502020204030204" charset="0"/>
+                <a:ea typeface="微软雅黑" panose="020B0503020204020204" charset="-122"/>
+              </a:defRPr>
+            </a:lvl1pPr>
+            <a:lvl2pPr marL="742950" indent="-285750">
+              <a:defRPr>
+                <a:solidFill>
+                  <a:schemeClr val="tx1"/>
+                </a:solidFill>
+                <a:latin typeface="Calibri" panose="020F0502020204030204" charset="0"/>
+                <a:ea typeface="微软雅黑" panose="020B0503020204020204" charset="-122"/>
+              </a:defRPr>
+            </a:lvl2pPr>
+            <a:lvl3pPr marL="1143000" indent="-228600">
+              <a:defRPr>
+                <a:solidFill>
+                  <a:schemeClr val="tx1"/>
+                </a:solidFill>
+                <a:latin typeface="Calibri" panose="020F0502020204030204" charset="0"/>
+                <a:ea typeface="微软雅黑" panose="020B0503020204020204" charset="-122"/>
+              </a:defRPr>
+            </a:lvl3pPr>
+            <a:lvl4pPr marL="1600200" indent="-228600">
+              <a:defRPr>
+                <a:solidFill>
+                  <a:schemeClr val="tx1"/>
+                </a:solidFill>
+                <a:latin typeface="Calibri" panose="020F0502020204030204" charset="0"/>
+                <a:ea typeface="微软雅黑" panose="020B0503020204020204" charset="-122"/>
+              </a:defRPr>
+            </a:lvl4pPr>
+            <a:lvl5pPr marL="2057400" indent="-228600">
+              <a:defRPr>
+                <a:solidFill>
+                  <a:schemeClr val="tx1"/>
+                </a:solidFill>
+                <a:latin typeface="Calibri" panose="020F0502020204030204" charset="0"/>
+                <a:ea typeface="微软雅黑" panose="020B0503020204020204" charset="-122"/>
+              </a:defRPr>
+            </a:lvl5pPr>
+            <a:lvl6pPr marL="2514600" indent="-228600" fontAlgn="base">
+              <a:spcBef>
+                <a:spcPct val="0"/>
+              </a:spcBef>
+              <a:spcAft>
+                <a:spcPct val="0"/>
+              </a:spcAft>
+              <a:buFont typeface="Arial" panose="020B0604020202020204" pitchFamily="34" charset="0"/>
+              <a:defRPr>
+                <a:solidFill>
+                  <a:schemeClr val="tx1"/>
+                </a:solidFill>
+                <a:latin typeface="Calibri" panose="020F0502020204030204" charset="0"/>
+                <a:ea typeface="微软雅黑" panose="020B0503020204020204" charset="-122"/>
+              </a:defRPr>
+            </a:lvl6pPr>
+            <a:lvl7pPr marL="2971800" indent="-228600" fontAlgn="base">
+              <a:spcBef>
+                <a:spcPct val="0"/>
+              </a:spcBef>
+              <a:spcAft>
+                <a:spcPct val="0"/>
+              </a:spcAft>
+              <a:buFont typeface="Arial" panose="020B0604020202020204" pitchFamily="34" charset="0"/>
+              <a:defRPr>
+                <a:solidFill>
+                  <a:schemeClr val="tx1"/>
+                </a:solidFill>
+                <a:latin typeface="Calibri" panose="020F0502020204030204" charset="0"/>
+                <a:ea typeface="微软雅黑" panose="020B0503020204020204" charset="-122"/>
+              </a:defRPr>
+            </a:lvl7pPr>
+            <a:lvl8pPr marL="3429000" indent="-228600" fontAlgn="base">
+              <a:spcBef>
+                <a:spcPct val="0"/>
+              </a:spcBef>
+              <a:spcAft>
+                <a:spcPct val="0"/>
+              </a:spcAft>
+              <a:buFont typeface="Arial" panose="020B0604020202020204" pitchFamily="34" charset="0"/>
+              <a:defRPr>
+                <a:solidFill>
+                  <a:schemeClr val="tx1"/>
+                </a:solidFill>
+                <a:latin typeface="Calibri" panose="020F0502020204030204" charset="0"/>
+                <a:ea typeface="微软雅黑" panose="020B0503020204020204" charset="-122"/>
+              </a:defRPr>
+            </a:lvl8pPr>
+            <a:lvl9pPr marL="3886200" indent="-228600" fontAlgn="base">
+              <a:spcBef>
+                <a:spcPct val="0"/>
+              </a:spcBef>
+              <a:spcAft>
+                <a:spcPct val="0"/>
+              </a:spcAft>
+              <a:buFont typeface="Arial" panose="020B0604020202020204" pitchFamily="34" charset="0"/>
+              <a:defRPr>
+                <a:solidFill>
+                  <a:schemeClr val="tx1"/>
+                </a:solidFill>
+                <a:latin typeface="Calibri" panose="020F0502020204030204" charset="0"/>
+                <a:ea typeface="微软雅黑" panose="020B0503020204020204" charset="-122"/>
+              </a:defRPr>
+            </a:lvl9pPr>
+          </a:lstStyle>
+          <a:p>
+            <a:r>
+              <a:rPr lang="en-US" altLang="zh-CN" sz="2400">
+                <a:latin typeface="+mn-lt"/>
+                <a:ea typeface="+mn-ea"/>
+                <a:sym typeface="+mn-ea"/>
+              </a:rPr>
+              <a:t>里程碑的内部评审</a:t>
+            </a:r>
+            <a:endParaRPr lang="en-US" altLang="zh-CN" sz="2400">
+              <a:latin typeface="+mn-lt"/>
+              <a:ea typeface="+mn-ea"/>
+            </a:endParaRPr>
+          </a:p>
+        </p:txBody>
+      </p:sp>
+      <p:sp>
+        <p:nvSpPr>
+          <p:cNvPr id="31" name="等腰三角形 55"/>
+          <p:cNvSpPr>
+            <a:spLocks noChangeArrowheads="1"/>
+          </p:cNvSpPr>
+          <p:nvPr>
+            <p:custDataLst>
+              <p:tags r:id="rId22"/>
+            </p:custDataLst>
+          </p:nvPr>
+        </p:nvSpPr>
+        <p:spPr bwMode="auto">
+          <a:xfrm rot="5400000">
+            <a:off x="5773346" y="5499492"/>
+            <a:ext cx="790680" cy="681948"/>
+          </a:xfrm>
+          <a:prstGeom prst="triangle">
+            <a:avLst>
+              <a:gd name="adj" fmla="val 50000"/>
+            </a:avLst>
+          </a:prstGeom>
+          <a:solidFill>
+            <a:schemeClr val="accent1"/>
+          </a:solidFill>
+          <a:ln>
+            <a:noFill/>
+          </a:ln>
+        </p:spPr>
+        <p:txBody>
+          <a:bodyPr anchor="ctr"/>
+          <a:lstStyle>
+            <a:lvl1pPr>
+              <a:defRPr>
+                <a:solidFill>
+                  <a:schemeClr val="tx1"/>
+                </a:solidFill>
+                <a:latin typeface="Calibri" panose="020F0502020204030204" charset="0"/>
+                <a:ea typeface="微软雅黑" panose="020B0503020204020204" charset="-122"/>
+              </a:defRPr>
+            </a:lvl1pPr>
+            <a:lvl2pPr marL="742950" indent="-285750">
+              <a:defRPr>
+                <a:solidFill>
+                  <a:schemeClr val="tx1"/>
+                </a:solidFill>
+                <a:latin typeface="Calibri" panose="020F0502020204030204" charset="0"/>
+                <a:ea typeface="微软雅黑" panose="020B0503020204020204" charset="-122"/>
+              </a:defRPr>
+            </a:lvl2pPr>
+            <a:lvl3pPr marL="1143000" indent="-228600">
+              <a:defRPr>
+                <a:solidFill>
+                  <a:schemeClr val="tx1"/>
+                </a:solidFill>
+                <a:latin typeface="Calibri" panose="020F0502020204030204" charset="0"/>
+                <a:ea typeface="微软雅黑" panose="020B0503020204020204" charset="-122"/>
+              </a:defRPr>
+            </a:lvl3pPr>
+            <a:lvl4pPr marL="1600200" indent="-228600">
+              <a:defRPr>
+                <a:solidFill>
+                  <a:schemeClr val="tx1"/>
+                </a:solidFill>
+                <a:latin typeface="Calibri" panose="020F0502020204030204" charset="0"/>
+                <a:ea typeface="微软雅黑" panose="020B0503020204020204" charset="-122"/>
+              </a:defRPr>
+            </a:lvl4pPr>
+            <a:lvl5pPr marL="2057400" indent="-228600">
+              <a:defRPr>
+                <a:solidFill>
+                  <a:schemeClr val="tx1"/>
+                </a:solidFill>
+                <a:latin typeface="Calibri" panose="020F0502020204030204" charset="0"/>
+                <a:ea typeface="微软雅黑" panose="020B0503020204020204" charset="-122"/>
+              </a:defRPr>
+            </a:lvl5pPr>
+            <a:lvl6pPr marL="2514600" indent="-228600" fontAlgn="base">
+              <a:spcBef>
+                <a:spcPct val="0"/>
+              </a:spcBef>
+              <a:spcAft>
+                <a:spcPct val="0"/>
+              </a:spcAft>
+              <a:buFont typeface="Arial" panose="020B0604020202020204" pitchFamily="34" charset="0"/>
+              <a:defRPr>
+                <a:solidFill>
+                  <a:schemeClr val="tx1"/>
+                </a:solidFill>
+                <a:latin typeface="Calibri" panose="020F0502020204030204" charset="0"/>
+                <a:ea typeface="微软雅黑" panose="020B0503020204020204" charset="-122"/>
+              </a:defRPr>
+            </a:lvl6pPr>
+            <a:lvl7pPr marL="2971800" indent="-228600" fontAlgn="base">
+              <a:spcBef>
+                <a:spcPct val="0"/>
+              </a:spcBef>
+              <a:spcAft>
+                <a:spcPct val="0"/>
+              </a:spcAft>
+              <a:buFont typeface="Arial" panose="020B0604020202020204" pitchFamily="34" charset="0"/>
+              <a:defRPr>
+                <a:solidFill>
+                  <a:schemeClr val="tx1"/>
+                </a:solidFill>
+                <a:latin typeface="Calibri" panose="020F0502020204030204" charset="0"/>
+                <a:ea typeface="微软雅黑" panose="020B0503020204020204" charset="-122"/>
+              </a:defRPr>
+            </a:lvl7pPr>
+            <a:lvl8pPr marL="3429000" indent="-228600" fontAlgn="base">
+              <a:spcBef>
+                <a:spcPct val="0"/>
+              </a:spcBef>
+              <a:spcAft>
+                <a:spcPct val="0"/>
+              </a:spcAft>
+              <a:buFont typeface="Arial" panose="020B0604020202020204" pitchFamily="34" charset="0"/>
+              <a:defRPr>
+                <a:solidFill>
+                  <a:schemeClr val="tx1"/>
+                </a:solidFill>
+                <a:latin typeface="Calibri" panose="020F0502020204030204" charset="0"/>
+                <a:ea typeface="微软雅黑" panose="020B0503020204020204" charset="-122"/>
+              </a:defRPr>
+            </a:lvl8pPr>
+            <a:lvl9pPr marL="3886200" indent="-228600" fontAlgn="base">
+              <a:spcBef>
+                <a:spcPct val="0"/>
+              </a:spcBef>
+              <a:spcAft>
+                <a:spcPct val="0"/>
+              </a:spcAft>
+              <a:buFont typeface="Arial" panose="020B0604020202020204" pitchFamily="34" charset="0"/>
+              <a:defRPr>
+                <a:solidFill>
+                  <a:schemeClr val="tx1"/>
+                </a:solidFill>
+                <a:latin typeface="Calibri" panose="020F0502020204030204" charset="0"/>
+                <a:ea typeface="微软雅黑" panose="020B0503020204020204" charset="-122"/>
+              </a:defRPr>
+            </a:lvl9pPr>
+          </a:lstStyle>
+          <a:p>
+            <a:pPr algn="ctr" eaLnBrk="1" hangingPunct="1"/>
+            <a:endParaRPr lang="zh-CN" altLang="en-US">
+              <a:solidFill>
+                <a:srgbClr val="FFFFFF"/>
+              </a:solidFill>
+              <a:latin typeface="+mn-lt"/>
+              <a:ea typeface="+mn-ea"/>
+            </a:endParaRPr>
+          </a:p>
+        </p:txBody>
+      </p:sp>
+      <p:sp>
+        <p:nvSpPr>
+          <p:cNvPr id="32" name="等腰三角形 56"/>
+          <p:cNvSpPr>
+            <a:spLocks noChangeArrowheads="1"/>
+          </p:cNvSpPr>
+          <p:nvPr>
+            <p:custDataLst>
+              <p:tags r:id="rId23"/>
+            </p:custDataLst>
+          </p:nvPr>
+        </p:nvSpPr>
+        <p:spPr bwMode="auto">
+          <a:xfrm rot="5400000">
+            <a:off x="5939215" y="5772528"/>
+            <a:ext cx="618405" cy="533364"/>
+          </a:xfrm>
+          <a:prstGeom prst="triangle">
+            <a:avLst>
+              <a:gd name="adj" fmla="val 50000"/>
+            </a:avLst>
+          </a:prstGeom>
+          <a:solidFill>
+            <a:schemeClr val="bg1"/>
+          </a:solidFill>
+          <a:ln>
+            <a:noFill/>
+          </a:ln>
+        </p:spPr>
+        <p:txBody>
+          <a:bodyPr anchor="ctr"/>
+          <a:lstStyle>
+            <a:lvl1pPr>
+              <a:defRPr>
+                <a:solidFill>
+                  <a:schemeClr val="tx1"/>
+                </a:solidFill>
+                <a:latin typeface="Calibri" panose="020F0502020204030204" charset="0"/>
+                <a:ea typeface="微软雅黑" panose="020B0503020204020204" charset="-122"/>
+              </a:defRPr>
+            </a:lvl1pPr>
+            <a:lvl2pPr marL="742950" indent="-285750">
+              <a:defRPr>
+                <a:solidFill>
+                  <a:schemeClr val="tx1"/>
+                </a:solidFill>
+                <a:latin typeface="Calibri" panose="020F0502020204030204" charset="0"/>
+                <a:ea typeface="微软雅黑" panose="020B0503020204020204" charset="-122"/>
+              </a:defRPr>
+            </a:lvl2pPr>
+            <a:lvl3pPr marL="1143000" indent="-228600">
+              <a:defRPr>
+                <a:solidFill>
+                  <a:schemeClr val="tx1"/>
+                </a:solidFill>
+                <a:latin typeface="Calibri" panose="020F0502020204030204" charset="0"/>
+                <a:ea typeface="微软雅黑" panose="020B0503020204020204" charset="-122"/>
+              </a:defRPr>
+            </a:lvl3pPr>
+            <a:lvl4pPr marL="1600200" indent="-228600">
+              <a:defRPr>
+                <a:solidFill>
+                  <a:schemeClr val="tx1"/>
+                </a:solidFill>
+                <a:latin typeface="Calibri" panose="020F0502020204030204" charset="0"/>
+                <a:ea typeface="微软雅黑" panose="020B0503020204020204" charset="-122"/>
+              </a:defRPr>
+            </a:lvl4pPr>
+            <a:lvl5pPr marL="2057400" indent="-228600">
+              <a:defRPr>
+                <a:solidFill>
+                  <a:schemeClr val="tx1"/>
+                </a:solidFill>
+                <a:latin typeface="Calibri" panose="020F0502020204030204" charset="0"/>
+                <a:ea typeface="微软雅黑" panose="020B0503020204020204" charset="-122"/>
+              </a:defRPr>
+            </a:lvl5pPr>
+            <a:lvl6pPr marL="2514600" indent="-228600" fontAlgn="base">
+              <a:spcBef>
+                <a:spcPct val="0"/>
+              </a:spcBef>
+              <a:spcAft>
+                <a:spcPct val="0"/>
+              </a:spcAft>
+              <a:buFont typeface="Arial" panose="020B0604020202020204" pitchFamily="34" charset="0"/>
+              <a:defRPr>
+                <a:solidFill>
+                  <a:schemeClr val="tx1"/>
+                </a:solidFill>
+                <a:latin typeface="Calibri" panose="020F0502020204030204" charset="0"/>
+                <a:ea typeface="微软雅黑" panose="020B0503020204020204" charset="-122"/>
+              </a:defRPr>
+            </a:lvl6pPr>
+            <a:lvl7pPr marL="2971800" indent="-228600" fontAlgn="base">
+              <a:spcBef>
+                <a:spcPct val="0"/>
+              </a:spcBef>
+              <a:spcAft>
+                <a:spcPct val="0"/>
+              </a:spcAft>
+              <a:buFont typeface="Arial" panose="020B0604020202020204" pitchFamily="34" charset="0"/>
+              <a:defRPr>
+                <a:solidFill>
+                  <a:schemeClr val="tx1"/>
+                </a:solidFill>
+                <a:latin typeface="Calibri" panose="020F0502020204030204" charset="0"/>
+                <a:ea typeface="微软雅黑" panose="020B0503020204020204" charset="-122"/>
+              </a:defRPr>
+            </a:lvl7pPr>
+            <a:lvl8pPr marL="3429000" indent="-228600" fontAlgn="base">
+              <a:spcBef>
+                <a:spcPct val="0"/>
+              </a:spcBef>
+              <a:spcAft>
+                <a:spcPct val="0"/>
+              </a:spcAft>
+              <a:buFont typeface="Arial" panose="020B0604020202020204" pitchFamily="34" charset="0"/>
+              <a:defRPr>
+                <a:solidFill>
+                  <a:schemeClr val="tx1"/>
+                </a:solidFill>
+                <a:latin typeface="Calibri" panose="020F0502020204030204" charset="0"/>
+                <a:ea typeface="微软雅黑" panose="020B0503020204020204" charset="-122"/>
+              </a:defRPr>
+            </a:lvl8pPr>
+            <a:lvl9pPr marL="3886200" indent="-228600" fontAlgn="base">
+              <a:spcBef>
+                <a:spcPct val="0"/>
+              </a:spcBef>
+              <a:spcAft>
+                <a:spcPct val="0"/>
+              </a:spcAft>
+              <a:buFont typeface="Arial" panose="020B0604020202020204" pitchFamily="34" charset="0"/>
+              <a:defRPr>
+                <a:solidFill>
+                  <a:schemeClr val="tx1"/>
+                </a:solidFill>
+                <a:latin typeface="Calibri" panose="020F0502020204030204" charset="0"/>
+                <a:ea typeface="微软雅黑" panose="020B0503020204020204" charset="-122"/>
+              </a:defRPr>
+            </a:lvl9pPr>
+          </a:lstStyle>
+          <a:p>
+            <a:pPr algn="ctr" eaLnBrk="1" hangingPunct="1"/>
+            <a:endParaRPr lang="zh-CN" altLang="en-US">
+              <a:solidFill>
+                <a:srgbClr val="FFFFFF"/>
+              </a:solidFill>
+              <a:latin typeface="+mn-lt"/>
+              <a:ea typeface="+mn-ea"/>
+            </a:endParaRPr>
+          </a:p>
+        </p:txBody>
+      </p:sp>
+      <p:sp>
+        <p:nvSpPr>
+          <p:cNvPr id="33" name="文本框 57"/>
+          <p:cNvSpPr txBox="1">
+            <a:spLocks noChangeArrowheads="1"/>
+          </p:cNvSpPr>
+          <p:nvPr>
+            <p:custDataLst>
+              <p:tags r:id="rId24"/>
+            </p:custDataLst>
+          </p:nvPr>
+        </p:nvSpPr>
+        <p:spPr bwMode="auto">
+          <a:xfrm>
+            <a:off x="6757988" y="5334000"/>
+            <a:ext cx="4002087" cy="1014414"/>
+          </a:xfrm>
+          <a:prstGeom prst="rect">
+            <a:avLst/>
+          </a:prstGeom>
+          <a:noFill/>
+          <a:ln>
+            <a:noFill/>
+          </a:ln>
+          <a:extLst>
+            <a:ext uri="{909E8E84-426E-40DD-AFC4-6F175D3DCCD1}">
+              <a14:hiddenFill xmlns:a14="http://schemas.microsoft.com/office/drawing/2010/main">
+                <a:solidFill>
+                  <a:srgbClr val="FFFFFF"/>
+                </a:solidFill>
+              </a14:hiddenFill>
+            </a:ext>
+            <a:ext uri="{91240B29-F687-4F45-9708-019B960494DF}">
+              <a14:hiddenLine xmlns:a14="http://schemas.microsoft.com/office/drawing/2010/main" w="9525">
+                <a:solidFill>
+                  <a:srgbClr val="000000"/>
+                </a:solidFill>
+                <a:miter lim="800000"/>
+                <a:headEnd/>
+                <a:tailEnd/>
+              </a14:hiddenLine>
+            </a:ext>
+          </a:extLst>
+        </p:spPr>
+        <p:txBody>
+          <a:bodyPr wrap="square" lIns="0" rIns="0" anchor="ctr" anchorCtr="0">
+            <a:normAutofit/>
+          </a:bodyPr>
+          <a:lstStyle>
+            <a:lvl1pPr>
+              <a:defRPr>
+                <a:solidFill>
+                  <a:schemeClr val="tx1"/>
+                </a:solidFill>
+                <a:latin typeface="Calibri" panose="020F0502020204030204" charset="0"/>
+                <a:ea typeface="微软雅黑" panose="020B0503020204020204" charset="-122"/>
+              </a:defRPr>
+            </a:lvl1pPr>
+            <a:lvl2pPr marL="742950" indent="-285750">
+              <a:defRPr>
+                <a:solidFill>
+                  <a:schemeClr val="tx1"/>
+                </a:solidFill>
+                <a:latin typeface="Calibri" panose="020F0502020204030204" charset="0"/>
+                <a:ea typeface="微软雅黑" panose="020B0503020204020204" charset="-122"/>
+              </a:defRPr>
+            </a:lvl2pPr>
+            <a:lvl3pPr marL="1143000" indent="-228600">
+              <a:defRPr>
+                <a:solidFill>
+                  <a:schemeClr val="tx1"/>
+                </a:solidFill>
+                <a:latin typeface="Calibri" panose="020F0502020204030204" charset="0"/>
+                <a:ea typeface="微软雅黑" panose="020B0503020204020204" charset="-122"/>
+              </a:defRPr>
+            </a:lvl3pPr>
+            <a:lvl4pPr marL="1600200" indent="-228600">
+              <a:defRPr>
+                <a:solidFill>
+                  <a:schemeClr val="tx1"/>
+                </a:solidFill>
+                <a:latin typeface="Calibri" panose="020F0502020204030204" charset="0"/>
+                <a:ea typeface="微软雅黑" panose="020B0503020204020204" charset="-122"/>
+              </a:defRPr>
+            </a:lvl4pPr>
+            <a:lvl5pPr marL="2057400" indent="-228600">
+              <a:defRPr>
+                <a:solidFill>
+                  <a:schemeClr val="tx1"/>
+                </a:solidFill>
+                <a:latin typeface="Calibri" panose="020F0502020204030204" charset="0"/>
+                <a:ea typeface="微软雅黑" panose="020B0503020204020204" charset="-122"/>
+              </a:defRPr>
+            </a:lvl5pPr>
+            <a:lvl6pPr marL="2514600" indent="-228600" fontAlgn="base">
+              <a:spcBef>
+                <a:spcPct val="0"/>
+              </a:spcBef>
+              <a:spcAft>
+                <a:spcPct val="0"/>
+              </a:spcAft>
+              <a:buFont typeface="Arial" panose="020B0604020202020204" pitchFamily="34" charset="0"/>
+              <a:defRPr>
+                <a:solidFill>
+                  <a:schemeClr val="tx1"/>
+                </a:solidFill>
+                <a:latin typeface="Calibri" panose="020F0502020204030204" charset="0"/>
+                <a:ea typeface="微软雅黑" panose="020B0503020204020204" charset="-122"/>
+              </a:defRPr>
+            </a:lvl6pPr>
+            <a:lvl7pPr marL="2971800" indent="-228600" fontAlgn="base">
+              <a:spcBef>
+                <a:spcPct val="0"/>
+              </a:spcBef>
+              <a:spcAft>
+                <a:spcPct val="0"/>
+              </a:spcAft>
+              <a:buFont typeface="Arial" panose="020B0604020202020204" pitchFamily="34" charset="0"/>
+              <a:defRPr>
+                <a:solidFill>
+                  <a:schemeClr val="tx1"/>
+                </a:solidFill>
+                <a:latin typeface="Calibri" panose="020F0502020204030204" charset="0"/>
+                <a:ea typeface="微软雅黑" panose="020B0503020204020204" charset="-122"/>
+              </a:defRPr>
+            </a:lvl7pPr>
+            <a:lvl8pPr marL="3429000" indent="-228600" fontAlgn="base">
+              <a:spcBef>
+                <a:spcPct val="0"/>
+              </a:spcBef>
+              <a:spcAft>
+                <a:spcPct val="0"/>
+              </a:spcAft>
+              <a:buFont typeface="Arial" panose="020B0604020202020204" pitchFamily="34" charset="0"/>
+              <a:defRPr>
+                <a:solidFill>
+                  <a:schemeClr val="tx1"/>
+                </a:solidFill>
+                <a:latin typeface="Calibri" panose="020F0502020204030204" charset="0"/>
+                <a:ea typeface="微软雅黑" panose="020B0503020204020204" charset="-122"/>
+              </a:defRPr>
+            </a:lvl8pPr>
+            <a:lvl9pPr marL="3886200" indent="-228600" fontAlgn="base">
+              <a:spcBef>
+                <a:spcPct val="0"/>
+              </a:spcBef>
+              <a:spcAft>
+                <a:spcPct val="0"/>
+              </a:spcAft>
+              <a:buFont typeface="Arial" panose="020B0604020202020204" pitchFamily="34" charset="0"/>
+              <a:defRPr>
+                <a:solidFill>
+                  <a:schemeClr val="tx1"/>
+                </a:solidFill>
+                <a:latin typeface="Calibri" panose="020F0502020204030204" charset="0"/>
+                <a:ea typeface="微软雅黑" panose="020B0503020204020204" charset="-122"/>
+              </a:defRPr>
+            </a:lvl9pPr>
+          </a:lstStyle>
+          <a:p>
+            <a:r>
+              <a:rPr lang="en-US" altLang="zh-CN" sz="2400">
+                <a:latin typeface="+mn-lt"/>
+                <a:ea typeface="+mn-ea"/>
+              </a:rPr>
+              <a:t>Team Building</a:t>
+            </a:r>
+          </a:p>
+        </p:txBody>
+      </p:sp>
+    </p:spTree>
+    <p:custDataLst>
+      <p:tags r:id="rId1"/>
+    </p:custDataLst>
+  </p:cSld>
+  <p:clrMapOvr>
+    <a:masterClrMapping/>
+  </p:clrMapOvr>
+</p:sld>
+</file>
+
+<file path=ppt/slides/slide20.xml><?xml version="1.0" encoding="utf-8"?>
 <p:sld xmlns:a="http://schemas.openxmlformats.org/drawingml/2006/main" xmlns:r="http://schemas.openxmlformats.org/officeDocument/2006/relationships" xmlns:p="http://schemas.openxmlformats.org/presentationml/2006/main">
   <p:cSld>
     <p:bg>
@@ -12388,3757 +16259,7 @@
 </p:sld>
 </file>
 
-<file path=ppt/slides/slide2.xml><?xml version="1.0" encoding="utf-8"?>
-<p:sld xmlns:a="http://schemas.openxmlformats.org/drawingml/2006/main" xmlns:r="http://schemas.openxmlformats.org/officeDocument/2006/relationships" xmlns:p="http://schemas.openxmlformats.org/presentationml/2006/main">
-  <p:cSld>
-    <p:bg>
-      <p:bgPr>
-        <a:noFill/>
-        <a:effectLst/>
-      </p:bgPr>
-    </p:bg>
-    <p:spTree>
-      <p:nvGrpSpPr>
-        <p:cNvPr id="1" name=""/>
-        <p:cNvGrpSpPr/>
-        <p:nvPr/>
-      </p:nvGrpSpPr>
-      <p:grpSpPr>
-        <a:xfrm>
-          <a:off x="0" y="0"/>
-          <a:ext cx="0" cy="0"/>
-          <a:chOff x="0" y="0"/>
-          <a:chExt cx="0" cy="0"/>
-        </a:xfrm>
-      </p:grpSpPr>
-      <p:sp>
-        <p:nvSpPr>
-          <p:cNvPr id="4" name="直角三角形 3"/>
-          <p:cNvSpPr>
-            <a:spLocks noChangeArrowheads="1"/>
-          </p:cNvSpPr>
-          <p:nvPr>
-            <p:custDataLst>
-              <p:tags r:id="rId2"/>
-            </p:custDataLst>
-          </p:nvPr>
-        </p:nvSpPr>
-        <p:spPr bwMode="auto">
-          <a:xfrm>
-            <a:off x="0" y="0"/>
-            <a:ext cx="10401300" cy="6858000"/>
-          </a:xfrm>
-          <a:prstGeom prst="rtTriangle">
-            <a:avLst/>
-          </a:prstGeom>
-          <a:solidFill>
-            <a:schemeClr val="accent1">
-              <a:lumMod val="20000"/>
-              <a:lumOff val="80000"/>
-            </a:schemeClr>
-          </a:solidFill>
-          <a:ln>
-            <a:noFill/>
-          </a:ln>
-        </p:spPr>
-        <p:txBody>
-          <a:bodyPr anchor="ctr"/>
-          <a:lstStyle>
-            <a:lvl1pPr>
-              <a:defRPr>
-                <a:solidFill>
-                  <a:schemeClr val="tx1"/>
-                </a:solidFill>
-                <a:latin typeface="Calibri" panose="020F0502020204030204" charset="0"/>
-                <a:ea typeface="微软雅黑" panose="020B0503020204020204" charset="-122"/>
-              </a:defRPr>
-            </a:lvl1pPr>
-            <a:lvl2pPr marL="742950" indent="-285750">
-              <a:defRPr>
-                <a:solidFill>
-                  <a:schemeClr val="tx1"/>
-                </a:solidFill>
-                <a:latin typeface="Calibri" panose="020F0502020204030204" charset="0"/>
-                <a:ea typeface="微软雅黑" panose="020B0503020204020204" charset="-122"/>
-              </a:defRPr>
-            </a:lvl2pPr>
-            <a:lvl3pPr marL="1143000" indent="-228600">
-              <a:defRPr>
-                <a:solidFill>
-                  <a:schemeClr val="tx1"/>
-                </a:solidFill>
-                <a:latin typeface="Calibri" panose="020F0502020204030204" charset="0"/>
-                <a:ea typeface="微软雅黑" panose="020B0503020204020204" charset="-122"/>
-              </a:defRPr>
-            </a:lvl3pPr>
-            <a:lvl4pPr marL="1600200" indent="-228600">
-              <a:defRPr>
-                <a:solidFill>
-                  <a:schemeClr val="tx1"/>
-                </a:solidFill>
-                <a:latin typeface="Calibri" panose="020F0502020204030204" charset="0"/>
-                <a:ea typeface="微软雅黑" panose="020B0503020204020204" charset="-122"/>
-              </a:defRPr>
-            </a:lvl4pPr>
-            <a:lvl5pPr marL="2057400" indent="-228600">
-              <a:defRPr>
-                <a:solidFill>
-                  <a:schemeClr val="tx1"/>
-                </a:solidFill>
-                <a:latin typeface="Calibri" panose="020F0502020204030204" charset="0"/>
-                <a:ea typeface="微软雅黑" panose="020B0503020204020204" charset="-122"/>
-              </a:defRPr>
-            </a:lvl5pPr>
-            <a:lvl6pPr marL="2514600" indent="-228600" fontAlgn="base">
-              <a:spcBef>
-                <a:spcPct val="0"/>
-              </a:spcBef>
-              <a:spcAft>
-                <a:spcPct val="0"/>
-              </a:spcAft>
-              <a:buFont typeface="Arial" panose="020B0604020202020204" pitchFamily="34" charset="0"/>
-              <a:defRPr>
-                <a:solidFill>
-                  <a:schemeClr val="tx1"/>
-                </a:solidFill>
-                <a:latin typeface="Calibri" panose="020F0502020204030204" charset="0"/>
-                <a:ea typeface="微软雅黑" panose="020B0503020204020204" charset="-122"/>
-              </a:defRPr>
-            </a:lvl6pPr>
-            <a:lvl7pPr marL="2971800" indent="-228600" fontAlgn="base">
-              <a:spcBef>
-                <a:spcPct val="0"/>
-              </a:spcBef>
-              <a:spcAft>
-                <a:spcPct val="0"/>
-              </a:spcAft>
-              <a:buFont typeface="Arial" panose="020B0604020202020204" pitchFamily="34" charset="0"/>
-              <a:defRPr>
-                <a:solidFill>
-                  <a:schemeClr val="tx1"/>
-                </a:solidFill>
-                <a:latin typeface="Calibri" panose="020F0502020204030204" charset="0"/>
-                <a:ea typeface="微软雅黑" panose="020B0503020204020204" charset="-122"/>
-              </a:defRPr>
-            </a:lvl7pPr>
-            <a:lvl8pPr marL="3429000" indent="-228600" fontAlgn="base">
-              <a:spcBef>
-                <a:spcPct val="0"/>
-              </a:spcBef>
-              <a:spcAft>
-                <a:spcPct val="0"/>
-              </a:spcAft>
-              <a:buFont typeface="Arial" panose="020B0604020202020204" pitchFamily="34" charset="0"/>
-              <a:defRPr>
-                <a:solidFill>
-                  <a:schemeClr val="tx1"/>
-                </a:solidFill>
-                <a:latin typeface="Calibri" panose="020F0502020204030204" charset="0"/>
-                <a:ea typeface="微软雅黑" panose="020B0503020204020204" charset="-122"/>
-              </a:defRPr>
-            </a:lvl8pPr>
-            <a:lvl9pPr marL="3886200" indent="-228600" fontAlgn="base">
-              <a:spcBef>
-                <a:spcPct val="0"/>
-              </a:spcBef>
-              <a:spcAft>
-                <a:spcPct val="0"/>
-              </a:spcAft>
-              <a:buFont typeface="Arial" panose="020B0604020202020204" pitchFamily="34" charset="0"/>
-              <a:defRPr>
-                <a:solidFill>
-                  <a:schemeClr val="tx1"/>
-                </a:solidFill>
-                <a:latin typeface="Calibri" panose="020F0502020204030204" charset="0"/>
-                <a:ea typeface="微软雅黑" panose="020B0503020204020204" charset="-122"/>
-              </a:defRPr>
-            </a:lvl9pPr>
-          </a:lstStyle>
-          <a:p>
-            <a:pPr algn="ctr" eaLnBrk="1" hangingPunct="1"/>
-            <a:endParaRPr lang="zh-CN" altLang="en-US">
-              <a:solidFill>
-                <a:srgbClr val="FFFFFF"/>
-              </a:solidFill>
-              <a:latin typeface="+mn-lt"/>
-              <a:ea typeface="+mn-ea"/>
-            </a:endParaRPr>
-          </a:p>
-        </p:txBody>
-      </p:sp>
-      <p:sp>
-        <p:nvSpPr>
-          <p:cNvPr id="6" name="矩形 9"/>
-          <p:cNvSpPr>
-            <a:spLocks noChangeArrowheads="1"/>
-          </p:cNvSpPr>
-          <p:nvPr>
-            <p:custDataLst>
-              <p:tags r:id="rId3"/>
-            </p:custDataLst>
-          </p:nvPr>
-        </p:nvSpPr>
-        <p:spPr bwMode="auto">
-          <a:xfrm>
-            <a:off x="361951" y="767482"/>
-            <a:ext cx="3467100" cy="1040681"/>
-          </a:xfrm>
-          <a:prstGeom prst="rect">
-            <a:avLst/>
-          </a:prstGeom>
-          <a:noFill/>
-          <a:ln>
-            <a:noFill/>
-          </a:ln>
-          <a:extLst>
-            <a:ext uri="{909E8E84-426E-40DD-AFC4-6F175D3DCCD1}">
-              <a14:hiddenFill xmlns:a14="http://schemas.microsoft.com/office/drawing/2010/main">
-                <a:solidFill>
-                  <a:srgbClr val="FFFFFF"/>
-                </a:solidFill>
-              </a14:hiddenFill>
-            </a:ext>
-            <a:ext uri="{91240B29-F687-4F45-9708-019B960494DF}">
-              <a14:hiddenLine xmlns:a14="http://schemas.microsoft.com/office/drawing/2010/main" w="9525">
-                <a:solidFill>
-                  <a:srgbClr val="000000"/>
-                </a:solidFill>
-                <a:miter lim="800000"/>
-                <a:headEnd/>
-                <a:tailEnd/>
-              </a14:hiddenLine>
-            </a:ext>
-          </a:extLst>
-        </p:spPr>
-        <p:txBody>
-          <a:bodyPr wrap="none" anchor="ctr" anchorCtr="0">
-            <a:normAutofit/>
-          </a:bodyPr>
-          <a:lstStyle>
-            <a:lvl1pPr>
-              <a:defRPr>
-                <a:solidFill>
-                  <a:schemeClr val="tx1"/>
-                </a:solidFill>
-                <a:latin typeface="Calibri" panose="020F0502020204030204" charset="0"/>
-                <a:ea typeface="微软雅黑" panose="020B0503020204020204" charset="-122"/>
-              </a:defRPr>
-            </a:lvl1pPr>
-            <a:lvl2pPr marL="742950" indent="-285750">
-              <a:defRPr>
-                <a:solidFill>
-                  <a:schemeClr val="tx1"/>
-                </a:solidFill>
-                <a:latin typeface="Calibri" panose="020F0502020204030204" charset="0"/>
-                <a:ea typeface="微软雅黑" panose="020B0503020204020204" charset="-122"/>
-              </a:defRPr>
-            </a:lvl2pPr>
-            <a:lvl3pPr marL="1143000" indent="-228600">
-              <a:defRPr>
-                <a:solidFill>
-                  <a:schemeClr val="tx1"/>
-                </a:solidFill>
-                <a:latin typeface="Calibri" panose="020F0502020204030204" charset="0"/>
-                <a:ea typeface="微软雅黑" panose="020B0503020204020204" charset="-122"/>
-              </a:defRPr>
-            </a:lvl3pPr>
-            <a:lvl4pPr marL="1600200" indent="-228600">
-              <a:defRPr>
-                <a:solidFill>
-                  <a:schemeClr val="tx1"/>
-                </a:solidFill>
-                <a:latin typeface="Calibri" panose="020F0502020204030204" charset="0"/>
-                <a:ea typeface="微软雅黑" panose="020B0503020204020204" charset="-122"/>
-              </a:defRPr>
-            </a:lvl4pPr>
-            <a:lvl5pPr marL="2057400" indent="-228600">
-              <a:defRPr>
-                <a:solidFill>
-                  <a:schemeClr val="tx1"/>
-                </a:solidFill>
-                <a:latin typeface="Calibri" panose="020F0502020204030204" charset="0"/>
-                <a:ea typeface="微软雅黑" panose="020B0503020204020204" charset="-122"/>
-              </a:defRPr>
-            </a:lvl5pPr>
-            <a:lvl6pPr marL="2514600" indent="-228600" fontAlgn="base">
-              <a:spcBef>
-                <a:spcPct val="0"/>
-              </a:spcBef>
-              <a:spcAft>
-                <a:spcPct val="0"/>
-              </a:spcAft>
-              <a:buFont typeface="Arial" panose="020B0604020202020204" pitchFamily="34" charset="0"/>
-              <a:defRPr>
-                <a:solidFill>
-                  <a:schemeClr val="tx1"/>
-                </a:solidFill>
-                <a:latin typeface="Calibri" panose="020F0502020204030204" charset="0"/>
-                <a:ea typeface="微软雅黑" panose="020B0503020204020204" charset="-122"/>
-              </a:defRPr>
-            </a:lvl6pPr>
-            <a:lvl7pPr marL="2971800" indent="-228600" fontAlgn="base">
-              <a:spcBef>
-                <a:spcPct val="0"/>
-              </a:spcBef>
-              <a:spcAft>
-                <a:spcPct val="0"/>
-              </a:spcAft>
-              <a:buFont typeface="Arial" panose="020B0604020202020204" pitchFamily="34" charset="0"/>
-              <a:defRPr>
-                <a:solidFill>
-                  <a:schemeClr val="tx1"/>
-                </a:solidFill>
-                <a:latin typeface="Calibri" panose="020F0502020204030204" charset="0"/>
-                <a:ea typeface="微软雅黑" panose="020B0503020204020204" charset="-122"/>
-              </a:defRPr>
-            </a:lvl7pPr>
-            <a:lvl8pPr marL="3429000" indent="-228600" fontAlgn="base">
-              <a:spcBef>
-                <a:spcPct val="0"/>
-              </a:spcBef>
-              <a:spcAft>
-                <a:spcPct val="0"/>
-              </a:spcAft>
-              <a:buFont typeface="Arial" panose="020B0604020202020204" pitchFamily="34" charset="0"/>
-              <a:defRPr>
-                <a:solidFill>
-                  <a:schemeClr val="tx1"/>
-                </a:solidFill>
-                <a:latin typeface="Calibri" panose="020F0502020204030204" charset="0"/>
-                <a:ea typeface="微软雅黑" panose="020B0503020204020204" charset="-122"/>
-              </a:defRPr>
-            </a:lvl8pPr>
-            <a:lvl9pPr marL="3886200" indent="-228600" fontAlgn="base">
-              <a:spcBef>
-                <a:spcPct val="0"/>
-              </a:spcBef>
-              <a:spcAft>
-                <a:spcPct val="0"/>
-              </a:spcAft>
-              <a:buFont typeface="Arial" panose="020B0604020202020204" pitchFamily="34" charset="0"/>
-              <a:defRPr>
-                <a:solidFill>
-                  <a:schemeClr val="tx1"/>
-                </a:solidFill>
-                <a:latin typeface="Calibri" panose="020F0502020204030204" charset="0"/>
-                <a:ea typeface="微软雅黑" panose="020B0503020204020204" charset="-122"/>
-              </a:defRPr>
-            </a:lvl9pPr>
-          </a:lstStyle>
-          <a:p>
-            <a:pPr algn="ctr" eaLnBrk="1" hangingPunct="1"/>
-            <a:r>
-              <a:rPr lang="en-US" altLang="zh-CN" sz="4000">
-                <a:solidFill>
-                  <a:schemeClr val="accent1"/>
-                </a:solidFill>
-                <a:latin typeface="+mj-lt"/>
-                <a:ea typeface="+mj-ea"/>
-                <a:cs typeface="+mj-cs"/>
-              </a:rPr>
-              <a:t>CONTENTS</a:t>
-            </a:r>
-          </a:p>
-        </p:txBody>
-      </p:sp>
-      <p:sp>
-        <p:nvSpPr>
-          <p:cNvPr id="7" name="直角三角形 11"/>
-          <p:cNvSpPr>
-            <a:spLocks noChangeArrowheads="1"/>
-          </p:cNvSpPr>
-          <p:nvPr>
-            <p:custDataLst>
-              <p:tags r:id="rId4"/>
-            </p:custDataLst>
-          </p:nvPr>
-        </p:nvSpPr>
-        <p:spPr bwMode="auto">
-          <a:xfrm>
-            <a:off x="1588" y="4468813"/>
-            <a:ext cx="3495675" cy="2389187"/>
-          </a:xfrm>
-          <a:prstGeom prst="rtTriangle">
-            <a:avLst/>
-          </a:prstGeom>
-          <a:solidFill>
-            <a:schemeClr val="accent1"/>
-          </a:solidFill>
-          <a:ln>
-            <a:noFill/>
-          </a:ln>
-        </p:spPr>
-        <p:txBody>
-          <a:bodyPr anchor="ctr"/>
-          <a:lstStyle>
-            <a:lvl1pPr>
-              <a:defRPr>
-                <a:solidFill>
-                  <a:schemeClr val="tx1"/>
-                </a:solidFill>
-                <a:latin typeface="Calibri" panose="020F0502020204030204" charset="0"/>
-                <a:ea typeface="微软雅黑" panose="020B0503020204020204" charset="-122"/>
-              </a:defRPr>
-            </a:lvl1pPr>
-            <a:lvl2pPr marL="742950" indent="-285750">
-              <a:defRPr>
-                <a:solidFill>
-                  <a:schemeClr val="tx1"/>
-                </a:solidFill>
-                <a:latin typeface="Calibri" panose="020F0502020204030204" charset="0"/>
-                <a:ea typeface="微软雅黑" panose="020B0503020204020204" charset="-122"/>
-              </a:defRPr>
-            </a:lvl2pPr>
-            <a:lvl3pPr marL="1143000" indent="-228600">
-              <a:defRPr>
-                <a:solidFill>
-                  <a:schemeClr val="tx1"/>
-                </a:solidFill>
-                <a:latin typeface="Calibri" panose="020F0502020204030204" charset="0"/>
-                <a:ea typeface="微软雅黑" panose="020B0503020204020204" charset="-122"/>
-              </a:defRPr>
-            </a:lvl3pPr>
-            <a:lvl4pPr marL="1600200" indent="-228600">
-              <a:defRPr>
-                <a:solidFill>
-                  <a:schemeClr val="tx1"/>
-                </a:solidFill>
-                <a:latin typeface="Calibri" panose="020F0502020204030204" charset="0"/>
-                <a:ea typeface="微软雅黑" panose="020B0503020204020204" charset="-122"/>
-              </a:defRPr>
-            </a:lvl4pPr>
-            <a:lvl5pPr marL="2057400" indent="-228600">
-              <a:defRPr>
-                <a:solidFill>
-                  <a:schemeClr val="tx1"/>
-                </a:solidFill>
-                <a:latin typeface="Calibri" panose="020F0502020204030204" charset="0"/>
-                <a:ea typeface="微软雅黑" panose="020B0503020204020204" charset="-122"/>
-              </a:defRPr>
-            </a:lvl5pPr>
-            <a:lvl6pPr marL="2514600" indent="-228600" fontAlgn="base">
-              <a:spcBef>
-                <a:spcPct val="0"/>
-              </a:spcBef>
-              <a:spcAft>
-                <a:spcPct val="0"/>
-              </a:spcAft>
-              <a:buFont typeface="Arial" panose="020B0604020202020204" pitchFamily="34" charset="0"/>
-              <a:defRPr>
-                <a:solidFill>
-                  <a:schemeClr val="tx1"/>
-                </a:solidFill>
-                <a:latin typeface="Calibri" panose="020F0502020204030204" charset="0"/>
-                <a:ea typeface="微软雅黑" panose="020B0503020204020204" charset="-122"/>
-              </a:defRPr>
-            </a:lvl6pPr>
-            <a:lvl7pPr marL="2971800" indent="-228600" fontAlgn="base">
-              <a:spcBef>
-                <a:spcPct val="0"/>
-              </a:spcBef>
-              <a:spcAft>
-                <a:spcPct val="0"/>
-              </a:spcAft>
-              <a:buFont typeface="Arial" panose="020B0604020202020204" pitchFamily="34" charset="0"/>
-              <a:defRPr>
-                <a:solidFill>
-                  <a:schemeClr val="tx1"/>
-                </a:solidFill>
-                <a:latin typeface="Calibri" panose="020F0502020204030204" charset="0"/>
-                <a:ea typeface="微软雅黑" panose="020B0503020204020204" charset="-122"/>
-              </a:defRPr>
-            </a:lvl7pPr>
-            <a:lvl8pPr marL="3429000" indent="-228600" fontAlgn="base">
-              <a:spcBef>
-                <a:spcPct val="0"/>
-              </a:spcBef>
-              <a:spcAft>
-                <a:spcPct val="0"/>
-              </a:spcAft>
-              <a:buFont typeface="Arial" panose="020B0604020202020204" pitchFamily="34" charset="0"/>
-              <a:defRPr>
-                <a:solidFill>
-                  <a:schemeClr val="tx1"/>
-                </a:solidFill>
-                <a:latin typeface="Calibri" panose="020F0502020204030204" charset="0"/>
-                <a:ea typeface="微软雅黑" panose="020B0503020204020204" charset="-122"/>
-              </a:defRPr>
-            </a:lvl8pPr>
-            <a:lvl9pPr marL="3886200" indent="-228600" fontAlgn="base">
-              <a:spcBef>
-                <a:spcPct val="0"/>
-              </a:spcBef>
-              <a:spcAft>
-                <a:spcPct val="0"/>
-              </a:spcAft>
-              <a:buFont typeface="Arial" panose="020B0604020202020204" pitchFamily="34" charset="0"/>
-              <a:defRPr>
-                <a:solidFill>
-                  <a:schemeClr val="tx1"/>
-                </a:solidFill>
-                <a:latin typeface="Calibri" panose="020F0502020204030204" charset="0"/>
-                <a:ea typeface="微软雅黑" panose="020B0503020204020204" charset="-122"/>
-              </a:defRPr>
-            </a:lvl9pPr>
-          </a:lstStyle>
-          <a:p>
-            <a:pPr algn="ctr" eaLnBrk="1" hangingPunct="1"/>
-            <a:endParaRPr lang="zh-CN" altLang="en-US">
-              <a:solidFill>
-                <a:srgbClr val="FFFFFF"/>
-              </a:solidFill>
-              <a:latin typeface="+mn-lt"/>
-              <a:ea typeface="+mn-ea"/>
-            </a:endParaRPr>
-          </a:p>
-        </p:txBody>
-      </p:sp>
-      <p:sp>
-        <p:nvSpPr>
-          <p:cNvPr id="8" name="等腰三角形 12"/>
-          <p:cNvSpPr>
-            <a:spLocks noChangeArrowheads="1"/>
-          </p:cNvSpPr>
-          <p:nvPr>
-            <p:custDataLst>
-              <p:tags r:id="rId5"/>
-            </p:custDataLst>
-          </p:nvPr>
-        </p:nvSpPr>
-        <p:spPr bwMode="auto">
-          <a:xfrm rot="5400000" flipH="1">
-            <a:off x="1219201" y="2305050"/>
-            <a:ext cx="2017712" cy="1449387"/>
-          </a:xfrm>
-          <a:prstGeom prst="triangle">
-            <a:avLst>
-              <a:gd name="adj" fmla="val 50000"/>
-            </a:avLst>
-          </a:prstGeom>
-          <a:noFill/>
-          <a:ln w="12700" cmpd="sng">
-            <a:solidFill>
-              <a:schemeClr val="accent1">
-                <a:lumMod val="60000"/>
-                <a:lumOff val="40000"/>
-              </a:schemeClr>
-            </a:solidFill>
-            <a:miter lim="800000"/>
-          </a:ln>
-          <a:extLst>
-            <a:ext uri="{909E8E84-426E-40DD-AFC4-6F175D3DCCD1}">
-              <a14:hiddenFill xmlns:a14="http://schemas.microsoft.com/office/drawing/2010/main">
-                <a:solidFill>
-                  <a:srgbClr val="FFFFFF"/>
-                </a:solidFill>
-              </a14:hiddenFill>
-            </a:ext>
-          </a:extLst>
-        </p:spPr>
-        <p:txBody>
-          <a:bodyPr anchor="ctr"/>
-          <a:lstStyle>
-            <a:lvl1pPr>
-              <a:defRPr>
-                <a:solidFill>
-                  <a:schemeClr val="tx1"/>
-                </a:solidFill>
-                <a:latin typeface="Calibri" panose="020F0502020204030204" charset="0"/>
-                <a:ea typeface="微软雅黑" panose="020B0503020204020204" charset="-122"/>
-              </a:defRPr>
-            </a:lvl1pPr>
-            <a:lvl2pPr marL="742950" indent="-285750">
-              <a:defRPr>
-                <a:solidFill>
-                  <a:schemeClr val="tx1"/>
-                </a:solidFill>
-                <a:latin typeface="Calibri" panose="020F0502020204030204" charset="0"/>
-                <a:ea typeface="微软雅黑" panose="020B0503020204020204" charset="-122"/>
-              </a:defRPr>
-            </a:lvl2pPr>
-            <a:lvl3pPr marL="1143000" indent="-228600">
-              <a:defRPr>
-                <a:solidFill>
-                  <a:schemeClr val="tx1"/>
-                </a:solidFill>
-                <a:latin typeface="Calibri" panose="020F0502020204030204" charset="0"/>
-                <a:ea typeface="微软雅黑" panose="020B0503020204020204" charset="-122"/>
-              </a:defRPr>
-            </a:lvl3pPr>
-            <a:lvl4pPr marL="1600200" indent="-228600">
-              <a:defRPr>
-                <a:solidFill>
-                  <a:schemeClr val="tx1"/>
-                </a:solidFill>
-                <a:latin typeface="Calibri" panose="020F0502020204030204" charset="0"/>
-                <a:ea typeface="微软雅黑" panose="020B0503020204020204" charset="-122"/>
-              </a:defRPr>
-            </a:lvl4pPr>
-            <a:lvl5pPr marL="2057400" indent="-228600">
-              <a:defRPr>
-                <a:solidFill>
-                  <a:schemeClr val="tx1"/>
-                </a:solidFill>
-                <a:latin typeface="Calibri" panose="020F0502020204030204" charset="0"/>
-                <a:ea typeface="微软雅黑" panose="020B0503020204020204" charset="-122"/>
-              </a:defRPr>
-            </a:lvl5pPr>
-            <a:lvl6pPr marL="2514600" indent="-228600" fontAlgn="base">
-              <a:spcBef>
-                <a:spcPct val="0"/>
-              </a:spcBef>
-              <a:spcAft>
-                <a:spcPct val="0"/>
-              </a:spcAft>
-              <a:buFont typeface="Arial" panose="020B0604020202020204" pitchFamily="34" charset="0"/>
-              <a:defRPr>
-                <a:solidFill>
-                  <a:schemeClr val="tx1"/>
-                </a:solidFill>
-                <a:latin typeface="Calibri" panose="020F0502020204030204" charset="0"/>
-                <a:ea typeface="微软雅黑" panose="020B0503020204020204" charset="-122"/>
-              </a:defRPr>
-            </a:lvl6pPr>
-            <a:lvl7pPr marL="2971800" indent="-228600" fontAlgn="base">
-              <a:spcBef>
-                <a:spcPct val="0"/>
-              </a:spcBef>
-              <a:spcAft>
-                <a:spcPct val="0"/>
-              </a:spcAft>
-              <a:buFont typeface="Arial" panose="020B0604020202020204" pitchFamily="34" charset="0"/>
-              <a:defRPr>
-                <a:solidFill>
-                  <a:schemeClr val="tx1"/>
-                </a:solidFill>
-                <a:latin typeface="Calibri" panose="020F0502020204030204" charset="0"/>
-                <a:ea typeface="微软雅黑" panose="020B0503020204020204" charset="-122"/>
-              </a:defRPr>
-            </a:lvl7pPr>
-            <a:lvl8pPr marL="3429000" indent="-228600" fontAlgn="base">
-              <a:spcBef>
-                <a:spcPct val="0"/>
-              </a:spcBef>
-              <a:spcAft>
-                <a:spcPct val="0"/>
-              </a:spcAft>
-              <a:buFont typeface="Arial" panose="020B0604020202020204" pitchFamily="34" charset="0"/>
-              <a:defRPr>
-                <a:solidFill>
-                  <a:schemeClr val="tx1"/>
-                </a:solidFill>
-                <a:latin typeface="Calibri" panose="020F0502020204030204" charset="0"/>
-                <a:ea typeface="微软雅黑" panose="020B0503020204020204" charset="-122"/>
-              </a:defRPr>
-            </a:lvl8pPr>
-            <a:lvl9pPr marL="3886200" indent="-228600" fontAlgn="base">
-              <a:spcBef>
-                <a:spcPct val="0"/>
-              </a:spcBef>
-              <a:spcAft>
-                <a:spcPct val="0"/>
-              </a:spcAft>
-              <a:buFont typeface="Arial" panose="020B0604020202020204" pitchFamily="34" charset="0"/>
-              <a:defRPr>
-                <a:solidFill>
-                  <a:schemeClr val="tx1"/>
-                </a:solidFill>
-                <a:latin typeface="Calibri" panose="020F0502020204030204" charset="0"/>
-                <a:ea typeface="微软雅黑" panose="020B0503020204020204" charset="-122"/>
-              </a:defRPr>
-            </a:lvl9pPr>
-          </a:lstStyle>
-          <a:p>
-            <a:pPr algn="ctr" eaLnBrk="1" hangingPunct="1"/>
-            <a:endParaRPr lang="zh-CN" altLang="en-US">
-              <a:solidFill>
-                <a:srgbClr val="FFFFFF"/>
-              </a:solidFill>
-              <a:latin typeface="+mn-lt"/>
-              <a:ea typeface="+mn-ea"/>
-            </a:endParaRPr>
-          </a:p>
-        </p:txBody>
-      </p:sp>
-      <p:sp>
-        <p:nvSpPr>
-          <p:cNvPr id="9" name="等腰三角形 13"/>
-          <p:cNvSpPr>
-            <a:spLocks noChangeArrowheads="1"/>
-          </p:cNvSpPr>
-          <p:nvPr>
-            <p:custDataLst>
-              <p:tags r:id="rId6"/>
-            </p:custDataLst>
-          </p:nvPr>
-        </p:nvSpPr>
-        <p:spPr bwMode="auto">
-          <a:xfrm rot="5400000" flipH="1">
-            <a:off x="2050098" y="3152775"/>
-            <a:ext cx="1187450" cy="854075"/>
-          </a:xfrm>
-          <a:prstGeom prst="triangle">
-            <a:avLst>
-              <a:gd name="adj" fmla="val 50000"/>
-            </a:avLst>
-          </a:prstGeom>
-          <a:noFill/>
-          <a:ln w="12700" cmpd="sng">
-            <a:solidFill>
-              <a:schemeClr val="accent1">
-                <a:lumMod val="60000"/>
-                <a:lumOff val="40000"/>
-              </a:schemeClr>
-            </a:solidFill>
-            <a:miter lim="800000"/>
-          </a:ln>
-          <a:extLst>
-            <a:ext uri="{909E8E84-426E-40DD-AFC4-6F175D3DCCD1}">
-              <a14:hiddenFill xmlns:a14="http://schemas.microsoft.com/office/drawing/2010/main">
-                <a:solidFill>
-                  <a:srgbClr val="FFFFFF"/>
-                </a:solidFill>
-              </a14:hiddenFill>
-            </a:ext>
-          </a:extLst>
-        </p:spPr>
-        <p:txBody>
-          <a:bodyPr anchor="ctr"/>
-          <a:lstStyle>
-            <a:lvl1pPr>
-              <a:defRPr>
-                <a:solidFill>
-                  <a:schemeClr val="tx1"/>
-                </a:solidFill>
-                <a:latin typeface="Calibri" panose="020F0502020204030204" charset="0"/>
-                <a:ea typeface="微软雅黑" panose="020B0503020204020204" charset="-122"/>
-              </a:defRPr>
-            </a:lvl1pPr>
-            <a:lvl2pPr marL="742950" indent="-285750">
-              <a:defRPr>
-                <a:solidFill>
-                  <a:schemeClr val="tx1"/>
-                </a:solidFill>
-                <a:latin typeface="Calibri" panose="020F0502020204030204" charset="0"/>
-                <a:ea typeface="微软雅黑" panose="020B0503020204020204" charset="-122"/>
-              </a:defRPr>
-            </a:lvl2pPr>
-            <a:lvl3pPr marL="1143000" indent="-228600">
-              <a:defRPr>
-                <a:solidFill>
-                  <a:schemeClr val="tx1"/>
-                </a:solidFill>
-                <a:latin typeface="Calibri" panose="020F0502020204030204" charset="0"/>
-                <a:ea typeface="微软雅黑" panose="020B0503020204020204" charset="-122"/>
-              </a:defRPr>
-            </a:lvl3pPr>
-            <a:lvl4pPr marL="1600200" indent="-228600">
-              <a:defRPr>
-                <a:solidFill>
-                  <a:schemeClr val="tx1"/>
-                </a:solidFill>
-                <a:latin typeface="Calibri" panose="020F0502020204030204" charset="0"/>
-                <a:ea typeface="微软雅黑" panose="020B0503020204020204" charset="-122"/>
-              </a:defRPr>
-            </a:lvl4pPr>
-            <a:lvl5pPr marL="2057400" indent="-228600">
-              <a:defRPr>
-                <a:solidFill>
-                  <a:schemeClr val="tx1"/>
-                </a:solidFill>
-                <a:latin typeface="Calibri" panose="020F0502020204030204" charset="0"/>
-                <a:ea typeface="微软雅黑" panose="020B0503020204020204" charset="-122"/>
-              </a:defRPr>
-            </a:lvl5pPr>
-            <a:lvl6pPr marL="2514600" indent="-228600" fontAlgn="base">
-              <a:spcBef>
-                <a:spcPct val="0"/>
-              </a:spcBef>
-              <a:spcAft>
-                <a:spcPct val="0"/>
-              </a:spcAft>
-              <a:buFont typeface="Arial" panose="020B0604020202020204" pitchFamily="34" charset="0"/>
-              <a:defRPr>
-                <a:solidFill>
-                  <a:schemeClr val="tx1"/>
-                </a:solidFill>
-                <a:latin typeface="Calibri" panose="020F0502020204030204" charset="0"/>
-                <a:ea typeface="微软雅黑" panose="020B0503020204020204" charset="-122"/>
-              </a:defRPr>
-            </a:lvl6pPr>
-            <a:lvl7pPr marL="2971800" indent="-228600" fontAlgn="base">
-              <a:spcBef>
-                <a:spcPct val="0"/>
-              </a:spcBef>
-              <a:spcAft>
-                <a:spcPct val="0"/>
-              </a:spcAft>
-              <a:buFont typeface="Arial" panose="020B0604020202020204" pitchFamily="34" charset="0"/>
-              <a:defRPr>
-                <a:solidFill>
-                  <a:schemeClr val="tx1"/>
-                </a:solidFill>
-                <a:latin typeface="Calibri" panose="020F0502020204030204" charset="0"/>
-                <a:ea typeface="微软雅黑" panose="020B0503020204020204" charset="-122"/>
-              </a:defRPr>
-            </a:lvl7pPr>
-            <a:lvl8pPr marL="3429000" indent="-228600" fontAlgn="base">
-              <a:spcBef>
-                <a:spcPct val="0"/>
-              </a:spcBef>
-              <a:spcAft>
-                <a:spcPct val="0"/>
-              </a:spcAft>
-              <a:buFont typeface="Arial" panose="020B0604020202020204" pitchFamily="34" charset="0"/>
-              <a:defRPr>
-                <a:solidFill>
-                  <a:schemeClr val="tx1"/>
-                </a:solidFill>
-                <a:latin typeface="Calibri" panose="020F0502020204030204" charset="0"/>
-                <a:ea typeface="微软雅黑" panose="020B0503020204020204" charset="-122"/>
-              </a:defRPr>
-            </a:lvl8pPr>
-            <a:lvl9pPr marL="3886200" indent="-228600" fontAlgn="base">
-              <a:spcBef>
-                <a:spcPct val="0"/>
-              </a:spcBef>
-              <a:spcAft>
-                <a:spcPct val="0"/>
-              </a:spcAft>
-              <a:buFont typeface="Arial" panose="020B0604020202020204" pitchFamily="34" charset="0"/>
-              <a:defRPr>
-                <a:solidFill>
-                  <a:schemeClr val="tx1"/>
-                </a:solidFill>
-                <a:latin typeface="Calibri" panose="020F0502020204030204" charset="0"/>
-                <a:ea typeface="微软雅黑" panose="020B0503020204020204" charset="-122"/>
-              </a:defRPr>
-            </a:lvl9pPr>
-          </a:lstStyle>
-          <a:p>
-            <a:pPr algn="ctr" eaLnBrk="1" hangingPunct="1"/>
-            <a:endParaRPr lang="zh-CN" altLang="en-US">
-              <a:solidFill>
-                <a:srgbClr val="FFFFFF"/>
-              </a:solidFill>
-              <a:latin typeface="+mn-lt"/>
-              <a:ea typeface="+mn-ea"/>
-            </a:endParaRPr>
-          </a:p>
-        </p:txBody>
-      </p:sp>
-      <p:sp>
-        <p:nvSpPr>
-          <p:cNvPr id="11" name="等腰三角形 1"/>
-          <p:cNvSpPr>
-            <a:spLocks noChangeArrowheads="1"/>
-          </p:cNvSpPr>
-          <p:nvPr>
-            <p:custDataLst>
-              <p:tags r:id="rId7"/>
-            </p:custDataLst>
-          </p:nvPr>
-        </p:nvSpPr>
-        <p:spPr bwMode="auto">
-          <a:xfrm rot="5400000">
-            <a:off x="5773346" y="536967"/>
-            <a:ext cx="790680" cy="681948"/>
-          </a:xfrm>
-          <a:prstGeom prst="triangle">
-            <a:avLst>
-              <a:gd name="adj" fmla="val 50000"/>
-            </a:avLst>
-          </a:prstGeom>
-          <a:solidFill>
-            <a:schemeClr val="accent1"/>
-          </a:solidFill>
-          <a:ln>
-            <a:noFill/>
-          </a:ln>
-        </p:spPr>
-        <p:txBody>
-          <a:bodyPr anchor="ctr"/>
-          <a:lstStyle>
-            <a:lvl1pPr>
-              <a:defRPr>
-                <a:solidFill>
-                  <a:schemeClr val="tx1"/>
-                </a:solidFill>
-                <a:latin typeface="Calibri" panose="020F0502020204030204" charset="0"/>
-                <a:ea typeface="微软雅黑" panose="020B0503020204020204" charset="-122"/>
-              </a:defRPr>
-            </a:lvl1pPr>
-            <a:lvl2pPr marL="742950" indent="-285750">
-              <a:defRPr>
-                <a:solidFill>
-                  <a:schemeClr val="tx1"/>
-                </a:solidFill>
-                <a:latin typeface="Calibri" panose="020F0502020204030204" charset="0"/>
-                <a:ea typeface="微软雅黑" panose="020B0503020204020204" charset="-122"/>
-              </a:defRPr>
-            </a:lvl2pPr>
-            <a:lvl3pPr marL="1143000" indent="-228600">
-              <a:defRPr>
-                <a:solidFill>
-                  <a:schemeClr val="tx1"/>
-                </a:solidFill>
-                <a:latin typeface="Calibri" panose="020F0502020204030204" charset="0"/>
-                <a:ea typeface="微软雅黑" panose="020B0503020204020204" charset="-122"/>
-              </a:defRPr>
-            </a:lvl3pPr>
-            <a:lvl4pPr marL="1600200" indent="-228600">
-              <a:defRPr>
-                <a:solidFill>
-                  <a:schemeClr val="tx1"/>
-                </a:solidFill>
-                <a:latin typeface="Calibri" panose="020F0502020204030204" charset="0"/>
-                <a:ea typeface="微软雅黑" panose="020B0503020204020204" charset="-122"/>
-              </a:defRPr>
-            </a:lvl4pPr>
-            <a:lvl5pPr marL="2057400" indent="-228600">
-              <a:defRPr>
-                <a:solidFill>
-                  <a:schemeClr val="tx1"/>
-                </a:solidFill>
-                <a:latin typeface="Calibri" panose="020F0502020204030204" charset="0"/>
-                <a:ea typeface="微软雅黑" panose="020B0503020204020204" charset="-122"/>
-              </a:defRPr>
-            </a:lvl5pPr>
-            <a:lvl6pPr marL="2514600" indent="-228600" fontAlgn="base">
-              <a:spcBef>
-                <a:spcPct val="0"/>
-              </a:spcBef>
-              <a:spcAft>
-                <a:spcPct val="0"/>
-              </a:spcAft>
-              <a:buFont typeface="Arial" panose="020B0604020202020204" pitchFamily="34" charset="0"/>
-              <a:defRPr>
-                <a:solidFill>
-                  <a:schemeClr val="tx1"/>
-                </a:solidFill>
-                <a:latin typeface="Calibri" panose="020F0502020204030204" charset="0"/>
-                <a:ea typeface="微软雅黑" panose="020B0503020204020204" charset="-122"/>
-              </a:defRPr>
-            </a:lvl6pPr>
-            <a:lvl7pPr marL="2971800" indent="-228600" fontAlgn="base">
-              <a:spcBef>
-                <a:spcPct val="0"/>
-              </a:spcBef>
-              <a:spcAft>
-                <a:spcPct val="0"/>
-              </a:spcAft>
-              <a:buFont typeface="Arial" panose="020B0604020202020204" pitchFamily="34" charset="0"/>
-              <a:defRPr>
-                <a:solidFill>
-                  <a:schemeClr val="tx1"/>
-                </a:solidFill>
-                <a:latin typeface="Calibri" panose="020F0502020204030204" charset="0"/>
-                <a:ea typeface="微软雅黑" panose="020B0503020204020204" charset="-122"/>
-              </a:defRPr>
-            </a:lvl7pPr>
-            <a:lvl8pPr marL="3429000" indent="-228600" fontAlgn="base">
-              <a:spcBef>
-                <a:spcPct val="0"/>
-              </a:spcBef>
-              <a:spcAft>
-                <a:spcPct val="0"/>
-              </a:spcAft>
-              <a:buFont typeface="Arial" panose="020B0604020202020204" pitchFamily="34" charset="0"/>
-              <a:defRPr>
-                <a:solidFill>
-                  <a:schemeClr val="tx1"/>
-                </a:solidFill>
-                <a:latin typeface="Calibri" panose="020F0502020204030204" charset="0"/>
-                <a:ea typeface="微软雅黑" panose="020B0503020204020204" charset="-122"/>
-              </a:defRPr>
-            </a:lvl8pPr>
-            <a:lvl9pPr marL="3886200" indent="-228600" fontAlgn="base">
-              <a:spcBef>
-                <a:spcPct val="0"/>
-              </a:spcBef>
-              <a:spcAft>
-                <a:spcPct val="0"/>
-              </a:spcAft>
-              <a:buFont typeface="Arial" panose="020B0604020202020204" pitchFamily="34" charset="0"/>
-              <a:defRPr>
-                <a:solidFill>
-                  <a:schemeClr val="tx1"/>
-                </a:solidFill>
-                <a:latin typeface="Calibri" panose="020F0502020204030204" charset="0"/>
-                <a:ea typeface="微软雅黑" panose="020B0503020204020204" charset="-122"/>
-              </a:defRPr>
-            </a:lvl9pPr>
-          </a:lstStyle>
-          <a:p>
-            <a:pPr algn="ctr" eaLnBrk="1" hangingPunct="1"/>
-            <a:endParaRPr lang="zh-CN" altLang="en-US">
-              <a:solidFill>
-                <a:srgbClr val="FFFFFF"/>
-              </a:solidFill>
-              <a:latin typeface="+mn-lt"/>
-              <a:ea typeface="+mn-ea"/>
-            </a:endParaRPr>
-          </a:p>
-        </p:txBody>
-      </p:sp>
-      <p:sp>
-        <p:nvSpPr>
-          <p:cNvPr id="12" name="等腰三角形 10"/>
-          <p:cNvSpPr>
-            <a:spLocks noChangeArrowheads="1"/>
-          </p:cNvSpPr>
-          <p:nvPr>
-            <p:custDataLst>
-              <p:tags r:id="rId8"/>
-            </p:custDataLst>
-          </p:nvPr>
-        </p:nvSpPr>
-        <p:spPr bwMode="auto">
-          <a:xfrm rot="5400000">
-            <a:off x="5939215" y="810003"/>
-            <a:ext cx="618405" cy="533364"/>
-          </a:xfrm>
-          <a:prstGeom prst="triangle">
-            <a:avLst>
-              <a:gd name="adj" fmla="val 50000"/>
-            </a:avLst>
-          </a:prstGeom>
-          <a:solidFill>
-            <a:schemeClr val="bg1"/>
-          </a:solidFill>
-          <a:ln>
-            <a:noFill/>
-          </a:ln>
-        </p:spPr>
-        <p:txBody>
-          <a:bodyPr anchor="ctr"/>
-          <a:lstStyle>
-            <a:lvl1pPr>
-              <a:defRPr>
-                <a:solidFill>
-                  <a:schemeClr val="tx1"/>
-                </a:solidFill>
-                <a:latin typeface="Calibri" panose="020F0502020204030204" charset="0"/>
-                <a:ea typeface="微软雅黑" panose="020B0503020204020204" charset="-122"/>
-              </a:defRPr>
-            </a:lvl1pPr>
-            <a:lvl2pPr marL="742950" indent="-285750">
-              <a:defRPr>
-                <a:solidFill>
-                  <a:schemeClr val="tx1"/>
-                </a:solidFill>
-                <a:latin typeface="Calibri" panose="020F0502020204030204" charset="0"/>
-                <a:ea typeface="微软雅黑" panose="020B0503020204020204" charset="-122"/>
-              </a:defRPr>
-            </a:lvl2pPr>
-            <a:lvl3pPr marL="1143000" indent="-228600">
-              <a:defRPr>
-                <a:solidFill>
-                  <a:schemeClr val="tx1"/>
-                </a:solidFill>
-                <a:latin typeface="Calibri" panose="020F0502020204030204" charset="0"/>
-                <a:ea typeface="微软雅黑" panose="020B0503020204020204" charset="-122"/>
-              </a:defRPr>
-            </a:lvl3pPr>
-            <a:lvl4pPr marL="1600200" indent="-228600">
-              <a:defRPr>
-                <a:solidFill>
-                  <a:schemeClr val="tx1"/>
-                </a:solidFill>
-                <a:latin typeface="Calibri" panose="020F0502020204030204" charset="0"/>
-                <a:ea typeface="微软雅黑" panose="020B0503020204020204" charset="-122"/>
-              </a:defRPr>
-            </a:lvl4pPr>
-            <a:lvl5pPr marL="2057400" indent="-228600">
-              <a:defRPr>
-                <a:solidFill>
-                  <a:schemeClr val="tx1"/>
-                </a:solidFill>
-                <a:latin typeface="Calibri" panose="020F0502020204030204" charset="0"/>
-                <a:ea typeface="微软雅黑" panose="020B0503020204020204" charset="-122"/>
-              </a:defRPr>
-            </a:lvl5pPr>
-            <a:lvl6pPr marL="2514600" indent="-228600" fontAlgn="base">
-              <a:spcBef>
-                <a:spcPct val="0"/>
-              </a:spcBef>
-              <a:spcAft>
-                <a:spcPct val="0"/>
-              </a:spcAft>
-              <a:buFont typeface="Arial" panose="020B0604020202020204" pitchFamily="34" charset="0"/>
-              <a:defRPr>
-                <a:solidFill>
-                  <a:schemeClr val="tx1"/>
-                </a:solidFill>
-                <a:latin typeface="Calibri" panose="020F0502020204030204" charset="0"/>
-                <a:ea typeface="微软雅黑" panose="020B0503020204020204" charset="-122"/>
-              </a:defRPr>
-            </a:lvl6pPr>
-            <a:lvl7pPr marL="2971800" indent="-228600" fontAlgn="base">
-              <a:spcBef>
-                <a:spcPct val="0"/>
-              </a:spcBef>
-              <a:spcAft>
-                <a:spcPct val="0"/>
-              </a:spcAft>
-              <a:buFont typeface="Arial" panose="020B0604020202020204" pitchFamily="34" charset="0"/>
-              <a:defRPr>
-                <a:solidFill>
-                  <a:schemeClr val="tx1"/>
-                </a:solidFill>
-                <a:latin typeface="Calibri" panose="020F0502020204030204" charset="0"/>
-                <a:ea typeface="微软雅黑" panose="020B0503020204020204" charset="-122"/>
-              </a:defRPr>
-            </a:lvl7pPr>
-            <a:lvl8pPr marL="3429000" indent="-228600" fontAlgn="base">
-              <a:spcBef>
-                <a:spcPct val="0"/>
-              </a:spcBef>
-              <a:spcAft>
-                <a:spcPct val="0"/>
-              </a:spcAft>
-              <a:buFont typeface="Arial" panose="020B0604020202020204" pitchFamily="34" charset="0"/>
-              <a:defRPr>
-                <a:solidFill>
-                  <a:schemeClr val="tx1"/>
-                </a:solidFill>
-                <a:latin typeface="Calibri" panose="020F0502020204030204" charset="0"/>
-                <a:ea typeface="微软雅黑" panose="020B0503020204020204" charset="-122"/>
-              </a:defRPr>
-            </a:lvl8pPr>
-            <a:lvl9pPr marL="3886200" indent="-228600" fontAlgn="base">
-              <a:spcBef>
-                <a:spcPct val="0"/>
-              </a:spcBef>
-              <a:spcAft>
-                <a:spcPct val="0"/>
-              </a:spcAft>
-              <a:buFont typeface="Arial" panose="020B0604020202020204" pitchFamily="34" charset="0"/>
-              <a:defRPr>
-                <a:solidFill>
-                  <a:schemeClr val="tx1"/>
-                </a:solidFill>
-                <a:latin typeface="Calibri" panose="020F0502020204030204" charset="0"/>
-                <a:ea typeface="微软雅黑" panose="020B0503020204020204" charset="-122"/>
-              </a:defRPr>
-            </a:lvl9pPr>
-          </a:lstStyle>
-          <a:p>
-            <a:pPr algn="ctr" eaLnBrk="1" hangingPunct="1"/>
-            <a:endParaRPr lang="zh-CN" altLang="en-US">
-              <a:solidFill>
-                <a:srgbClr val="FFFFFF"/>
-              </a:solidFill>
-              <a:latin typeface="+mn-lt"/>
-              <a:ea typeface="+mn-ea"/>
-            </a:endParaRPr>
-          </a:p>
-        </p:txBody>
-      </p:sp>
-      <p:sp>
-        <p:nvSpPr>
-          <p:cNvPr id="13" name="文本框 2"/>
-          <p:cNvSpPr txBox="1">
-            <a:spLocks noChangeArrowheads="1"/>
-          </p:cNvSpPr>
-          <p:nvPr>
-            <p:custDataLst>
-              <p:tags r:id="rId9"/>
-            </p:custDataLst>
-          </p:nvPr>
-        </p:nvSpPr>
-        <p:spPr bwMode="auto">
-          <a:xfrm>
-            <a:off x="6757988" y="371475"/>
-            <a:ext cx="4002087" cy="1014414"/>
-          </a:xfrm>
-          <a:prstGeom prst="rect">
-            <a:avLst/>
-          </a:prstGeom>
-          <a:noFill/>
-          <a:ln>
-            <a:noFill/>
-          </a:ln>
-          <a:extLst>
-            <a:ext uri="{909E8E84-426E-40DD-AFC4-6F175D3DCCD1}">
-              <a14:hiddenFill xmlns:a14="http://schemas.microsoft.com/office/drawing/2010/main">
-                <a:solidFill>
-                  <a:srgbClr val="FFFFFF"/>
-                </a:solidFill>
-              </a14:hiddenFill>
-            </a:ext>
-            <a:ext uri="{91240B29-F687-4F45-9708-019B960494DF}">
-              <a14:hiddenLine xmlns:a14="http://schemas.microsoft.com/office/drawing/2010/main" w="9525">
-                <a:solidFill>
-                  <a:srgbClr val="000000"/>
-                </a:solidFill>
-                <a:miter lim="800000"/>
-                <a:headEnd/>
-                <a:tailEnd/>
-              </a14:hiddenLine>
-            </a:ext>
-          </a:extLst>
-        </p:spPr>
-        <p:txBody>
-          <a:bodyPr wrap="square" lIns="0" rIns="0" anchor="ctr" anchorCtr="0">
-            <a:normAutofit/>
-          </a:bodyPr>
-          <a:lstStyle>
-            <a:lvl1pPr>
-              <a:defRPr>
-                <a:solidFill>
-                  <a:schemeClr val="tx1"/>
-                </a:solidFill>
-                <a:latin typeface="Calibri" panose="020F0502020204030204" charset="0"/>
-                <a:ea typeface="微软雅黑" panose="020B0503020204020204" charset="-122"/>
-              </a:defRPr>
-            </a:lvl1pPr>
-            <a:lvl2pPr marL="742950" indent="-285750">
-              <a:defRPr>
-                <a:solidFill>
-                  <a:schemeClr val="tx1"/>
-                </a:solidFill>
-                <a:latin typeface="Calibri" panose="020F0502020204030204" charset="0"/>
-                <a:ea typeface="微软雅黑" panose="020B0503020204020204" charset="-122"/>
-              </a:defRPr>
-            </a:lvl2pPr>
-            <a:lvl3pPr marL="1143000" indent="-228600">
-              <a:defRPr>
-                <a:solidFill>
-                  <a:schemeClr val="tx1"/>
-                </a:solidFill>
-                <a:latin typeface="Calibri" panose="020F0502020204030204" charset="0"/>
-                <a:ea typeface="微软雅黑" panose="020B0503020204020204" charset="-122"/>
-              </a:defRPr>
-            </a:lvl3pPr>
-            <a:lvl4pPr marL="1600200" indent="-228600">
-              <a:defRPr>
-                <a:solidFill>
-                  <a:schemeClr val="tx1"/>
-                </a:solidFill>
-                <a:latin typeface="Calibri" panose="020F0502020204030204" charset="0"/>
-                <a:ea typeface="微软雅黑" panose="020B0503020204020204" charset="-122"/>
-              </a:defRPr>
-            </a:lvl4pPr>
-            <a:lvl5pPr marL="2057400" indent="-228600">
-              <a:defRPr>
-                <a:solidFill>
-                  <a:schemeClr val="tx1"/>
-                </a:solidFill>
-                <a:latin typeface="Calibri" panose="020F0502020204030204" charset="0"/>
-                <a:ea typeface="微软雅黑" panose="020B0503020204020204" charset="-122"/>
-              </a:defRPr>
-            </a:lvl5pPr>
-            <a:lvl6pPr marL="2514600" indent="-228600" fontAlgn="base">
-              <a:spcBef>
-                <a:spcPct val="0"/>
-              </a:spcBef>
-              <a:spcAft>
-                <a:spcPct val="0"/>
-              </a:spcAft>
-              <a:buFont typeface="Arial" panose="020B0604020202020204" pitchFamily="34" charset="0"/>
-              <a:defRPr>
-                <a:solidFill>
-                  <a:schemeClr val="tx1"/>
-                </a:solidFill>
-                <a:latin typeface="Calibri" panose="020F0502020204030204" charset="0"/>
-                <a:ea typeface="微软雅黑" panose="020B0503020204020204" charset="-122"/>
-              </a:defRPr>
-            </a:lvl6pPr>
-            <a:lvl7pPr marL="2971800" indent="-228600" fontAlgn="base">
-              <a:spcBef>
-                <a:spcPct val="0"/>
-              </a:spcBef>
-              <a:spcAft>
-                <a:spcPct val="0"/>
-              </a:spcAft>
-              <a:buFont typeface="Arial" panose="020B0604020202020204" pitchFamily="34" charset="0"/>
-              <a:defRPr>
-                <a:solidFill>
-                  <a:schemeClr val="tx1"/>
-                </a:solidFill>
-                <a:latin typeface="Calibri" panose="020F0502020204030204" charset="0"/>
-                <a:ea typeface="微软雅黑" panose="020B0503020204020204" charset="-122"/>
-              </a:defRPr>
-            </a:lvl7pPr>
-            <a:lvl8pPr marL="3429000" indent="-228600" fontAlgn="base">
-              <a:spcBef>
-                <a:spcPct val="0"/>
-              </a:spcBef>
-              <a:spcAft>
-                <a:spcPct val="0"/>
-              </a:spcAft>
-              <a:buFont typeface="Arial" panose="020B0604020202020204" pitchFamily="34" charset="0"/>
-              <a:defRPr>
-                <a:solidFill>
-                  <a:schemeClr val="tx1"/>
-                </a:solidFill>
-                <a:latin typeface="Calibri" panose="020F0502020204030204" charset="0"/>
-                <a:ea typeface="微软雅黑" panose="020B0503020204020204" charset="-122"/>
-              </a:defRPr>
-            </a:lvl8pPr>
-            <a:lvl9pPr marL="3886200" indent="-228600" fontAlgn="base">
-              <a:spcBef>
-                <a:spcPct val="0"/>
-              </a:spcBef>
-              <a:spcAft>
-                <a:spcPct val="0"/>
-              </a:spcAft>
-              <a:buFont typeface="Arial" panose="020B0604020202020204" pitchFamily="34" charset="0"/>
-              <a:defRPr>
-                <a:solidFill>
-                  <a:schemeClr val="tx1"/>
-                </a:solidFill>
-                <a:latin typeface="Calibri" panose="020F0502020204030204" charset="0"/>
-                <a:ea typeface="微软雅黑" panose="020B0503020204020204" charset="-122"/>
-              </a:defRPr>
-            </a:lvl9pPr>
-          </a:lstStyle>
-          <a:p>
-            <a:r>
-              <a:rPr lang="en-US" altLang="zh-CN" sz="2400">
-                <a:latin typeface="+mn-lt"/>
-                <a:ea typeface="+mn-ea"/>
-                <a:sym typeface="+mn-ea"/>
-              </a:rPr>
-              <a:t>用户的需求</a:t>
-            </a:r>
-            <a:r>
-              <a:rPr lang="zh-CN" altLang="en-US" sz="2400">
-                <a:latin typeface="+mn-lt"/>
-                <a:ea typeface="+mn-ea"/>
-                <a:sym typeface="+mn-ea"/>
-              </a:rPr>
-              <a:t>变更</a:t>
-            </a:r>
-            <a:endParaRPr lang="en-US" altLang="zh-CN" sz="2400">
-              <a:latin typeface="+mn-lt"/>
-              <a:ea typeface="+mn-ea"/>
-            </a:endParaRPr>
-          </a:p>
-        </p:txBody>
-      </p:sp>
-      <p:sp>
-        <p:nvSpPr>
-          <p:cNvPr id="15" name="等腰三角形 34"/>
-          <p:cNvSpPr>
-            <a:spLocks noChangeArrowheads="1"/>
-          </p:cNvSpPr>
-          <p:nvPr>
-            <p:custDataLst>
-              <p:tags r:id="rId10"/>
-            </p:custDataLst>
-          </p:nvPr>
-        </p:nvSpPr>
-        <p:spPr bwMode="auto">
-          <a:xfrm rot="5400000">
-            <a:off x="5773347" y="1529154"/>
-            <a:ext cx="790679" cy="681948"/>
-          </a:xfrm>
-          <a:prstGeom prst="triangle">
-            <a:avLst>
-              <a:gd name="adj" fmla="val 50000"/>
-            </a:avLst>
-          </a:prstGeom>
-          <a:solidFill>
-            <a:schemeClr val="accent1"/>
-          </a:solidFill>
-          <a:ln>
-            <a:noFill/>
-          </a:ln>
-        </p:spPr>
-        <p:txBody>
-          <a:bodyPr anchor="ctr"/>
-          <a:lstStyle>
-            <a:lvl1pPr>
-              <a:defRPr>
-                <a:solidFill>
-                  <a:schemeClr val="tx1"/>
-                </a:solidFill>
-                <a:latin typeface="Calibri" panose="020F0502020204030204" charset="0"/>
-                <a:ea typeface="微软雅黑" panose="020B0503020204020204" charset="-122"/>
-              </a:defRPr>
-            </a:lvl1pPr>
-            <a:lvl2pPr marL="742950" indent="-285750">
-              <a:defRPr>
-                <a:solidFill>
-                  <a:schemeClr val="tx1"/>
-                </a:solidFill>
-                <a:latin typeface="Calibri" panose="020F0502020204030204" charset="0"/>
-                <a:ea typeface="微软雅黑" panose="020B0503020204020204" charset="-122"/>
-              </a:defRPr>
-            </a:lvl2pPr>
-            <a:lvl3pPr marL="1143000" indent="-228600">
-              <a:defRPr>
-                <a:solidFill>
-                  <a:schemeClr val="tx1"/>
-                </a:solidFill>
-                <a:latin typeface="Calibri" panose="020F0502020204030204" charset="0"/>
-                <a:ea typeface="微软雅黑" panose="020B0503020204020204" charset="-122"/>
-              </a:defRPr>
-            </a:lvl3pPr>
-            <a:lvl4pPr marL="1600200" indent="-228600">
-              <a:defRPr>
-                <a:solidFill>
-                  <a:schemeClr val="tx1"/>
-                </a:solidFill>
-                <a:latin typeface="Calibri" panose="020F0502020204030204" charset="0"/>
-                <a:ea typeface="微软雅黑" panose="020B0503020204020204" charset="-122"/>
-              </a:defRPr>
-            </a:lvl4pPr>
-            <a:lvl5pPr marL="2057400" indent="-228600">
-              <a:defRPr>
-                <a:solidFill>
-                  <a:schemeClr val="tx1"/>
-                </a:solidFill>
-                <a:latin typeface="Calibri" panose="020F0502020204030204" charset="0"/>
-                <a:ea typeface="微软雅黑" panose="020B0503020204020204" charset="-122"/>
-              </a:defRPr>
-            </a:lvl5pPr>
-            <a:lvl6pPr marL="2514600" indent="-228600" fontAlgn="base">
-              <a:spcBef>
-                <a:spcPct val="0"/>
-              </a:spcBef>
-              <a:spcAft>
-                <a:spcPct val="0"/>
-              </a:spcAft>
-              <a:buFont typeface="Arial" panose="020B0604020202020204" pitchFamily="34" charset="0"/>
-              <a:defRPr>
-                <a:solidFill>
-                  <a:schemeClr val="tx1"/>
-                </a:solidFill>
-                <a:latin typeface="Calibri" panose="020F0502020204030204" charset="0"/>
-                <a:ea typeface="微软雅黑" panose="020B0503020204020204" charset="-122"/>
-              </a:defRPr>
-            </a:lvl6pPr>
-            <a:lvl7pPr marL="2971800" indent="-228600" fontAlgn="base">
-              <a:spcBef>
-                <a:spcPct val="0"/>
-              </a:spcBef>
-              <a:spcAft>
-                <a:spcPct val="0"/>
-              </a:spcAft>
-              <a:buFont typeface="Arial" panose="020B0604020202020204" pitchFamily="34" charset="0"/>
-              <a:defRPr>
-                <a:solidFill>
-                  <a:schemeClr val="tx1"/>
-                </a:solidFill>
-                <a:latin typeface="Calibri" panose="020F0502020204030204" charset="0"/>
-                <a:ea typeface="微软雅黑" panose="020B0503020204020204" charset="-122"/>
-              </a:defRPr>
-            </a:lvl7pPr>
-            <a:lvl8pPr marL="3429000" indent="-228600" fontAlgn="base">
-              <a:spcBef>
-                <a:spcPct val="0"/>
-              </a:spcBef>
-              <a:spcAft>
-                <a:spcPct val="0"/>
-              </a:spcAft>
-              <a:buFont typeface="Arial" panose="020B0604020202020204" pitchFamily="34" charset="0"/>
-              <a:defRPr>
-                <a:solidFill>
-                  <a:schemeClr val="tx1"/>
-                </a:solidFill>
-                <a:latin typeface="Calibri" panose="020F0502020204030204" charset="0"/>
-                <a:ea typeface="微软雅黑" panose="020B0503020204020204" charset="-122"/>
-              </a:defRPr>
-            </a:lvl8pPr>
-            <a:lvl9pPr marL="3886200" indent="-228600" fontAlgn="base">
-              <a:spcBef>
-                <a:spcPct val="0"/>
-              </a:spcBef>
-              <a:spcAft>
-                <a:spcPct val="0"/>
-              </a:spcAft>
-              <a:buFont typeface="Arial" panose="020B0604020202020204" pitchFamily="34" charset="0"/>
-              <a:defRPr>
-                <a:solidFill>
-                  <a:schemeClr val="tx1"/>
-                </a:solidFill>
-                <a:latin typeface="Calibri" panose="020F0502020204030204" charset="0"/>
-                <a:ea typeface="微软雅黑" panose="020B0503020204020204" charset="-122"/>
-              </a:defRPr>
-            </a:lvl9pPr>
-          </a:lstStyle>
-          <a:p>
-            <a:pPr algn="ctr" eaLnBrk="1" hangingPunct="1"/>
-            <a:endParaRPr lang="zh-CN" altLang="en-US">
-              <a:solidFill>
-                <a:srgbClr val="FFFFFF"/>
-              </a:solidFill>
-              <a:latin typeface="+mn-lt"/>
-              <a:ea typeface="+mn-ea"/>
-            </a:endParaRPr>
-          </a:p>
-        </p:txBody>
-      </p:sp>
-      <p:sp>
-        <p:nvSpPr>
-          <p:cNvPr id="16" name="等腰三角形 35"/>
-          <p:cNvSpPr>
-            <a:spLocks noChangeArrowheads="1"/>
-          </p:cNvSpPr>
-          <p:nvPr>
-            <p:custDataLst>
-              <p:tags r:id="rId11"/>
-            </p:custDataLst>
-          </p:nvPr>
-        </p:nvSpPr>
-        <p:spPr bwMode="auto">
-          <a:xfrm rot="5400000">
-            <a:off x="5939215" y="1802190"/>
-            <a:ext cx="618404" cy="533364"/>
-          </a:xfrm>
-          <a:prstGeom prst="triangle">
-            <a:avLst>
-              <a:gd name="adj" fmla="val 50000"/>
-            </a:avLst>
-          </a:prstGeom>
-          <a:solidFill>
-            <a:schemeClr val="bg1"/>
-          </a:solidFill>
-          <a:ln>
-            <a:noFill/>
-          </a:ln>
-        </p:spPr>
-        <p:txBody>
-          <a:bodyPr anchor="ctr"/>
-          <a:lstStyle>
-            <a:lvl1pPr>
-              <a:defRPr>
-                <a:solidFill>
-                  <a:schemeClr val="tx1"/>
-                </a:solidFill>
-                <a:latin typeface="Calibri" panose="020F0502020204030204" charset="0"/>
-                <a:ea typeface="微软雅黑" panose="020B0503020204020204" charset="-122"/>
-              </a:defRPr>
-            </a:lvl1pPr>
-            <a:lvl2pPr marL="742950" indent="-285750">
-              <a:defRPr>
-                <a:solidFill>
-                  <a:schemeClr val="tx1"/>
-                </a:solidFill>
-                <a:latin typeface="Calibri" panose="020F0502020204030204" charset="0"/>
-                <a:ea typeface="微软雅黑" panose="020B0503020204020204" charset="-122"/>
-              </a:defRPr>
-            </a:lvl2pPr>
-            <a:lvl3pPr marL="1143000" indent="-228600">
-              <a:defRPr>
-                <a:solidFill>
-                  <a:schemeClr val="tx1"/>
-                </a:solidFill>
-                <a:latin typeface="Calibri" panose="020F0502020204030204" charset="0"/>
-                <a:ea typeface="微软雅黑" panose="020B0503020204020204" charset="-122"/>
-              </a:defRPr>
-            </a:lvl3pPr>
-            <a:lvl4pPr marL="1600200" indent="-228600">
-              <a:defRPr>
-                <a:solidFill>
-                  <a:schemeClr val="tx1"/>
-                </a:solidFill>
-                <a:latin typeface="Calibri" panose="020F0502020204030204" charset="0"/>
-                <a:ea typeface="微软雅黑" panose="020B0503020204020204" charset="-122"/>
-              </a:defRPr>
-            </a:lvl4pPr>
-            <a:lvl5pPr marL="2057400" indent="-228600">
-              <a:defRPr>
-                <a:solidFill>
-                  <a:schemeClr val="tx1"/>
-                </a:solidFill>
-                <a:latin typeface="Calibri" panose="020F0502020204030204" charset="0"/>
-                <a:ea typeface="微软雅黑" panose="020B0503020204020204" charset="-122"/>
-              </a:defRPr>
-            </a:lvl5pPr>
-            <a:lvl6pPr marL="2514600" indent="-228600" fontAlgn="base">
-              <a:spcBef>
-                <a:spcPct val="0"/>
-              </a:spcBef>
-              <a:spcAft>
-                <a:spcPct val="0"/>
-              </a:spcAft>
-              <a:buFont typeface="Arial" panose="020B0604020202020204" pitchFamily="34" charset="0"/>
-              <a:defRPr>
-                <a:solidFill>
-                  <a:schemeClr val="tx1"/>
-                </a:solidFill>
-                <a:latin typeface="Calibri" panose="020F0502020204030204" charset="0"/>
-                <a:ea typeface="微软雅黑" panose="020B0503020204020204" charset="-122"/>
-              </a:defRPr>
-            </a:lvl6pPr>
-            <a:lvl7pPr marL="2971800" indent="-228600" fontAlgn="base">
-              <a:spcBef>
-                <a:spcPct val="0"/>
-              </a:spcBef>
-              <a:spcAft>
-                <a:spcPct val="0"/>
-              </a:spcAft>
-              <a:buFont typeface="Arial" panose="020B0604020202020204" pitchFamily="34" charset="0"/>
-              <a:defRPr>
-                <a:solidFill>
-                  <a:schemeClr val="tx1"/>
-                </a:solidFill>
-                <a:latin typeface="Calibri" panose="020F0502020204030204" charset="0"/>
-                <a:ea typeface="微软雅黑" panose="020B0503020204020204" charset="-122"/>
-              </a:defRPr>
-            </a:lvl7pPr>
-            <a:lvl8pPr marL="3429000" indent="-228600" fontAlgn="base">
-              <a:spcBef>
-                <a:spcPct val="0"/>
-              </a:spcBef>
-              <a:spcAft>
-                <a:spcPct val="0"/>
-              </a:spcAft>
-              <a:buFont typeface="Arial" panose="020B0604020202020204" pitchFamily="34" charset="0"/>
-              <a:defRPr>
-                <a:solidFill>
-                  <a:schemeClr val="tx1"/>
-                </a:solidFill>
-                <a:latin typeface="Calibri" panose="020F0502020204030204" charset="0"/>
-                <a:ea typeface="微软雅黑" panose="020B0503020204020204" charset="-122"/>
-              </a:defRPr>
-            </a:lvl8pPr>
-            <a:lvl9pPr marL="3886200" indent="-228600" fontAlgn="base">
-              <a:spcBef>
-                <a:spcPct val="0"/>
-              </a:spcBef>
-              <a:spcAft>
-                <a:spcPct val="0"/>
-              </a:spcAft>
-              <a:buFont typeface="Arial" panose="020B0604020202020204" pitchFamily="34" charset="0"/>
-              <a:defRPr>
-                <a:solidFill>
-                  <a:schemeClr val="tx1"/>
-                </a:solidFill>
-                <a:latin typeface="Calibri" panose="020F0502020204030204" charset="0"/>
-                <a:ea typeface="微软雅黑" panose="020B0503020204020204" charset="-122"/>
-              </a:defRPr>
-            </a:lvl9pPr>
-          </a:lstStyle>
-          <a:p>
-            <a:pPr algn="ctr" eaLnBrk="1" hangingPunct="1"/>
-            <a:endParaRPr lang="zh-CN" altLang="en-US">
-              <a:solidFill>
-                <a:srgbClr val="FFFFFF"/>
-              </a:solidFill>
-              <a:latin typeface="+mn-lt"/>
-              <a:ea typeface="+mn-ea"/>
-            </a:endParaRPr>
-          </a:p>
-        </p:txBody>
-      </p:sp>
-      <p:sp>
-        <p:nvSpPr>
-          <p:cNvPr id="17" name="文本框 36"/>
-          <p:cNvSpPr txBox="1">
-            <a:spLocks noChangeArrowheads="1"/>
-          </p:cNvSpPr>
-          <p:nvPr>
-            <p:custDataLst>
-              <p:tags r:id="rId12"/>
-            </p:custDataLst>
-          </p:nvPr>
-        </p:nvSpPr>
-        <p:spPr bwMode="auto">
-          <a:xfrm>
-            <a:off x="6757988" y="1362394"/>
-            <a:ext cx="4002087" cy="1014410"/>
-          </a:xfrm>
-          <a:prstGeom prst="rect">
-            <a:avLst/>
-          </a:prstGeom>
-          <a:noFill/>
-          <a:ln>
-            <a:noFill/>
-          </a:ln>
-          <a:extLst>
-            <a:ext uri="{909E8E84-426E-40DD-AFC4-6F175D3DCCD1}">
-              <a14:hiddenFill xmlns:a14="http://schemas.microsoft.com/office/drawing/2010/main">
-                <a:solidFill>
-                  <a:srgbClr val="FFFFFF"/>
-                </a:solidFill>
-              </a14:hiddenFill>
-            </a:ext>
-            <a:ext uri="{91240B29-F687-4F45-9708-019B960494DF}">
-              <a14:hiddenLine xmlns:a14="http://schemas.microsoft.com/office/drawing/2010/main" w="9525">
-                <a:solidFill>
-                  <a:srgbClr val="000000"/>
-                </a:solidFill>
-                <a:miter lim="800000"/>
-                <a:headEnd/>
-                <a:tailEnd/>
-              </a14:hiddenLine>
-            </a:ext>
-          </a:extLst>
-        </p:spPr>
-        <p:txBody>
-          <a:bodyPr wrap="square" lIns="0" rIns="0" anchor="ctr" anchorCtr="0">
-            <a:normAutofit/>
-          </a:bodyPr>
-          <a:lstStyle>
-            <a:lvl1pPr>
-              <a:defRPr>
-                <a:solidFill>
-                  <a:schemeClr val="tx1"/>
-                </a:solidFill>
-                <a:latin typeface="Calibri" panose="020F0502020204030204" charset="0"/>
-                <a:ea typeface="微软雅黑" panose="020B0503020204020204" charset="-122"/>
-              </a:defRPr>
-            </a:lvl1pPr>
-            <a:lvl2pPr marL="742950" indent="-285750">
-              <a:defRPr>
-                <a:solidFill>
-                  <a:schemeClr val="tx1"/>
-                </a:solidFill>
-                <a:latin typeface="Calibri" panose="020F0502020204030204" charset="0"/>
-                <a:ea typeface="微软雅黑" panose="020B0503020204020204" charset="-122"/>
-              </a:defRPr>
-            </a:lvl2pPr>
-            <a:lvl3pPr marL="1143000" indent="-228600">
-              <a:defRPr>
-                <a:solidFill>
-                  <a:schemeClr val="tx1"/>
-                </a:solidFill>
-                <a:latin typeface="Calibri" panose="020F0502020204030204" charset="0"/>
-                <a:ea typeface="微软雅黑" panose="020B0503020204020204" charset="-122"/>
-              </a:defRPr>
-            </a:lvl3pPr>
-            <a:lvl4pPr marL="1600200" indent="-228600">
-              <a:defRPr>
-                <a:solidFill>
-                  <a:schemeClr val="tx1"/>
-                </a:solidFill>
-                <a:latin typeface="Calibri" panose="020F0502020204030204" charset="0"/>
-                <a:ea typeface="微软雅黑" panose="020B0503020204020204" charset="-122"/>
-              </a:defRPr>
-            </a:lvl4pPr>
-            <a:lvl5pPr marL="2057400" indent="-228600">
-              <a:defRPr>
-                <a:solidFill>
-                  <a:schemeClr val="tx1"/>
-                </a:solidFill>
-                <a:latin typeface="Calibri" panose="020F0502020204030204" charset="0"/>
-                <a:ea typeface="微软雅黑" panose="020B0503020204020204" charset="-122"/>
-              </a:defRPr>
-            </a:lvl5pPr>
-            <a:lvl6pPr marL="2514600" indent="-228600" fontAlgn="base">
-              <a:spcBef>
-                <a:spcPct val="0"/>
-              </a:spcBef>
-              <a:spcAft>
-                <a:spcPct val="0"/>
-              </a:spcAft>
-              <a:buFont typeface="Arial" panose="020B0604020202020204" pitchFamily="34" charset="0"/>
-              <a:defRPr>
-                <a:solidFill>
-                  <a:schemeClr val="tx1"/>
-                </a:solidFill>
-                <a:latin typeface="Calibri" panose="020F0502020204030204" charset="0"/>
-                <a:ea typeface="微软雅黑" panose="020B0503020204020204" charset="-122"/>
-              </a:defRPr>
-            </a:lvl6pPr>
-            <a:lvl7pPr marL="2971800" indent="-228600" fontAlgn="base">
-              <a:spcBef>
-                <a:spcPct val="0"/>
-              </a:spcBef>
-              <a:spcAft>
-                <a:spcPct val="0"/>
-              </a:spcAft>
-              <a:buFont typeface="Arial" panose="020B0604020202020204" pitchFamily="34" charset="0"/>
-              <a:defRPr>
-                <a:solidFill>
-                  <a:schemeClr val="tx1"/>
-                </a:solidFill>
-                <a:latin typeface="Calibri" panose="020F0502020204030204" charset="0"/>
-                <a:ea typeface="微软雅黑" panose="020B0503020204020204" charset="-122"/>
-              </a:defRPr>
-            </a:lvl7pPr>
-            <a:lvl8pPr marL="3429000" indent="-228600" fontAlgn="base">
-              <a:spcBef>
-                <a:spcPct val="0"/>
-              </a:spcBef>
-              <a:spcAft>
-                <a:spcPct val="0"/>
-              </a:spcAft>
-              <a:buFont typeface="Arial" panose="020B0604020202020204" pitchFamily="34" charset="0"/>
-              <a:defRPr>
-                <a:solidFill>
-                  <a:schemeClr val="tx1"/>
-                </a:solidFill>
-                <a:latin typeface="Calibri" panose="020F0502020204030204" charset="0"/>
-                <a:ea typeface="微软雅黑" panose="020B0503020204020204" charset="-122"/>
-              </a:defRPr>
-            </a:lvl8pPr>
-            <a:lvl9pPr marL="3886200" indent="-228600" fontAlgn="base">
-              <a:spcBef>
-                <a:spcPct val="0"/>
-              </a:spcBef>
-              <a:spcAft>
-                <a:spcPct val="0"/>
-              </a:spcAft>
-              <a:buFont typeface="Arial" panose="020B0604020202020204" pitchFamily="34" charset="0"/>
-              <a:defRPr>
-                <a:solidFill>
-                  <a:schemeClr val="tx1"/>
-                </a:solidFill>
-                <a:latin typeface="Calibri" panose="020F0502020204030204" charset="0"/>
-                <a:ea typeface="微软雅黑" panose="020B0503020204020204" charset="-122"/>
-              </a:defRPr>
-            </a:lvl9pPr>
-          </a:lstStyle>
-          <a:p>
-            <a:r>
-              <a:rPr lang="zh-CN" altLang="en-US" sz="2400">
-                <a:latin typeface="+mn-lt"/>
-                <a:ea typeface="+mn-ea"/>
-                <a:sym typeface="+mn-ea"/>
-              </a:rPr>
-              <a:t>需求管理工具</a:t>
-            </a:r>
-          </a:p>
-        </p:txBody>
-      </p:sp>
-      <p:sp>
-        <p:nvSpPr>
-          <p:cNvPr id="19" name="等腰三角形 43"/>
-          <p:cNvSpPr>
-            <a:spLocks noChangeArrowheads="1"/>
-          </p:cNvSpPr>
-          <p:nvPr>
-            <p:custDataLst>
-              <p:tags r:id="rId13"/>
-            </p:custDataLst>
-          </p:nvPr>
-        </p:nvSpPr>
-        <p:spPr bwMode="auto">
-          <a:xfrm rot="5400000">
-            <a:off x="5774041" y="2522235"/>
-            <a:ext cx="789290" cy="681948"/>
-          </a:xfrm>
-          <a:prstGeom prst="triangle">
-            <a:avLst>
-              <a:gd name="adj" fmla="val 50000"/>
-            </a:avLst>
-          </a:prstGeom>
-          <a:solidFill>
-            <a:schemeClr val="accent1"/>
-          </a:solidFill>
-          <a:ln>
-            <a:noFill/>
-          </a:ln>
-        </p:spPr>
-        <p:txBody>
-          <a:bodyPr anchor="ctr"/>
-          <a:lstStyle>
-            <a:lvl1pPr>
-              <a:defRPr>
-                <a:solidFill>
-                  <a:schemeClr val="tx1"/>
-                </a:solidFill>
-                <a:latin typeface="Calibri" panose="020F0502020204030204" charset="0"/>
-                <a:ea typeface="微软雅黑" panose="020B0503020204020204" charset="-122"/>
-              </a:defRPr>
-            </a:lvl1pPr>
-            <a:lvl2pPr marL="742950" indent="-285750">
-              <a:defRPr>
-                <a:solidFill>
-                  <a:schemeClr val="tx1"/>
-                </a:solidFill>
-                <a:latin typeface="Calibri" panose="020F0502020204030204" charset="0"/>
-                <a:ea typeface="微软雅黑" panose="020B0503020204020204" charset="-122"/>
-              </a:defRPr>
-            </a:lvl2pPr>
-            <a:lvl3pPr marL="1143000" indent="-228600">
-              <a:defRPr>
-                <a:solidFill>
-                  <a:schemeClr val="tx1"/>
-                </a:solidFill>
-                <a:latin typeface="Calibri" panose="020F0502020204030204" charset="0"/>
-                <a:ea typeface="微软雅黑" panose="020B0503020204020204" charset="-122"/>
-              </a:defRPr>
-            </a:lvl3pPr>
-            <a:lvl4pPr marL="1600200" indent="-228600">
-              <a:defRPr>
-                <a:solidFill>
-                  <a:schemeClr val="tx1"/>
-                </a:solidFill>
-                <a:latin typeface="Calibri" panose="020F0502020204030204" charset="0"/>
-                <a:ea typeface="微软雅黑" panose="020B0503020204020204" charset="-122"/>
-              </a:defRPr>
-            </a:lvl4pPr>
-            <a:lvl5pPr marL="2057400" indent="-228600">
-              <a:defRPr>
-                <a:solidFill>
-                  <a:schemeClr val="tx1"/>
-                </a:solidFill>
-                <a:latin typeface="Calibri" panose="020F0502020204030204" charset="0"/>
-                <a:ea typeface="微软雅黑" panose="020B0503020204020204" charset="-122"/>
-              </a:defRPr>
-            </a:lvl5pPr>
-            <a:lvl6pPr marL="2514600" indent="-228600" fontAlgn="base">
-              <a:spcBef>
-                <a:spcPct val="0"/>
-              </a:spcBef>
-              <a:spcAft>
-                <a:spcPct val="0"/>
-              </a:spcAft>
-              <a:buFont typeface="Arial" panose="020B0604020202020204" pitchFamily="34" charset="0"/>
-              <a:defRPr>
-                <a:solidFill>
-                  <a:schemeClr val="tx1"/>
-                </a:solidFill>
-                <a:latin typeface="Calibri" panose="020F0502020204030204" charset="0"/>
-                <a:ea typeface="微软雅黑" panose="020B0503020204020204" charset="-122"/>
-              </a:defRPr>
-            </a:lvl6pPr>
-            <a:lvl7pPr marL="2971800" indent="-228600" fontAlgn="base">
-              <a:spcBef>
-                <a:spcPct val="0"/>
-              </a:spcBef>
-              <a:spcAft>
-                <a:spcPct val="0"/>
-              </a:spcAft>
-              <a:buFont typeface="Arial" panose="020B0604020202020204" pitchFamily="34" charset="0"/>
-              <a:defRPr>
-                <a:solidFill>
-                  <a:schemeClr val="tx1"/>
-                </a:solidFill>
-                <a:latin typeface="Calibri" panose="020F0502020204030204" charset="0"/>
-                <a:ea typeface="微软雅黑" panose="020B0503020204020204" charset="-122"/>
-              </a:defRPr>
-            </a:lvl7pPr>
-            <a:lvl8pPr marL="3429000" indent="-228600" fontAlgn="base">
-              <a:spcBef>
-                <a:spcPct val="0"/>
-              </a:spcBef>
-              <a:spcAft>
-                <a:spcPct val="0"/>
-              </a:spcAft>
-              <a:buFont typeface="Arial" panose="020B0604020202020204" pitchFamily="34" charset="0"/>
-              <a:defRPr>
-                <a:solidFill>
-                  <a:schemeClr val="tx1"/>
-                </a:solidFill>
-                <a:latin typeface="Calibri" panose="020F0502020204030204" charset="0"/>
-                <a:ea typeface="微软雅黑" panose="020B0503020204020204" charset="-122"/>
-              </a:defRPr>
-            </a:lvl8pPr>
-            <a:lvl9pPr marL="3886200" indent="-228600" fontAlgn="base">
-              <a:spcBef>
-                <a:spcPct val="0"/>
-              </a:spcBef>
-              <a:spcAft>
-                <a:spcPct val="0"/>
-              </a:spcAft>
-              <a:buFont typeface="Arial" panose="020B0604020202020204" pitchFamily="34" charset="0"/>
-              <a:defRPr>
-                <a:solidFill>
-                  <a:schemeClr val="tx1"/>
-                </a:solidFill>
-                <a:latin typeface="Calibri" panose="020F0502020204030204" charset="0"/>
-                <a:ea typeface="微软雅黑" panose="020B0503020204020204" charset="-122"/>
-              </a:defRPr>
-            </a:lvl9pPr>
-          </a:lstStyle>
-          <a:p>
-            <a:pPr algn="ctr" eaLnBrk="1" hangingPunct="1"/>
-            <a:endParaRPr lang="zh-CN" altLang="en-US">
-              <a:solidFill>
-                <a:srgbClr val="FFFFFF"/>
-              </a:solidFill>
-              <a:latin typeface="+mn-lt"/>
-              <a:ea typeface="+mn-ea"/>
-            </a:endParaRPr>
-          </a:p>
-        </p:txBody>
-      </p:sp>
-      <p:sp>
-        <p:nvSpPr>
-          <p:cNvPr id="20" name="等腰三角形 44"/>
-          <p:cNvSpPr>
-            <a:spLocks noChangeArrowheads="1"/>
-          </p:cNvSpPr>
-          <p:nvPr>
-            <p:custDataLst>
-              <p:tags r:id="rId14"/>
-            </p:custDataLst>
-          </p:nvPr>
-        </p:nvSpPr>
-        <p:spPr bwMode="auto">
-          <a:xfrm rot="5400000">
-            <a:off x="5939758" y="2794921"/>
-            <a:ext cx="617318" cy="533364"/>
-          </a:xfrm>
-          <a:prstGeom prst="triangle">
-            <a:avLst>
-              <a:gd name="adj" fmla="val 50000"/>
-            </a:avLst>
-          </a:prstGeom>
-          <a:solidFill>
-            <a:schemeClr val="bg1"/>
-          </a:solidFill>
-          <a:ln>
-            <a:noFill/>
-          </a:ln>
-        </p:spPr>
-        <p:txBody>
-          <a:bodyPr anchor="ctr"/>
-          <a:lstStyle>
-            <a:lvl1pPr>
-              <a:defRPr>
-                <a:solidFill>
-                  <a:schemeClr val="tx1"/>
-                </a:solidFill>
-                <a:latin typeface="Calibri" panose="020F0502020204030204" charset="0"/>
-                <a:ea typeface="微软雅黑" panose="020B0503020204020204" charset="-122"/>
-              </a:defRPr>
-            </a:lvl1pPr>
-            <a:lvl2pPr marL="742950" indent="-285750">
-              <a:defRPr>
-                <a:solidFill>
-                  <a:schemeClr val="tx1"/>
-                </a:solidFill>
-                <a:latin typeface="Calibri" panose="020F0502020204030204" charset="0"/>
-                <a:ea typeface="微软雅黑" panose="020B0503020204020204" charset="-122"/>
-              </a:defRPr>
-            </a:lvl2pPr>
-            <a:lvl3pPr marL="1143000" indent="-228600">
-              <a:defRPr>
-                <a:solidFill>
-                  <a:schemeClr val="tx1"/>
-                </a:solidFill>
-                <a:latin typeface="Calibri" panose="020F0502020204030204" charset="0"/>
-                <a:ea typeface="微软雅黑" panose="020B0503020204020204" charset="-122"/>
-              </a:defRPr>
-            </a:lvl3pPr>
-            <a:lvl4pPr marL="1600200" indent="-228600">
-              <a:defRPr>
-                <a:solidFill>
-                  <a:schemeClr val="tx1"/>
-                </a:solidFill>
-                <a:latin typeface="Calibri" panose="020F0502020204030204" charset="0"/>
-                <a:ea typeface="微软雅黑" panose="020B0503020204020204" charset="-122"/>
-              </a:defRPr>
-            </a:lvl4pPr>
-            <a:lvl5pPr marL="2057400" indent="-228600">
-              <a:defRPr>
-                <a:solidFill>
-                  <a:schemeClr val="tx1"/>
-                </a:solidFill>
-                <a:latin typeface="Calibri" panose="020F0502020204030204" charset="0"/>
-                <a:ea typeface="微软雅黑" panose="020B0503020204020204" charset="-122"/>
-              </a:defRPr>
-            </a:lvl5pPr>
-            <a:lvl6pPr marL="2514600" indent="-228600" fontAlgn="base">
-              <a:spcBef>
-                <a:spcPct val="0"/>
-              </a:spcBef>
-              <a:spcAft>
-                <a:spcPct val="0"/>
-              </a:spcAft>
-              <a:buFont typeface="Arial" panose="020B0604020202020204" pitchFamily="34" charset="0"/>
-              <a:defRPr>
-                <a:solidFill>
-                  <a:schemeClr val="tx1"/>
-                </a:solidFill>
-                <a:latin typeface="Calibri" panose="020F0502020204030204" charset="0"/>
-                <a:ea typeface="微软雅黑" panose="020B0503020204020204" charset="-122"/>
-              </a:defRPr>
-            </a:lvl6pPr>
-            <a:lvl7pPr marL="2971800" indent="-228600" fontAlgn="base">
-              <a:spcBef>
-                <a:spcPct val="0"/>
-              </a:spcBef>
-              <a:spcAft>
-                <a:spcPct val="0"/>
-              </a:spcAft>
-              <a:buFont typeface="Arial" panose="020B0604020202020204" pitchFamily="34" charset="0"/>
-              <a:defRPr>
-                <a:solidFill>
-                  <a:schemeClr val="tx1"/>
-                </a:solidFill>
-                <a:latin typeface="Calibri" panose="020F0502020204030204" charset="0"/>
-                <a:ea typeface="微软雅黑" panose="020B0503020204020204" charset="-122"/>
-              </a:defRPr>
-            </a:lvl7pPr>
-            <a:lvl8pPr marL="3429000" indent="-228600" fontAlgn="base">
-              <a:spcBef>
-                <a:spcPct val="0"/>
-              </a:spcBef>
-              <a:spcAft>
-                <a:spcPct val="0"/>
-              </a:spcAft>
-              <a:buFont typeface="Arial" panose="020B0604020202020204" pitchFamily="34" charset="0"/>
-              <a:defRPr>
-                <a:solidFill>
-                  <a:schemeClr val="tx1"/>
-                </a:solidFill>
-                <a:latin typeface="Calibri" panose="020F0502020204030204" charset="0"/>
-                <a:ea typeface="微软雅黑" panose="020B0503020204020204" charset="-122"/>
-              </a:defRPr>
-            </a:lvl8pPr>
-            <a:lvl9pPr marL="3886200" indent="-228600" fontAlgn="base">
-              <a:spcBef>
-                <a:spcPct val="0"/>
-              </a:spcBef>
-              <a:spcAft>
-                <a:spcPct val="0"/>
-              </a:spcAft>
-              <a:buFont typeface="Arial" panose="020B0604020202020204" pitchFamily="34" charset="0"/>
-              <a:defRPr>
-                <a:solidFill>
-                  <a:schemeClr val="tx1"/>
-                </a:solidFill>
-                <a:latin typeface="Calibri" panose="020F0502020204030204" charset="0"/>
-                <a:ea typeface="微软雅黑" panose="020B0503020204020204" charset="-122"/>
-              </a:defRPr>
-            </a:lvl9pPr>
-          </a:lstStyle>
-          <a:p>
-            <a:pPr algn="ctr" eaLnBrk="1" hangingPunct="1"/>
-            <a:endParaRPr lang="zh-CN" altLang="en-US">
-              <a:solidFill>
-                <a:srgbClr val="FFFFFF"/>
-              </a:solidFill>
-              <a:latin typeface="+mn-lt"/>
-              <a:ea typeface="+mn-ea"/>
-            </a:endParaRPr>
-          </a:p>
-        </p:txBody>
-      </p:sp>
-      <p:sp>
-        <p:nvSpPr>
-          <p:cNvPr id="21" name="文本框 45"/>
-          <p:cNvSpPr txBox="1">
-            <a:spLocks noChangeArrowheads="1"/>
-          </p:cNvSpPr>
-          <p:nvPr>
-            <p:custDataLst>
-              <p:tags r:id="rId15"/>
-            </p:custDataLst>
-          </p:nvPr>
-        </p:nvSpPr>
-        <p:spPr bwMode="auto">
-          <a:xfrm>
-            <a:off x="6757988" y="2355850"/>
-            <a:ext cx="4002087" cy="1014414"/>
-          </a:xfrm>
-          <a:prstGeom prst="rect">
-            <a:avLst/>
-          </a:prstGeom>
-          <a:noFill/>
-          <a:ln>
-            <a:noFill/>
-          </a:ln>
-          <a:extLst>
-            <a:ext uri="{909E8E84-426E-40DD-AFC4-6F175D3DCCD1}">
-              <a14:hiddenFill xmlns:a14="http://schemas.microsoft.com/office/drawing/2010/main">
-                <a:solidFill>
-                  <a:srgbClr val="FFFFFF"/>
-                </a:solidFill>
-              </a14:hiddenFill>
-            </a:ext>
-            <a:ext uri="{91240B29-F687-4F45-9708-019B960494DF}">
-              <a14:hiddenLine xmlns:a14="http://schemas.microsoft.com/office/drawing/2010/main" w="9525">
-                <a:solidFill>
-                  <a:srgbClr val="000000"/>
-                </a:solidFill>
-                <a:miter lim="800000"/>
-                <a:headEnd/>
-                <a:tailEnd/>
-              </a14:hiddenLine>
-            </a:ext>
-          </a:extLst>
-        </p:spPr>
-        <p:txBody>
-          <a:bodyPr wrap="square" lIns="0" rIns="0" anchor="ctr" anchorCtr="0">
-            <a:normAutofit/>
-          </a:bodyPr>
-          <a:lstStyle>
-            <a:lvl1pPr>
-              <a:defRPr>
-                <a:solidFill>
-                  <a:schemeClr val="tx1"/>
-                </a:solidFill>
-                <a:latin typeface="Calibri" panose="020F0502020204030204" charset="0"/>
-                <a:ea typeface="微软雅黑" panose="020B0503020204020204" charset="-122"/>
-              </a:defRPr>
-            </a:lvl1pPr>
-            <a:lvl2pPr marL="742950" indent="-285750">
-              <a:defRPr>
-                <a:solidFill>
-                  <a:schemeClr val="tx1"/>
-                </a:solidFill>
-                <a:latin typeface="Calibri" panose="020F0502020204030204" charset="0"/>
-                <a:ea typeface="微软雅黑" panose="020B0503020204020204" charset="-122"/>
-              </a:defRPr>
-            </a:lvl2pPr>
-            <a:lvl3pPr marL="1143000" indent="-228600">
-              <a:defRPr>
-                <a:solidFill>
-                  <a:schemeClr val="tx1"/>
-                </a:solidFill>
-                <a:latin typeface="Calibri" panose="020F0502020204030204" charset="0"/>
-                <a:ea typeface="微软雅黑" panose="020B0503020204020204" charset="-122"/>
-              </a:defRPr>
-            </a:lvl3pPr>
-            <a:lvl4pPr marL="1600200" indent="-228600">
-              <a:defRPr>
-                <a:solidFill>
-                  <a:schemeClr val="tx1"/>
-                </a:solidFill>
-                <a:latin typeface="Calibri" panose="020F0502020204030204" charset="0"/>
-                <a:ea typeface="微软雅黑" panose="020B0503020204020204" charset="-122"/>
-              </a:defRPr>
-            </a:lvl4pPr>
-            <a:lvl5pPr marL="2057400" indent="-228600">
-              <a:defRPr>
-                <a:solidFill>
-                  <a:schemeClr val="tx1"/>
-                </a:solidFill>
-                <a:latin typeface="Calibri" panose="020F0502020204030204" charset="0"/>
-                <a:ea typeface="微软雅黑" panose="020B0503020204020204" charset="-122"/>
-              </a:defRPr>
-            </a:lvl5pPr>
-            <a:lvl6pPr marL="2514600" indent="-228600" fontAlgn="base">
-              <a:spcBef>
-                <a:spcPct val="0"/>
-              </a:spcBef>
-              <a:spcAft>
-                <a:spcPct val="0"/>
-              </a:spcAft>
-              <a:buFont typeface="Arial" panose="020B0604020202020204" pitchFamily="34" charset="0"/>
-              <a:defRPr>
-                <a:solidFill>
-                  <a:schemeClr val="tx1"/>
-                </a:solidFill>
-                <a:latin typeface="Calibri" panose="020F0502020204030204" charset="0"/>
-                <a:ea typeface="微软雅黑" panose="020B0503020204020204" charset="-122"/>
-              </a:defRPr>
-            </a:lvl6pPr>
-            <a:lvl7pPr marL="2971800" indent="-228600" fontAlgn="base">
-              <a:spcBef>
-                <a:spcPct val="0"/>
-              </a:spcBef>
-              <a:spcAft>
-                <a:spcPct val="0"/>
-              </a:spcAft>
-              <a:buFont typeface="Arial" panose="020B0604020202020204" pitchFamily="34" charset="0"/>
-              <a:defRPr>
-                <a:solidFill>
-                  <a:schemeClr val="tx1"/>
-                </a:solidFill>
-                <a:latin typeface="Calibri" panose="020F0502020204030204" charset="0"/>
-                <a:ea typeface="微软雅黑" panose="020B0503020204020204" charset="-122"/>
-              </a:defRPr>
-            </a:lvl7pPr>
-            <a:lvl8pPr marL="3429000" indent="-228600" fontAlgn="base">
-              <a:spcBef>
-                <a:spcPct val="0"/>
-              </a:spcBef>
-              <a:spcAft>
-                <a:spcPct val="0"/>
-              </a:spcAft>
-              <a:buFont typeface="Arial" panose="020B0604020202020204" pitchFamily="34" charset="0"/>
-              <a:defRPr>
-                <a:solidFill>
-                  <a:schemeClr val="tx1"/>
-                </a:solidFill>
-                <a:latin typeface="Calibri" panose="020F0502020204030204" charset="0"/>
-                <a:ea typeface="微软雅黑" panose="020B0503020204020204" charset="-122"/>
-              </a:defRPr>
-            </a:lvl8pPr>
-            <a:lvl9pPr marL="3886200" indent="-228600" fontAlgn="base">
-              <a:spcBef>
-                <a:spcPct val="0"/>
-              </a:spcBef>
-              <a:spcAft>
-                <a:spcPct val="0"/>
-              </a:spcAft>
-              <a:buFont typeface="Arial" panose="020B0604020202020204" pitchFamily="34" charset="0"/>
-              <a:defRPr>
-                <a:solidFill>
-                  <a:schemeClr val="tx1"/>
-                </a:solidFill>
-                <a:latin typeface="Calibri" panose="020F0502020204030204" charset="0"/>
-                <a:ea typeface="微软雅黑" panose="020B0503020204020204" charset="-122"/>
-              </a:defRPr>
-            </a:lvl9pPr>
-          </a:lstStyle>
-          <a:p>
-            <a:r>
-              <a:rPr lang="zh-CN" altLang="en-US" sz="2400">
-                <a:latin typeface="+mn-lt"/>
-                <a:ea typeface="+mn-ea"/>
-              </a:rPr>
-              <a:t>对于新需求的文档变更</a:t>
-            </a:r>
-          </a:p>
-        </p:txBody>
-      </p:sp>
-      <p:sp>
-        <p:nvSpPr>
-          <p:cNvPr id="23" name="等腰三角形 47"/>
-          <p:cNvSpPr>
-            <a:spLocks noChangeArrowheads="1"/>
-          </p:cNvSpPr>
-          <p:nvPr>
-            <p:custDataLst>
-              <p:tags r:id="rId16"/>
-            </p:custDataLst>
-          </p:nvPr>
-        </p:nvSpPr>
-        <p:spPr bwMode="auto">
-          <a:xfrm rot="5400000">
-            <a:off x="5773346" y="3515117"/>
-            <a:ext cx="790680" cy="681948"/>
-          </a:xfrm>
-          <a:prstGeom prst="triangle">
-            <a:avLst>
-              <a:gd name="adj" fmla="val 50000"/>
-            </a:avLst>
-          </a:prstGeom>
-          <a:solidFill>
-            <a:schemeClr val="accent1"/>
-          </a:solidFill>
-          <a:ln>
-            <a:noFill/>
-          </a:ln>
-        </p:spPr>
-        <p:txBody>
-          <a:bodyPr anchor="ctr"/>
-          <a:lstStyle>
-            <a:lvl1pPr>
-              <a:defRPr>
-                <a:solidFill>
-                  <a:schemeClr val="tx1"/>
-                </a:solidFill>
-                <a:latin typeface="Calibri" panose="020F0502020204030204" charset="0"/>
-                <a:ea typeface="微软雅黑" panose="020B0503020204020204" charset="-122"/>
-              </a:defRPr>
-            </a:lvl1pPr>
-            <a:lvl2pPr marL="742950" indent="-285750">
-              <a:defRPr>
-                <a:solidFill>
-                  <a:schemeClr val="tx1"/>
-                </a:solidFill>
-                <a:latin typeface="Calibri" panose="020F0502020204030204" charset="0"/>
-                <a:ea typeface="微软雅黑" panose="020B0503020204020204" charset="-122"/>
-              </a:defRPr>
-            </a:lvl2pPr>
-            <a:lvl3pPr marL="1143000" indent="-228600">
-              <a:defRPr>
-                <a:solidFill>
-                  <a:schemeClr val="tx1"/>
-                </a:solidFill>
-                <a:latin typeface="Calibri" panose="020F0502020204030204" charset="0"/>
-                <a:ea typeface="微软雅黑" panose="020B0503020204020204" charset="-122"/>
-              </a:defRPr>
-            </a:lvl3pPr>
-            <a:lvl4pPr marL="1600200" indent="-228600">
-              <a:defRPr>
-                <a:solidFill>
-                  <a:schemeClr val="tx1"/>
-                </a:solidFill>
-                <a:latin typeface="Calibri" panose="020F0502020204030204" charset="0"/>
-                <a:ea typeface="微软雅黑" panose="020B0503020204020204" charset="-122"/>
-              </a:defRPr>
-            </a:lvl4pPr>
-            <a:lvl5pPr marL="2057400" indent="-228600">
-              <a:defRPr>
-                <a:solidFill>
-                  <a:schemeClr val="tx1"/>
-                </a:solidFill>
-                <a:latin typeface="Calibri" panose="020F0502020204030204" charset="0"/>
-                <a:ea typeface="微软雅黑" panose="020B0503020204020204" charset="-122"/>
-              </a:defRPr>
-            </a:lvl5pPr>
-            <a:lvl6pPr marL="2514600" indent="-228600" fontAlgn="base">
-              <a:spcBef>
-                <a:spcPct val="0"/>
-              </a:spcBef>
-              <a:spcAft>
-                <a:spcPct val="0"/>
-              </a:spcAft>
-              <a:buFont typeface="Arial" panose="020B0604020202020204" pitchFamily="34" charset="0"/>
-              <a:defRPr>
-                <a:solidFill>
-                  <a:schemeClr val="tx1"/>
-                </a:solidFill>
-                <a:latin typeface="Calibri" panose="020F0502020204030204" charset="0"/>
-                <a:ea typeface="微软雅黑" panose="020B0503020204020204" charset="-122"/>
-              </a:defRPr>
-            </a:lvl6pPr>
-            <a:lvl7pPr marL="2971800" indent="-228600" fontAlgn="base">
-              <a:spcBef>
-                <a:spcPct val="0"/>
-              </a:spcBef>
-              <a:spcAft>
-                <a:spcPct val="0"/>
-              </a:spcAft>
-              <a:buFont typeface="Arial" panose="020B0604020202020204" pitchFamily="34" charset="0"/>
-              <a:defRPr>
-                <a:solidFill>
-                  <a:schemeClr val="tx1"/>
-                </a:solidFill>
-                <a:latin typeface="Calibri" panose="020F0502020204030204" charset="0"/>
-                <a:ea typeface="微软雅黑" panose="020B0503020204020204" charset="-122"/>
-              </a:defRPr>
-            </a:lvl7pPr>
-            <a:lvl8pPr marL="3429000" indent="-228600" fontAlgn="base">
-              <a:spcBef>
-                <a:spcPct val="0"/>
-              </a:spcBef>
-              <a:spcAft>
-                <a:spcPct val="0"/>
-              </a:spcAft>
-              <a:buFont typeface="Arial" panose="020B0604020202020204" pitchFamily="34" charset="0"/>
-              <a:defRPr>
-                <a:solidFill>
-                  <a:schemeClr val="tx1"/>
-                </a:solidFill>
-                <a:latin typeface="Calibri" panose="020F0502020204030204" charset="0"/>
-                <a:ea typeface="微软雅黑" panose="020B0503020204020204" charset="-122"/>
-              </a:defRPr>
-            </a:lvl8pPr>
-            <a:lvl9pPr marL="3886200" indent="-228600" fontAlgn="base">
-              <a:spcBef>
-                <a:spcPct val="0"/>
-              </a:spcBef>
-              <a:spcAft>
-                <a:spcPct val="0"/>
-              </a:spcAft>
-              <a:buFont typeface="Arial" panose="020B0604020202020204" pitchFamily="34" charset="0"/>
-              <a:defRPr>
-                <a:solidFill>
-                  <a:schemeClr val="tx1"/>
-                </a:solidFill>
-                <a:latin typeface="Calibri" panose="020F0502020204030204" charset="0"/>
-                <a:ea typeface="微软雅黑" panose="020B0503020204020204" charset="-122"/>
-              </a:defRPr>
-            </a:lvl9pPr>
-          </a:lstStyle>
-          <a:p>
-            <a:pPr algn="ctr" eaLnBrk="1" hangingPunct="1"/>
-            <a:endParaRPr lang="zh-CN" altLang="en-US">
-              <a:solidFill>
-                <a:srgbClr val="FFFFFF"/>
-              </a:solidFill>
-              <a:latin typeface="+mn-lt"/>
-              <a:ea typeface="+mn-ea"/>
-            </a:endParaRPr>
-          </a:p>
-        </p:txBody>
-      </p:sp>
-      <p:sp>
-        <p:nvSpPr>
-          <p:cNvPr id="24" name="等腰三角形 48"/>
-          <p:cNvSpPr>
-            <a:spLocks noChangeArrowheads="1"/>
-          </p:cNvSpPr>
-          <p:nvPr>
-            <p:custDataLst>
-              <p:tags r:id="rId17"/>
-            </p:custDataLst>
-          </p:nvPr>
-        </p:nvSpPr>
-        <p:spPr bwMode="auto">
-          <a:xfrm rot="5400000">
-            <a:off x="5939215" y="3788153"/>
-            <a:ext cx="618405" cy="533364"/>
-          </a:xfrm>
-          <a:prstGeom prst="triangle">
-            <a:avLst>
-              <a:gd name="adj" fmla="val 50000"/>
-            </a:avLst>
-          </a:prstGeom>
-          <a:solidFill>
-            <a:schemeClr val="bg1"/>
-          </a:solidFill>
-          <a:ln>
-            <a:noFill/>
-          </a:ln>
-        </p:spPr>
-        <p:txBody>
-          <a:bodyPr anchor="ctr"/>
-          <a:lstStyle>
-            <a:lvl1pPr>
-              <a:defRPr>
-                <a:solidFill>
-                  <a:schemeClr val="tx1"/>
-                </a:solidFill>
-                <a:latin typeface="Calibri" panose="020F0502020204030204" charset="0"/>
-                <a:ea typeface="微软雅黑" panose="020B0503020204020204" charset="-122"/>
-              </a:defRPr>
-            </a:lvl1pPr>
-            <a:lvl2pPr marL="742950" indent="-285750">
-              <a:defRPr>
-                <a:solidFill>
-                  <a:schemeClr val="tx1"/>
-                </a:solidFill>
-                <a:latin typeface="Calibri" panose="020F0502020204030204" charset="0"/>
-                <a:ea typeface="微软雅黑" panose="020B0503020204020204" charset="-122"/>
-              </a:defRPr>
-            </a:lvl2pPr>
-            <a:lvl3pPr marL="1143000" indent="-228600">
-              <a:defRPr>
-                <a:solidFill>
-                  <a:schemeClr val="tx1"/>
-                </a:solidFill>
-                <a:latin typeface="Calibri" panose="020F0502020204030204" charset="0"/>
-                <a:ea typeface="微软雅黑" panose="020B0503020204020204" charset="-122"/>
-              </a:defRPr>
-            </a:lvl3pPr>
-            <a:lvl4pPr marL="1600200" indent="-228600">
-              <a:defRPr>
-                <a:solidFill>
-                  <a:schemeClr val="tx1"/>
-                </a:solidFill>
-                <a:latin typeface="Calibri" panose="020F0502020204030204" charset="0"/>
-                <a:ea typeface="微软雅黑" panose="020B0503020204020204" charset="-122"/>
-              </a:defRPr>
-            </a:lvl4pPr>
-            <a:lvl5pPr marL="2057400" indent="-228600">
-              <a:defRPr>
-                <a:solidFill>
-                  <a:schemeClr val="tx1"/>
-                </a:solidFill>
-                <a:latin typeface="Calibri" panose="020F0502020204030204" charset="0"/>
-                <a:ea typeface="微软雅黑" panose="020B0503020204020204" charset="-122"/>
-              </a:defRPr>
-            </a:lvl5pPr>
-            <a:lvl6pPr marL="2514600" indent="-228600" fontAlgn="base">
-              <a:spcBef>
-                <a:spcPct val="0"/>
-              </a:spcBef>
-              <a:spcAft>
-                <a:spcPct val="0"/>
-              </a:spcAft>
-              <a:buFont typeface="Arial" panose="020B0604020202020204" pitchFamily="34" charset="0"/>
-              <a:defRPr>
-                <a:solidFill>
-                  <a:schemeClr val="tx1"/>
-                </a:solidFill>
-                <a:latin typeface="Calibri" panose="020F0502020204030204" charset="0"/>
-                <a:ea typeface="微软雅黑" panose="020B0503020204020204" charset="-122"/>
-              </a:defRPr>
-            </a:lvl6pPr>
-            <a:lvl7pPr marL="2971800" indent="-228600" fontAlgn="base">
-              <a:spcBef>
-                <a:spcPct val="0"/>
-              </a:spcBef>
-              <a:spcAft>
-                <a:spcPct val="0"/>
-              </a:spcAft>
-              <a:buFont typeface="Arial" panose="020B0604020202020204" pitchFamily="34" charset="0"/>
-              <a:defRPr>
-                <a:solidFill>
-                  <a:schemeClr val="tx1"/>
-                </a:solidFill>
-                <a:latin typeface="Calibri" panose="020F0502020204030204" charset="0"/>
-                <a:ea typeface="微软雅黑" panose="020B0503020204020204" charset="-122"/>
-              </a:defRPr>
-            </a:lvl7pPr>
-            <a:lvl8pPr marL="3429000" indent="-228600" fontAlgn="base">
-              <a:spcBef>
-                <a:spcPct val="0"/>
-              </a:spcBef>
-              <a:spcAft>
-                <a:spcPct val="0"/>
-              </a:spcAft>
-              <a:buFont typeface="Arial" panose="020B0604020202020204" pitchFamily="34" charset="0"/>
-              <a:defRPr>
-                <a:solidFill>
-                  <a:schemeClr val="tx1"/>
-                </a:solidFill>
-                <a:latin typeface="Calibri" panose="020F0502020204030204" charset="0"/>
-                <a:ea typeface="微软雅黑" panose="020B0503020204020204" charset="-122"/>
-              </a:defRPr>
-            </a:lvl8pPr>
-            <a:lvl9pPr marL="3886200" indent="-228600" fontAlgn="base">
-              <a:spcBef>
-                <a:spcPct val="0"/>
-              </a:spcBef>
-              <a:spcAft>
-                <a:spcPct val="0"/>
-              </a:spcAft>
-              <a:buFont typeface="Arial" panose="020B0604020202020204" pitchFamily="34" charset="0"/>
-              <a:defRPr>
-                <a:solidFill>
-                  <a:schemeClr val="tx1"/>
-                </a:solidFill>
-                <a:latin typeface="Calibri" panose="020F0502020204030204" charset="0"/>
-                <a:ea typeface="微软雅黑" panose="020B0503020204020204" charset="-122"/>
-              </a:defRPr>
-            </a:lvl9pPr>
-          </a:lstStyle>
-          <a:p>
-            <a:pPr algn="ctr" eaLnBrk="1" hangingPunct="1"/>
-            <a:endParaRPr lang="zh-CN" altLang="en-US">
-              <a:solidFill>
-                <a:srgbClr val="FFFFFF"/>
-              </a:solidFill>
-              <a:latin typeface="+mn-lt"/>
-              <a:ea typeface="+mn-ea"/>
-            </a:endParaRPr>
-          </a:p>
-        </p:txBody>
-      </p:sp>
-      <p:sp>
-        <p:nvSpPr>
-          <p:cNvPr id="25" name="文本框 49"/>
-          <p:cNvSpPr txBox="1">
-            <a:spLocks noChangeArrowheads="1"/>
-          </p:cNvSpPr>
-          <p:nvPr>
-            <p:custDataLst>
-              <p:tags r:id="rId18"/>
-            </p:custDataLst>
-          </p:nvPr>
-        </p:nvSpPr>
-        <p:spPr bwMode="auto">
-          <a:xfrm>
-            <a:off x="6757988" y="3348039"/>
-            <a:ext cx="4002087" cy="1014410"/>
-          </a:xfrm>
-          <a:prstGeom prst="rect">
-            <a:avLst/>
-          </a:prstGeom>
-          <a:noFill/>
-          <a:ln>
-            <a:noFill/>
-          </a:ln>
-          <a:extLst>
-            <a:ext uri="{909E8E84-426E-40DD-AFC4-6F175D3DCCD1}">
-              <a14:hiddenFill xmlns:a14="http://schemas.microsoft.com/office/drawing/2010/main">
-                <a:solidFill>
-                  <a:srgbClr val="FFFFFF"/>
-                </a:solidFill>
-              </a14:hiddenFill>
-            </a:ext>
-            <a:ext uri="{91240B29-F687-4F45-9708-019B960494DF}">
-              <a14:hiddenLine xmlns:a14="http://schemas.microsoft.com/office/drawing/2010/main" w="9525">
-                <a:solidFill>
-                  <a:srgbClr val="000000"/>
-                </a:solidFill>
-                <a:miter lim="800000"/>
-                <a:headEnd/>
-                <a:tailEnd/>
-              </a14:hiddenLine>
-            </a:ext>
-          </a:extLst>
-        </p:spPr>
-        <p:txBody>
-          <a:bodyPr wrap="square" lIns="0" rIns="0" anchor="ctr" anchorCtr="0">
-            <a:normAutofit/>
-          </a:bodyPr>
-          <a:lstStyle>
-            <a:lvl1pPr>
-              <a:defRPr>
-                <a:solidFill>
-                  <a:schemeClr val="tx1"/>
-                </a:solidFill>
-                <a:latin typeface="Calibri" panose="020F0502020204030204" charset="0"/>
-                <a:ea typeface="微软雅黑" panose="020B0503020204020204" charset="-122"/>
-              </a:defRPr>
-            </a:lvl1pPr>
-            <a:lvl2pPr marL="742950" indent="-285750">
-              <a:defRPr>
-                <a:solidFill>
-                  <a:schemeClr val="tx1"/>
-                </a:solidFill>
-                <a:latin typeface="Calibri" panose="020F0502020204030204" charset="0"/>
-                <a:ea typeface="微软雅黑" panose="020B0503020204020204" charset="-122"/>
-              </a:defRPr>
-            </a:lvl2pPr>
-            <a:lvl3pPr marL="1143000" indent="-228600">
-              <a:defRPr>
-                <a:solidFill>
-                  <a:schemeClr val="tx1"/>
-                </a:solidFill>
-                <a:latin typeface="Calibri" panose="020F0502020204030204" charset="0"/>
-                <a:ea typeface="微软雅黑" panose="020B0503020204020204" charset="-122"/>
-              </a:defRPr>
-            </a:lvl3pPr>
-            <a:lvl4pPr marL="1600200" indent="-228600">
-              <a:defRPr>
-                <a:solidFill>
-                  <a:schemeClr val="tx1"/>
-                </a:solidFill>
-                <a:latin typeface="Calibri" panose="020F0502020204030204" charset="0"/>
-                <a:ea typeface="微软雅黑" panose="020B0503020204020204" charset="-122"/>
-              </a:defRPr>
-            </a:lvl4pPr>
-            <a:lvl5pPr marL="2057400" indent="-228600">
-              <a:defRPr>
-                <a:solidFill>
-                  <a:schemeClr val="tx1"/>
-                </a:solidFill>
-                <a:latin typeface="Calibri" panose="020F0502020204030204" charset="0"/>
-                <a:ea typeface="微软雅黑" panose="020B0503020204020204" charset="-122"/>
-              </a:defRPr>
-            </a:lvl5pPr>
-            <a:lvl6pPr marL="2514600" indent="-228600" fontAlgn="base">
-              <a:spcBef>
-                <a:spcPct val="0"/>
-              </a:spcBef>
-              <a:spcAft>
-                <a:spcPct val="0"/>
-              </a:spcAft>
-              <a:buFont typeface="Arial" panose="020B0604020202020204" pitchFamily="34" charset="0"/>
-              <a:defRPr>
-                <a:solidFill>
-                  <a:schemeClr val="tx1"/>
-                </a:solidFill>
-                <a:latin typeface="Calibri" panose="020F0502020204030204" charset="0"/>
-                <a:ea typeface="微软雅黑" panose="020B0503020204020204" charset="-122"/>
-              </a:defRPr>
-            </a:lvl6pPr>
-            <a:lvl7pPr marL="2971800" indent="-228600" fontAlgn="base">
-              <a:spcBef>
-                <a:spcPct val="0"/>
-              </a:spcBef>
-              <a:spcAft>
-                <a:spcPct val="0"/>
-              </a:spcAft>
-              <a:buFont typeface="Arial" panose="020B0604020202020204" pitchFamily="34" charset="0"/>
-              <a:defRPr>
-                <a:solidFill>
-                  <a:schemeClr val="tx1"/>
-                </a:solidFill>
-                <a:latin typeface="Calibri" panose="020F0502020204030204" charset="0"/>
-                <a:ea typeface="微软雅黑" panose="020B0503020204020204" charset="-122"/>
-              </a:defRPr>
-            </a:lvl7pPr>
-            <a:lvl8pPr marL="3429000" indent="-228600" fontAlgn="base">
-              <a:spcBef>
-                <a:spcPct val="0"/>
-              </a:spcBef>
-              <a:spcAft>
-                <a:spcPct val="0"/>
-              </a:spcAft>
-              <a:buFont typeface="Arial" panose="020B0604020202020204" pitchFamily="34" charset="0"/>
-              <a:defRPr>
-                <a:solidFill>
-                  <a:schemeClr val="tx1"/>
-                </a:solidFill>
-                <a:latin typeface="Calibri" panose="020F0502020204030204" charset="0"/>
-                <a:ea typeface="微软雅黑" panose="020B0503020204020204" charset="-122"/>
-              </a:defRPr>
-            </a:lvl8pPr>
-            <a:lvl9pPr marL="3886200" indent="-228600" fontAlgn="base">
-              <a:spcBef>
-                <a:spcPct val="0"/>
-              </a:spcBef>
-              <a:spcAft>
-                <a:spcPct val="0"/>
-              </a:spcAft>
-              <a:buFont typeface="Arial" panose="020B0604020202020204" pitchFamily="34" charset="0"/>
-              <a:defRPr>
-                <a:solidFill>
-                  <a:schemeClr val="tx1"/>
-                </a:solidFill>
-                <a:latin typeface="Calibri" panose="020F0502020204030204" charset="0"/>
-                <a:ea typeface="微软雅黑" panose="020B0503020204020204" charset="-122"/>
-              </a:defRPr>
-            </a:lvl9pPr>
-          </a:lstStyle>
-          <a:p>
-            <a:r>
-              <a:rPr lang="en-US" altLang="zh-CN" sz="2400">
-                <a:latin typeface="+mn-lt"/>
-                <a:ea typeface="+mn-ea"/>
-                <a:sym typeface="+mn-ea"/>
-              </a:rPr>
-              <a:t>阶段项目会议</a:t>
-            </a:r>
-            <a:r>
-              <a:rPr lang="zh-CN" altLang="en-US" sz="2400">
-                <a:latin typeface="+mn-lt"/>
-                <a:ea typeface="+mn-ea"/>
-                <a:sym typeface="+mn-ea"/>
-              </a:rPr>
-              <a:t>与评价</a:t>
-            </a:r>
-            <a:endParaRPr lang="en-US" altLang="zh-CN" sz="2400">
-              <a:latin typeface="+mn-lt"/>
-              <a:ea typeface="+mn-ea"/>
-            </a:endParaRPr>
-          </a:p>
-        </p:txBody>
-      </p:sp>
-      <p:sp>
-        <p:nvSpPr>
-          <p:cNvPr id="27" name="等腰三角形 51"/>
-          <p:cNvSpPr>
-            <a:spLocks noChangeArrowheads="1"/>
-          </p:cNvSpPr>
-          <p:nvPr>
-            <p:custDataLst>
-              <p:tags r:id="rId19"/>
-            </p:custDataLst>
-          </p:nvPr>
-        </p:nvSpPr>
-        <p:spPr bwMode="auto">
-          <a:xfrm rot="5400000">
-            <a:off x="5773347" y="4507304"/>
-            <a:ext cx="790679" cy="681948"/>
-          </a:xfrm>
-          <a:prstGeom prst="triangle">
-            <a:avLst>
-              <a:gd name="adj" fmla="val 50000"/>
-            </a:avLst>
-          </a:prstGeom>
-          <a:solidFill>
-            <a:schemeClr val="accent1"/>
-          </a:solidFill>
-          <a:ln>
-            <a:noFill/>
-          </a:ln>
-        </p:spPr>
-        <p:txBody>
-          <a:bodyPr anchor="ctr"/>
-          <a:lstStyle>
-            <a:lvl1pPr>
-              <a:defRPr>
-                <a:solidFill>
-                  <a:schemeClr val="tx1"/>
-                </a:solidFill>
-                <a:latin typeface="Calibri" panose="020F0502020204030204" charset="0"/>
-                <a:ea typeface="微软雅黑" panose="020B0503020204020204" charset="-122"/>
-              </a:defRPr>
-            </a:lvl1pPr>
-            <a:lvl2pPr marL="742950" indent="-285750">
-              <a:defRPr>
-                <a:solidFill>
-                  <a:schemeClr val="tx1"/>
-                </a:solidFill>
-                <a:latin typeface="Calibri" panose="020F0502020204030204" charset="0"/>
-                <a:ea typeface="微软雅黑" panose="020B0503020204020204" charset="-122"/>
-              </a:defRPr>
-            </a:lvl2pPr>
-            <a:lvl3pPr marL="1143000" indent="-228600">
-              <a:defRPr>
-                <a:solidFill>
-                  <a:schemeClr val="tx1"/>
-                </a:solidFill>
-                <a:latin typeface="Calibri" panose="020F0502020204030204" charset="0"/>
-                <a:ea typeface="微软雅黑" panose="020B0503020204020204" charset="-122"/>
-              </a:defRPr>
-            </a:lvl3pPr>
-            <a:lvl4pPr marL="1600200" indent="-228600">
-              <a:defRPr>
-                <a:solidFill>
-                  <a:schemeClr val="tx1"/>
-                </a:solidFill>
-                <a:latin typeface="Calibri" panose="020F0502020204030204" charset="0"/>
-                <a:ea typeface="微软雅黑" panose="020B0503020204020204" charset="-122"/>
-              </a:defRPr>
-            </a:lvl4pPr>
-            <a:lvl5pPr marL="2057400" indent="-228600">
-              <a:defRPr>
-                <a:solidFill>
-                  <a:schemeClr val="tx1"/>
-                </a:solidFill>
-                <a:latin typeface="Calibri" panose="020F0502020204030204" charset="0"/>
-                <a:ea typeface="微软雅黑" panose="020B0503020204020204" charset="-122"/>
-              </a:defRPr>
-            </a:lvl5pPr>
-            <a:lvl6pPr marL="2514600" indent="-228600" fontAlgn="base">
-              <a:spcBef>
-                <a:spcPct val="0"/>
-              </a:spcBef>
-              <a:spcAft>
-                <a:spcPct val="0"/>
-              </a:spcAft>
-              <a:buFont typeface="Arial" panose="020B0604020202020204" pitchFamily="34" charset="0"/>
-              <a:defRPr>
-                <a:solidFill>
-                  <a:schemeClr val="tx1"/>
-                </a:solidFill>
-                <a:latin typeface="Calibri" panose="020F0502020204030204" charset="0"/>
-                <a:ea typeface="微软雅黑" panose="020B0503020204020204" charset="-122"/>
-              </a:defRPr>
-            </a:lvl6pPr>
-            <a:lvl7pPr marL="2971800" indent="-228600" fontAlgn="base">
-              <a:spcBef>
-                <a:spcPct val="0"/>
-              </a:spcBef>
-              <a:spcAft>
-                <a:spcPct val="0"/>
-              </a:spcAft>
-              <a:buFont typeface="Arial" panose="020B0604020202020204" pitchFamily="34" charset="0"/>
-              <a:defRPr>
-                <a:solidFill>
-                  <a:schemeClr val="tx1"/>
-                </a:solidFill>
-                <a:latin typeface="Calibri" panose="020F0502020204030204" charset="0"/>
-                <a:ea typeface="微软雅黑" panose="020B0503020204020204" charset="-122"/>
-              </a:defRPr>
-            </a:lvl7pPr>
-            <a:lvl8pPr marL="3429000" indent="-228600" fontAlgn="base">
-              <a:spcBef>
-                <a:spcPct val="0"/>
-              </a:spcBef>
-              <a:spcAft>
-                <a:spcPct val="0"/>
-              </a:spcAft>
-              <a:buFont typeface="Arial" panose="020B0604020202020204" pitchFamily="34" charset="0"/>
-              <a:defRPr>
-                <a:solidFill>
-                  <a:schemeClr val="tx1"/>
-                </a:solidFill>
-                <a:latin typeface="Calibri" panose="020F0502020204030204" charset="0"/>
-                <a:ea typeface="微软雅黑" panose="020B0503020204020204" charset="-122"/>
-              </a:defRPr>
-            </a:lvl8pPr>
-            <a:lvl9pPr marL="3886200" indent="-228600" fontAlgn="base">
-              <a:spcBef>
-                <a:spcPct val="0"/>
-              </a:spcBef>
-              <a:spcAft>
-                <a:spcPct val="0"/>
-              </a:spcAft>
-              <a:buFont typeface="Arial" panose="020B0604020202020204" pitchFamily="34" charset="0"/>
-              <a:defRPr>
-                <a:solidFill>
-                  <a:schemeClr val="tx1"/>
-                </a:solidFill>
-                <a:latin typeface="Calibri" panose="020F0502020204030204" charset="0"/>
-                <a:ea typeface="微软雅黑" panose="020B0503020204020204" charset="-122"/>
-              </a:defRPr>
-            </a:lvl9pPr>
-          </a:lstStyle>
-          <a:p>
-            <a:pPr algn="ctr" eaLnBrk="1" hangingPunct="1"/>
-            <a:endParaRPr lang="zh-CN" altLang="en-US">
-              <a:solidFill>
-                <a:srgbClr val="FFFFFF"/>
-              </a:solidFill>
-              <a:latin typeface="+mn-lt"/>
-              <a:ea typeface="+mn-ea"/>
-            </a:endParaRPr>
-          </a:p>
-        </p:txBody>
-      </p:sp>
-      <p:sp>
-        <p:nvSpPr>
-          <p:cNvPr id="28" name="等腰三角形 52"/>
-          <p:cNvSpPr>
-            <a:spLocks noChangeArrowheads="1"/>
-          </p:cNvSpPr>
-          <p:nvPr>
-            <p:custDataLst>
-              <p:tags r:id="rId20"/>
-            </p:custDataLst>
-          </p:nvPr>
-        </p:nvSpPr>
-        <p:spPr bwMode="auto">
-          <a:xfrm rot="5400000">
-            <a:off x="5939215" y="4780340"/>
-            <a:ext cx="618404" cy="533364"/>
-          </a:xfrm>
-          <a:prstGeom prst="triangle">
-            <a:avLst>
-              <a:gd name="adj" fmla="val 50000"/>
-            </a:avLst>
-          </a:prstGeom>
-          <a:solidFill>
-            <a:schemeClr val="bg1"/>
-          </a:solidFill>
-          <a:ln>
-            <a:noFill/>
-          </a:ln>
-        </p:spPr>
-        <p:txBody>
-          <a:bodyPr anchor="ctr"/>
-          <a:lstStyle>
-            <a:lvl1pPr>
-              <a:defRPr>
-                <a:solidFill>
-                  <a:schemeClr val="tx1"/>
-                </a:solidFill>
-                <a:latin typeface="Calibri" panose="020F0502020204030204" charset="0"/>
-                <a:ea typeface="微软雅黑" panose="020B0503020204020204" charset="-122"/>
-              </a:defRPr>
-            </a:lvl1pPr>
-            <a:lvl2pPr marL="742950" indent="-285750">
-              <a:defRPr>
-                <a:solidFill>
-                  <a:schemeClr val="tx1"/>
-                </a:solidFill>
-                <a:latin typeface="Calibri" panose="020F0502020204030204" charset="0"/>
-                <a:ea typeface="微软雅黑" panose="020B0503020204020204" charset="-122"/>
-              </a:defRPr>
-            </a:lvl2pPr>
-            <a:lvl3pPr marL="1143000" indent="-228600">
-              <a:defRPr>
-                <a:solidFill>
-                  <a:schemeClr val="tx1"/>
-                </a:solidFill>
-                <a:latin typeface="Calibri" panose="020F0502020204030204" charset="0"/>
-                <a:ea typeface="微软雅黑" panose="020B0503020204020204" charset="-122"/>
-              </a:defRPr>
-            </a:lvl3pPr>
-            <a:lvl4pPr marL="1600200" indent="-228600">
-              <a:defRPr>
-                <a:solidFill>
-                  <a:schemeClr val="tx1"/>
-                </a:solidFill>
-                <a:latin typeface="Calibri" panose="020F0502020204030204" charset="0"/>
-                <a:ea typeface="微软雅黑" panose="020B0503020204020204" charset="-122"/>
-              </a:defRPr>
-            </a:lvl4pPr>
-            <a:lvl5pPr marL="2057400" indent="-228600">
-              <a:defRPr>
-                <a:solidFill>
-                  <a:schemeClr val="tx1"/>
-                </a:solidFill>
-                <a:latin typeface="Calibri" panose="020F0502020204030204" charset="0"/>
-                <a:ea typeface="微软雅黑" panose="020B0503020204020204" charset="-122"/>
-              </a:defRPr>
-            </a:lvl5pPr>
-            <a:lvl6pPr marL="2514600" indent="-228600" fontAlgn="base">
-              <a:spcBef>
-                <a:spcPct val="0"/>
-              </a:spcBef>
-              <a:spcAft>
-                <a:spcPct val="0"/>
-              </a:spcAft>
-              <a:buFont typeface="Arial" panose="020B0604020202020204" pitchFamily="34" charset="0"/>
-              <a:defRPr>
-                <a:solidFill>
-                  <a:schemeClr val="tx1"/>
-                </a:solidFill>
-                <a:latin typeface="Calibri" panose="020F0502020204030204" charset="0"/>
-                <a:ea typeface="微软雅黑" panose="020B0503020204020204" charset="-122"/>
-              </a:defRPr>
-            </a:lvl6pPr>
-            <a:lvl7pPr marL="2971800" indent="-228600" fontAlgn="base">
-              <a:spcBef>
-                <a:spcPct val="0"/>
-              </a:spcBef>
-              <a:spcAft>
-                <a:spcPct val="0"/>
-              </a:spcAft>
-              <a:buFont typeface="Arial" panose="020B0604020202020204" pitchFamily="34" charset="0"/>
-              <a:defRPr>
-                <a:solidFill>
-                  <a:schemeClr val="tx1"/>
-                </a:solidFill>
-                <a:latin typeface="Calibri" panose="020F0502020204030204" charset="0"/>
-                <a:ea typeface="微软雅黑" panose="020B0503020204020204" charset="-122"/>
-              </a:defRPr>
-            </a:lvl7pPr>
-            <a:lvl8pPr marL="3429000" indent="-228600" fontAlgn="base">
-              <a:spcBef>
-                <a:spcPct val="0"/>
-              </a:spcBef>
-              <a:spcAft>
-                <a:spcPct val="0"/>
-              </a:spcAft>
-              <a:buFont typeface="Arial" panose="020B0604020202020204" pitchFamily="34" charset="0"/>
-              <a:defRPr>
-                <a:solidFill>
-                  <a:schemeClr val="tx1"/>
-                </a:solidFill>
-                <a:latin typeface="Calibri" panose="020F0502020204030204" charset="0"/>
-                <a:ea typeface="微软雅黑" panose="020B0503020204020204" charset="-122"/>
-              </a:defRPr>
-            </a:lvl8pPr>
-            <a:lvl9pPr marL="3886200" indent="-228600" fontAlgn="base">
-              <a:spcBef>
-                <a:spcPct val="0"/>
-              </a:spcBef>
-              <a:spcAft>
-                <a:spcPct val="0"/>
-              </a:spcAft>
-              <a:buFont typeface="Arial" panose="020B0604020202020204" pitchFamily="34" charset="0"/>
-              <a:defRPr>
-                <a:solidFill>
-                  <a:schemeClr val="tx1"/>
-                </a:solidFill>
-                <a:latin typeface="Calibri" panose="020F0502020204030204" charset="0"/>
-                <a:ea typeface="微软雅黑" panose="020B0503020204020204" charset="-122"/>
-              </a:defRPr>
-            </a:lvl9pPr>
-          </a:lstStyle>
-          <a:p>
-            <a:pPr algn="ctr" eaLnBrk="1" hangingPunct="1"/>
-            <a:endParaRPr lang="zh-CN" altLang="en-US">
-              <a:solidFill>
-                <a:srgbClr val="FFFFFF"/>
-              </a:solidFill>
-              <a:latin typeface="+mn-lt"/>
-              <a:ea typeface="+mn-ea"/>
-            </a:endParaRPr>
-          </a:p>
-        </p:txBody>
-      </p:sp>
-      <p:sp>
-        <p:nvSpPr>
-          <p:cNvPr id="29" name="文本框 53"/>
-          <p:cNvSpPr txBox="1">
-            <a:spLocks noChangeArrowheads="1"/>
-          </p:cNvSpPr>
-          <p:nvPr>
-            <p:custDataLst>
-              <p:tags r:id="rId21"/>
-            </p:custDataLst>
-          </p:nvPr>
-        </p:nvSpPr>
-        <p:spPr bwMode="auto">
-          <a:xfrm>
-            <a:off x="6757988" y="4342763"/>
-            <a:ext cx="4002087" cy="1010926"/>
-          </a:xfrm>
-          <a:prstGeom prst="rect">
-            <a:avLst/>
-          </a:prstGeom>
-          <a:noFill/>
-          <a:ln>
-            <a:noFill/>
-          </a:ln>
-          <a:extLst>
-            <a:ext uri="{909E8E84-426E-40DD-AFC4-6F175D3DCCD1}">
-              <a14:hiddenFill xmlns:a14="http://schemas.microsoft.com/office/drawing/2010/main">
-                <a:solidFill>
-                  <a:srgbClr val="FFFFFF"/>
-                </a:solidFill>
-              </a14:hiddenFill>
-            </a:ext>
-            <a:ext uri="{91240B29-F687-4F45-9708-019B960494DF}">
-              <a14:hiddenLine xmlns:a14="http://schemas.microsoft.com/office/drawing/2010/main" w="9525">
-                <a:solidFill>
-                  <a:srgbClr val="000000"/>
-                </a:solidFill>
-                <a:miter lim="800000"/>
-                <a:headEnd/>
-                <a:tailEnd/>
-              </a14:hiddenLine>
-            </a:ext>
-          </a:extLst>
-        </p:spPr>
-        <p:txBody>
-          <a:bodyPr wrap="square" lIns="0" rIns="0" anchor="ctr" anchorCtr="0">
-            <a:normAutofit/>
-          </a:bodyPr>
-          <a:lstStyle>
-            <a:lvl1pPr>
-              <a:defRPr>
-                <a:solidFill>
-                  <a:schemeClr val="tx1"/>
-                </a:solidFill>
-                <a:latin typeface="Calibri" panose="020F0502020204030204" charset="0"/>
-                <a:ea typeface="微软雅黑" panose="020B0503020204020204" charset="-122"/>
-              </a:defRPr>
-            </a:lvl1pPr>
-            <a:lvl2pPr marL="742950" indent="-285750">
-              <a:defRPr>
-                <a:solidFill>
-                  <a:schemeClr val="tx1"/>
-                </a:solidFill>
-                <a:latin typeface="Calibri" panose="020F0502020204030204" charset="0"/>
-                <a:ea typeface="微软雅黑" panose="020B0503020204020204" charset="-122"/>
-              </a:defRPr>
-            </a:lvl2pPr>
-            <a:lvl3pPr marL="1143000" indent="-228600">
-              <a:defRPr>
-                <a:solidFill>
-                  <a:schemeClr val="tx1"/>
-                </a:solidFill>
-                <a:latin typeface="Calibri" panose="020F0502020204030204" charset="0"/>
-                <a:ea typeface="微软雅黑" panose="020B0503020204020204" charset="-122"/>
-              </a:defRPr>
-            </a:lvl3pPr>
-            <a:lvl4pPr marL="1600200" indent="-228600">
-              <a:defRPr>
-                <a:solidFill>
-                  <a:schemeClr val="tx1"/>
-                </a:solidFill>
-                <a:latin typeface="Calibri" panose="020F0502020204030204" charset="0"/>
-                <a:ea typeface="微软雅黑" panose="020B0503020204020204" charset="-122"/>
-              </a:defRPr>
-            </a:lvl4pPr>
-            <a:lvl5pPr marL="2057400" indent="-228600">
-              <a:defRPr>
-                <a:solidFill>
-                  <a:schemeClr val="tx1"/>
-                </a:solidFill>
-                <a:latin typeface="Calibri" panose="020F0502020204030204" charset="0"/>
-                <a:ea typeface="微软雅黑" panose="020B0503020204020204" charset="-122"/>
-              </a:defRPr>
-            </a:lvl5pPr>
-            <a:lvl6pPr marL="2514600" indent="-228600" fontAlgn="base">
-              <a:spcBef>
-                <a:spcPct val="0"/>
-              </a:spcBef>
-              <a:spcAft>
-                <a:spcPct val="0"/>
-              </a:spcAft>
-              <a:buFont typeface="Arial" panose="020B0604020202020204" pitchFamily="34" charset="0"/>
-              <a:defRPr>
-                <a:solidFill>
-                  <a:schemeClr val="tx1"/>
-                </a:solidFill>
-                <a:latin typeface="Calibri" panose="020F0502020204030204" charset="0"/>
-                <a:ea typeface="微软雅黑" panose="020B0503020204020204" charset="-122"/>
-              </a:defRPr>
-            </a:lvl6pPr>
-            <a:lvl7pPr marL="2971800" indent="-228600" fontAlgn="base">
-              <a:spcBef>
-                <a:spcPct val="0"/>
-              </a:spcBef>
-              <a:spcAft>
-                <a:spcPct val="0"/>
-              </a:spcAft>
-              <a:buFont typeface="Arial" panose="020B0604020202020204" pitchFamily="34" charset="0"/>
-              <a:defRPr>
-                <a:solidFill>
-                  <a:schemeClr val="tx1"/>
-                </a:solidFill>
-                <a:latin typeface="Calibri" panose="020F0502020204030204" charset="0"/>
-                <a:ea typeface="微软雅黑" panose="020B0503020204020204" charset="-122"/>
-              </a:defRPr>
-            </a:lvl7pPr>
-            <a:lvl8pPr marL="3429000" indent="-228600" fontAlgn="base">
-              <a:spcBef>
-                <a:spcPct val="0"/>
-              </a:spcBef>
-              <a:spcAft>
-                <a:spcPct val="0"/>
-              </a:spcAft>
-              <a:buFont typeface="Arial" panose="020B0604020202020204" pitchFamily="34" charset="0"/>
-              <a:defRPr>
-                <a:solidFill>
-                  <a:schemeClr val="tx1"/>
-                </a:solidFill>
-                <a:latin typeface="Calibri" panose="020F0502020204030204" charset="0"/>
-                <a:ea typeface="微软雅黑" panose="020B0503020204020204" charset="-122"/>
-              </a:defRPr>
-            </a:lvl8pPr>
-            <a:lvl9pPr marL="3886200" indent="-228600" fontAlgn="base">
-              <a:spcBef>
-                <a:spcPct val="0"/>
-              </a:spcBef>
-              <a:spcAft>
-                <a:spcPct val="0"/>
-              </a:spcAft>
-              <a:buFont typeface="Arial" panose="020B0604020202020204" pitchFamily="34" charset="0"/>
-              <a:defRPr>
-                <a:solidFill>
-                  <a:schemeClr val="tx1"/>
-                </a:solidFill>
-                <a:latin typeface="Calibri" panose="020F0502020204030204" charset="0"/>
-                <a:ea typeface="微软雅黑" panose="020B0503020204020204" charset="-122"/>
-              </a:defRPr>
-            </a:lvl9pPr>
-          </a:lstStyle>
-          <a:p>
-            <a:r>
-              <a:rPr lang="en-US" altLang="zh-CN" sz="2400">
-                <a:latin typeface="+mn-lt"/>
-                <a:ea typeface="+mn-ea"/>
-                <a:sym typeface="+mn-ea"/>
-              </a:rPr>
-              <a:t>里程碑的内部评审</a:t>
-            </a:r>
-            <a:endParaRPr lang="en-US" altLang="zh-CN" sz="2400">
-              <a:latin typeface="+mn-lt"/>
-              <a:ea typeface="+mn-ea"/>
-            </a:endParaRPr>
-          </a:p>
-        </p:txBody>
-      </p:sp>
-      <p:sp>
-        <p:nvSpPr>
-          <p:cNvPr id="31" name="等腰三角形 55"/>
-          <p:cNvSpPr>
-            <a:spLocks noChangeArrowheads="1"/>
-          </p:cNvSpPr>
-          <p:nvPr>
-            <p:custDataLst>
-              <p:tags r:id="rId22"/>
-            </p:custDataLst>
-          </p:nvPr>
-        </p:nvSpPr>
-        <p:spPr bwMode="auto">
-          <a:xfrm rot="5400000">
-            <a:off x="5773346" y="5499492"/>
-            <a:ext cx="790680" cy="681948"/>
-          </a:xfrm>
-          <a:prstGeom prst="triangle">
-            <a:avLst>
-              <a:gd name="adj" fmla="val 50000"/>
-            </a:avLst>
-          </a:prstGeom>
-          <a:solidFill>
-            <a:schemeClr val="accent1"/>
-          </a:solidFill>
-          <a:ln>
-            <a:noFill/>
-          </a:ln>
-        </p:spPr>
-        <p:txBody>
-          <a:bodyPr anchor="ctr"/>
-          <a:lstStyle>
-            <a:lvl1pPr>
-              <a:defRPr>
-                <a:solidFill>
-                  <a:schemeClr val="tx1"/>
-                </a:solidFill>
-                <a:latin typeface="Calibri" panose="020F0502020204030204" charset="0"/>
-                <a:ea typeface="微软雅黑" panose="020B0503020204020204" charset="-122"/>
-              </a:defRPr>
-            </a:lvl1pPr>
-            <a:lvl2pPr marL="742950" indent="-285750">
-              <a:defRPr>
-                <a:solidFill>
-                  <a:schemeClr val="tx1"/>
-                </a:solidFill>
-                <a:latin typeface="Calibri" panose="020F0502020204030204" charset="0"/>
-                <a:ea typeface="微软雅黑" panose="020B0503020204020204" charset="-122"/>
-              </a:defRPr>
-            </a:lvl2pPr>
-            <a:lvl3pPr marL="1143000" indent="-228600">
-              <a:defRPr>
-                <a:solidFill>
-                  <a:schemeClr val="tx1"/>
-                </a:solidFill>
-                <a:latin typeface="Calibri" panose="020F0502020204030204" charset="0"/>
-                <a:ea typeface="微软雅黑" panose="020B0503020204020204" charset="-122"/>
-              </a:defRPr>
-            </a:lvl3pPr>
-            <a:lvl4pPr marL="1600200" indent="-228600">
-              <a:defRPr>
-                <a:solidFill>
-                  <a:schemeClr val="tx1"/>
-                </a:solidFill>
-                <a:latin typeface="Calibri" panose="020F0502020204030204" charset="0"/>
-                <a:ea typeface="微软雅黑" panose="020B0503020204020204" charset="-122"/>
-              </a:defRPr>
-            </a:lvl4pPr>
-            <a:lvl5pPr marL="2057400" indent="-228600">
-              <a:defRPr>
-                <a:solidFill>
-                  <a:schemeClr val="tx1"/>
-                </a:solidFill>
-                <a:latin typeface="Calibri" panose="020F0502020204030204" charset="0"/>
-                <a:ea typeface="微软雅黑" panose="020B0503020204020204" charset="-122"/>
-              </a:defRPr>
-            </a:lvl5pPr>
-            <a:lvl6pPr marL="2514600" indent="-228600" fontAlgn="base">
-              <a:spcBef>
-                <a:spcPct val="0"/>
-              </a:spcBef>
-              <a:spcAft>
-                <a:spcPct val="0"/>
-              </a:spcAft>
-              <a:buFont typeface="Arial" panose="020B0604020202020204" pitchFamily="34" charset="0"/>
-              <a:defRPr>
-                <a:solidFill>
-                  <a:schemeClr val="tx1"/>
-                </a:solidFill>
-                <a:latin typeface="Calibri" panose="020F0502020204030204" charset="0"/>
-                <a:ea typeface="微软雅黑" panose="020B0503020204020204" charset="-122"/>
-              </a:defRPr>
-            </a:lvl6pPr>
-            <a:lvl7pPr marL="2971800" indent="-228600" fontAlgn="base">
-              <a:spcBef>
-                <a:spcPct val="0"/>
-              </a:spcBef>
-              <a:spcAft>
-                <a:spcPct val="0"/>
-              </a:spcAft>
-              <a:buFont typeface="Arial" panose="020B0604020202020204" pitchFamily="34" charset="0"/>
-              <a:defRPr>
-                <a:solidFill>
-                  <a:schemeClr val="tx1"/>
-                </a:solidFill>
-                <a:latin typeface="Calibri" panose="020F0502020204030204" charset="0"/>
-                <a:ea typeface="微软雅黑" panose="020B0503020204020204" charset="-122"/>
-              </a:defRPr>
-            </a:lvl7pPr>
-            <a:lvl8pPr marL="3429000" indent="-228600" fontAlgn="base">
-              <a:spcBef>
-                <a:spcPct val="0"/>
-              </a:spcBef>
-              <a:spcAft>
-                <a:spcPct val="0"/>
-              </a:spcAft>
-              <a:buFont typeface="Arial" panose="020B0604020202020204" pitchFamily="34" charset="0"/>
-              <a:defRPr>
-                <a:solidFill>
-                  <a:schemeClr val="tx1"/>
-                </a:solidFill>
-                <a:latin typeface="Calibri" panose="020F0502020204030204" charset="0"/>
-                <a:ea typeface="微软雅黑" panose="020B0503020204020204" charset="-122"/>
-              </a:defRPr>
-            </a:lvl8pPr>
-            <a:lvl9pPr marL="3886200" indent="-228600" fontAlgn="base">
-              <a:spcBef>
-                <a:spcPct val="0"/>
-              </a:spcBef>
-              <a:spcAft>
-                <a:spcPct val="0"/>
-              </a:spcAft>
-              <a:buFont typeface="Arial" panose="020B0604020202020204" pitchFamily="34" charset="0"/>
-              <a:defRPr>
-                <a:solidFill>
-                  <a:schemeClr val="tx1"/>
-                </a:solidFill>
-                <a:latin typeface="Calibri" panose="020F0502020204030204" charset="0"/>
-                <a:ea typeface="微软雅黑" panose="020B0503020204020204" charset="-122"/>
-              </a:defRPr>
-            </a:lvl9pPr>
-          </a:lstStyle>
-          <a:p>
-            <a:pPr algn="ctr" eaLnBrk="1" hangingPunct="1"/>
-            <a:endParaRPr lang="zh-CN" altLang="en-US">
-              <a:solidFill>
-                <a:srgbClr val="FFFFFF"/>
-              </a:solidFill>
-              <a:latin typeface="+mn-lt"/>
-              <a:ea typeface="+mn-ea"/>
-            </a:endParaRPr>
-          </a:p>
-        </p:txBody>
-      </p:sp>
-      <p:sp>
-        <p:nvSpPr>
-          <p:cNvPr id="32" name="等腰三角形 56"/>
-          <p:cNvSpPr>
-            <a:spLocks noChangeArrowheads="1"/>
-          </p:cNvSpPr>
-          <p:nvPr>
-            <p:custDataLst>
-              <p:tags r:id="rId23"/>
-            </p:custDataLst>
-          </p:nvPr>
-        </p:nvSpPr>
-        <p:spPr bwMode="auto">
-          <a:xfrm rot="5400000">
-            <a:off x="5939215" y="5772528"/>
-            <a:ext cx="618405" cy="533364"/>
-          </a:xfrm>
-          <a:prstGeom prst="triangle">
-            <a:avLst>
-              <a:gd name="adj" fmla="val 50000"/>
-            </a:avLst>
-          </a:prstGeom>
-          <a:solidFill>
-            <a:schemeClr val="bg1"/>
-          </a:solidFill>
-          <a:ln>
-            <a:noFill/>
-          </a:ln>
-        </p:spPr>
-        <p:txBody>
-          <a:bodyPr anchor="ctr"/>
-          <a:lstStyle>
-            <a:lvl1pPr>
-              <a:defRPr>
-                <a:solidFill>
-                  <a:schemeClr val="tx1"/>
-                </a:solidFill>
-                <a:latin typeface="Calibri" panose="020F0502020204030204" charset="0"/>
-                <a:ea typeface="微软雅黑" panose="020B0503020204020204" charset="-122"/>
-              </a:defRPr>
-            </a:lvl1pPr>
-            <a:lvl2pPr marL="742950" indent="-285750">
-              <a:defRPr>
-                <a:solidFill>
-                  <a:schemeClr val="tx1"/>
-                </a:solidFill>
-                <a:latin typeface="Calibri" panose="020F0502020204030204" charset="0"/>
-                <a:ea typeface="微软雅黑" panose="020B0503020204020204" charset="-122"/>
-              </a:defRPr>
-            </a:lvl2pPr>
-            <a:lvl3pPr marL="1143000" indent="-228600">
-              <a:defRPr>
-                <a:solidFill>
-                  <a:schemeClr val="tx1"/>
-                </a:solidFill>
-                <a:latin typeface="Calibri" panose="020F0502020204030204" charset="0"/>
-                <a:ea typeface="微软雅黑" panose="020B0503020204020204" charset="-122"/>
-              </a:defRPr>
-            </a:lvl3pPr>
-            <a:lvl4pPr marL="1600200" indent="-228600">
-              <a:defRPr>
-                <a:solidFill>
-                  <a:schemeClr val="tx1"/>
-                </a:solidFill>
-                <a:latin typeface="Calibri" panose="020F0502020204030204" charset="0"/>
-                <a:ea typeface="微软雅黑" panose="020B0503020204020204" charset="-122"/>
-              </a:defRPr>
-            </a:lvl4pPr>
-            <a:lvl5pPr marL="2057400" indent="-228600">
-              <a:defRPr>
-                <a:solidFill>
-                  <a:schemeClr val="tx1"/>
-                </a:solidFill>
-                <a:latin typeface="Calibri" panose="020F0502020204030204" charset="0"/>
-                <a:ea typeface="微软雅黑" panose="020B0503020204020204" charset="-122"/>
-              </a:defRPr>
-            </a:lvl5pPr>
-            <a:lvl6pPr marL="2514600" indent="-228600" fontAlgn="base">
-              <a:spcBef>
-                <a:spcPct val="0"/>
-              </a:spcBef>
-              <a:spcAft>
-                <a:spcPct val="0"/>
-              </a:spcAft>
-              <a:buFont typeface="Arial" panose="020B0604020202020204" pitchFamily="34" charset="0"/>
-              <a:defRPr>
-                <a:solidFill>
-                  <a:schemeClr val="tx1"/>
-                </a:solidFill>
-                <a:latin typeface="Calibri" panose="020F0502020204030204" charset="0"/>
-                <a:ea typeface="微软雅黑" panose="020B0503020204020204" charset="-122"/>
-              </a:defRPr>
-            </a:lvl6pPr>
-            <a:lvl7pPr marL="2971800" indent="-228600" fontAlgn="base">
-              <a:spcBef>
-                <a:spcPct val="0"/>
-              </a:spcBef>
-              <a:spcAft>
-                <a:spcPct val="0"/>
-              </a:spcAft>
-              <a:buFont typeface="Arial" panose="020B0604020202020204" pitchFamily="34" charset="0"/>
-              <a:defRPr>
-                <a:solidFill>
-                  <a:schemeClr val="tx1"/>
-                </a:solidFill>
-                <a:latin typeface="Calibri" panose="020F0502020204030204" charset="0"/>
-                <a:ea typeface="微软雅黑" panose="020B0503020204020204" charset="-122"/>
-              </a:defRPr>
-            </a:lvl7pPr>
-            <a:lvl8pPr marL="3429000" indent="-228600" fontAlgn="base">
-              <a:spcBef>
-                <a:spcPct val="0"/>
-              </a:spcBef>
-              <a:spcAft>
-                <a:spcPct val="0"/>
-              </a:spcAft>
-              <a:buFont typeface="Arial" panose="020B0604020202020204" pitchFamily="34" charset="0"/>
-              <a:defRPr>
-                <a:solidFill>
-                  <a:schemeClr val="tx1"/>
-                </a:solidFill>
-                <a:latin typeface="Calibri" panose="020F0502020204030204" charset="0"/>
-                <a:ea typeface="微软雅黑" panose="020B0503020204020204" charset="-122"/>
-              </a:defRPr>
-            </a:lvl8pPr>
-            <a:lvl9pPr marL="3886200" indent="-228600" fontAlgn="base">
-              <a:spcBef>
-                <a:spcPct val="0"/>
-              </a:spcBef>
-              <a:spcAft>
-                <a:spcPct val="0"/>
-              </a:spcAft>
-              <a:buFont typeface="Arial" panose="020B0604020202020204" pitchFamily="34" charset="0"/>
-              <a:defRPr>
-                <a:solidFill>
-                  <a:schemeClr val="tx1"/>
-                </a:solidFill>
-                <a:latin typeface="Calibri" panose="020F0502020204030204" charset="0"/>
-                <a:ea typeface="微软雅黑" panose="020B0503020204020204" charset="-122"/>
-              </a:defRPr>
-            </a:lvl9pPr>
-          </a:lstStyle>
-          <a:p>
-            <a:pPr algn="ctr" eaLnBrk="1" hangingPunct="1"/>
-            <a:endParaRPr lang="zh-CN" altLang="en-US">
-              <a:solidFill>
-                <a:srgbClr val="FFFFFF"/>
-              </a:solidFill>
-              <a:latin typeface="+mn-lt"/>
-              <a:ea typeface="+mn-ea"/>
-            </a:endParaRPr>
-          </a:p>
-        </p:txBody>
-      </p:sp>
-      <p:sp>
-        <p:nvSpPr>
-          <p:cNvPr id="33" name="文本框 57"/>
-          <p:cNvSpPr txBox="1">
-            <a:spLocks noChangeArrowheads="1"/>
-          </p:cNvSpPr>
-          <p:nvPr>
-            <p:custDataLst>
-              <p:tags r:id="rId24"/>
-            </p:custDataLst>
-          </p:nvPr>
-        </p:nvSpPr>
-        <p:spPr bwMode="auto">
-          <a:xfrm>
-            <a:off x="6757988" y="5334000"/>
-            <a:ext cx="4002087" cy="1014414"/>
-          </a:xfrm>
-          <a:prstGeom prst="rect">
-            <a:avLst/>
-          </a:prstGeom>
-          <a:noFill/>
-          <a:ln>
-            <a:noFill/>
-          </a:ln>
-          <a:extLst>
-            <a:ext uri="{909E8E84-426E-40DD-AFC4-6F175D3DCCD1}">
-              <a14:hiddenFill xmlns:a14="http://schemas.microsoft.com/office/drawing/2010/main">
-                <a:solidFill>
-                  <a:srgbClr val="FFFFFF"/>
-                </a:solidFill>
-              </a14:hiddenFill>
-            </a:ext>
-            <a:ext uri="{91240B29-F687-4F45-9708-019B960494DF}">
-              <a14:hiddenLine xmlns:a14="http://schemas.microsoft.com/office/drawing/2010/main" w="9525">
-                <a:solidFill>
-                  <a:srgbClr val="000000"/>
-                </a:solidFill>
-                <a:miter lim="800000"/>
-                <a:headEnd/>
-                <a:tailEnd/>
-              </a14:hiddenLine>
-            </a:ext>
-          </a:extLst>
-        </p:spPr>
-        <p:txBody>
-          <a:bodyPr wrap="square" lIns="0" rIns="0" anchor="ctr" anchorCtr="0">
-            <a:normAutofit/>
-          </a:bodyPr>
-          <a:lstStyle>
-            <a:lvl1pPr>
-              <a:defRPr>
-                <a:solidFill>
-                  <a:schemeClr val="tx1"/>
-                </a:solidFill>
-                <a:latin typeface="Calibri" panose="020F0502020204030204" charset="0"/>
-                <a:ea typeface="微软雅黑" panose="020B0503020204020204" charset="-122"/>
-              </a:defRPr>
-            </a:lvl1pPr>
-            <a:lvl2pPr marL="742950" indent="-285750">
-              <a:defRPr>
-                <a:solidFill>
-                  <a:schemeClr val="tx1"/>
-                </a:solidFill>
-                <a:latin typeface="Calibri" panose="020F0502020204030204" charset="0"/>
-                <a:ea typeface="微软雅黑" panose="020B0503020204020204" charset="-122"/>
-              </a:defRPr>
-            </a:lvl2pPr>
-            <a:lvl3pPr marL="1143000" indent="-228600">
-              <a:defRPr>
-                <a:solidFill>
-                  <a:schemeClr val="tx1"/>
-                </a:solidFill>
-                <a:latin typeface="Calibri" panose="020F0502020204030204" charset="0"/>
-                <a:ea typeface="微软雅黑" panose="020B0503020204020204" charset="-122"/>
-              </a:defRPr>
-            </a:lvl3pPr>
-            <a:lvl4pPr marL="1600200" indent="-228600">
-              <a:defRPr>
-                <a:solidFill>
-                  <a:schemeClr val="tx1"/>
-                </a:solidFill>
-                <a:latin typeface="Calibri" panose="020F0502020204030204" charset="0"/>
-                <a:ea typeface="微软雅黑" panose="020B0503020204020204" charset="-122"/>
-              </a:defRPr>
-            </a:lvl4pPr>
-            <a:lvl5pPr marL="2057400" indent="-228600">
-              <a:defRPr>
-                <a:solidFill>
-                  <a:schemeClr val="tx1"/>
-                </a:solidFill>
-                <a:latin typeface="Calibri" panose="020F0502020204030204" charset="0"/>
-                <a:ea typeface="微软雅黑" panose="020B0503020204020204" charset="-122"/>
-              </a:defRPr>
-            </a:lvl5pPr>
-            <a:lvl6pPr marL="2514600" indent="-228600" fontAlgn="base">
-              <a:spcBef>
-                <a:spcPct val="0"/>
-              </a:spcBef>
-              <a:spcAft>
-                <a:spcPct val="0"/>
-              </a:spcAft>
-              <a:buFont typeface="Arial" panose="020B0604020202020204" pitchFamily="34" charset="0"/>
-              <a:defRPr>
-                <a:solidFill>
-                  <a:schemeClr val="tx1"/>
-                </a:solidFill>
-                <a:latin typeface="Calibri" panose="020F0502020204030204" charset="0"/>
-                <a:ea typeface="微软雅黑" panose="020B0503020204020204" charset="-122"/>
-              </a:defRPr>
-            </a:lvl6pPr>
-            <a:lvl7pPr marL="2971800" indent="-228600" fontAlgn="base">
-              <a:spcBef>
-                <a:spcPct val="0"/>
-              </a:spcBef>
-              <a:spcAft>
-                <a:spcPct val="0"/>
-              </a:spcAft>
-              <a:buFont typeface="Arial" panose="020B0604020202020204" pitchFamily="34" charset="0"/>
-              <a:defRPr>
-                <a:solidFill>
-                  <a:schemeClr val="tx1"/>
-                </a:solidFill>
-                <a:latin typeface="Calibri" panose="020F0502020204030204" charset="0"/>
-                <a:ea typeface="微软雅黑" panose="020B0503020204020204" charset="-122"/>
-              </a:defRPr>
-            </a:lvl7pPr>
-            <a:lvl8pPr marL="3429000" indent="-228600" fontAlgn="base">
-              <a:spcBef>
-                <a:spcPct val="0"/>
-              </a:spcBef>
-              <a:spcAft>
-                <a:spcPct val="0"/>
-              </a:spcAft>
-              <a:buFont typeface="Arial" panose="020B0604020202020204" pitchFamily="34" charset="0"/>
-              <a:defRPr>
-                <a:solidFill>
-                  <a:schemeClr val="tx1"/>
-                </a:solidFill>
-                <a:latin typeface="Calibri" panose="020F0502020204030204" charset="0"/>
-                <a:ea typeface="微软雅黑" panose="020B0503020204020204" charset="-122"/>
-              </a:defRPr>
-            </a:lvl8pPr>
-            <a:lvl9pPr marL="3886200" indent="-228600" fontAlgn="base">
-              <a:spcBef>
-                <a:spcPct val="0"/>
-              </a:spcBef>
-              <a:spcAft>
-                <a:spcPct val="0"/>
-              </a:spcAft>
-              <a:buFont typeface="Arial" panose="020B0604020202020204" pitchFamily="34" charset="0"/>
-              <a:defRPr>
-                <a:solidFill>
-                  <a:schemeClr val="tx1"/>
-                </a:solidFill>
-                <a:latin typeface="Calibri" panose="020F0502020204030204" charset="0"/>
-                <a:ea typeface="微软雅黑" panose="020B0503020204020204" charset="-122"/>
-              </a:defRPr>
-            </a:lvl9pPr>
-          </a:lstStyle>
-          <a:p>
-            <a:r>
-              <a:rPr lang="en-US" altLang="zh-CN" sz="2400">
-                <a:latin typeface="+mn-lt"/>
-                <a:ea typeface="+mn-ea"/>
-              </a:rPr>
-              <a:t>Team Building</a:t>
-            </a:r>
-          </a:p>
-        </p:txBody>
-      </p:sp>
-    </p:spTree>
-    <p:custDataLst>
-      <p:tags r:id="rId1"/>
-    </p:custDataLst>
-  </p:cSld>
-  <p:clrMapOvr>
-    <a:masterClrMapping/>
-  </p:clrMapOvr>
-</p:sld>
-</file>
-
-<file path=ppt/slides/slide20.xml><?xml version="1.0" encoding="utf-8"?>
+<file path=ppt/slides/slide21.xml><?xml version="1.0" encoding="utf-8"?>
 <p:sld xmlns:a="http://schemas.openxmlformats.org/drawingml/2006/main" xmlns:r="http://schemas.openxmlformats.org/officeDocument/2006/relationships" xmlns:p="http://schemas.openxmlformats.org/presentationml/2006/main">
   <p:cSld>
     <p:bg>
@@ -16256,7 +16377,7 @@
 </p:sld>
 </file>
 
-<file path=ppt/slides/slide21.xml><?xml version="1.0" encoding="utf-8"?>
+<file path=ppt/slides/slide22.xml><?xml version="1.0" encoding="utf-8"?>
 <p:sld xmlns:a="http://schemas.openxmlformats.org/drawingml/2006/main" xmlns:r="http://schemas.openxmlformats.org/officeDocument/2006/relationships" xmlns:p="http://schemas.openxmlformats.org/presentationml/2006/main">
   <p:cSld>
     <p:bg>
@@ -16427,7 +16548,7 @@
 </p:sld>
 </file>
 
-<file path=ppt/slides/slide22.xml><?xml version="1.0" encoding="utf-8"?>
+<file path=ppt/slides/slide23.xml><?xml version="1.0" encoding="utf-8"?>
 <p:sld xmlns:a="http://schemas.openxmlformats.org/drawingml/2006/main" xmlns:r="http://schemas.openxmlformats.org/officeDocument/2006/relationships" xmlns:p="http://schemas.openxmlformats.org/presentationml/2006/main">
   <p:cSld>
     <p:bg>
@@ -16537,7 +16658,7 @@
 </p:sld>
 </file>
 
-<file path=ppt/slides/slide23.xml><?xml version="1.0" encoding="utf-8"?>
+<file path=ppt/slides/slide24.xml><?xml version="1.0" encoding="utf-8"?>
 <p:sld xmlns:a="http://schemas.openxmlformats.org/drawingml/2006/main" xmlns:r="http://schemas.openxmlformats.org/officeDocument/2006/relationships" xmlns:p="http://schemas.openxmlformats.org/presentationml/2006/main">
   <p:cSld>
     <p:bg>
@@ -16744,7 +16865,7 @@
 </p:sld>
 </file>
 
-<file path=ppt/slides/slide24.xml><?xml version="1.0" encoding="utf-8"?>
+<file path=ppt/slides/slide25.xml><?xml version="1.0" encoding="utf-8"?>
 <p:sld xmlns:a="http://schemas.openxmlformats.org/drawingml/2006/main" xmlns:r="http://schemas.openxmlformats.org/officeDocument/2006/relationships" xmlns:p="http://schemas.openxmlformats.org/presentationml/2006/main">
   <p:cSld>
     <p:bg>
@@ -16854,7 +16975,7 @@
 </p:sld>
 </file>
 
-<file path=ppt/slides/slide25.xml><?xml version="1.0" encoding="utf-8"?>
+<file path=ppt/slides/slide26.xml><?xml version="1.0" encoding="utf-8"?>
 <p:sld xmlns:a="http://schemas.openxmlformats.org/drawingml/2006/main" xmlns:r="http://schemas.openxmlformats.org/officeDocument/2006/relationships" xmlns:p="http://schemas.openxmlformats.org/presentationml/2006/main">
   <p:cSld>
     <p:bg>
@@ -17064,7 +17185,7 @@
 </p:sld>
 </file>
 
-<file path=ppt/slides/slide26.xml><?xml version="1.0" encoding="utf-8"?>
+<file path=ppt/slides/slide27.xml><?xml version="1.0" encoding="utf-8"?>
 <p:sld xmlns:a="http://schemas.openxmlformats.org/drawingml/2006/main" xmlns:r="http://schemas.openxmlformats.org/officeDocument/2006/relationships" xmlns:p="http://schemas.openxmlformats.org/presentationml/2006/main">
   <p:cSld>
     <p:bg>
@@ -17790,7 +17911,7 @@
 </p:sld>
 </file>
 
-<file path=ppt/slides/slide27.xml><?xml version="1.0" encoding="utf-8"?>
+<file path=ppt/slides/slide28.xml><?xml version="1.0" encoding="utf-8"?>
 <p:sld xmlns:a="http://schemas.openxmlformats.org/drawingml/2006/main" xmlns:r="http://schemas.openxmlformats.org/officeDocument/2006/relationships" xmlns:p="http://schemas.openxmlformats.org/presentationml/2006/main">
   <p:cSld>
     <p:bg>
@@ -17962,7 +18083,7 @@
 </p:sld>
 </file>
 
-<file path=ppt/slides/slide28.xml><?xml version="1.0" encoding="utf-8"?>
+<file path=ppt/slides/slide29.xml><?xml version="1.0" encoding="utf-8"?>
 <p:sld xmlns:a="http://schemas.openxmlformats.org/drawingml/2006/main" xmlns:r="http://schemas.openxmlformats.org/officeDocument/2006/relationships" xmlns:p="http://schemas.openxmlformats.org/presentationml/2006/main">
   <p:cSld>
     <p:bg>
@@ -18539,12 +18660,6 @@
 <file path=ppt/slides/slide6.xml><?xml version="1.0" encoding="utf-8"?>
 <p:sld xmlns:a="http://schemas.openxmlformats.org/drawingml/2006/main" xmlns:r="http://schemas.openxmlformats.org/officeDocument/2006/relationships" xmlns:p="http://schemas.openxmlformats.org/presentationml/2006/main">
   <p:cSld>
-    <p:bg>
-      <p:bgPr>
-        <a:noFill/>
-        <a:effectLst/>
-      </p:bgPr>
-    </p:bg>
     <p:spTree>
       <p:nvGrpSpPr>
         <p:cNvPr id="1" name=""/>
@@ -18622,10 +18737,51 @@
           </a:p>
         </p:txBody>
       </p:sp>
+      <p:pic>
+        <p:nvPicPr>
+          <p:cNvPr id="4" name="图片 3">
+            <a:extLst>
+              <a:ext uri="{FF2B5EF4-FFF2-40B4-BE49-F238E27FC236}">
+                <a16:creationId xmlns:a16="http://schemas.microsoft.com/office/drawing/2014/main" id="{DB52FBA0-CB91-CCF7-870E-8C9528B1B914}"/>
+              </a:ext>
+            </a:extLst>
+          </p:cNvPr>
+          <p:cNvPicPr>
+            <a:picLocks noChangeAspect="1"/>
+          </p:cNvPicPr>
+          <p:nvPr/>
+        </p:nvPicPr>
+        <p:blipFill>
+          <a:blip r:embed="rId3">
+            <a:extLst>
+              <a:ext uri="{28A0092B-C50C-407E-A947-70E740481C1C}">
+                <a14:useLocalDpi xmlns:a14="http://schemas.microsoft.com/office/drawing/2010/main" val="0"/>
+              </a:ext>
+            </a:extLst>
+          </a:blip>
+          <a:stretch>
+            <a:fillRect/>
+          </a:stretch>
+        </p:blipFill>
+        <p:spPr>
+          <a:xfrm>
+            <a:off x="1459684" y="2109271"/>
+            <a:ext cx="9093666" cy="4461580"/>
+          </a:xfrm>
+          <a:prstGeom prst="rect">
+            <a:avLst/>
+          </a:prstGeom>
+        </p:spPr>
+      </p:pic>
     </p:spTree>
     <p:custDataLst>
       <p:tags r:id="rId1"/>
     </p:custDataLst>
+    <p:extLst>
+      <p:ext uri="{BB962C8B-B14F-4D97-AF65-F5344CB8AC3E}">
+        <p14:creationId xmlns:p14="http://schemas.microsoft.com/office/powerpoint/2010/main" val="2778963902"/>
+      </p:ext>
+    </p:extLst>
   </p:cSld>
   <p:clrMapOvr>
     <a:masterClrMapping/>
@@ -18680,6 +18836,139 @@
           <a:p>
             <a:r>
               <a:rPr lang="zh-CN" altLang="en-US" sz="3200">
+                <a:latin typeface="+mn-lt"/>
+                <a:ea typeface="+mn-ea"/>
+                <a:sym typeface="+mn-ea"/>
+              </a:rPr>
+              <a:t>需求管理工具</a:t>
+            </a:r>
+            <a:endParaRPr lang="en-US" altLang="zh-CN" sz="3200"/>
+          </a:p>
+        </p:txBody>
+      </p:sp>
+      <p:sp>
+        <p:nvSpPr>
+          <p:cNvPr id="6" name="文本框 5"/>
+          <p:cNvSpPr txBox="1"/>
+          <p:nvPr/>
+        </p:nvSpPr>
+        <p:spPr>
+          <a:xfrm>
+            <a:off x="838200" y="1359535"/>
+            <a:ext cx="8364855" cy="645160"/>
+          </a:xfrm>
+          <a:prstGeom prst="rect">
+            <a:avLst/>
+          </a:prstGeom>
+          <a:noFill/>
+        </p:spPr>
+        <p:txBody>
+          <a:bodyPr wrap="square" rtlCol="0" anchor="t">
+            <a:spAutoFit/>
+          </a:bodyPr>
+          <a:lstStyle/>
+          <a:p>
+            <a:r>
+              <a:rPr lang="zh-CN" altLang="en-US"/>
+              <a:t>针对需求的管理，是否采用了需求管理工具？是否把全部需求录入工具？是否建立了跟踪链接矩阵？</a:t>
+            </a:r>
+          </a:p>
+        </p:txBody>
+      </p:sp>
+      <p:pic>
+        <p:nvPicPr>
+          <p:cNvPr id="9" name="图片 8">
+            <a:extLst>
+              <a:ext uri="{FF2B5EF4-FFF2-40B4-BE49-F238E27FC236}">
+                <a16:creationId xmlns:a16="http://schemas.microsoft.com/office/drawing/2014/main" id="{A83ACB94-4F82-11E6-7C2C-3C7F5F227671}"/>
+              </a:ext>
+            </a:extLst>
+          </p:cNvPr>
+          <p:cNvPicPr>
+            <a:picLocks noChangeAspect="1"/>
+          </p:cNvPicPr>
+          <p:nvPr/>
+        </p:nvPicPr>
+        <p:blipFill>
+          <a:blip r:embed="rId3">
+            <a:extLst>
+              <a:ext uri="{28A0092B-C50C-407E-A947-70E740481C1C}">
+                <a14:useLocalDpi xmlns:a14="http://schemas.microsoft.com/office/drawing/2010/main" val="0"/>
+              </a:ext>
+            </a:extLst>
+          </a:blip>
+          <a:stretch>
+            <a:fillRect/>
+          </a:stretch>
+        </p:blipFill>
+        <p:spPr>
+          <a:xfrm>
+            <a:off x="922090" y="2101559"/>
+            <a:ext cx="8827498" cy="4330991"/>
+          </a:xfrm>
+          <a:prstGeom prst="rect">
+            <a:avLst/>
+          </a:prstGeom>
+        </p:spPr>
+      </p:pic>
+    </p:spTree>
+    <p:custDataLst>
+      <p:tags r:id="rId1"/>
+    </p:custDataLst>
+  </p:cSld>
+  <p:clrMapOvr>
+    <a:masterClrMapping/>
+  </p:clrMapOvr>
+</p:sld>
+</file>
+
+<file path=ppt/slides/slide8.xml><?xml version="1.0" encoding="utf-8"?>
+<p:sld xmlns:a="http://schemas.openxmlformats.org/drawingml/2006/main" xmlns:r="http://schemas.openxmlformats.org/officeDocument/2006/relationships" xmlns:p="http://schemas.openxmlformats.org/presentationml/2006/main">
+  <p:cSld>
+    <p:bg>
+      <p:bgPr>
+        <a:noFill/>
+        <a:effectLst/>
+      </p:bgPr>
+    </p:bg>
+    <p:spTree>
+      <p:nvGrpSpPr>
+        <p:cNvPr id="1" name=""/>
+        <p:cNvGrpSpPr/>
+        <p:nvPr/>
+      </p:nvGrpSpPr>
+      <p:grpSpPr>
+        <a:xfrm>
+          <a:off x="0" y="0"/>
+          <a:ext cx="0" cy="0"/>
+          <a:chOff x="0" y="0"/>
+          <a:chExt cx="0" cy="0"/>
+        </a:xfrm>
+      </p:grpSpPr>
+      <p:sp>
+        <p:nvSpPr>
+          <p:cNvPr id="2" name="标题 1"/>
+          <p:cNvSpPr>
+            <a:spLocks noGrp="1"/>
+          </p:cNvSpPr>
+          <p:nvPr>
+            <p:ph type="title"/>
+          </p:nvPr>
+        </p:nvSpPr>
+        <p:spPr>
+          <a:xfrm>
+            <a:off x="838200" y="425450"/>
+            <a:ext cx="8658225" cy="598170"/>
+          </a:xfrm>
+        </p:spPr>
+        <p:txBody>
+          <a:bodyPr>
+            <a:noAutofit/>
+          </a:bodyPr>
+          <a:lstStyle/>
+          <a:p>
+            <a:r>
+              <a:rPr lang="zh-CN" altLang="en-US" sz="3200">
                 <a:sym typeface="+mn-ea"/>
               </a:rPr>
               <a:t>需求变更影响分析</a:t>
@@ -18727,6 +19016,42 @@
           </a:p>
         </p:txBody>
       </p:sp>
+      <p:pic>
+        <p:nvPicPr>
+          <p:cNvPr id="5" name="图片 4">
+            <a:extLst>
+              <a:ext uri="{FF2B5EF4-FFF2-40B4-BE49-F238E27FC236}">
+                <a16:creationId xmlns:a16="http://schemas.microsoft.com/office/drawing/2014/main" id="{A1C0E36B-2CEE-3BEE-F569-455C0A9D2F51}"/>
+              </a:ext>
+            </a:extLst>
+          </p:cNvPr>
+          <p:cNvPicPr>
+            <a:picLocks noChangeAspect="1"/>
+          </p:cNvPicPr>
+          <p:nvPr/>
+        </p:nvPicPr>
+        <p:blipFill>
+          <a:blip r:embed="rId3">
+            <a:extLst>
+              <a:ext uri="{28A0092B-C50C-407E-A947-70E740481C1C}">
+                <a14:useLocalDpi xmlns:a14="http://schemas.microsoft.com/office/drawing/2010/main" val="0"/>
+              </a:ext>
+            </a:extLst>
+          </a:blip>
+          <a:stretch>
+            <a:fillRect/>
+          </a:stretch>
+        </p:blipFill>
+        <p:spPr>
+          <a:xfrm>
+            <a:off x="1032510" y="1590040"/>
+            <a:ext cx="9547371" cy="4684179"/>
+          </a:xfrm>
+          <a:prstGeom prst="rect">
+            <a:avLst/>
+          </a:prstGeom>
+        </p:spPr>
+      </p:pic>
     </p:spTree>
     <p:custDataLst>
       <p:tags r:id="rId1"/>
@@ -18738,7 +19063,7 @@
 </p:sld>
 </file>
 
-<file path=ppt/slides/slide8.xml><?xml version="1.0" encoding="utf-8"?>
+<file path=ppt/slides/slide9.xml><?xml version="1.0" encoding="utf-8"?>
 <p:sld xmlns:a="http://schemas.openxmlformats.org/drawingml/2006/main" xmlns:r="http://schemas.openxmlformats.org/officeDocument/2006/relationships" xmlns:p="http://schemas.openxmlformats.org/presentationml/2006/main">
   <p:cSld>
     <p:bg>
@@ -19620,126 +19945,6 @@
 </p:sld>
 </file>
 
-<file path=ppt/slides/slide9.xml><?xml version="1.0" encoding="utf-8"?>
-<p:sld xmlns:a="http://schemas.openxmlformats.org/drawingml/2006/main" xmlns:r="http://schemas.openxmlformats.org/officeDocument/2006/relationships" xmlns:p="http://schemas.openxmlformats.org/presentationml/2006/main">
-  <p:cSld>
-    <p:bg>
-      <p:bgPr>
-        <a:noFill/>
-        <a:effectLst/>
-      </p:bgPr>
-    </p:bg>
-    <p:spTree>
-      <p:nvGrpSpPr>
-        <p:cNvPr id="1" name=""/>
-        <p:cNvGrpSpPr/>
-        <p:nvPr/>
-      </p:nvGrpSpPr>
-      <p:grpSpPr>
-        <a:xfrm>
-          <a:off x="0" y="0"/>
-          <a:ext cx="0" cy="0"/>
-          <a:chOff x="0" y="0"/>
-          <a:chExt cx="0" cy="0"/>
-        </a:xfrm>
-      </p:grpSpPr>
-      <p:sp>
-        <p:nvSpPr>
-          <p:cNvPr id="2" name="标题 1"/>
-          <p:cNvSpPr>
-            <a:spLocks noGrp="1"/>
-          </p:cNvSpPr>
-          <p:nvPr>
-            <p:ph type="title"/>
-          </p:nvPr>
-        </p:nvSpPr>
-        <p:spPr>
-          <a:xfrm>
-            <a:off x="838200" y="425450"/>
-            <a:ext cx="8658225" cy="598170"/>
-          </a:xfrm>
-        </p:spPr>
-        <p:txBody>
-          <a:bodyPr>
-            <a:noAutofit/>
-          </a:bodyPr>
-          <a:lstStyle/>
-          <a:p>
-            <a:r>
-              <a:rPr lang="zh-CN" altLang="en-US" sz="3200"/>
-              <a:t>项目文档管理</a:t>
-            </a:r>
-            <a:r>
-              <a:rPr lang="en-US" altLang="zh-CN" sz="3200"/>
-              <a:t>   </a:t>
-            </a:r>
-          </a:p>
-        </p:txBody>
-      </p:sp>
-      <p:pic>
-        <p:nvPicPr>
-          <p:cNvPr id="6" name="图片 5"/>
-          <p:cNvPicPr>
-            <a:picLocks noChangeAspect="1"/>
-          </p:cNvPicPr>
-          <p:nvPr/>
-        </p:nvPicPr>
-        <p:blipFill>
-          <a:blip r:embed="rId3"/>
-          <a:stretch>
-            <a:fillRect/>
-          </a:stretch>
-        </p:blipFill>
-        <p:spPr>
-          <a:xfrm>
-            <a:off x="838200" y="1499870"/>
-            <a:ext cx="7655560" cy="4622800"/>
-          </a:xfrm>
-          <a:prstGeom prst="rect">
-            <a:avLst/>
-          </a:prstGeom>
-        </p:spPr>
-      </p:pic>
-      <p:sp>
-        <p:nvSpPr>
-          <p:cNvPr id="7" name="文本框 6"/>
-          <p:cNvSpPr txBox="1"/>
-          <p:nvPr/>
-        </p:nvSpPr>
-        <p:spPr>
-          <a:xfrm>
-            <a:off x="8724900" y="3060065"/>
-            <a:ext cx="3093720" cy="1198880"/>
-          </a:xfrm>
-          <a:prstGeom prst="rect">
-            <a:avLst/>
-          </a:prstGeom>
-          <a:noFill/>
-        </p:spPr>
-        <p:txBody>
-          <a:bodyPr wrap="square" rtlCol="0" anchor="t">
-            <a:spAutoFit/>
-          </a:bodyPr>
-          <a:lstStyle/>
-          <a:p>
-            <a:r>
-              <a:rPr lang="zh-CN" altLang="en-US" sz="2400" dirty="0"/>
-              <a:t>项目总分支可以看到每个人提交的文档更新和历史信息</a:t>
-            </a:r>
-          </a:p>
-        </p:txBody>
-      </p:sp>
-    </p:spTree>
-    <p:custDataLst>
-      <p:tags r:id="rId1"/>
-    </p:custDataLst>
-  </p:cSld>
-  <p:clrMapOvr>
-    <a:masterClrMapping/>
-  </p:clrMapOvr>
-</p:sld>
-</file>
-
 <file path=ppt/tags/tag1.xml><?xml version="1.0" encoding="utf-8"?>
 <p:tagLst xmlns:a="http://schemas.openxmlformats.org/drawingml/2006/main" xmlns:r="http://schemas.openxmlformats.org/officeDocument/2006/relationships" xmlns:p="http://schemas.openxmlformats.org/presentationml/2006/main">
   <p:tag name="COMMONDATA" val="eyJoZGlkIjoiY2RjNTg1ODIwY2MwYTNmZDQyOTUxYTA2Y2QyY2Q4YjgifQ=="/>
@@ -21212,6 +21417,14 @@
 
 <file path=ppt/tags/tag177.xml><?xml version="1.0" encoding="utf-8"?>
 <p:tagLst xmlns:a="http://schemas.openxmlformats.org/drawingml/2006/main" xmlns:r="http://schemas.openxmlformats.org/officeDocument/2006/relationships" xmlns:p="http://schemas.openxmlformats.org/presentationml/2006/main">
+  <p:tag name="KSO_WM_BEAUTIFY_FLAG" val="#wm#"/>
+  <p:tag name="KSO_WM_TEMPLATE_CATEGORY" val="custom"/>
+  <p:tag name="KSO_WM_TEMPLATE_INDEX" val="20181613"/>
+</p:tagLst>
+</file>
+
+<file path=ppt/tags/tag178.xml><?xml version="1.0" encoding="utf-8"?>
+<p:tagLst xmlns:a="http://schemas.openxmlformats.org/drawingml/2006/main" xmlns:r="http://schemas.openxmlformats.org/officeDocument/2006/relationships" xmlns:p="http://schemas.openxmlformats.org/presentationml/2006/main">
   <p:tag name="KSO_WM_COMBINE_RELATE_SLIDE_ID" val="background20180934_6"/>
   <p:tag name="KSO_WM_SLIDE_ID" val="custom20181613_12"/>
   <p:tag name="KSO_WM_TEMPLATE_SUBCATEGORY" val="0"/>
@@ -21230,7 +21443,7 @@
 </p:tagLst>
 </file>
 
-<file path=ppt/tags/tag178.xml><?xml version="1.0" encoding="utf-8"?>
+<file path=ppt/tags/tag179.xml><?xml version="1.0" encoding="utf-8"?>
 <p:tagLst xmlns:a="http://schemas.openxmlformats.org/drawingml/2006/main" xmlns:r="http://schemas.openxmlformats.org/officeDocument/2006/relationships" xmlns:p="http://schemas.openxmlformats.org/presentationml/2006/main">
   <p:tag name="KSO_WM_UNIT_ISCONTENTSTITLE" val="0"/>
   <p:tag name="KSO_WM_UNIT_ISNUMDGMTITLE" val="0"/>
@@ -21252,7 +21465,20 @@
 </p:tagLst>
 </file>
 
-<file path=ppt/tags/tag179.xml><?xml version="1.0" encoding="utf-8"?>
+<file path=ppt/tags/tag18.xml><?xml version="1.0" encoding="utf-8"?>
+<p:tagLst xmlns:a="http://schemas.openxmlformats.org/drawingml/2006/main" xmlns:r="http://schemas.openxmlformats.org/officeDocument/2006/relationships" xmlns:p="http://schemas.openxmlformats.org/presentationml/2006/main">
+  <p:tag name="KSO_WM_UNIT_HIGHLIGHT" val="0"/>
+  <p:tag name="KSO_WM_UNIT_COMPATIBLE" val="0"/>
+  <p:tag name="KSO_WM_UNIT_DIAGRAM_ISNUMVISUAL" val="0"/>
+  <p:tag name="KSO_WM_UNIT_DIAGRAM_ISREFERUNIT" val="0"/>
+  <p:tag name="KSO_WM_UNIT_ID" val="_1**"/>
+  <p:tag name="KSO_WM_UNIT_LAYERLEVEL" val="1"/>
+  <p:tag name="KSO_WM_TAG_VERSION" val="1.0"/>
+  <p:tag name="KSO_WM_BEAUTIFY_FLAG" val="#wm#"/>
+</p:tagLst>
+</file>
+
+<file path=ppt/tags/tag180.xml><?xml version="1.0" encoding="utf-8"?>
 <p:tagLst xmlns:a="http://schemas.openxmlformats.org/drawingml/2006/main" xmlns:r="http://schemas.openxmlformats.org/officeDocument/2006/relationships" xmlns:p="http://schemas.openxmlformats.org/presentationml/2006/main">
   <p:tag name="KSO_WM_UNIT_PRESET_TEXT" val="01"/>
   <p:tag name="KSO_WM_UNIT_NOCLEAR" val="0"/>
@@ -21272,27 +21498,6 @@
 </p:tagLst>
 </file>
 
-<file path=ppt/tags/tag18.xml><?xml version="1.0" encoding="utf-8"?>
-<p:tagLst xmlns:a="http://schemas.openxmlformats.org/drawingml/2006/main" xmlns:r="http://schemas.openxmlformats.org/officeDocument/2006/relationships" xmlns:p="http://schemas.openxmlformats.org/presentationml/2006/main">
-  <p:tag name="KSO_WM_UNIT_HIGHLIGHT" val="0"/>
-  <p:tag name="KSO_WM_UNIT_COMPATIBLE" val="0"/>
-  <p:tag name="KSO_WM_UNIT_DIAGRAM_ISNUMVISUAL" val="0"/>
-  <p:tag name="KSO_WM_UNIT_DIAGRAM_ISREFERUNIT" val="0"/>
-  <p:tag name="KSO_WM_UNIT_ID" val="_1**"/>
-  <p:tag name="KSO_WM_UNIT_LAYERLEVEL" val="1"/>
-  <p:tag name="KSO_WM_TAG_VERSION" val="1.0"/>
-  <p:tag name="KSO_WM_BEAUTIFY_FLAG" val="#wm#"/>
-</p:tagLst>
-</file>
-
-<file path=ppt/tags/tag180.xml><?xml version="1.0" encoding="utf-8"?>
-<p:tagLst xmlns:a="http://schemas.openxmlformats.org/drawingml/2006/main" xmlns:r="http://schemas.openxmlformats.org/officeDocument/2006/relationships" xmlns:p="http://schemas.openxmlformats.org/presentationml/2006/main">
-  <p:tag name="KSO_WM_BEAUTIFY_FLAG" val="#wm#"/>
-  <p:tag name="KSO_WM_TEMPLATE_CATEGORY" val="custom"/>
-  <p:tag name="KSO_WM_TEMPLATE_INDEX" val="20181613"/>
-</p:tagLst>
-</file>
-
 <file path=ppt/tags/tag181.xml><?xml version="1.0" encoding="utf-8"?>
 <p:tagLst xmlns:a="http://schemas.openxmlformats.org/drawingml/2006/main" xmlns:r="http://schemas.openxmlformats.org/officeDocument/2006/relationships" xmlns:p="http://schemas.openxmlformats.org/presentationml/2006/main">
   <p:tag name="KSO_WM_BEAUTIFY_FLAG" val="#wm#"/>
@@ -21303,11 +21508,19 @@
 
 <file path=ppt/tags/tag182.xml><?xml version="1.0" encoding="utf-8"?>
 <p:tagLst xmlns:a="http://schemas.openxmlformats.org/drawingml/2006/main" xmlns:r="http://schemas.openxmlformats.org/officeDocument/2006/relationships" xmlns:p="http://schemas.openxmlformats.org/presentationml/2006/main">
+  <p:tag name="KSO_WM_BEAUTIFY_FLAG" val="#wm#"/>
+  <p:tag name="KSO_WM_TEMPLATE_CATEGORY" val="custom"/>
+  <p:tag name="KSO_WM_TEMPLATE_INDEX" val="20181613"/>
+</p:tagLst>
+</file>
+
+<file path=ppt/tags/tag183.xml><?xml version="1.0" encoding="utf-8"?>
+<p:tagLst xmlns:a="http://schemas.openxmlformats.org/drawingml/2006/main" xmlns:r="http://schemas.openxmlformats.org/officeDocument/2006/relationships" xmlns:p="http://schemas.openxmlformats.org/presentationml/2006/main">
   <p:tag name="KSO_WM_UNIT_TABLE_BEAUTIFY" val="smartTable{6a09bbf1-3b60-4e98-bf59-0eb41b2b4c2f}"/>
 </p:tagLst>
 </file>
 
-<file path=ppt/tags/tag183.xml><?xml version="1.0" encoding="utf-8"?>
+<file path=ppt/tags/tag184.xml><?xml version="1.0" encoding="utf-8"?>
 <p:tagLst xmlns:a="http://schemas.openxmlformats.org/drawingml/2006/main" xmlns:r="http://schemas.openxmlformats.org/officeDocument/2006/relationships" xmlns:p="http://schemas.openxmlformats.org/presentationml/2006/main">
   <p:tag name="KSO_WM_BEAUTIFY_FLAG" val="#wm#"/>
   <p:tag name="KSO_WM_TEMPLATE_CATEGORY" val="custom"/>
@@ -21315,13 +21528,13 @@
 </p:tagLst>
 </file>
 
-<file path=ppt/tags/tag184.xml><?xml version="1.0" encoding="utf-8"?>
+<file path=ppt/tags/tag185.xml><?xml version="1.0" encoding="utf-8"?>
 <p:tagLst xmlns:a="http://schemas.openxmlformats.org/drawingml/2006/main" xmlns:r="http://schemas.openxmlformats.org/officeDocument/2006/relationships" xmlns:p="http://schemas.openxmlformats.org/presentationml/2006/main">
   <p:tag name="KSO_WM_UNIT_TABLE_BEAUTIFY" val="smartTable{bb7e963d-9602-43c5-b1ef-0624ff1f390d}"/>
 </p:tagLst>
 </file>
 
-<file path=ppt/tags/tag185.xml><?xml version="1.0" encoding="utf-8"?>
+<file path=ppt/tags/tag186.xml><?xml version="1.0" encoding="utf-8"?>
 <p:tagLst xmlns:a="http://schemas.openxmlformats.org/drawingml/2006/main" xmlns:r="http://schemas.openxmlformats.org/officeDocument/2006/relationships" xmlns:p="http://schemas.openxmlformats.org/presentationml/2006/main">
   <p:tag name="KSO_WM_BEAUTIFY_FLAG" val="#wm#"/>
   <p:tag name="KSO_WM_TEMPLATE_CATEGORY" val="custom"/>
@@ -21329,23 +21542,15 @@
 </p:tagLst>
 </file>
 
-<file path=ppt/tags/tag186.xml><?xml version="1.0" encoding="utf-8"?>
+<file path=ppt/tags/tag187.xml><?xml version="1.0" encoding="utf-8"?>
 <p:tagLst xmlns:a="http://schemas.openxmlformats.org/drawingml/2006/main" xmlns:r="http://schemas.openxmlformats.org/officeDocument/2006/relationships" xmlns:p="http://schemas.openxmlformats.org/presentationml/2006/main">
   <p:tag name="KSO_WM_UNIT_TABLE_BEAUTIFY" val="smartTable{89eeeac9-1e39-4354-837e-a47848cd5058}"/>
 </p:tagLst>
 </file>
 
-<file path=ppt/tags/tag187.xml><?xml version="1.0" encoding="utf-8"?>
+<file path=ppt/tags/tag188.xml><?xml version="1.0" encoding="utf-8"?>
 <p:tagLst xmlns:a="http://schemas.openxmlformats.org/drawingml/2006/main" xmlns:r="http://schemas.openxmlformats.org/officeDocument/2006/relationships" xmlns:p="http://schemas.openxmlformats.org/presentationml/2006/main">
   <p:tag name="KSO_WM_UNIT_TABLE_BEAUTIFY" val="smartTable{94f79f4b-53df-4069-8c61-1b9f86a2b721}"/>
-</p:tagLst>
-</file>
-
-<file path=ppt/tags/tag188.xml><?xml version="1.0" encoding="utf-8"?>
-<p:tagLst xmlns:a="http://schemas.openxmlformats.org/drawingml/2006/main" xmlns:r="http://schemas.openxmlformats.org/officeDocument/2006/relationships" xmlns:p="http://schemas.openxmlformats.org/presentationml/2006/main">
-  <p:tag name="KSO_WM_BEAUTIFY_FLAG" val="#wm#"/>
-  <p:tag name="KSO_WM_TEMPLATE_CATEGORY" val="custom"/>
-  <p:tag name="KSO_WM_TEMPLATE_INDEX" val="20181613"/>
 </p:tagLst>
 </file>
 
@@ -21387,6 +21592,14 @@
 </file>
 
 <file path=ppt/tags/tag192.xml><?xml version="1.0" encoding="utf-8"?>
+<p:tagLst xmlns:a="http://schemas.openxmlformats.org/drawingml/2006/main" xmlns:r="http://schemas.openxmlformats.org/officeDocument/2006/relationships" xmlns:p="http://schemas.openxmlformats.org/presentationml/2006/main">
+  <p:tag name="KSO_WM_BEAUTIFY_FLAG" val="#wm#"/>
+  <p:tag name="KSO_WM_TEMPLATE_CATEGORY" val="custom"/>
+  <p:tag name="KSO_WM_TEMPLATE_INDEX" val="20181613"/>
+</p:tagLst>
+</file>
+
+<file path=ppt/tags/tag193.xml><?xml version="1.0" encoding="utf-8"?>
 <p:tagLst xmlns:a="http://schemas.openxmlformats.org/drawingml/2006/main" xmlns:r="http://schemas.openxmlformats.org/officeDocument/2006/relationships" xmlns:p="http://schemas.openxmlformats.org/presentationml/2006/main">
   <p:tag name="KSO_WM_COMBINE_RELATE_SLIDE_ID" val="background20180934_6"/>
   <p:tag name="KSO_WM_SLIDE_ID" val="custom20181613_12"/>
@@ -21406,7 +21619,7 @@
 </p:tagLst>
 </file>
 
-<file path=ppt/tags/tag193.xml><?xml version="1.0" encoding="utf-8"?>
+<file path=ppt/tags/tag194.xml><?xml version="1.0" encoding="utf-8"?>
 <p:tagLst xmlns:a="http://schemas.openxmlformats.org/drawingml/2006/main" xmlns:r="http://schemas.openxmlformats.org/officeDocument/2006/relationships" xmlns:p="http://schemas.openxmlformats.org/presentationml/2006/main">
   <p:tag name="KSO_WM_UNIT_ISCONTENTSTITLE" val="0"/>
   <p:tag name="KSO_WM_UNIT_ISNUMDGMTITLE" val="0"/>
@@ -21428,7 +21641,7 @@
 </p:tagLst>
 </file>
 
-<file path=ppt/tags/tag194.xml><?xml version="1.0" encoding="utf-8"?>
+<file path=ppt/tags/tag195.xml><?xml version="1.0" encoding="utf-8"?>
 <p:tagLst xmlns:a="http://schemas.openxmlformats.org/drawingml/2006/main" xmlns:r="http://schemas.openxmlformats.org/officeDocument/2006/relationships" xmlns:p="http://schemas.openxmlformats.org/presentationml/2006/main">
   <p:tag name="KSO_WM_UNIT_PRESET_TEXT" val="01"/>
   <p:tag name="KSO_WM_UNIT_NOCLEAR" val="0"/>
@@ -21448,7 +21661,7 @@
 </p:tagLst>
 </file>
 
-<file path=ppt/tags/tag195.xml><?xml version="1.0" encoding="utf-8"?>
+<file path=ppt/tags/tag196.xml><?xml version="1.0" encoding="utf-8"?>
 <p:tagLst xmlns:a="http://schemas.openxmlformats.org/drawingml/2006/main" xmlns:r="http://schemas.openxmlformats.org/officeDocument/2006/relationships" xmlns:p="http://schemas.openxmlformats.org/presentationml/2006/main">
   <p:tag name="KSO_WM_BEAUTIFY_FLAG" val="#wm#"/>
   <p:tag name="KSO_WM_TEMPLATE_CATEGORY" val="custom"/>
@@ -21456,7 +21669,7 @@
 </p:tagLst>
 </file>
 
-<file path=ppt/tags/tag196.xml><?xml version="1.0" encoding="utf-8"?>
+<file path=ppt/tags/tag197.xml><?xml version="1.0" encoding="utf-8"?>
 <p:tagLst xmlns:a="http://schemas.openxmlformats.org/drawingml/2006/main" xmlns:r="http://schemas.openxmlformats.org/officeDocument/2006/relationships" xmlns:p="http://schemas.openxmlformats.org/presentationml/2006/main">
   <p:tag name="KSO_WM_COMBINE_RELATE_SLIDE_ID" val="background20180934_6"/>
   <p:tag name="KSO_WM_SLIDE_ID" val="custom20181613_12"/>
@@ -21476,7 +21689,7 @@
 </p:tagLst>
 </file>
 
-<file path=ppt/tags/tag197.xml><?xml version="1.0" encoding="utf-8"?>
+<file path=ppt/tags/tag198.xml><?xml version="1.0" encoding="utf-8"?>
 <p:tagLst xmlns:a="http://schemas.openxmlformats.org/drawingml/2006/main" xmlns:r="http://schemas.openxmlformats.org/officeDocument/2006/relationships" xmlns:p="http://schemas.openxmlformats.org/presentationml/2006/main">
   <p:tag name="KSO_WM_UNIT_ISCONTENTSTITLE" val="0"/>
   <p:tag name="KSO_WM_UNIT_ISNUMDGMTITLE" val="0"/>
@@ -21498,7 +21711,7 @@
 </p:tagLst>
 </file>
 
-<file path=ppt/tags/tag198.xml><?xml version="1.0" encoding="utf-8"?>
+<file path=ppt/tags/tag199.xml><?xml version="1.0" encoding="utf-8"?>
 <p:tagLst xmlns:a="http://schemas.openxmlformats.org/drawingml/2006/main" xmlns:r="http://schemas.openxmlformats.org/officeDocument/2006/relationships" xmlns:p="http://schemas.openxmlformats.org/presentationml/2006/main">
   <p:tag name="KSO_WM_UNIT_PRESET_TEXT" val="01"/>
   <p:tag name="KSO_WM_UNIT_NOCLEAR" val="0"/>
@@ -21518,14 +21731,6 @@
 </p:tagLst>
 </file>
 
-<file path=ppt/tags/tag199.xml><?xml version="1.0" encoding="utf-8"?>
-<p:tagLst xmlns:a="http://schemas.openxmlformats.org/drawingml/2006/main" xmlns:r="http://schemas.openxmlformats.org/officeDocument/2006/relationships" xmlns:p="http://schemas.openxmlformats.org/presentationml/2006/main">
-  <p:tag name="KSO_WM_BEAUTIFY_FLAG" val="#wm#"/>
-  <p:tag name="KSO_WM_TEMPLATE_CATEGORY" val="custom"/>
-  <p:tag name="KSO_WM_TEMPLATE_INDEX" val="20181613"/>
-</p:tagLst>
-</file>
-
 <file path=ppt/tags/tag2.xml><?xml version="1.0" encoding="utf-8"?>
 <p:tagLst xmlns:a="http://schemas.openxmlformats.org/drawingml/2006/main" xmlns:r="http://schemas.openxmlformats.org/officeDocument/2006/relationships" xmlns:p="http://schemas.openxmlformats.org/presentationml/2006/main">
   <p:tag name="KSO_WM_UNIT_HIGHLIGHT" val="0"/>
@@ -21553,6 +21758,14 @@
 </file>
 
 <file path=ppt/tags/tag200.xml><?xml version="1.0" encoding="utf-8"?>
+<p:tagLst xmlns:a="http://schemas.openxmlformats.org/drawingml/2006/main" xmlns:r="http://schemas.openxmlformats.org/officeDocument/2006/relationships" xmlns:p="http://schemas.openxmlformats.org/presentationml/2006/main">
+  <p:tag name="KSO_WM_BEAUTIFY_FLAG" val="#wm#"/>
+  <p:tag name="KSO_WM_TEMPLATE_CATEGORY" val="custom"/>
+  <p:tag name="KSO_WM_TEMPLATE_INDEX" val="20181613"/>
+</p:tagLst>
+</file>
+
+<file path=ppt/tags/tag201.xml><?xml version="1.0" encoding="utf-8"?>
 <p:tagLst xmlns:a="http://schemas.openxmlformats.org/drawingml/2006/main" xmlns:r="http://schemas.openxmlformats.org/officeDocument/2006/relationships" xmlns:p="http://schemas.openxmlformats.org/presentationml/2006/main">
   <p:tag name="KSO_WM_COMBINE_RELATE_SLIDE_ID" val="background20180934_6"/>
   <p:tag name="KSO_WM_SLIDE_ID" val="custom20181613_12"/>
@@ -21572,7 +21785,7 @@
 </p:tagLst>
 </file>
 
-<file path=ppt/tags/tag201.xml><?xml version="1.0" encoding="utf-8"?>
+<file path=ppt/tags/tag202.xml><?xml version="1.0" encoding="utf-8"?>
 <p:tagLst xmlns:a="http://schemas.openxmlformats.org/drawingml/2006/main" xmlns:r="http://schemas.openxmlformats.org/officeDocument/2006/relationships" xmlns:p="http://schemas.openxmlformats.org/presentationml/2006/main">
   <p:tag name="KSO_WM_UNIT_ISCONTENTSTITLE" val="0"/>
   <p:tag name="KSO_WM_UNIT_ISNUMDGMTITLE" val="0"/>
@@ -21594,7 +21807,7 @@
 </p:tagLst>
 </file>
 
-<file path=ppt/tags/tag202.xml><?xml version="1.0" encoding="utf-8"?>
+<file path=ppt/tags/tag203.xml><?xml version="1.0" encoding="utf-8"?>
 <p:tagLst xmlns:a="http://schemas.openxmlformats.org/drawingml/2006/main" xmlns:r="http://schemas.openxmlformats.org/officeDocument/2006/relationships" xmlns:p="http://schemas.openxmlformats.org/presentationml/2006/main">
   <p:tag name="KSO_WM_UNIT_PRESET_TEXT" val="01"/>
   <p:tag name="KSO_WM_UNIT_NOCLEAR" val="0"/>
@@ -21614,7 +21827,7 @@
 </p:tagLst>
 </file>
 
-<file path=ppt/tags/tag203.xml><?xml version="1.0" encoding="utf-8"?>
+<file path=ppt/tags/tag204.xml><?xml version="1.0" encoding="utf-8"?>
 <p:tagLst xmlns:a="http://schemas.openxmlformats.org/drawingml/2006/main" xmlns:r="http://schemas.openxmlformats.org/officeDocument/2006/relationships" xmlns:p="http://schemas.openxmlformats.org/presentationml/2006/main">
   <p:tag name="KSO_WM_BEAUTIFY_FLAG" val="#wm#"/>
   <p:tag name="KSO_WM_TEMPLATE_CATEGORY" val="custom"/>
@@ -21622,17 +21835,9 @@
 </p:tagLst>
 </file>
 
-<file path=ppt/tags/tag204.xml><?xml version="1.0" encoding="utf-8"?>
+<file path=ppt/tags/tag205.xml><?xml version="1.0" encoding="utf-8"?>
 <p:tagLst xmlns:a="http://schemas.openxmlformats.org/drawingml/2006/main" xmlns:r="http://schemas.openxmlformats.org/officeDocument/2006/relationships" xmlns:p="http://schemas.openxmlformats.org/presentationml/2006/main">
   <p:tag name="KSO_WM_UNIT_PLACING_PICTURE_USER_VIEWPORT" val="{&quot;height&quot;:6225,&quot;width&quot;:8295}"/>
-</p:tagLst>
-</file>
-
-<file path=ppt/tags/tag205.xml><?xml version="1.0" encoding="utf-8"?>
-<p:tagLst xmlns:a="http://schemas.openxmlformats.org/drawingml/2006/main" xmlns:r="http://schemas.openxmlformats.org/officeDocument/2006/relationships" xmlns:p="http://schemas.openxmlformats.org/presentationml/2006/main">
-  <p:tag name="KSO_WM_BEAUTIFY_FLAG" val="#wm#"/>
-  <p:tag name="KSO_WM_TEMPLATE_CATEGORY" val="custom"/>
-  <p:tag name="KSO_WM_TEMPLATE_INDEX" val="20181613"/>
 </p:tagLst>
 </file>
 
@@ -21645,6 +21850,14 @@
 </file>
 
 <file path=ppt/tags/tag207.xml><?xml version="1.0" encoding="utf-8"?>
+<p:tagLst xmlns:a="http://schemas.openxmlformats.org/drawingml/2006/main" xmlns:r="http://schemas.openxmlformats.org/officeDocument/2006/relationships" xmlns:p="http://schemas.openxmlformats.org/presentationml/2006/main">
+  <p:tag name="KSO_WM_BEAUTIFY_FLAG" val="#wm#"/>
+  <p:tag name="KSO_WM_TEMPLATE_CATEGORY" val="custom"/>
+  <p:tag name="KSO_WM_TEMPLATE_INDEX" val="20181613"/>
+</p:tagLst>
+</file>
+
+<file path=ppt/tags/tag208.xml><?xml version="1.0" encoding="utf-8"?>
 <p:tagLst xmlns:a="http://schemas.openxmlformats.org/drawingml/2006/main" xmlns:r="http://schemas.openxmlformats.org/officeDocument/2006/relationships" xmlns:p="http://schemas.openxmlformats.org/presentationml/2006/main">
   <p:tag name="KSO_WM_COMBINE_RELATE_SLIDE_ID" val="background20180934_1"/>
   <p:tag name="KSO_WM_TEMPLATE_THUMBS_INDEX" val="1、6、12、13、21、22、25、26"/>
@@ -21665,7 +21878,7 @@
 </p:tagLst>
 </file>
 
-<file path=ppt/tags/tag208.xml><?xml version="1.0" encoding="utf-8"?>
+<file path=ppt/tags/tag209.xml><?xml version="1.0" encoding="utf-8"?>
 <p:tagLst xmlns:a="http://schemas.openxmlformats.org/drawingml/2006/main" xmlns:r="http://schemas.openxmlformats.org/officeDocument/2006/relationships" xmlns:p="http://schemas.openxmlformats.org/presentationml/2006/main">
   <p:tag name="KSO_WM_UNIT_ISCONTENTSTITLE" val="0"/>
   <p:tag name="KSO_WM_UNIT_ISNUMDGMTITLE" val="0"/>
@@ -21687,7 +21900,20 @@
 </p:tagLst>
 </file>
 
-<file path=ppt/tags/tag209.xml><?xml version="1.0" encoding="utf-8"?>
+<file path=ppt/tags/tag21.xml><?xml version="1.0" encoding="utf-8"?>
+<p:tagLst xmlns:a="http://schemas.openxmlformats.org/drawingml/2006/main" xmlns:r="http://schemas.openxmlformats.org/officeDocument/2006/relationships" xmlns:p="http://schemas.openxmlformats.org/presentationml/2006/main">
+  <p:tag name="KSO_WM_UNIT_HIGHLIGHT" val="0"/>
+  <p:tag name="KSO_WM_UNIT_COMPATIBLE" val="0"/>
+  <p:tag name="KSO_WM_UNIT_DIAGRAM_ISNUMVISUAL" val="0"/>
+  <p:tag name="KSO_WM_UNIT_DIAGRAM_ISREFERUNIT" val="0"/>
+  <p:tag name="KSO_WM_UNIT_ID" val="_2**"/>
+  <p:tag name="KSO_WM_UNIT_LAYERLEVEL" val="1"/>
+  <p:tag name="KSO_WM_TAG_VERSION" val="1.0"/>
+  <p:tag name="KSO_WM_BEAUTIFY_FLAG" val="#wm#"/>
+</p:tagLst>
+</file>
+
+<file path=ppt/tags/tag210.xml><?xml version="1.0" encoding="utf-8"?>
 <p:tagLst xmlns:a="http://schemas.openxmlformats.org/drawingml/2006/main" xmlns:r="http://schemas.openxmlformats.org/officeDocument/2006/relationships" xmlns:p="http://schemas.openxmlformats.org/presentationml/2006/main">
   <p:tag name="KSO_WM_UNIT_HIGHLIGHT" val="0"/>
   <p:tag name="KSO_WM_UNIT_COMPATIBLE" val="0"/>
@@ -21698,19 +21924,6 @@
   <p:tag name="KSO_WM_UNIT_ID" val="custom20181613_1*i*0"/>
   <p:tag name="KSO_WM_TEMPLATE_CATEGORY" val="custom"/>
   <p:tag name="KSO_WM_TEMPLATE_INDEX" val="20181613"/>
-  <p:tag name="KSO_WM_UNIT_LAYERLEVEL" val="1"/>
-  <p:tag name="KSO_WM_TAG_VERSION" val="1.0"/>
-  <p:tag name="KSO_WM_BEAUTIFY_FLAG" val="#wm#"/>
-</p:tagLst>
-</file>
-
-<file path=ppt/tags/tag21.xml><?xml version="1.0" encoding="utf-8"?>
-<p:tagLst xmlns:a="http://schemas.openxmlformats.org/drawingml/2006/main" xmlns:r="http://schemas.openxmlformats.org/officeDocument/2006/relationships" xmlns:p="http://schemas.openxmlformats.org/presentationml/2006/main">
-  <p:tag name="KSO_WM_UNIT_HIGHLIGHT" val="0"/>
-  <p:tag name="KSO_WM_UNIT_COMPATIBLE" val="0"/>
-  <p:tag name="KSO_WM_UNIT_DIAGRAM_ISNUMVISUAL" val="0"/>
-  <p:tag name="KSO_WM_UNIT_DIAGRAM_ISREFERUNIT" val="0"/>
-  <p:tag name="KSO_WM_UNIT_ID" val="_2**"/>
   <p:tag name="KSO_WM_UNIT_LAYERLEVEL" val="1"/>
   <p:tag name="KSO_WM_TAG_VERSION" val="1.0"/>
   <p:tag name="KSO_WM_BEAUTIFY_FLAG" val="#wm#"/>

--- a/3.requirement/5.需求变更/G07需求变更评审.pptx
+++ b/3.requirement/5.需求变更/G07需求变更评审.pptx
@@ -242,7 +242,7 @@
           <a:p>
             <a:fld id="{D2A48B96-639E-45A3-A0BA-2464DFDB1FAA}" type="datetimeFigureOut">
               <a:rPr lang="zh-CN" altLang="en-US" smtClean="0"/>
-              <a:t>2022/5/29</a:t>
+              <a:t>2022/5/30</a:t>
             </a:fld>
             <a:endParaRPr lang="zh-CN" altLang="en-US"/>
           </a:p>
@@ -1338,7 +1338,7 @@
           <a:p>
             <a:fld id="{4C673B6C-4284-405C-963D-BB07F2087A0B}" type="datetimeFigureOut">
               <a:rPr lang="zh-CN" altLang="en-US" smtClean="0"/>
-              <a:t>2022/5/29</a:t>
+              <a:t>2022/5/30</a:t>
             </a:fld>
             <a:endParaRPr lang="zh-CN" altLang="en-US"/>
           </a:p>
@@ -1437,7 +1437,7 @@
           <a:p>
             <a:fld id="{760FBDFE-C587-4B4C-A407-44438C67B59E}" type="datetimeFigureOut">
               <a:rPr lang="zh-CN" altLang="en-US" smtClean="0"/>
-              <a:t>2022/5/29</a:t>
+              <a:t>2022/5/30</a:t>
             </a:fld>
             <a:endParaRPr lang="zh-CN" altLang="en-US"/>
           </a:p>
@@ -1706,7 +1706,7 @@
           <a:p>
             <a:fld id="{760FBDFE-C587-4B4C-A407-44438C67B59E}" type="datetimeFigureOut">
               <a:rPr lang="zh-CN" altLang="en-US" smtClean="0"/>
-              <a:t>2022/5/29</a:t>
+              <a:t>2022/5/30</a:t>
             </a:fld>
             <a:endParaRPr lang="zh-CN" altLang="en-US"/>
           </a:p>
@@ -1957,7 +1957,7 @@
           <a:p>
             <a:fld id="{760FBDFE-C587-4B4C-A407-44438C67B59E}" type="datetimeFigureOut">
               <a:rPr lang="zh-CN" altLang="en-US" smtClean="0"/>
-              <a:t>2022/5/29</a:t>
+              <a:t>2022/5/30</a:t>
             </a:fld>
             <a:endParaRPr lang="zh-CN" altLang="en-US"/>
           </a:p>
@@ -2913,7 +2913,7 @@
           <a:p>
             <a:fld id="{760FBDFE-C587-4B4C-A407-44438C67B59E}" type="datetimeFigureOut">
               <a:rPr lang="zh-CN" altLang="en-US" smtClean="0"/>
-              <a:t>2022/5/29</a:t>
+              <a:t>2022/5/30</a:t>
             </a:fld>
             <a:endParaRPr lang="zh-CN" altLang="en-US"/>
           </a:p>
@@ -3444,7 +3444,7 @@
           <a:p>
             <a:fld id="{760FBDFE-C587-4B4C-A407-44438C67B59E}" type="datetimeFigureOut">
               <a:rPr lang="zh-CN" altLang="en-US" smtClean="0"/>
-              <a:t>2022/5/29</a:t>
+              <a:t>2022/5/30</a:t>
             </a:fld>
             <a:endParaRPr lang="zh-CN" altLang="en-US"/>
           </a:p>
@@ -3910,7 +3910,7 @@
           <a:p>
             <a:fld id="{760FBDFE-C587-4B4C-A407-44438C67B59E}" type="datetimeFigureOut">
               <a:rPr lang="zh-CN" altLang="en-US" smtClean="0"/>
-              <a:t>2022/5/29</a:t>
+              <a:t>2022/5/30</a:t>
             </a:fld>
             <a:endParaRPr lang="zh-CN" altLang="en-US"/>
           </a:p>
@@ -4312,7 +4312,7 @@
           <a:p>
             <a:fld id="{760FBDFE-C587-4B4C-A407-44438C67B59E}" type="datetimeFigureOut">
               <a:rPr lang="zh-CN" altLang="en-US" smtClean="0"/>
-              <a:t>2022/5/29</a:t>
+              <a:t>2022/5/30</a:t>
             </a:fld>
             <a:endParaRPr lang="zh-CN" altLang="en-US"/>
           </a:p>
@@ -4714,7 +4714,7 @@
           <a:p>
             <a:fld id="{760FBDFE-C587-4B4C-A407-44438C67B59E}" type="datetimeFigureOut">
               <a:rPr lang="zh-CN" altLang="en-US" smtClean="0"/>
-              <a:t>2022/5/29</a:t>
+              <a:t>2022/5/30</a:t>
             </a:fld>
             <a:endParaRPr lang="zh-CN" altLang="en-US"/>
           </a:p>
@@ -5916,7 +5916,7 @@
           <a:p>
             <a:fld id="{760FBDFE-C587-4B4C-A407-44438C67B59E}" type="datetimeFigureOut">
               <a:rPr lang="zh-CN" altLang="en-US" smtClean="0"/>
-              <a:t>2022/5/29</a:t>
+              <a:t>2022/5/30</a:t>
             </a:fld>
             <a:endParaRPr lang="zh-CN" altLang="en-US"/>
           </a:p>
@@ -6139,7 +6139,7 @@
           <a:p>
             <a:fld id="{4C673B6C-4284-405C-963D-BB07F2087A0B}" type="datetimeFigureOut">
               <a:rPr lang="zh-CN" altLang="en-US" smtClean="0"/>
-              <a:t>2022/5/29</a:t>
+              <a:t>2022/5/30</a:t>
             </a:fld>
             <a:endParaRPr lang="zh-CN" altLang="en-US"/>
           </a:p>
@@ -6448,7 +6448,7 @@
           <a:p>
             <a:fld id="{4C673B6C-4284-405C-963D-BB07F2087A0B}" type="datetimeFigureOut">
               <a:rPr lang="zh-CN" altLang="en-US" smtClean="0"/>
-              <a:t>2022/5/29</a:t>
+              <a:t>2022/5/30</a:t>
             </a:fld>
             <a:endParaRPr lang="zh-CN" altLang="en-US"/>
           </a:p>
@@ -6698,7 +6698,7 @@
           <a:p>
             <a:fld id="{4C673B6C-4284-405C-963D-BB07F2087A0B}" type="datetimeFigureOut">
               <a:rPr lang="zh-CN" altLang="en-US" smtClean="0"/>
-              <a:t>2022/5/29</a:t>
+              <a:t>2022/5/30</a:t>
             </a:fld>
             <a:endParaRPr lang="zh-CN" altLang="en-US"/>
           </a:p>
@@ -7089,7 +7089,7 @@
           <a:p>
             <a:fld id="{4C673B6C-4284-405C-963D-BB07F2087A0B}" type="datetimeFigureOut">
               <a:rPr lang="zh-CN" altLang="en-US" smtClean="0"/>
-              <a:t>2022/5/29</a:t>
+              <a:t>2022/5/30</a:t>
             </a:fld>
             <a:endParaRPr lang="zh-CN" altLang="en-US"/>
           </a:p>
@@ -7188,7 +7188,7 @@
           <a:p>
             <a:fld id="{4C673B6C-4284-405C-963D-BB07F2087A0B}" type="datetimeFigureOut">
               <a:rPr lang="zh-CN" altLang="en-US" smtClean="0"/>
-              <a:t>2022/5/29</a:t>
+              <a:t>2022/5/30</a:t>
             </a:fld>
             <a:endParaRPr lang="zh-CN" altLang="en-US"/>
           </a:p>
@@ -7312,7 +7312,7 @@
           <a:p>
             <a:fld id="{4C673B6C-4284-405C-963D-BB07F2087A0B}" type="datetimeFigureOut">
               <a:rPr lang="zh-CN" altLang="en-US" smtClean="0"/>
-              <a:t>2022/5/29</a:t>
+              <a:t>2022/5/30</a:t>
             </a:fld>
             <a:endParaRPr lang="zh-CN" altLang="en-US"/>
           </a:p>
@@ -7581,7 +7581,7 @@
           <a:p>
             <a:fld id="{9EFD9D74-47D9-4702-A33C-335B63B48DBF}" type="datetimeFigureOut">
               <a:rPr lang="zh-CN" altLang="en-US" smtClean="0"/>
-              <a:t>2022/5/29</a:t>
+              <a:t>2022/5/30</a:t>
             </a:fld>
             <a:endParaRPr lang="zh-CN" altLang="en-US" dirty="0"/>
           </a:p>
@@ -7779,7 +7779,7 @@
           <a:p>
             <a:fld id="{4C673B6C-4284-405C-963D-BB07F2087A0B}" type="datetimeFigureOut">
               <a:rPr lang="zh-CN" altLang="en-US" smtClean="0"/>
-              <a:t>2022/5/29</a:t>
+              <a:t>2022/5/30</a:t>
             </a:fld>
             <a:endParaRPr lang="zh-CN" altLang="en-US"/>
           </a:p>
@@ -8291,7 +8291,7 @@
           <a:p>
             <a:fld id="{4C673B6C-4284-405C-963D-BB07F2087A0B}" type="datetimeFigureOut">
               <a:rPr lang="zh-CN" altLang="en-US" smtClean="0"/>
-              <a:t>2022/5/29</a:t>
+              <a:t>2022/5/30</a:t>
             </a:fld>
             <a:endParaRPr lang="zh-CN" altLang="en-US"/>
           </a:p>
@@ -12080,6 +12080,7727 @@
           </a:p>
         </p:txBody>
       </p:sp>
+      <p:graphicFrame>
+        <p:nvGraphicFramePr>
+          <p:cNvPr id="3" name="表格 2">
+            <a:extLst>
+              <a:ext uri="{FF2B5EF4-FFF2-40B4-BE49-F238E27FC236}">
+                <a16:creationId xmlns:a16="http://schemas.microsoft.com/office/drawing/2014/main" id="{8B478C59-1267-9F5A-9617-EF7178104E1F}"/>
+              </a:ext>
+            </a:extLst>
+          </p:cNvPr>
+          <p:cNvGraphicFramePr>
+            <a:graphicFrameLocks noGrp="1"/>
+          </p:cNvGraphicFramePr>
+          <p:nvPr>
+            <p:extLst>
+              <p:ext uri="{D42A27DB-BD31-4B8C-83A1-F6EECF244321}">
+                <p14:modId xmlns:p14="http://schemas.microsoft.com/office/powerpoint/2010/main" val="3907518568"/>
+              </p:ext>
+            </p:extLst>
+          </p:nvPr>
+        </p:nvGraphicFramePr>
+        <p:xfrm>
+          <a:off x="748764" y="1319354"/>
+          <a:ext cx="4536298" cy="4905614"/>
+        </p:xfrm>
+        <a:graphic>
+          <a:graphicData uri="http://schemas.openxmlformats.org/drawingml/2006/table">
+            <a:tbl>
+              <a:tblPr firstRow="1" firstCol="1" bandRow="1">
+                <a:tableStyleId>{5C22544A-7EE6-4342-B048-85BDC9FD1C3A}</a:tableStyleId>
+              </a:tblPr>
+              <a:tblGrid>
+                <a:gridCol w="619991">
+                  <a:extLst>
+                    <a:ext uri="{9D8B030D-6E8A-4147-A177-3AD203B41FA5}">
+                      <a16:colId xmlns:a16="http://schemas.microsoft.com/office/drawing/2014/main" val="1601261707"/>
+                    </a:ext>
+                  </a:extLst>
+                </a:gridCol>
+                <a:gridCol w="383952">
+                  <a:extLst>
+                    <a:ext uri="{9D8B030D-6E8A-4147-A177-3AD203B41FA5}">
+                      <a16:colId xmlns:a16="http://schemas.microsoft.com/office/drawing/2014/main" val="1542890119"/>
+                    </a:ext>
+                  </a:extLst>
+                </a:gridCol>
+                <a:gridCol w="435489">
+                  <a:extLst>
+                    <a:ext uri="{9D8B030D-6E8A-4147-A177-3AD203B41FA5}">
+                      <a16:colId xmlns:a16="http://schemas.microsoft.com/office/drawing/2014/main" val="984176133"/>
+                    </a:ext>
+                  </a:extLst>
+                </a:gridCol>
+                <a:gridCol w="399412">
+                  <a:extLst>
+                    <a:ext uri="{9D8B030D-6E8A-4147-A177-3AD203B41FA5}">
+                      <a16:colId xmlns:a16="http://schemas.microsoft.com/office/drawing/2014/main" val="3023568710"/>
+                    </a:ext>
+                  </a:extLst>
+                </a:gridCol>
+                <a:gridCol w="526194">
+                  <a:extLst>
+                    <a:ext uri="{9D8B030D-6E8A-4147-A177-3AD203B41FA5}">
+                      <a16:colId xmlns:a16="http://schemas.microsoft.com/office/drawing/2014/main" val="2374896589"/>
+                    </a:ext>
+                  </a:extLst>
+                </a:gridCol>
+                <a:gridCol w="355606">
+                  <a:extLst>
+                    <a:ext uri="{9D8B030D-6E8A-4147-A177-3AD203B41FA5}">
+                      <a16:colId xmlns:a16="http://schemas.microsoft.com/office/drawing/2014/main" val="2973201349"/>
+                    </a:ext>
+                  </a:extLst>
+                </a:gridCol>
+                <a:gridCol w="526194">
+                  <a:extLst>
+                    <a:ext uri="{9D8B030D-6E8A-4147-A177-3AD203B41FA5}">
+                      <a16:colId xmlns:a16="http://schemas.microsoft.com/office/drawing/2014/main" val="15855172"/>
+                    </a:ext>
+                  </a:extLst>
+                </a:gridCol>
+                <a:gridCol w="355606">
+                  <a:extLst>
+                    <a:ext uri="{9D8B030D-6E8A-4147-A177-3AD203B41FA5}">
+                      <a16:colId xmlns:a16="http://schemas.microsoft.com/office/drawing/2014/main" val="801728197"/>
+                    </a:ext>
+                  </a:extLst>
+                </a:gridCol>
+                <a:gridCol w="431366">
+                  <a:extLst>
+                    <a:ext uri="{9D8B030D-6E8A-4147-A177-3AD203B41FA5}">
+                      <a16:colId xmlns:a16="http://schemas.microsoft.com/office/drawing/2014/main" val="3239045178"/>
+                    </a:ext>
+                  </a:extLst>
+                </a:gridCol>
+                <a:gridCol w="502488">
+                  <a:extLst>
+                    <a:ext uri="{9D8B030D-6E8A-4147-A177-3AD203B41FA5}">
+                      <a16:colId xmlns:a16="http://schemas.microsoft.com/office/drawing/2014/main" val="1039010441"/>
+                    </a:ext>
+                  </a:extLst>
+                </a:gridCol>
+              </a:tblGrid>
+              <a:tr h="262517">
+                <a:tc>
+                  <a:txBody>
+                    <a:bodyPr/>
+                    <a:lstStyle/>
+                    <a:p>
+                      <a:pPr algn="just" fontAlgn="t"/>
+                      <a:r>
+                        <a:rPr lang="zh-CN" sz="1000" kern="0" dirty="0">
+                          <a:effectLst/>
+                        </a:rPr>
+                        <a:t>特性</a:t>
+                      </a:r>
+                      <a:endParaRPr lang="zh-CN" sz="1000" kern="100" dirty="0">
+                        <a:effectLst/>
+                        <a:latin typeface="等线" panose="02010600030101010101" pitchFamily="2" charset="-122"/>
+                        <a:ea typeface="等线" panose="02010600030101010101" pitchFamily="2" charset="-122"/>
+                        <a:cs typeface="Times New Roman" panose="02020603050405020304" pitchFamily="18" charset="0"/>
+                      </a:endParaRPr>
+                    </a:p>
+                  </a:txBody>
+                  <a:tcPr marL="38993" marR="38993" marT="0" marB="0"/>
+                </a:tc>
+                <a:tc>
+                  <a:txBody>
+                    <a:bodyPr/>
+                    <a:lstStyle/>
+                    <a:p>
+                      <a:pPr algn="just" fontAlgn="t"/>
+                      <a:r>
+                        <a:rPr lang="zh-CN" sz="1000" kern="0">
+                          <a:effectLst/>
+                        </a:rPr>
+                        <a:t>价值</a:t>
+                      </a:r>
+                      <a:endParaRPr lang="zh-CN" sz="1000" kern="100">
+                        <a:effectLst/>
+                        <a:latin typeface="等线" panose="02010600030101010101" pitchFamily="2" charset="-122"/>
+                        <a:ea typeface="等线" panose="02010600030101010101" pitchFamily="2" charset="-122"/>
+                        <a:cs typeface="Times New Roman" panose="02020603050405020304" pitchFamily="18" charset="0"/>
+                      </a:endParaRPr>
+                    </a:p>
+                  </a:txBody>
+                  <a:tcPr marL="38993" marR="38993" marT="0" marB="0"/>
+                </a:tc>
+                <a:tc>
+                  <a:txBody>
+                    <a:bodyPr/>
+                    <a:lstStyle/>
+                    <a:p>
+                      <a:pPr algn="just" fontAlgn="t"/>
+                      <a:r>
+                        <a:rPr lang="zh-CN" sz="1000" kern="0">
+                          <a:effectLst/>
+                        </a:rPr>
+                        <a:t>损失</a:t>
+                      </a:r>
+                      <a:endParaRPr lang="zh-CN" sz="1000" kern="100">
+                        <a:effectLst/>
+                        <a:latin typeface="等线" panose="02010600030101010101" pitchFamily="2" charset="-122"/>
+                        <a:ea typeface="等线" panose="02010600030101010101" pitchFamily="2" charset="-122"/>
+                        <a:cs typeface="Times New Roman" panose="02020603050405020304" pitchFamily="18" charset="0"/>
+                      </a:endParaRPr>
+                    </a:p>
+                  </a:txBody>
+                  <a:tcPr marL="38993" marR="38993" marT="0" marB="0"/>
+                </a:tc>
+                <a:tc>
+                  <a:txBody>
+                    <a:bodyPr/>
+                    <a:lstStyle/>
+                    <a:p>
+                      <a:pPr algn="just" fontAlgn="t"/>
+                      <a:r>
+                        <a:rPr lang="zh-CN" sz="1000" kern="0">
+                          <a:effectLst/>
+                        </a:rPr>
+                        <a:t>总价值</a:t>
+                      </a:r>
+                      <a:endParaRPr lang="zh-CN" sz="1000" kern="100">
+                        <a:effectLst/>
+                        <a:latin typeface="等线" panose="02010600030101010101" pitchFamily="2" charset="-122"/>
+                        <a:ea typeface="等线" panose="02010600030101010101" pitchFamily="2" charset="-122"/>
+                        <a:cs typeface="Times New Roman" panose="02020603050405020304" pitchFamily="18" charset="0"/>
+                      </a:endParaRPr>
+                    </a:p>
+                  </a:txBody>
+                  <a:tcPr marL="38993" marR="38993" marT="0" marB="0"/>
+                </a:tc>
+                <a:tc>
+                  <a:txBody>
+                    <a:bodyPr/>
+                    <a:lstStyle/>
+                    <a:p>
+                      <a:pPr algn="just" fontAlgn="t"/>
+                      <a:r>
+                        <a:rPr lang="zh-CN" sz="1000" kern="0">
+                          <a:effectLst/>
+                        </a:rPr>
+                        <a:t>总价值</a:t>
+                      </a:r>
+                      <a:r>
+                        <a:rPr lang="en-US" sz="1000" kern="0">
+                          <a:effectLst/>
+                        </a:rPr>
+                        <a:t>%</a:t>
+                      </a:r>
+                      <a:endParaRPr lang="zh-CN" sz="1000" kern="100">
+                        <a:effectLst/>
+                        <a:latin typeface="等线" panose="02010600030101010101" pitchFamily="2" charset="-122"/>
+                        <a:ea typeface="等线" panose="02010600030101010101" pitchFamily="2" charset="-122"/>
+                        <a:cs typeface="Times New Roman" panose="02020603050405020304" pitchFamily="18" charset="0"/>
+                      </a:endParaRPr>
+                    </a:p>
+                  </a:txBody>
+                  <a:tcPr marL="38993" marR="38993" marT="0" marB="0"/>
+                </a:tc>
+                <a:tc>
+                  <a:txBody>
+                    <a:bodyPr/>
+                    <a:lstStyle/>
+                    <a:p>
+                      <a:pPr algn="just" fontAlgn="t"/>
+                      <a:r>
+                        <a:rPr lang="zh-CN" sz="1000" kern="0">
+                          <a:effectLst/>
+                        </a:rPr>
+                        <a:t>成本</a:t>
+                      </a:r>
+                      <a:endParaRPr lang="zh-CN" sz="1000" kern="100">
+                        <a:effectLst/>
+                        <a:latin typeface="等线" panose="02010600030101010101" pitchFamily="2" charset="-122"/>
+                        <a:ea typeface="等线" panose="02010600030101010101" pitchFamily="2" charset="-122"/>
+                        <a:cs typeface="Times New Roman" panose="02020603050405020304" pitchFamily="18" charset="0"/>
+                      </a:endParaRPr>
+                    </a:p>
+                  </a:txBody>
+                  <a:tcPr marL="38993" marR="38993" marT="0" marB="0"/>
+                </a:tc>
+                <a:tc>
+                  <a:txBody>
+                    <a:bodyPr/>
+                    <a:lstStyle/>
+                    <a:p>
+                      <a:pPr algn="just" fontAlgn="t"/>
+                      <a:r>
+                        <a:rPr lang="zh-CN" sz="1000" kern="0">
+                          <a:effectLst/>
+                        </a:rPr>
+                        <a:t>成本</a:t>
+                      </a:r>
+                      <a:r>
+                        <a:rPr lang="en-US" sz="1000" kern="0">
+                          <a:effectLst/>
+                        </a:rPr>
+                        <a:t>%</a:t>
+                      </a:r>
+                      <a:endParaRPr lang="zh-CN" sz="1000" kern="100">
+                        <a:effectLst/>
+                        <a:latin typeface="等线" panose="02010600030101010101" pitchFamily="2" charset="-122"/>
+                        <a:ea typeface="等线" panose="02010600030101010101" pitchFamily="2" charset="-122"/>
+                        <a:cs typeface="Times New Roman" panose="02020603050405020304" pitchFamily="18" charset="0"/>
+                      </a:endParaRPr>
+                    </a:p>
+                  </a:txBody>
+                  <a:tcPr marL="38993" marR="38993" marT="0" marB="0"/>
+                </a:tc>
+                <a:tc>
+                  <a:txBody>
+                    <a:bodyPr/>
+                    <a:lstStyle/>
+                    <a:p>
+                      <a:pPr algn="just" fontAlgn="t"/>
+                      <a:r>
+                        <a:rPr lang="zh-CN" sz="1000" kern="0">
+                          <a:effectLst/>
+                        </a:rPr>
+                        <a:t>风险</a:t>
+                      </a:r>
+                      <a:endParaRPr lang="zh-CN" sz="1000" kern="100">
+                        <a:effectLst/>
+                        <a:latin typeface="等线" panose="02010600030101010101" pitchFamily="2" charset="-122"/>
+                        <a:ea typeface="等线" panose="02010600030101010101" pitchFamily="2" charset="-122"/>
+                        <a:cs typeface="Times New Roman" panose="02020603050405020304" pitchFamily="18" charset="0"/>
+                      </a:endParaRPr>
+                    </a:p>
+                  </a:txBody>
+                  <a:tcPr marL="38993" marR="38993" marT="0" marB="0"/>
+                </a:tc>
+                <a:tc>
+                  <a:txBody>
+                    <a:bodyPr/>
+                    <a:lstStyle/>
+                    <a:p>
+                      <a:pPr algn="just" fontAlgn="t"/>
+                      <a:r>
+                        <a:rPr lang="zh-CN" sz="1000" kern="0">
+                          <a:effectLst/>
+                        </a:rPr>
+                        <a:t>风险</a:t>
+                      </a:r>
+                      <a:r>
+                        <a:rPr lang="en-US" sz="1000" kern="0">
+                          <a:effectLst/>
+                        </a:rPr>
+                        <a:t>%</a:t>
+                      </a:r>
+                      <a:endParaRPr lang="zh-CN" sz="1000" kern="100">
+                        <a:effectLst/>
+                        <a:latin typeface="等线" panose="02010600030101010101" pitchFamily="2" charset="-122"/>
+                        <a:ea typeface="等线" panose="02010600030101010101" pitchFamily="2" charset="-122"/>
+                        <a:cs typeface="Times New Roman" panose="02020603050405020304" pitchFamily="18" charset="0"/>
+                      </a:endParaRPr>
+                    </a:p>
+                  </a:txBody>
+                  <a:tcPr marL="38993" marR="38993" marT="0" marB="0"/>
+                </a:tc>
+                <a:tc>
+                  <a:txBody>
+                    <a:bodyPr/>
+                    <a:lstStyle/>
+                    <a:p>
+                      <a:pPr algn="just" fontAlgn="t"/>
+                      <a:r>
+                        <a:rPr lang="zh-CN" sz="1000" kern="0">
+                          <a:effectLst/>
+                        </a:rPr>
+                        <a:t>优先级</a:t>
+                      </a:r>
+                      <a:endParaRPr lang="zh-CN" sz="1000" kern="100">
+                        <a:effectLst/>
+                        <a:latin typeface="等线" panose="02010600030101010101" pitchFamily="2" charset="-122"/>
+                        <a:ea typeface="等线" panose="02010600030101010101" pitchFamily="2" charset="-122"/>
+                        <a:cs typeface="Times New Roman" panose="02020603050405020304" pitchFamily="18" charset="0"/>
+                      </a:endParaRPr>
+                    </a:p>
+                  </a:txBody>
+                  <a:tcPr marL="38993" marR="38993" marT="0" marB="0"/>
+                </a:tc>
+                <a:extLst>
+                  <a:ext uri="{0D108BD9-81ED-4DB2-BD59-A6C34878D82A}">
+                    <a16:rowId xmlns:a16="http://schemas.microsoft.com/office/drawing/2014/main" val="2114452797"/>
+                  </a:ext>
+                </a:extLst>
+              </a:tr>
+              <a:tr h="306270">
+                <a:tc>
+                  <a:txBody>
+                    <a:bodyPr/>
+                    <a:lstStyle/>
+                    <a:p>
+                      <a:pPr algn="just" fontAlgn="t"/>
+                      <a:r>
+                        <a:rPr lang="zh-CN" sz="1000" kern="0">
+                          <a:effectLst/>
+                        </a:rPr>
+                        <a:t>浏览论坛</a:t>
+                      </a:r>
+                      <a:endParaRPr lang="zh-CN" sz="1000" kern="100">
+                        <a:effectLst/>
+                        <a:latin typeface="等线" panose="02010600030101010101" pitchFamily="2" charset="-122"/>
+                        <a:ea typeface="等线" panose="02010600030101010101" pitchFamily="2" charset="-122"/>
+                        <a:cs typeface="Times New Roman" panose="02020603050405020304" pitchFamily="18" charset="0"/>
+                      </a:endParaRPr>
+                    </a:p>
+                  </a:txBody>
+                  <a:tcPr marL="38993" marR="38993" marT="0" marB="0"/>
+                </a:tc>
+                <a:tc>
+                  <a:txBody>
+                    <a:bodyPr/>
+                    <a:lstStyle/>
+                    <a:p>
+                      <a:pPr algn="just" fontAlgn="t"/>
+                      <a:r>
+                        <a:rPr lang="en-US" sz="1000" kern="0">
+                          <a:effectLst/>
+                        </a:rPr>
+                        <a:t>6</a:t>
+                      </a:r>
+                      <a:endParaRPr lang="zh-CN" sz="1000" kern="100">
+                        <a:effectLst/>
+                        <a:latin typeface="等线" panose="02010600030101010101" pitchFamily="2" charset="-122"/>
+                        <a:ea typeface="等线" panose="02010600030101010101" pitchFamily="2" charset="-122"/>
+                        <a:cs typeface="Times New Roman" panose="02020603050405020304" pitchFamily="18" charset="0"/>
+                      </a:endParaRPr>
+                    </a:p>
+                  </a:txBody>
+                  <a:tcPr marL="38993" marR="38993" marT="0" marB="0"/>
+                </a:tc>
+                <a:tc>
+                  <a:txBody>
+                    <a:bodyPr/>
+                    <a:lstStyle/>
+                    <a:p>
+                      <a:pPr algn="just" fontAlgn="t"/>
+                      <a:r>
+                        <a:rPr lang="en-US" sz="1000" kern="0">
+                          <a:effectLst/>
+                        </a:rPr>
+                        <a:t>7</a:t>
+                      </a:r>
+                      <a:endParaRPr lang="zh-CN" sz="1000" kern="100">
+                        <a:effectLst/>
+                        <a:latin typeface="等线" panose="02010600030101010101" pitchFamily="2" charset="-122"/>
+                        <a:ea typeface="等线" panose="02010600030101010101" pitchFamily="2" charset="-122"/>
+                        <a:cs typeface="Times New Roman" panose="02020603050405020304" pitchFamily="18" charset="0"/>
+                      </a:endParaRPr>
+                    </a:p>
+                  </a:txBody>
+                  <a:tcPr marL="38993" marR="38993" marT="0" marB="0"/>
+                </a:tc>
+                <a:tc>
+                  <a:txBody>
+                    <a:bodyPr/>
+                    <a:lstStyle/>
+                    <a:p>
+                      <a:pPr algn="just" fontAlgn="t"/>
+                      <a:r>
+                        <a:rPr lang="en-US" sz="1000" kern="0">
+                          <a:effectLst/>
+                        </a:rPr>
+                        <a:t>13</a:t>
+                      </a:r>
+                      <a:endParaRPr lang="zh-CN" sz="1000" kern="100">
+                        <a:effectLst/>
+                        <a:latin typeface="等线" panose="02010600030101010101" pitchFamily="2" charset="-122"/>
+                        <a:ea typeface="等线" panose="02010600030101010101" pitchFamily="2" charset="-122"/>
+                        <a:cs typeface="Times New Roman" panose="02020603050405020304" pitchFamily="18" charset="0"/>
+                      </a:endParaRPr>
+                    </a:p>
+                  </a:txBody>
+                  <a:tcPr marL="38993" marR="38993" marT="0" marB="0"/>
+                </a:tc>
+                <a:tc>
+                  <a:txBody>
+                    <a:bodyPr/>
+                    <a:lstStyle/>
+                    <a:p>
+                      <a:pPr algn="just" fontAlgn="t"/>
+                      <a:r>
+                        <a:rPr lang="en-US" sz="1000" kern="0">
+                          <a:effectLst/>
+                        </a:rPr>
+                        <a:t>5.12%</a:t>
+                      </a:r>
+                      <a:endParaRPr lang="zh-CN" sz="1000" kern="100">
+                        <a:effectLst/>
+                        <a:latin typeface="等线" panose="02010600030101010101" pitchFamily="2" charset="-122"/>
+                        <a:ea typeface="等线" panose="02010600030101010101" pitchFamily="2" charset="-122"/>
+                        <a:cs typeface="Times New Roman" panose="02020603050405020304" pitchFamily="18" charset="0"/>
+                      </a:endParaRPr>
+                    </a:p>
+                  </a:txBody>
+                  <a:tcPr marL="38993" marR="38993" marT="0" marB="0"/>
+                </a:tc>
+                <a:tc>
+                  <a:txBody>
+                    <a:bodyPr/>
+                    <a:lstStyle/>
+                    <a:p>
+                      <a:pPr algn="just" fontAlgn="t"/>
+                      <a:r>
+                        <a:rPr lang="en-US" sz="1000" kern="0">
+                          <a:effectLst/>
+                        </a:rPr>
+                        <a:t>6</a:t>
+                      </a:r>
+                      <a:endParaRPr lang="zh-CN" sz="1000" kern="100">
+                        <a:effectLst/>
+                        <a:latin typeface="等线" panose="02010600030101010101" pitchFamily="2" charset="-122"/>
+                        <a:ea typeface="等线" panose="02010600030101010101" pitchFamily="2" charset="-122"/>
+                        <a:cs typeface="Times New Roman" panose="02020603050405020304" pitchFamily="18" charset="0"/>
+                      </a:endParaRPr>
+                    </a:p>
+                  </a:txBody>
+                  <a:tcPr marL="38993" marR="38993" marT="0" marB="0"/>
+                </a:tc>
+                <a:tc>
+                  <a:txBody>
+                    <a:bodyPr/>
+                    <a:lstStyle/>
+                    <a:p>
+                      <a:pPr algn="just" fontAlgn="t"/>
+                      <a:r>
+                        <a:rPr lang="en-US" sz="1000" kern="0">
+                          <a:effectLst/>
+                        </a:rPr>
+                        <a:t>4.08%</a:t>
+                      </a:r>
+                      <a:endParaRPr lang="zh-CN" sz="1000" kern="100">
+                        <a:effectLst/>
+                        <a:latin typeface="等线" panose="02010600030101010101" pitchFamily="2" charset="-122"/>
+                        <a:ea typeface="等线" panose="02010600030101010101" pitchFamily="2" charset="-122"/>
+                        <a:cs typeface="Times New Roman" panose="02020603050405020304" pitchFamily="18" charset="0"/>
+                      </a:endParaRPr>
+                    </a:p>
+                  </a:txBody>
+                  <a:tcPr marL="38993" marR="38993" marT="0" marB="0"/>
+                </a:tc>
+                <a:tc>
+                  <a:txBody>
+                    <a:bodyPr/>
+                    <a:lstStyle/>
+                    <a:p>
+                      <a:pPr algn="just" fontAlgn="t"/>
+                      <a:r>
+                        <a:rPr lang="en-US" sz="1000" kern="0">
+                          <a:effectLst/>
+                        </a:rPr>
+                        <a:t>8</a:t>
+                      </a:r>
+                      <a:endParaRPr lang="zh-CN" sz="1000" kern="100">
+                        <a:effectLst/>
+                        <a:latin typeface="等线" panose="02010600030101010101" pitchFamily="2" charset="-122"/>
+                        <a:ea typeface="等线" panose="02010600030101010101" pitchFamily="2" charset="-122"/>
+                        <a:cs typeface="Times New Roman" panose="02020603050405020304" pitchFamily="18" charset="0"/>
+                      </a:endParaRPr>
+                    </a:p>
+                  </a:txBody>
+                  <a:tcPr marL="38993" marR="38993" marT="0" marB="0"/>
+                </a:tc>
+                <a:tc>
+                  <a:txBody>
+                    <a:bodyPr/>
+                    <a:lstStyle/>
+                    <a:p>
+                      <a:pPr algn="just" fontAlgn="t"/>
+                      <a:r>
+                        <a:rPr lang="en-US" sz="1000" kern="0">
+                          <a:effectLst/>
+                        </a:rPr>
+                        <a:t>4.73%</a:t>
+                      </a:r>
+                      <a:endParaRPr lang="zh-CN" sz="1000" kern="100">
+                        <a:effectLst/>
+                        <a:latin typeface="等线" panose="02010600030101010101" pitchFamily="2" charset="-122"/>
+                        <a:ea typeface="等线" panose="02010600030101010101" pitchFamily="2" charset="-122"/>
+                        <a:cs typeface="Times New Roman" panose="02020603050405020304" pitchFamily="18" charset="0"/>
+                      </a:endParaRPr>
+                    </a:p>
+                  </a:txBody>
+                  <a:tcPr marL="38993" marR="38993" marT="0" marB="0"/>
+                </a:tc>
+                <a:tc>
+                  <a:txBody>
+                    <a:bodyPr/>
+                    <a:lstStyle/>
+                    <a:p>
+                      <a:pPr algn="just" fontAlgn="t"/>
+                      <a:r>
+                        <a:rPr lang="en-US" sz="1000" kern="0">
+                          <a:effectLst/>
+                        </a:rPr>
+                        <a:t>0.5806 </a:t>
+                      </a:r>
+                      <a:endParaRPr lang="zh-CN" sz="1000" kern="100">
+                        <a:effectLst/>
+                        <a:latin typeface="等线" panose="02010600030101010101" pitchFamily="2" charset="-122"/>
+                        <a:ea typeface="等线" panose="02010600030101010101" pitchFamily="2" charset="-122"/>
+                        <a:cs typeface="Times New Roman" panose="02020603050405020304" pitchFamily="18" charset="0"/>
+                      </a:endParaRPr>
+                    </a:p>
+                  </a:txBody>
+                  <a:tcPr marL="38993" marR="38993" marT="0" marB="0"/>
+                </a:tc>
+                <a:extLst>
+                  <a:ext uri="{0D108BD9-81ED-4DB2-BD59-A6C34878D82A}">
+                    <a16:rowId xmlns:a16="http://schemas.microsoft.com/office/drawing/2014/main" val="2735519647"/>
+                  </a:ext>
+                </a:extLst>
+              </a:tr>
+              <a:tr h="306270">
+                <a:tc>
+                  <a:txBody>
+                    <a:bodyPr/>
+                    <a:lstStyle/>
+                    <a:p>
+                      <a:pPr algn="just" fontAlgn="t"/>
+                      <a:r>
+                        <a:rPr lang="zh-CN" sz="1000" kern="0">
+                          <a:effectLst/>
+                        </a:rPr>
+                        <a:t>浏览博客</a:t>
+                      </a:r>
+                      <a:endParaRPr lang="zh-CN" sz="1000" kern="100">
+                        <a:effectLst/>
+                        <a:latin typeface="等线" panose="02010600030101010101" pitchFamily="2" charset="-122"/>
+                        <a:ea typeface="等线" panose="02010600030101010101" pitchFamily="2" charset="-122"/>
+                        <a:cs typeface="Times New Roman" panose="02020603050405020304" pitchFamily="18" charset="0"/>
+                      </a:endParaRPr>
+                    </a:p>
+                  </a:txBody>
+                  <a:tcPr marL="38993" marR="38993" marT="0" marB="0"/>
+                </a:tc>
+                <a:tc>
+                  <a:txBody>
+                    <a:bodyPr/>
+                    <a:lstStyle/>
+                    <a:p>
+                      <a:pPr algn="just" fontAlgn="t"/>
+                      <a:r>
+                        <a:rPr lang="en-US" sz="1000" kern="0">
+                          <a:effectLst/>
+                        </a:rPr>
+                        <a:t>5</a:t>
+                      </a:r>
+                      <a:endParaRPr lang="zh-CN" sz="1000" kern="100">
+                        <a:effectLst/>
+                        <a:latin typeface="等线" panose="02010600030101010101" pitchFamily="2" charset="-122"/>
+                        <a:ea typeface="等线" panose="02010600030101010101" pitchFamily="2" charset="-122"/>
+                        <a:cs typeface="Times New Roman" panose="02020603050405020304" pitchFamily="18" charset="0"/>
+                      </a:endParaRPr>
+                    </a:p>
+                  </a:txBody>
+                  <a:tcPr marL="38993" marR="38993" marT="0" marB="0"/>
+                </a:tc>
+                <a:tc>
+                  <a:txBody>
+                    <a:bodyPr/>
+                    <a:lstStyle/>
+                    <a:p>
+                      <a:pPr algn="just" fontAlgn="t"/>
+                      <a:r>
+                        <a:rPr lang="en-US" sz="1000" kern="0">
+                          <a:effectLst/>
+                        </a:rPr>
+                        <a:t>8</a:t>
+                      </a:r>
+                      <a:endParaRPr lang="zh-CN" sz="1000" kern="100">
+                        <a:effectLst/>
+                        <a:latin typeface="等线" panose="02010600030101010101" pitchFamily="2" charset="-122"/>
+                        <a:ea typeface="等线" panose="02010600030101010101" pitchFamily="2" charset="-122"/>
+                        <a:cs typeface="Times New Roman" panose="02020603050405020304" pitchFamily="18" charset="0"/>
+                      </a:endParaRPr>
+                    </a:p>
+                  </a:txBody>
+                  <a:tcPr marL="38993" marR="38993" marT="0" marB="0"/>
+                </a:tc>
+                <a:tc>
+                  <a:txBody>
+                    <a:bodyPr/>
+                    <a:lstStyle/>
+                    <a:p>
+                      <a:pPr algn="just" fontAlgn="t"/>
+                      <a:r>
+                        <a:rPr lang="en-US" sz="1000" kern="0">
+                          <a:effectLst/>
+                        </a:rPr>
+                        <a:t>13</a:t>
+                      </a:r>
+                      <a:endParaRPr lang="zh-CN" sz="1000" kern="100">
+                        <a:effectLst/>
+                        <a:latin typeface="等线" panose="02010600030101010101" pitchFamily="2" charset="-122"/>
+                        <a:ea typeface="等线" panose="02010600030101010101" pitchFamily="2" charset="-122"/>
+                        <a:cs typeface="Times New Roman" panose="02020603050405020304" pitchFamily="18" charset="0"/>
+                      </a:endParaRPr>
+                    </a:p>
+                  </a:txBody>
+                  <a:tcPr marL="38993" marR="38993" marT="0" marB="0"/>
+                </a:tc>
+                <a:tc>
+                  <a:txBody>
+                    <a:bodyPr/>
+                    <a:lstStyle/>
+                    <a:p>
+                      <a:pPr algn="just" fontAlgn="t"/>
+                      <a:r>
+                        <a:rPr lang="en-US" sz="1000" kern="0">
+                          <a:effectLst/>
+                        </a:rPr>
+                        <a:t>5.12%</a:t>
+                      </a:r>
+                      <a:endParaRPr lang="zh-CN" sz="1000" kern="100">
+                        <a:effectLst/>
+                        <a:latin typeface="等线" panose="02010600030101010101" pitchFamily="2" charset="-122"/>
+                        <a:ea typeface="等线" panose="02010600030101010101" pitchFamily="2" charset="-122"/>
+                        <a:cs typeface="Times New Roman" panose="02020603050405020304" pitchFamily="18" charset="0"/>
+                      </a:endParaRPr>
+                    </a:p>
+                  </a:txBody>
+                  <a:tcPr marL="38993" marR="38993" marT="0" marB="0"/>
+                </a:tc>
+                <a:tc>
+                  <a:txBody>
+                    <a:bodyPr/>
+                    <a:lstStyle/>
+                    <a:p>
+                      <a:pPr algn="just" fontAlgn="t"/>
+                      <a:r>
+                        <a:rPr lang="en-US" sz="1000" kern="0">
+                          <a:effectLst/>
+                        </a:rPr>
+                        <a:t>6</a:t>
+                      </a:r>
+                      <a:endParaRPr lang="zh-CN" sz="1000" kern="100">
+                        <a:effectLst/>
+                        <a:latin typeface="等线" panose="02010600030101010101" pitchFamily="2" charset="-122"/>
+                        <a:ea typeface="等线" panose="02010600030101010101" pitchFamily="2" charset="-122"/>
+                        <a:cs typeface="Times New Roman" panose="02020603050405020304" pitchFamily="18" charset="0"/>
+                      </a:endParaRPr>
+                    </a:p>
+                  </a:txBody>
+                  <a:tcPr marL="38993" marR="38993" marT="0" marB="0"/>
+                </a:tc>
+                <a:tc>
+                  <a:txBody>
+                    <a:bodyPr/>
+                    <a:lstStyle/>
+                    <a:p>
+                      <a:pPr algn="just" fontAlgn="t"/>
+                      <a:r>
+                        <a:rPr lang="en-US" sz="1000" kern="0">
+                          <a:effectLst/>
+                        </a:rPr>
+                        <a:t>4.08%</a:t>
+                      </a:r>
+                      <a:endParaRPr lang="zh-CN" sz="1000" kern="100">
+                        <a:effectLst/>
+                        <a:latin typeface="等线" panose="02010600030101010101" pitchFamily="2" charset="-122"/>
+                        <a:ea typeface="等线" panose="02010600030101010101" pitchFamily="2" charset="-122"/>
+                        <a:cs typeface="Times New Roman" panose="02020603050405020304" pitchFamily="18" charset="0"/>
+                      </a:endParaRPr>
+                    </a:p>
+                  </a:txBody>
+                  <a:tcPr marL="38993" marR="38993" marT="0" marB="0"/>
+                </a:tc>
+                <a:tc>
+                  <a:txBody>
+                    <a:bodyPr/>
+                    <a:lstStyle/>
+                    <a:p>
+                      <a:pPr algn="just" fontAlgn="t"/>
+                      <a:r>
+                        <a:rPr lang="en-US" sz="1000" kern="0">
+                          <a:effectLst/>
+                        </a:rPr>
+                        <a:t>8</a:t>
+                      </a:r>
+                      <a:endParaRPr lang="zh-CN" sz="1000" kern="100">
+                        <a:effectLst/>
+                        <a:latin typeface="等线" panose="02010600030101010101" pitchFamily="2" charset="-122"/>
+                        <a:ea typeface="等线" panose="02010600030101010101" pitchFamily="2" charset="-122"/>
+                        <a:cs typeface="Times New Roman" panose="02020603050405020304" pitchFamily="18" charset="0"/>
+                      </a:endParaRPr>
+                    </a:p>
+                  </a:txBody>
+                  <a:tcPr marL="38993" marR="38993" marT="0" marB="0"/>
+                </a:tc>
+                <a:tc>
+                  <a:txBody>
+                    <a:bodyPr/>
+                    <a:lstStyle/>
+                    <a:p>
+                      <a:pPr algn="just" fontAlgn="t"/>
+                      <a:r>
+                        <a:rPr lang="en-US" sz="1000" kern="0">
+                          <a:effectLst/>
+                        </a:rPr>
+                        <a:t>4.73%</a:t>
+                      </a:r>
+                      <a:endParaRPr lang="zh-CN" sz="1000" kern="100">
+                        <a:effectLst/>
+                        <a:latin typeface="等线" panose="02010600030101010101" pitchFamily="2" charset="-122"/>
+                        <a:ea typeface="等线" panose="02010600030101010101" pitchFamily="2" charset="-122"/>
+                        <a:cs typeface="Times New Roman" panose="02020603050405020304" pitchFamily="18" charset="0"/>
+                      </a:endParaRPr>
+                    </a:p>
+                  </a:txBody>
+                  <a:tcPr marL="38993" marR="38993" marT="0" marB="0"/>
+                </a:tc>
+                <a:tc>
+                  <a:txBody>
+                    <a:bodyPr/>
+                    <a:lstStyle/>
+                    <a:p>
+                      <a:pPr algn="just" fontAlgn="t"/>
+                      <a:r>
+                        <a:rPr lang="en-US" sz="1000" kern="0">
+                          <a:effectLst/>
+                        </a:rPr>
+                        <a:t>0.5806 </a:t>
+                      </a:r>
+                      <a:endParaRPr lang="zh-CN" sz="1000" kern="100">
+                        <a:effectLst/>
+                        <a:latin typeface="等线" panose="02010600030101010101" pitchFamily="2" charset="-122"/>
+                        <a:ea typeface="等线" panose="02010600030101010101" pitchFamily="2" charset="-122"/>
+                        <a:cs typeface="Times New Roman" panose="02020603050405020304" pitchFamily="18" charset="0"/>
+                      </a:endParaRPr>
+                    </a:p>
+                  </a:txBody>
+                  <a:tcPr marL="38993" marR="38993" marT="0" marB="0"/>
+                </a:tc>
+                <a:extLst>
+                  <a:ext uri="{0D108BD9-81ED-4DB2-BD59-A6C34878D82A}">
+                    <a16:rowId xmlns:a16="http://schemas.microsoft.com/office/drawing/2014/main" val="2264402966"/>
+                  </a:ext>
+                </a:extLst>
+              </a:tr>
+              <a:tr h="306270">
+                <a:tc>
+                  <a:txBody>
+                    <a:bodyPr/>
+                    <a:lstStyle/>
+                    <a:p>
+                      <a:pPr algn="just" fontAlgn="t"/>
+                      <a:r>
+                        <a:rPr lang="zh-CN" sz="1000" kern="0">
+                          <a:effectLst/>
+                        </a:rPr>
+                        <a:t>浏览问答</a:t>
+                      </a:r>
+                      <a:endParaRPr lang="zh-CN" sz="1000" kern="100">
+                        <a:effectLst/>
+                        <a:latin typeface="等线" panose="02010600030101010101" pitchFamily="2" charset="-122"/>
+                        <a:ea typeface="等线" panose="02010600030101010101" pitchFamily="2" charset="-122"/>
+                        <a:cs typeface="Times New Roman" panose="02020603050405020304" pitchFamily="18" charset="0"/>
+                      </a:endParaRPr>
+                    </a:p>
+                  </a:txBody>
+                  <a:tcPr marL="38993" marR="38993" marT="0" marB="0"/>
+                </a:tc>
+                <a:tc>
+                  <a:txBody>
+                    <a:bodyPr/>
+                    <a:lstStyle/>
+                    <a:p>
+                      <a:pPr algn="just" fontAlgn="t"/>
+                      <a:r>
+                        <a:rPr lang="en-US" sz="1000" kern="0">
+                          <a:effectLst/>
+                        </a:rPr>
+                        <a:t>9</a:t>
+                      </a:r>
+                      <a:endParaRPr lang="zh-CN" sz="1000" kern="100">
+                        <a:effectLst/>
+                        <a:latin typeface="等线" panose="02010600030101010101" pitchFamily="2" charset="-122"/>
+                        <a:ea typeface="等线" panose="02010600030101010101" pitchFamily="2" charset="-122"/>
+                        <a:cs typeface="Times New Roman" panose="02020603050405020304" pitchFamily="18" charset="0"/>
+                      </a:endParaRPr>
+                    </a:p>
+                  </a:txBody>
+                  <a:tcPr marL="38993" marR="38993" marT="0" marB="0"/>
+                </a:tc>
+                <a:tc>
+                  <a:txBody>
+                    <a:bodyPr/>
+                    <a:lstStyle/>
+                    <a:p>
+                      <a:pPr algn="just" fontAlgn="t"/>
+                      <a:r>
+                        <a:rPr lang="en-US" sz="1000" kern="0">
+                          <a:effectLst/>
+                        </a:rPr>
+                        <a:t>7</a:t>
+                      </a:r>
+                      <a:endParaRPr lang="zh-CN" sz="1000" kern="100">
+                        <a:effectLst/>
+                        <a:latin typeface="等线" panose="02010600030101010101" pitchFamily="2" charset="-122"/>
+                        <a:ea typeface="等线" panose="02010600030101010101" pitchFamily="2" charset="-122"/>
+                        <a:cs typeface="Times New Roman" panose="02020603050405020304" pitchFamily="18" charset="0"/>
+                      </a:endParaRPr>
+                    </a:p>
+                  </a:txBody>
+                  <a:tcPr marL="38993" marR="38993" marT="0" marB="0"/>
+                </a:tc>
+                <a:tc>
+                  <a:txBody>
+                    <a:bodyPr/>
+                    <a:lstStyle/>
+                    <a:p>
+                      <a:pPr algn="just" fontAlgn="t"/>
+                      <a:r>
+                        <a:rPr lang="en-US" sz="1000" kern="0">
+                          <a:effectLst/>
+                        </a:rPr>
+                        <a:t>16</a:t>
+                      </a:r>
+                      <a:endParaRPr lang="zh-CN" sz="1000" kern="100">
+                        <a:effectLst/>
+                        <a:latin typeface="等线" panose="02010600030101010101" pitchFamily="2" charset="-122"/>
+                        <a:ea typeface="等线" panose="02010600030101010101" pitchFamily="2" charset="-122"/>
+                        <a:cs typeface="Times New Roman" panose="02020603050405020304" pitchFamily="18" charset="0"/>
+                      </a:endParaRPr>
+                    </a:p>
+                  </a:txBody>
+                  <a:tcPr marL="38993" marR="38993" marT="0" marB="0"/>
+                </a:tc>
+                <a:tc>
+                  <a:txBody>
+                    <a:bodyPr/>
+                    <a:lstStyle/>
+                    <a:p>
+                      <a:pPr algn="just" fontAlgn="t"/>
+                      <a:r>
+                        <a:rPr lang="en-US" sz="1000" kern="0">
+                          <a:effectLst/>
+                        </a:rPr>
+                        <a:t>6.30%</a:t>
+                      </a:r>
+                      <a:endParaRPr lang="zh-CN" sz="1000" kern="100">
+                        <a:effectLst/>
+                        <a:latin typeface="等线" panose="02010600030101010101" pitchFamily="2" charset="-122"/>
+                        <a:ea typeface="等线" panose="02010600030101010101" pitchFamily="2" charset="-122"/>
+                        <a:cs typeface="Times New Roman" panose="02020603050405020304" pitchFamily="18" charset="0"/>
+                      </a:endParaRPr>
+                    </a:p>
+                  </a:txBody>
+                  <a:tcPr marL="38993" marR="38993" marT="0" marB="0"/>
+                </a:tc>
+                <a:tc>
+                  <a:txBody>
+                    <a:bodyPr/>
+                    <a:lstStyle/>
+                    <a:p>
+                      <a:pPr algn="just" fontAlgn="t"/>
+                      <a:r>
+                        <a:rPr lang="en-US" sz="1000" kern="0">
+                          <a:effectLst/>
+                        </a:rPr>
+                        <a:t>7</a:t>
+                      </a:r>
+                      <a:endParaRPr lang="zh-CN" sz="1000" kern="100">
+                        <a:effectLst/>
+                        <a:latin typeface="等线" panose="02010600030101010101" pitchFamily="2" charset="-122"/>
+                        <a:ea typeface="等线" panose="02010600030101010101" pitchFamily="2" charset="-122"/>
+                        <a:cs typeface="Times New Roman" panose="02020603050405020304" pitchFamily="18" charset="0"/>
+                      </a:endParaRPr>
+                    </a:p>
+                  </a:txBody>
+                  <a:tcPr marL="38993" marR="38993" marT="0" marB="0"/>
+                </a:tc>
+                <a:tc>
+                  <a:txBody>
+                    <a:bodyPr/>
+                    <a:lstStyle/>
+                    <a:p>
+                      <a:pPr algn="just" fontAlgn="t"/>
+                      <a:r>
+                        <a:rPr lang="en-US" sz="1000" kern="0">
+                          <a:effectLst/>
+                        </a:rPr>
+                        <a:t>4.76%</a:t>
+                      </a:r>
+                      <a:endParaRPr lang="zh-CN" sz="1000" kern="100">
+                        <a:effectLst/>
+                        <a:latin typeface="等线" panose="02010600030101010101" pitchFamily="2" charset="-122"/>
+                        <a:ea typeface="等线" panose="02010600030101010101" pitchFamily="2" charset="-122"/>
+                        <a:cs typeface="Times New Roman" panose="02020603050405020304" pitchFamily="18" charset="0"/>
+                      </a:endParaRPr>
+                    </a:p>
+                  </a:txBody>
+                  <a:tcPr marL="38993" marR="38993" marT="0" marB="0"/>
+                </a:tc>
+                <a:tc>
+                  <a:txBody>
+                    <a:bodyPr/>
+                    <a:lstStyle/>
+                    <a:p>
+                      <a:pPr algn="just" fontAlgn="t"/>
+                      <a:r>
+                        <a:rPr lang="en-US" sz="1000" kern="0">
+                          <a:effectLst/>
+                        </a:rPr>
+                        <a:t>8</a:t>
+                      </a:r>
+                      <a:endParaRPr lang="zh-CN" sz="1000" kern="100">
+                        <a:effectLst/>
+                        <a:latin typeface="等线" panose="02010600030101010101" pitchFamily="2" charset="-122"/>
+                        <a:ea typeface="等线" panose="02010600030101010101" pitchFamily="2" charset="-122"/>
+                        <a:cs typeface="Times New Roman" panose="02020603050405020304" pitchFamily="18" charset="0"/>
+                      </a:endParaRPr>
+                    </a:p>
+                  </a:txBody>
+                  <a:tcPr marL="38993" marR="38993" marT="0" marB="0"/>
+                </a:tc>
+                <a:tc>
+                  <a:txBody>
+                    <a:bodyPr/>
+                    <a:lstStyle/>
+                    <a:p>
+                      <a:pPr algn="just" fontAlgn="t"/>
+                      <a:r>
+                        <a:rPr lang="en-US" sz="1000" kern="0">
+                          <a:effectLst/>
+                        </a:rPr>
+                        <a:t>4.73%</a:t>
+                      </a:r>
+                      <a:endParaRPr lang="zh-CN" sz="1000" kern="100">
+                        <a:effectLst/>
+                        <a:latin typeface="等线" panose="02010600030101010101" pitchFamily="2" charset="-122"/>
+                        <a:ea typeface="等线" panose="02010600030101010101" pitchFamily="2" charset="-122"/>
+                        <a:cs typeface="Times New Roman" panose="02020603050405020304" pitchFamily="18" charset="0"/>
+                      </a:endParaRPr>
+                    </a:p>
+                  </a:txBody>
+                  <a:tcPr marL="38993" marR="38993" marT="0" marB="0"/>
+                </a:tc>
+                <a:tc>
+                  <a:txBody>
+                    <a:bodyPr/>
+                    <a:lstStyle/>
+                    <a:p>
+                      <a:pPr algn="just" fontAlgn="t"/>
+                      <a:r>
+                        <a:rPr lang="en-US" sz="1000" kern="0">
+                          <a:effectLst/>
+                        </a:rPr>
+                        <a:t>0.6634 </a:t>
+                      </a:r>
+                      <a:endParaRPr lang="zh-CN" sz="1000" kern="100">
+                        <a:effectLst/>
+                        <a:latin typeface="等线" panose="02010600030101010101" pitchFamily="2" charset="-122"/>
+                        <a:ea typeface="等线" panose="02010600030101010101" pitchFamily="2" charset="-122"/>
+                        <a:cs typeface="Times New Roman" panose="02020603050405020304" pitchFamily="18" charset="0"/>
+                      </a:endParaRPr>
+                    </a:p>
+                  </a:txBody>
+                  <a:tcPr marL="38993" marR="38993" marT="0" marB="0"/>
+                </a:tc>
+                <a:extLst>
+                  <a:ext uri="{0D108BD9-81ED-4DB2-BD59-A6C34878D82A}">
+                    <a16:rowId xmlns:a16="http://schemas.microsoft.com/office/drawing/2014/main" val="2297985027"/>
+                  </a:ext>
+                </a:extLst>
+              </a:tr>
+              <a:tr h="313034">
+                <a:tc>
+                  <a:txBody>
+                    <a:bodyPr/>
+                    <a:lstStyle/>
+                    <a:p>
+                      <a:pPr algn="just" fontAlgn="t"/>
+                      <a:r>
+                        <a:rPr lang="zh-CN" sz="1000" kern="0">
+                          <a:effectLst/>
+                        </a:rPr>
+                        <a:t>使用资料上传</a:t>
+                      </a:r>
+                      <a:endParaRPr lang="zh-CN" sz="1000" kern="100">
+                        <a:effectLst/>
+                        <a:latin typeface="等线" panose="02010600030101010101" pitchFamily="2" charset="-122"/>
+                        <a:ea typeface="等线" panose="02010600030101010101" pitchFamily="2" charset="-122"/>
+                        <a:cs typeface="Times New Roman" panose="02020603050405020304" pitchFamily="18" charset="0"/>
+                      </a:endParaRPr>
+                    </a:p>
+                  </a:txBody>
+                  <a:tcPr marL="38993" marR="38993" marT="0" marB="0"/>
+                </a:tc>
+                <a:tc>
+                  <a:txBody>
+                    <a:bodyPr/>
+                    <a:lstStyle/>
+                    <a:p>
+                      <a:pPr algn="just" fontAlgn="t"/>
+                      <a:r>
+                        <a:rPr lang="en-US" sz="1000" kern="0">
+                          <a:effectLst/>
+                        </a:rPr>
+                        <a:t>5</a:t>
+                      </a:r>
+                      <a:endParaRPr lang="zh-CN" sz="1000" kern="100">
+                        <a:effectLst/>
+                        <a:latin typeface="等线" panose="02010600030101010101" pitchFamily="2" charset="-122"/>
+                        <a:ea typeface="等线" panose="02010600030101010101" pitchFamily="2" charset="-122"/>
+                        <a:cs typeface="Times New Roman" panose="02020603050405020304" pitchFamily="18" charset="0"/>
+                      </a:endParaRPr>
+                    </a:p>
+                  </a:txBody>
+                  <a:tcPr marL="38993" marR="38993" marT="0" marB="0"/>
+                </a:tc>
+                <a:tc>
+                  <a:txBody>
+                    <a:bodyPr/>
+                    <a:lstStyle/>
+                    <a:p>
+                      <a:pPr algn="just" fontAlgn="t"/>
+                      <a:r>
+                        <a:rPr lang="en-US" sz="1000" kern="0">
+                          <a:effectLst/>
+                        </a:rPr>
+                        <a:t>4</a:t>
+                      </a:r>
+                      <a:endParaRPr lang="zh-CN" sz="1000" kern="100">
+                        <a:effectLst/>
+                        <a:latin typeface="等线" panose="02010600030101010101" pitchFamily="2" charset="-122"/>
+                        <a:ea typeface="等线" panose="02010600030101010101" pitchFamily="2" charset="-122"/>
+                        <a:cs typeface="Times New Roman" panose="02020603050405020304" pitchFamily="18" charset="0"/>
+                      </a:endParaRPr>
+                    </a:p>
+                  </a:txBody>
+                  <a:tcPr marL="38993" marR="38993" marT="0" marB="0"/>
+                </a:tc>
+                <a:tc>
+                  <a:txBody>
+                    <a:bodyPr/>
+                    <a:lstStyle/>
+                    <a:p>
+                      <a:pPr algn="just" fontAlgn="t"/>
+                      <a:r>
+                        <a:rPr lang="en-US" sz="1000" kern="0">
+                          <a:effectLst/>
+                        </a:rPr>
+                        <a:t>9</a:t>
+                      </a:r>
+                      <a:endParaRPr lang="zh-CN" sz="1000" kern="100">
+                        <a:effectLst/>
+                        <a:latin typeface="等线" panose="02010600030101010101" pitchFamily="2" charset="-122"/>
+                        <a:ea typeface="等线" panose="02010600030101010101" pitchFamily="2" charset="-122"/>
+                        <a:cs typeface="Times New Roman" panose="02020603050405020304" pitchFamily="18" charset="0"/>
+                      </a:endParaRPr>
+                    </a:p>
+                  </a:txBody>
+                  <a:tcPr marL="38993" marR="38993" marT="0" marB="0"/>
+                </a:tc>
+                <a:tc>
+                  <a:txBody>
+                    <a:bodyPr/>
+                    <a:lstStyle/>
+                    <a:p>
+                      <a:pPr algn="just" fontAlgn="t"/>
+                      <a:r>
+                        <a:rPr lang="en-US" sz="1000" kern="0">
+                          <a:effectLst/>
+                        </a:rPr>
+                        <a:t>3.54%</a:t>
+                      </a:r>
+                      <a:endParaRPr lang="zh-CN" sz="1000" kern="100">
+                        <a:effectLst/>
+                        <a:latin typeface="等线" panose="02010600030101010101" pitchFamily="2" charset="-122"/>
+                        <a:ea typeface="等线" panose="02010600030101010101" pitchFamily="2" charset="-122"/>
+                        <a:cs typeface="Times New Roman" panose="02020603050405020304" pitchFamily="18" charset="0"/>
+                      </a:endParaRPr>
+                    </a:p>
+                  </a:txBody>
+                  <a:tcPr marL="38993" marR="38993" marT="0" marB="0"/>
+                </a:tc>
+                <a:tc>
+                  <a:txBody>
+                    <a:bodyPr/>
+                    <a:lstStyle/>
+                    <a:p>
+                      <a:pPr algn="just" fontAlgn="t"/>
+                      <a:r>
+                        <a:rPr lang="en-US" sz="1000" kern="0">
+                          <a:effectLst/>
+                        </a:rPr>
+                        <a:t>5</a:t>
+                      </a:r>
+                      <a:endParaRPr lang="zh-CN" sz="1000" kern="100">
+                        <a:effectLst/>
+                        <a:latin typeface="等线" panose="02010600030101010101" pitchFamily="2" charset="-122"/>
+                        <a:ea typeface="等线" panose="02010600030101010101" pitchFamily="2" charset="-122"/>
+                        <a:cs typeface="Times New Roman" panose="02020603050405020304" pitchFamily="18" charset="0"/>
+                      </a:endParaRPr>
+                    </a:p>
+                  </a:txBody>
+                  <a:tcPr marL="38993" marR="38993" marT="0" marB="0"/>
+                </a:tc>
+                <a:tc>
+                  <a:txBody>
+                    <a:bodyPr/>
+                    <a:lstStyle/>
+                    <a:p>
+                      <a:pPr algn="just" fontAlgn="t"/>
+                      <a:r>
+                        <a:rPr lang="en-US" sz="1000" kern="0">
+                          <a:effectLst/>
+                        </a:rPr>
+                        <a:t>3.40%</a:t>
+                      </a:r>
+                      <a:endParaRPr lang="zh-CN" sz="1000" kern="100">
+                        <a:effectLst/>
+                        <a:latin typeface="等线" panose="02010600030101010101" pitchFamily="2" charset="-122"/>
+                        <a:ea typeface="等线" panose="02010600030101010101" pitchFamily="2" charset="-122"/>
+                        <a:cs typeface="Times New Roman" panose="02020603050405020304" pitchFamily="18" charset="0"/>
+                      </a:endParaRPr>
+                    </a:p>
+                  </a:txBody>
+                  <a:tcPr marL="38993" marR="38993" marT="0" marB="0"/>
+                </a:tc>
+                <a:tc>
+                  <a:txBody>
+                    <a:bodyPr/>
+                    <a:lstStyle/>
+                    <a:p>
+                      <a:pPr algn="just" fontAlgn="t"/>
+                      <a:r>
+                        <a:rPr lang="en-US" sz="1000" kern="0">
+                          <a:effectLst/>
+                        </a:rPr>
+                        <a:t>7</a:t>
+                      </a:r>
+                      <a:endParaRPr lang="zh-CN" sz="1000" kern="100">
+                        <a:effectLst/>
+                        <a:latin typeface="等线" panose="02010600030101010101" pitchFamily="2" charset="-122"/>
+                        <a:ea typeface="等线" panose="02010600030101010101" pitchFamily="2" charset="-122"/>
+                        <a:cs typeface="Times New Roman" panose="02020603050405020304" pitchFamily="18" charset="0"/>
+                      </a:endParaRPr>
+                    </a:p>
+                  </a:txBody>
+                  <a:tcPr marL="38993" marR="38993" marT="0" marB="0"/>
+                </a:tc>
+                <a:tc>
+                  <a:txBody>
+                    <a:bodyPr/>
+                    <a:lstStyle/>
+                    <a:p>
+                      <a:pPr algn="just" fontAlgn="t"/>
+                      <a:r>
+                        <a:rPr lang="en-US" sz="1000" kern="0">
+                          <a:effectLst/>
+                        </a:rPr>
+                        <a:t>4.14%</a:t>
+                      </a:r>
+                      <a:endParaRPr lang="zh-CN" sz="1000" kern="100">
+                        <a:effectLst/>
+                        <a:latin typeface="等线" panose="02010600030101010101" pitchFamily="2" charset="-122"/>
+                        <a:ea typeface="等线" panose="02010600030101010101" pitchFamily="2" charset="-122"/>
+                        <a:cs typeface="Times New Roman" panose="02020603050405020304" pitchFamily="18" charset="0"/>
+                      </a:endParaRPr>
+                    </a:p>
+                  </a:txBody>
+                  <a:tcPr marL="38993" marR="38993" marT="0" marB="0"/>
+                </a:tc>
+                <a:tc>
+                  <a:txBody>
+                    <a:bodyPr/>
+                    <a:lstStyle/>
+                    <a:p>
+                      <a:pPr algn="just" fontAlgn="t"/>
+                      <a:r>
+                        <a:rPr lang="en-US" sz="1000" kern="0" dirty="0">
+                          <a:effectLst/>
+                        </a:rPr>
+                        <a:t>0.4697 </a:t>
+                      </a:r>
+                      <a:endParaRPr lang="zh-CN" sz="1000" kern="100" dirty="0">
+                        <a:effectLst/>
+                        <a:latin typeface="等线" panose="02010600030101010101" pitchFamily="2" charset="-122"/>
+                        <a:ea typeface="等线" panose="02010600030101010101" pitchFamily="2" charset="-122"/>
+                        <a:cs typeface="Times New Roman" panose="02020603050405020304" pitchFamily="18" charset="0"/>
+                      </a:endParaRPr>
+                    </a:p>
+                  </a:txBody>
+                  <a:tcPr marL="38993" marR="38993" marT="0" marB="0"/>
+                </a:tc>
+                <a:extLst>
+                  <a:ext uri="{0D108BD9-81ED-4DB2-BD59-A6C34878D82A}">
+                    <a16:rowId xmlns:a16="http://schemas.microsoft.com/office/drawing/2014/main" val="3100179092"/>
+                  </a:ext>
+                </a:extLst>
+              </a:tr>
+              <a:tr h="306270">
+                <a:tc>
+                  <a:txBody>
+                    <a:bodyPr/>
+                    <a:lstStyle/>
+                    <a:p>
+                      <a:pPr algn="just" fontAlgn="t"/>
+                      <a:r>
+                        <a:rPr lang="zh-CN" sz="1000" kern="0">
+                          <a:effectLst/>
+                        </a:rPr>
+                        <a:t>使用资料下载</a:t>
+                      </a:r>
+                      <a:endParaRPr lang="zh-CN" sz="1000" kern="100">
+                        <a:effectLst/>
+                        <a:latin typeface="等线" panose="02010600030101010101" pitchFamily="2" charset="-122"/>
+                        <a:ea typeface="等线" panose="02010600030101010101" pitchFamily="2" charset="-122"/>
+                        <a:cs typeface="Times New Roman" panose="02020603050405020304" pitchFamily="18" charset="0"/>
+                      </a:endParaRPr>
+                    </a:p>
+                  </a:txBody>
+                  <a:tcPr marL="38993" marR="38993" marT="0" marB="0"/>
+                </a:tc>
+                <a:tc>
+                  <a:txBody>
+                    <a:bodyPr/>
+                    <a:lstStyle/>
+                    <a:p>
+                      <a:pPr algn="just" fontAlgn="t"/>
+                      <a:r>
+                        <a:rPr lang="en-US" sz="1000" kern="0">
+                          <a:effectLst/>
+                        </a:rPr>
+                        <a:t>6</a:t>
+                      </a:r>
+                      <a:endParaRPr lang="zh-CN" sz="1000" kern="100">
+                        <a:effectLst/>
+                        <a:latin typeface="等线" panose="02010600030101010101" pitchFamily="2" charset="-122"/>
+                        <a:ea typeface="等线" panose="02010600030101010101" pitchFamily="2" charset="-122"/>
+                        <a:cs typeface="Times New Roman" panose="02020603050405020304" pitchFamily="18" charset="0"/>
+                      </a:endParaRPr>
+                    </a:p>
+                  </a:txBody>
+                  <a:tcPr marL="38993" marR="38993" marT="0" marB="0"/>
+                </a:tc>
+                <a:tc>
+                  <a:txBody>
+                    <a:bodyPr/>
+                    <a:lstStyle/>
+                    <a:p>
+                      <a:pPr algn="just" fontAlgn="t"/>
+                      <a:r>
+                        <a:rPr lang="en-US" sz="1000" kern="0">
+                          <a:effectLst/>
+                        </a:rPr>
+                        <a:t>5</a:t>
+                      </a:r>
+                      <a:endParaRPr lang="zh-CN" sz="1000" kern="100">
+                        <a:effectLst/>
+                        <a:latin typeface="等线" panose="02010600030101010101" pitchFamily="2" charset="-122"/>
+                        <a:ea typeface="等线" panose="02010600030101010101" pitchFamily="2" charset="-122"/>
+                        <a:cs typeface="Times New Roman" panose="02020603050405020304" pitchFamily="18" charset="0"/>
+                      </a:endParaRPr>
+                    </a:p>
+                  </a:txBody>
+                  <a:tcPr marL="38993" marR="38993" marT="0" marB="0"/>
+                </a:tc>
+                <a:tc>
+                  <a:txBody>
+                    <a:bodyPr/>
+                    <a:lstStyle/>
+                    <a:p>
+                      <a:pPr algn="just" fontAlgn="t"/>
+                      <a:r>
+                        <a:rPr lang="en-US" sz="1000" kern="0">
+                          <a:effectLst/>
+                        </a:rPr>
+                        <a:t>11</a:t>
+                      </a:r>
+                      <a:endParaRPr lang="zh-CN" sz="1000" kern="100">
+                        <a:effectLst/>
+                        <a:latin typeface="等线" panose="02010600030101010101" pitchFamily="2" charset="-122"/>
+                        <a:ea typeface="等线" panose="02010600030101010101" pitchFamily="2" charset="-122"/>
+                        <a:cs typeface="Times New Roman" panose="02020603050405020304" pitchFamily="18" charset="0"/>
+                      </a:endParaRPr>
+                    </a:p>
+                  </a:txBody>
+                  <a:tcPr marL="38993" marR="38993" marT="0" marB="0"/>
+                </a:tc>
+                <a:tc>
+                  <a:txBody>
+                    <a:bodyPr/>
+                    <a:lstStyle/>
+                    <a:p>
+                      <a:pPr algn="just" fontAlgn="t"/>
+                      <a:r>
+                        <a:rPr lang="en-US" sz="1000" kern="0">
+                          <a:effectLst/>
+                        </a:rPr>
+                        <a:t>4.33%</a:t>
+                      </a:r>
+                      <a:endParaRPr lang="zh-CN" sz="1000" kern="100">
+                        <a:effectLst/>
+                        <a:latin typeface="等线" panose="02010600030101010101" pitchFamily="2" charset="-122"/>
+                        <a:ea typeface="等线" panose="02010600030101010101" pitchFamily="2" charset="-122"/>
+                        <a:cs typeface="Times New Roman" panose="02020603050405020304" pitchFamily="18" charset="0"/>
+                      </a:endParaRPr>
+                    </a:p>
+                  </a:txBody>
+                  <a:tcPr marL="38993" marR="38993" marT="0" marB="0"/>
+                </a:tc>
+                <a:tc>
+                  <a:txBody>
+                    <a:bodyPr/>
+                    <a:lstStyle/>
+                    <a:p>
+                      <a:pPr algn="just" fontAlgn="t"/>
+                      <a:r>
+                        <a:rPr lang="en-US" sz="1000" kern="0">
+                          <a:effectLst/>
+                        </a:rPr>
+                        <a:t>7</a:t>
+                      </a:r>
+                      <a:endParaRPr lang="zh-CN" sz="1000" kern="100">
+                        <a:effectLst/>
+                        <a:latin typeface="等线" panose="02010600030101010101" pitchFamily="2" charset="-122"/>
+                        <a:ea typeface="等线" panose="02010600030101010101" pitchFamily="2" charset="-122"/>
+                        <a:cs typeface="Times New Roman" panose="02020603050405020304" pitchFamily="18" charset="0"/>
+                      </a:endParaRPr>
+                    </a:p>
+                  </a:txBody>
+                  <a:tcPr marL="38993" marR="38993" marT="0" marB="0"/>
+                </a:tc>
+                <a:tc>
+                  <a:txBody>
+                    <a:bodyPr/>
+                    <a:lstStyle/>
+                    <a:p>
+                      <a:pPr algn="just" fontAlgn="t"/>
+                      <a:r>
+                        <a:rPr lang="en-US" sz="1000" kern="0">
+                          <a:effectLst/>
+                        </a:rPr>
+                        <a:t>4.76%</a:t>
+                      </a:r>
+                      <a:endParaRPr lang="zh-CN" sz="1000" kern="100">
+                        <a:effectLst/>
+                        <a:latin typeface="等线" panose="02010600030101010101" pitchFamily="2" charset="-122"/>
+                        <a:ea typeface="等线" panose="02010600030101010101" pitchFamily="2" charset="-122"/>
+                        <a:cs typeface="Times New Roman" panose="02020603050405020304" pitchFamily="18" charset="0"/>
+                      </a:endParaRPr>
+                    </a:p>
+                  </a:txBody>
+                  <a:tcPr marL="38993" marR="38993" marT="0" marB="0"/>
+                </a:tc>
+                <a:tc>
+                  <a:txBody>
+                    <a:bodyPr/>
+                    <a:lstStyle/>
+                    <a:p>
+                      <a:pPr algn="just" fontAlgn="t"/>
+                      <a:r>
+                        <a:rPr lang="en-US" sz="1000" kern="0">
+                          <a:effectLst/>
+                        </a:rPr>
+                        <a:t>7</a:t>
+                      </a:r>
+                      <a:endParaRPr lang="zh-CN" sz="1000" kern="100">
+                        <a:effectLst/>
+                        <a:latin typeface="等线" panose="02010600030101010101" pitchFamily="2" charset="-122"/>
+                        <a:ea typeface="等线" panose="02010600030101010101" pitchFamily="2" charset="-122"/>
+                        <a:cs typeface="Times New Roman" panose="02020603050405020304" pitchFamily="18" charset="0"/>
+                      </a:endParaRPr>
+                    </a:p>
+                  </a:txBody>
+                  <a:tcPr marL="38993" marR="38993" marT="0" marB="0"/>
+                </a:tc>
+                <a:tc>
+                  <a:txBody>
+                    <a:bodyPr/>
+                    <a:lstStyle/>
+                    <a:p>
+                      <a:pPr algn="just" fontAlgn="t"/>
+                      <a:r>
+                        <a:rPr lang="en-US" sz="1000" kern="0">
+                          <a:effectLst/>
+                        </a:rPr>
+                        <a:t>4.14%</a:t>
+                      </a:r>
+                      <a:endParaRPr lang="zh-CN" sz="1000" kern="100">
+                        <a:effectLst/>
+                        <a:latin typeface="等线" panose="02010600030101010101" pitchFamily="2" charset="-122"/>
+                        <a:ea typeface="等线" panose="02010600030101010101" pitchFamily="2" charset="-122"/>
+                        <a:cs typeface="Times New Roman" panose="02020603050405020304" pitchFamily="18" charset="0"/>
+                      </a:endParaRPr>
+                    </a:p>
+                  </a:txBody>
+                  <a:tcPr marL="38993" marR="38993" marT="0" marB="0"/>
+                </a:tc>
+                <a:tc>
+                  <a:txBody>
+                    <a:bodyPr/>
+                    <a:lstStyle/>
+                    <a:p>
+                      <a:pPr algn="just" fontAlgn="t"/>
+                      <a:r>
+                        <a:rPr lang="en-US" sz="1000" kern="0">
+                          <a:effectLst/>
+                        </a:rPr>
+                        <a:t>0.4864 </a:t>
+                      </a:r>
+                      <a:endParaRPr lang="zh-CN" sz="1000" kern="100">
+                        <a:effectLst/>
+                        <a:latin typeface="等线" panose="02010600030101010101" pitchFamily="2" charset="-122"/>
+                        <a:ea typeface="等线" panose="02010600030101010101" pitchFamily="2" charset="-122"/>
+                        <a:cs typeface="Times New Roman" panose="02020603050405020304" pitchFamily="18" charset="0"/>
+                      </a:endParaRPr>
+                    </a:p>
+                  </a:txBody>
+                  <a:tcPr marL="38993" marR="38993" marT="0" marB="0"/>
+                </a:tc>
+                <a:extLst>
+                  <a:ext uri="{0D108BD9-81ED-4DB2-BD59-A6C34878D82A}">
+                    <a16:rowId xmlns:a16="http://schemas.microsoft.com/office/drawing/2014/main" val="1358722271"/>
+                  </a:ext>
+                </a:extLst>
+              </a:tr>
+              <a:tr h="306270">
+                <a:tc>
+                  <a:txBody>
+                    <a:bodyPr/>
+                    <a:lstStyle/>
+                    <a:p>
+                      <a:pPr algn="just" fontAlgn="t"/>
+                      <a:r>
+                        <a:rPr lang="zh-CN" sz="1000" kern="0">
+                          <a:effectLst/>
+                        </a:rPr>
+                        <a:t>登陆</a:t>
+                      </a:r>
+                      <a:endParaRPr lang="zh-CN" sz="1000" kern="100">
+                        <a:effectLst/>
+                        <a:latin typeface="等线" panose="02010600030101010101" pitchFamily="2" charset="-122"/>
+                        <a:ea typeface="等线" panose="02010600030101010101" pitchFamily="2" charset="-122"/>
+                        <a:cs typeface="Times New Roman" panose="02020603050405020304" pitchFamily="18" charset="0"/>
+                      </a:endParaRPr>
+                    </a:p>
+                  </a:txBody>
+                  <a:tcPr marL="38993" marR="38993" marT="0" marB="0"/>
+                </a:tc>
+                <a:tc>
+                  <a:txBody>
+                    <a:bodyPr/>
+                    <a:lstStyle/>
+                    <a:p>
+                      <a:pPr algn="just" fontAlgn="t"/>
+                      <a:r>
+                        <a:rPr lang="en-US" sz="1000" kern="0">
+                          <a:effectLst/>
+                        </a:rPr>
+                        <a:t>4</a:t>
+                      </a:r>
+                      <a:endParaRPr lang="zh-CN" sz="1000" kern="100">
+                        <a:effectLst/>
+                        <a:latin typeface="等线" panose="02010600030101010101" pitchFamily="2" charset="-122"/>
+                        <a:ea typeface="等线" panose="02010600030101010101" pitchFamily="2" charset="-122"/>
+                        <a:cs typeface="Times New Roman" panose="02020603050405020304" pitchFamily="18" charset="0"/>
+                      </a:endParaRPr>
+                    </a:p>
+                  </a:txBody>
+                  <a:tcPr marL="38993" marR="38993" marT="0" marB="0"/>
+                </a:tc>
+                <a:tc>
+                  <a:txBody>
+                    <a:bodyPr/>
+                    <a:lstStyle/>
+                    <a:p>
+                      <a:pPr algn="just" fontAlgn="t"/>
+                      <a:r>
+                        <a:rPr lang="en-US" sz="1000" kern="0">
+                          <a:effectLst/>
+                        </a:rPr>
+                        <a:t>5</a:t>
+                      </a:r>
+                      <a:endParaRPr lang="zh-CN" sz="1000" kern="100">
+                        <a:effectLst/>
+                        <a:latin typeface="等线" panose="02010600030101010101" pitchFamily="2" charset="-122"/>
+                        <a:ea typeface="等线" panose="02010600030101010101" pitchFamily="2" charset="-122"/>
+                        <a:cs typeface="Times New Roman" panose="02020603050405020304" pitchFamily="18" charset="0"/>
+                      </a:endParaRPr>
+                    </a:p>
+                  </a:txBody>
+                  <a:tcPr marL="38993" marR="38993" marT="0" marB="0"/>
+                </a:tc>
+                <a:tc>
+                  <a:txBody>
+                    <a:bodyPr/>
+                    <a:lstStyle/>
+                    <a:p>
+                      <a:pPr algn="just" fontAlgn="t"/>
+                      <a:r>
+                        <a:rPr lang="en-US" sz="1000" kern="0">
+                          <a:effectLst/>
+                        </a:rPr>
+                        <a:t>9</a:t>
+                      </a:r>
+                      <a:endParaRPr lang="zh-CN" sz="1000" kern="100">
+                        <a:effectLst/>
+                        <a:latin typeface="等线" panose="02010600030101010101" pitchFamily="2" charset="-122"/>
+                        <a:ea typeface="等线" panose="02010600030101010101" pitchFamily="2" charset="-122"/>
+                        <a:cs typeface="Times New Roman" panose="02020603050405020304" pitchFamily="18" charset="0"/>
+                      </a:endParaRPr>
+                    </a:p>
+                  </a:txBody>
+                  <a:tcPr marL="38993" marR="38993" marT="0" marB="0"/>
+                </a:tc>
+                <a:tc>
+                  <a:txBody>
+                    <a:bodyPr/>
+                    <a:lstStyle/>
+                    <a:p>
+                      <a:pPr algn="just" fontAlgn="t"/>
+                      <a:r>
+                        <a:rPr lang="en-US" sz="1000" kern="0">
+                          <a:effectLst/>
+                        </a:rPr>
+                        <a:t>3.54%</a:t>
+                      </a:r>
+                      <a:endParaRPr lang="zh-CN" sz="1000" kern="100">
+                        <a:effectLst/>
+                        <a:latin typeface="等线" panose="02010600030101010101" pitchFamily="2" charset="-122"/>
+                        <a:ea typeface="等线" panose="02010600030101010101" pitchFamily="2" charset="-122"/>
+                        <a:cs typeface="Times New Roman" panose="02020603050405020304" pitchFamily="18" charset="0"/>
+                      </a:endParaRPr>
+                    </a:p>
+                  </a:txBody>
+                  <a:tcPr marL="38993" marR="38993" marT="0" marB="0"/>
+                </a:tc>
+                <a:tc>
+                  <a:txBody>
+                    <a:bodyPr/>
+                    <a:lstStyle/>
+                    <a:p>
+                      <a:pPr algn="just" fontAlgn="t"/>
+                      <a:r>
+                        <a:rPr lang="en-US" sz="1000" kern="0">
+                          <a:effectLst/>
+                        </a:rPr>
+                        <a:t>6</a:t>
+                      </a:r>
+                      <a:endParaRPr lang="zh-CN" sz="1000" kern="100">
+                        <a:effectLst/>
+                        <a:latin typeface="等线" panose="02010600030101010101" pitchFamily="2" charset="-122"/>
+                        <a:ea typeface="等线" panose="02010600030101010101" pitchFamily="2" charset="-122"/>
+                        <a:cs typeface="Times New Roman" panose="02020603050405020304" pitchFamily="18" charset="0"/>
+                      </a:endParaRPr>
+                    </a:p>
+                  </a:txBody>
+                  <a:tcPr marL="38993" marR="38993" marT="0" marB="0"/>
+                </a:tc>
+                <a:tc>
+                  <a:txBody>
+                    <a:bodyPr/>
+                    <a:lstStyle/>
+                    <a:p>
+                      <a:pPr algn="just" fontAlgn="t"/>
+                      <a:r>
+                        <a:rPr lang="en-US" sz="1000" kern="0">
+                          <a:effectLst/>
+                        </a:rPr>
+                        <a:t>4.08%</a:t>
+                      </a:r>
+                      <a:endParaRPr lang="zh-CN" sz="1000" kern="100">
+                        <a:effectLst/>
+                        <a:latin typeface="等线" panose="02010600030101010101" pitchFamily="2" charset="-122"/>
+                        <a:ea typeface="等线" panose="02010600030101010101" pitchFamily="2" charset="-122"/>
+                        <a:cs typeface="Times New Roman" panose="02020603050405020304" pitchFamily="18" charset="0"/>
+                      </a:endParaRPr>
+                    </a:p>
+                  </a:txBody>
+                  <a:tcPr marL="38993" marR="38993" marT="0" marB="0"/>
+                </a:tc>
+                <a:tc>
+                  <a:txBody>
+                    <a:bodyPr/>
+                    <a:lstStyle/>
+                    <a:p>
+                      <a:pPr algn="just" fontAlgn="t"/>
+                      <a:r>
+                        <a:rPr lang="en-US" sz="1000" kern="0">
+                          <a:effectLst/>
+                        </a:rPr>
+                        <a:t>5</a:t>
+                      </a:r>
+                      <a:endParaRPr lang="zh-CN" sz="1000" kern="100">
+                        <a:effectLst/>
+                        <a:latin typeface="等线" panose="02010600030101010101" pitchFamily="2" charset="-122"/>
+                        <a:ea typeface="等线" panose="02010600030101010101" pitchFamily="2" charset="-122"/>
+                        <a:cs typeface="Times New Roman" panose="02020603050405020304" pitchFamily="18" charset="0"/>
+                      </a:endParaRPr>
+                    </a:p>
+                  </a:txBody>
+                  <a:tcPr marL="38993" marR="38993" marT="0" marB="0"/>
+                </a:tc>
+                <a:tc>
+                  <a:txBody>
+                    <a:bodyPr/>
+                    <a:lstStyle/>
+                    <a:p>
+                      <a:pPr algn="just" fontAlgn="t"/>
+                      <a:r>
+                        <a:rPr lang="en-US" sz="1000" kern="0">
+                          <a:effectLst/>
+                        </a:rPr>
+                        <a:t>2.96%</a:t>
+                      </a:r>
+                      <a:endParaRPr lang="zh-CN" sz="1000" kern="100">
+                        <a:effectLst/>
+                        <a:latin typeface="等线" panose="02010600030101010101" pitchFamily="2" charset="-122"/>
+                        <a:ea typeface="等线" panose="02010600030101010101" pitchFamily="2" charset="-122"/>
+                        <a:cs typeface="Times New Roman" panose="02020603050405020304" pitchFamily="18" charset="0"/>
+                      </a:endParaRPr>
+                    </a:p>
+                  </a:txBody>
+                  <a:tcPr marL="38993" marR="38993" marT="0" marB="0"/>
+                </a:tc>
+                <a:tc>
+                  <a:txBody>
+                    <a:bodyPr/>
+                    <a:lstStyle/>
+                    <a:p>
+                      <a:pPr algn="just" fontAlgn="t"/>
+                      <a:r>
+                        <a:rPr lang="en-US" sz="1000" kern="0" dirty="0">
+                          <a:effectLst/>
+                        </a:rPr>
+                        <a:t>0.5033 </a:t>
+                      </a:r>
+                      <a:endParaRPr lang="zh-CN" sz="1000" kern="100" dirty="0">
+                        <a:effectLst/>
+                        <a:latin typeface="等线" panose="02010600030101010101" pitchFamily="2" charset="-122"/>
+                        <a:ea typeface="等线" panose="02010600030101010101" pitchFamily="2" charset="-122"/>
+                        <a:cs typeface="Times New Roman" panose="02020603050405020304" pitchFamily="18" charset="0"/>
+                      </a:endParaRPr>
+                    </a:p>
+                  </a:txBody>
+                  <a:tcPr marL="38993" marR="38993" marT="0" marB="0"/>
+                </a:tc>
+                <a:extLst>
+                  <a:ext uri="{0D108BD9-81ED-4DB2-BD59-A6C34878D82A}">
+                    <a16:rowId xmlns:a16="http://schemas.microsoft.com/office/drawing/2014/main" val="2241230243"/>
+                  </a:ext>
+                </a:extLst>
+              </a:tr>
+              <a:tr h="306270">
+                <a:tc>
+                  <a:txBody>
+                    <a:bodyPr/>
+                    <a:lstStyle/>
+                    <a:p>
+                      <a:pPr algn="just" fontAlgn="t"/>
+                      <a:r>
+                        <a:rPr lang="zh-CN" sz="1000" kern="0">
+                          <a:effectLst/>
+                        </a:rPr>
+                        <a:t>注册</a:t>
+                      </a:r>
+                      <a:endParaRPr lang="zh-CN" sz="1000" kern="100">
+                        <a:effectLst/>
+                        <a:latin typeface="等线" panose="02010600030101010101" pitchFamily="2" charset="-122"/>
+                        <a:ea typeface="等线" panose="02010600030101010101" pitchFamily="2" charset="-122"/>
+                        <a:cs typeface="Times New Roman" panose="02020603050405020304" pitchFamily="18" charset="0"/>
+                      </a:endParaRPr>
+                    </a:p>
+                  </a:txBody>
+                  <a:tcPr marL="38993" marR="38993" marT="0" marB="0"/>
+                </a:tc>
+                <a:tc>
+                  <a:txBody>
+                    <a:bodyPr/>
+                    <a:lstStyle/>
+                    <a:p>
+                      <a:pPr algn="just" fontAlgn="t"/>
+                      <a:r>
+                        <a:rPr lang="en-US" sz="1000" kern="0">
+                          <a:effectLst/>
+                        </a:rPr>
+                        <a:t>4</a:t>
+                      </a:r>
+                      <a:endParaRPr lang="zh-CN" sz="1000" kern="100">
+                        <a:effectLst/>
+                        <a:latin typeface="等线" panose="02010600030101010101" pitchFamily="2" charset="-122"/>
+                        <a:ea typeface="等线" panose="02010600030101010101" pitchFamily="2" charset="-122"/>
+                        <a:cs typeface="Times New Roman" panose="02020603050405020304" pitchFamily="18" charset="0"/>
+                      </a:endParaRPr>
+                    </a:p>
+                  </a:txBody>
+                  <a:tcPr marL="38993" marR="38993" marT="0" marB="0"/>
+                </a:tc>
+                <a:tc>
+                  <a:txBody>
+                    <a:bodyPr/>
+                    <a:lstStyle/>
+                    <a:p>
+                      <a:pPr algn="just" fontAlgn="t"/>
+                      <a:r>
+                        <a:rPr lang="en-US" sz="1000" kern="0">
+                          <a:effectLst/>
+                        </a:rPr>
+                        <a:t>4</a:t>
+                      </a:r>
+                      <a:endParaRPr lang="zh-CN" sz="1000" kern="100">
+                        <a:effectLst/>
+                        <a:latin typeface="等线" panose="02010600030101010101" pitchFamily="2" charset="-122"/>
+                        <a:ea typeface="等线" panose="02010600030101010101" pitchFamily="2" charset="-122"/>
+                        <a:cs typeface="Times New Roman" panose="02020603050405020304" pitchFamily="18" charset="0"/>
+                      </a:endParaRPr>
+                    </a:p>
+                  </a:txBody>
+                  <a:tcPr marL="38993" marR="38993" marT="0" marB="0"/>
+                </a:tc>
+                <a:tc>
+                  <a:txBody>
+                    <a:bodyPr/>
+                    <a:lstStyle/>
+                    <a:p>
+                      <a:pPr algn="just" fontAlgn="t"/>
+                      <a:r>
+                        <a:rPr lang="en-US" sz="1000" kern="0">
+                          <a:effectLst/>
+                        </a:rPr>
+                        <a:t>8</a:t>
+                      </a:r>
+                      <a:endParaRPr lang="zh-CN" sz="1000" kern="100">
+                        <a:effectLst/>
+                        <a:latin typeface="等线" panose="02010600030101010101" pitchFamily="2" charset="-122"/>
+                        <a:ea typeface="等线" panose="02010600030101010101" pitchFamily="2" charset="-122"/>
+                        <a:cs typeface="Times New Roman" panose="02020603050405020304" pitchFamily="18" charset="0"/>
+                      </a:endParaRPr>
+                    </a:p>
+                  </a:txBody>
+                  <a:tcPr marL="38993" marR="38993" marT="0" marB="0"/>
+                </a:tc>
+                <a:tc>
+                  <a:txBody>
+                    <a:bodyPr/>
+                    <a:lstStyle/>
+                    <a:p>
+                      <a:pPr algn="just" fontAlgn="t"/>
+                      <a:r>
+                        <a:rPr lang="en-US" sz="1000" kern="0">
+                          <a:effectLst/>
+                        </a:rPr>
+                        <a:t>3.15%</a:t>
+                      </a:r>
+                      <a:endParaRPr lang="zh-CN" sz="1000" kern="100">
+                        <a:effectLst/>
+                        <a:latin typeface="等线" panose="02010600030101010101" pitchFamily="2" charset="-122"/>
+                        <a:ea typeface="等线" panose="02010600030101010101" pitchFamily="2" charset="-122"/>
+                        <a:cs typeface="Times New Roman" panose="02020603050405020304" pitchFamily="18" charset="0"/>
+                      </a:endParaRPr>
+                    </a:p>
+                  </a:txBody>
+                  <a:tcPr marL="38993" marR="38993" marT="0" marB="0"/>
+                </a:tc>
+                <a:tc>
+                  <a:txBody>
+                    <a:bodyPr/>
+                    <a:lstStyle/>
+                    <a:p>
+                      <a:pPr algn="just" fontAlgn="t"/>
+                      <a:r>
+                        <a:rPr lang="en-US" sz="1000" kern="0">
+                          <a:effectLst/>
+                        </a:rPr>
+                        <a:t>4</a:t>
+                      </a:r>
+                      <a:endParaRPr lang="zh-CN" sz="1000" kern="100">
+                        <a:effectLst/>
+                        <a:latin typeface="等线" panose="02010600030101010101" pitchFamily="2" charset="-122"/>
+                        <a:ea typeface="等线" panose="02010600030101010101" pitchFamily="2" charset="-122"/>
+                        <a:cs typeface="Times New Roman" panose="02020603050405020304" pitchFamily="18" charset="0"/>
+                      </a:endParaRPr>
+                    </a:p>
+                  </a:txBody>
+                  <a:tcPr marL="38993" marR="38993" marT="0" marB="0"/>
+                </a:tc>
+                <a:tc>
+                  <a:txBody>
+                    <a:bodyPr/>
+                    <a:lstStyle/>
+                    <a:p>
+                      <a:pPr algn="just" fontAlgn="t"/>
+                      <a:r>
+                        <a:rPr lang="en-US" sz="1000" kern="0">
+                          <a:effectLst/>
+                        </a:rPr>
+                        <a:t>2.72%</a:t>
+                      </a:r>
+                      <a:endParaRPr lang="zh-CN" sz="1000" kern="100">
+                        <a:effectLst/>
+                        <a:latin typeface="等线" panose="02010600030101010101" pitchFamily="2" charset="-122"/>
+                        <a:ea typeface="等线" panose="02010600030101010101" pitchFamily="2" charset="-122"/>
+                        <a:cs typeface="Times New Roman" panose="02020603050405020304" pitchFamily="18" charset="0"/>
+                      </a:endParaRPr>
+                    </a:p>
+                  </a:txBody>
+                  <a:tcPr marL="38993" marR="38993" marT="0" marB="0"/>
+                </a:tc>
+                <a:tc>
+                  <a:txBody>
+                    <a:bodyPr/>
+                    <a:lstStyle/>
+                    <a:p>
+                      <a:pPr algn="just" fontAlgn="t"/>
+                      <a:r>
+                        <a:rPr lang="en-US" sz="1000" kern="0">
+                          <a:effectLst/>
+                        </a:rPr>
+                        <a:t>3</a:t>
+                      </a:r>
+                      <a:endParaRPr lang="zh-CN" sz="1000" kern="100">
+                        <a:effectLst/>
+                        <a:latin typeface="等线" panose="02010600030101010101" pitchFamily="2" charset="-122"/>
+                        <a:ea typeface="等线" panose="02010600030101010101" pitchFamily="2" charset="-122"/>
+                        <a:cs typeface="Times New Roman" panose="02020603050405020304" pitchFamily="18" charset="0"/>
+                      </a:endParaRPr>
+                    </a:p>
+                  </a:txBody>
+                  <a:tcPr marL="38993" marR="38993" marT="0" marB="0"/>
+                </a:tc>
+                <a:tc>
+                  <a:txBody>
+                    <a:bodyPr/>
+                    <a:lstStyle/>
+                    <a:p>
+                      <a:pPr algn="just" fontAlgn="t"/>
+                      <a:r>
+                        <a:rPr lang="en-US" sz="1000" kern="0">
+                          <a:effectLst/>
+                        </a:rPr>
+                        <a:t>1.78%</a:t>
+                      </a:r>
+                      <a:endParaRPr lang="zh-CN" sz="1000" kern="100">
+                        <a:effectLst/>
+                        <a:latin typeface="等线" panose="02010600030101010101" pitchFamily="2" charset="-122"/>
+                        <a:ea typeface="等线" panose="02010600030101010101" pitchFamily="2" charset="-122"/>
+                        <a:cs typeface="Times New Roman" panose="02020603050405020304" pitchFamily="18" charset="0"/>
+                      </a:endParaRPr>
+                    </a:p>
+                  </a:txBody>
+                  <a:tcPr marL="38993" marR="38993" marT="0" marB="0"/>
+                </a:tc>
+                <a:tc>
+                  <a:txBody>
+                    <a:bodyPr/>
+                    <a:lstStyle/>
+                    <a:p>
+                      <a:pPr algn="just" fontAlgn="t"/>
+                      <a:r>
+                        <a:rPr lang="en-US" sz="1000" kern="0">
+                          <a:effectLst/>
+                        </a:rPr>
+                        <a:t>0.7005 </a:t>
+                      </a:r>
+                      <a:endParaRPr lang="zh-CN" sz="1000" kern="100">
+                        <a:effectLst/>
+                        <a:latin typeface="等线" panose="02010600030101010101" pitchFamily="2" charset="-122"/>
+                        <a:ea typeface="等线" panose="02010600030101010101" pitchFamily="2" charset="-122"/>
+                        <a:cs typeface="Times New Roman" panose="02020603050405020304" pitchFamily="18" charset="0"/>
+                      </a:endParaRPr>
+                    </a:p>
+                  </a:txBody>
+                  <a:tcPr marL="38993" marR="38993" marT="0" marB="0"/>
+                </a:tc>
+                <a:extLst>
+                  <a:ext uri="{0D108BD9-81ED-4DB2-BD59-A6C34878D82A}">
+                    <a16:rowId xmlns:a16="http://schemas.microsoft.com/office/drawing/2014/main" val="2996948148"/>
+                  </a:ext>
+                </a:extLst>
+              </a:tr>
+              <a:tr h="306270">
+                <a:tc>
+                  <a:txBody>
+                    <a:bodyPr/>
+                    <a:lstStyle/>
+                    <a:p>
+                      <a:pPr algn="just" fontAlgn="t"/>
+                      <a:r>
+                        <a:rPr lang="zh-CN" sz="1000" kern="0">
+                          <a:effectLst/>
+                        </a:rPr>
+                        <a:t>忘记密码</a:t>
+                      </a:r>
+                      <a:endParaRPr lang="zh-CN" sz="1000" kern="100">
+                        <a:effectLst/>
+                        <a:latin typeface="等线" panose="02010600030101010101" pitchFamily="2" charset="-122"/>
+                        <a:ea typeface="等线" panose="02010600030101010101" pitchFamily="2" charset="-122"/>
+                        <a:cs typeface="Times New Roman" panose="02020603050405020304" pitchFamily="18" charset="0"/>
+                      </a:endParaRPr>
+                    </a:p>
+                  </a:txBody>
+                  <a:tcPr marL="38993" marR="38993" marT="0" marB="0"/>
+                </a:tc>
+                <a:tc>
+                  <a:txBody>
+                    <a:bodyPr/>
+                    <a:lstStyle/>
+                    <a:p>
+                      <a:pPr algn="just" fontAlgn="t"/>
+                      <a:r>
+                        <a:rPr lang="en-US" sz="1000" kern="0">
+                          <a:effectLst/>
+                        </a:rPr>
+                        <a:t>2</a:t>
+                      </a:r>
+                      <a:endParaRPr lang="zh-CN" sz="1000" kern="100">
+                        <a:effectLst/>
+                        <a:latin typeface="等线" panose="02010600030101010101" pitchFamily="2" charset="-122"/>
+                        <a:ea typeface="等线" panose="02010600030101010101" pitchFamily="2" charset="-122"/>
+                        <a:cs typeface="Times New Roman" panose="02020603050405020304" pitchFamily="18" charset="0"/>
+                      </a:endParaRPr>
+                    </a:p>
+                  </a:txBody>
+                  <a:tcPr marL="38993" marR="38993" marT="0" marB="0"/>
+                </a:tc>
+                <a:tc>
+                  <a:txBody>
+                    <a:bodyPr/>
+                    <a:lstStyle/>
+                    <a:p>
+                      <a:pPr algn="just" fontAlgn="t"/>
+                      <a:r>
+                        <a:rPr lang="en-US" sz="1000" kern="0">
+                          <a:effectLst/>
+                        </a:rPr>
+                        <a:t>3</a:t>
+                      </a:r>
+                      <a:endParaRPr lang="zh-CN" sz="1000" kern="100">
+                        <a:effectLst/>
+                        <a:latin typeface="等线" panose="02010600030101010101" pitchFamily="2" charset="-122"/>
+                        <a:ea typeface="等线" panose="02010600030101010101" pitchFamily="2" charset="-122"/>
+                        <a:cs typeface="Times New Roman" panose="02020603050405020304" pitchFamily="18" charset="0"/>
+                      </a:endParaRPr>
+                    </a:p>
+                  </a:txBody>
+                  <a:tcPr marL="38993" marR="38993" marT="0" marB="0"/>
+                </a:tc>
+                <a:tc>
+                  <a:txBody>
+                    <a:bodyPr/>
+                    <a:lstStyle/>
+                    <a:p>
+                      <a:pPr algn="just" fontAlgn="t"/>
+                      <a:r>
+                        <a:rPr lang="en-US" sz="1000" kern="0">
+                          <a:effectLst/>
+                        </a:rPr>
+                        <a:t>5</a:t>
+                      </a:r>
+                      <a:endParaRPr lang="zh-CN" sz="1000" kern="100">
+                        <a:effectLst/>
+                        <a:latin typeface="等线" panose="02010600030101010101" pitchFamily="2" charset="-122"/>
+                        <a:ea typeface="等线" panose="02010600030101010101" pitchFamily="2" charset="-122"/>
+                        <a:cs typeface="Times New Roman" panose="02020603050405020304" pitchFamily="18" charset="0"/>
+                      </a:endParaRPr>
+                    </a:p>
+                  </a:txBody>
+                  <a:tcPr marL="38993" marR="38993" marT="0" marB="0"/>
+                </a:tc>
+                <a:tc>
+                  <a:txBody>
+                    <a:bodyPr/>
+                    <a:lstStyle/>
+                    <a:p>
+                      <a:pPr algn="just" fontAlgn="t"/>
+                      <a:r>
+                        <a:rPr lang="en-US" sz="1000" kern="0">
+                          <a:effectLst/>
+                        </a:rPr>
+                        <a:t>1.97%</a:t>
+                      </a:r>
+                      <a:endParaRPr lang="zh-CN" sz="1000" kern="100">
+                        <a:effectLst/>
+                        <a:latin typeface="等线" panose="02010600030101010101" pitchFamily="2" charset="-122"/>
+                        <a:ea typeface="等线" panose="02010600030101010101" pitchFamily="2" charset="-122"/>
+                        <a:cs typeface="Times New Roman" panose="02020603050405020304" pitchFamily="18" charset="0"/>
+                      </a:endParaRPr>
+                    </a:p>
+                  </a:txBody>
+                  <a:tcPr marL="38993" marR="38993" marT="0" marB="0"/>
+                </a:tc>
+                <a:tc>
+                  <a:txBody>
+                    <a:bodyPr/>
+                    <a:lstStyle/>
+                    <a:p>
+                      <a:pPr algn="just" fontAlgn="t"/>
+                      <a:r>
+                        <a:rPr lang="en-US" sz="1000" kern="0">
+                          <a:effectLst/>
+                        </a:rPr>
+                        <a:t>5</a:t>
+                      </a:r>
+                      <a:endParaRPr lang="zh-CN" sz="1000" kern="100">
+                        <a:effectLst/>
+                        <a:latin typeface="等线" panose="02010600030101010101" pitchFamily="2" charset="-122"/>
+                        <a:ea typeface="等线" panose="02010600030101010101" pitchFamily="2" charset="-122"/>
+                        <a:cs typeface="Times New Roman" panose="02020603050405020304" pitchFamily="18" charset="0"/>
+                      </a:endParaRPr>
+                    </a:p>
+                  </a:txBody>
+                  <a:tcPr marL="38993" marR="38993" marT="0" marB="0"/>
+                </a:tc>
+                <a:tc>
+                  <a:txBody>
+                    <a:bodyPr/>
+                    <a:lstStyle/>
+                    <a:p>
+                      <a:pPr algn="just" fontAlgn="t"/>
+                      <a:r>
+                        <a:rPr lang="en-US" sz="1000" kern="0">
+                          <a:effectLst/>
+                        </a:rPr>
+                        <a:t>3.40%</a:t>
+                      </a:r>
+                      <a:endParaRPr lang="zh-CN" sz="1000" kern="100">
+                        <a:effectLst/>
+                        <a:latin typeface="等线" panose="02010600030101010101" pitchFamily="2" charset="-122"/>
+                        <a:ea typeface="等线" panose="02010600030101010101" pitchFamily="2" charset="-122"/>
+                        <a:cs typeface="Times New Roman" panose="02020603050405020304" pitchFamily="18" charset="0"/>
+                      </a:endParaRPr>
+                    </a:p>
+                  </a:txBody>
+                  <a:tcPr marL="38993" marR="38993" marT="0" marB="0"/>
+                </a:tc>
+                <a:tc>
+                  <a:txBody>
+                    <a:bodyPr/>
+                    <a:lstStyle/>
+                    <a:p>
+                      <a:pPr algn="just" fontAlgn="t"/>
+                      <a:r>
+                        <a:rPr lang="en-US" sz="1000" kern="0">
+                          <a:effectLst/>
+                        </a:rPr>
+                        <a:t>3</a:t>
+                      </a:r>
+                      <a:endParaRPr lang="zh-CN" sz="1000" kern="100">
+                        <a:effectLst/>
+                        <a:latin typeface="等线" panose="02010600030101010101" pitchFamily="2" charset="-122"/>
+                        <a:ea typeface="等线" panose="02010600030101010101" pitchFamily="2" charset="-122"/>
+                        <a:cs typeface="Times New Roman" panose="02020603050405020304" pitchFamily="18" charset="0"/>
+                      </a:endParaRPr>
+                    </a:p>
+                  </a:txBody>
+                  <a:tcPr marL="38993" marR="38993" marT="0" marB="0"/>
+                </a:tc>
+                <a:tc>
+                  <a:txBody>
+                    <a:bodyPr/>
+                    <a:lstStyle/>
+                    <a:p>
+                      <a:pPr algn="just" fontAlgn="t"/>
+                      <a:r>
+                        <a:rPr lang="en-US" sz="1000" kern="0">
+                          <a:effectLst/>
+                        </a:rPr>
+                        <a:t>1.78%</a:t>
+                      </a:r>
+                      <a:endParaRPr lang="zh-CN" sz="1000" kern="100">
+                        <a:effectLst/>
+                        <a:latin typeface="等线" panose="02010600030101010101" pitchFamily="2" charset="-122"/>
+                        <a:ea typeface="等线" panose="02010600030101010101" pitchFamily="2" charset="-122"/>
+                        <a:cs typeface="Times New Roman" panose="02020603050405020304" pitchFamily="18" charset="0"/>
+                      </a:endParaRPr>
+                    </a:p>
+                  </a:txBody>
+                  <a:tcPr marL="38993" marR="38993" marT="0" marB="0"/>
+                </a:tc>
+                <a:tc>
+                  <a:txBody>
+                    <a:bodyPr/>
+                    <a:lstStyle/>
+                    <a:p>
+                      <a:pPr algn="just" fontAlgn="t"/>
+                      <a:r>
+                        <a:rPr lang="en-US" sz="1000" kern="0">
+                          <a:effectLst/>
+                        </a:rPr>
+                        <a:t>0.3803 </a:t>
+                      </a:r>
+                      <a:endParaRPr lang="zh-CN" sz="1000" kern="100">
+                        <a:effectLst/>
+                        <a:latin typeface="等线" panose="02010600030101010101" pitchFamily="2" charset="-122"/>
+                        <a:ea typeface="等线" panose="02010600030101010101" pitchFamily="2" charset="-122"/>
+                        <a:cs typeface="Times New Roman" panose="02020603050405020304" pitchFamily="18" charset="0"/>
+                      </a:endParaRPr>
+                    </a:p>
+                  </a:txBody>
+                  <a:tcPr marL="38993" marR="38993" marT="0" marB="0"/>
+                </a:tc>
+                <a:extLst>
+                  <a:ext uri="{0D108BD9-81ED-4DB2-BD59-A6C34878D82A}">
+                    <a16:rowId xmlns:a16="http://schemas.microsoft.com/office/drawing/2014/main" val="1298651140"/>
+                  </a:ext>
+                </a:extLst>
+              </a:tr>
+              <a:tr h="306270">
+                <a:tc>
+                  <a:txBody>
+                    <a:bodyPr/>
+                    <a:lstStyle/>
+                    <a:p>
+                      <a:pPr algn="just" fontAlgn="t"/>
+                      <a:r>
+                        <a:rPr lang="zh-CN" sz="1000" kern="0">
+                          <a:effectLst/>
+                        </a:rPr>
+                        <a:t>搜索</a:t>
+                      </a:r>
+                      <a:endParaRPr lang="zh-CN" sz="1000" kern="100">
+                        <a:effectLst/>
+                        <a:latin typeface="等线" panose="02010600030101010101" pitchFamily="2" charset="-122"/>
+                        <a:ea typeface="等线" panose="02010600030101010101" pitchFamily="2" charset="-122"/>
+                        <a:cs typeface="Times New Roman" panose="02020603050405020304" pitchFamily="18" charset="0"/>
+                      </a:endParaRPr>
+                    </a:p>
+                  </a:txBody>
+                  <a:tcPr marL="38993" marR="38993" marT="0" marB="0"/>
+                </a:tc>
+                <a:tc>
+                  <a:txBody>
+                    <a:bodyPr/>
+                    <a:lstStyle/>
+                    <a:p>
+                      <a:pPr algn="just" fontAlgn="t"/>
+                      <a:r>
+                        <a:rPr lang="en-US" sz="1000" kern="0">
+                          <a:effectLst/>
+                        </a:rPr>
+                        <a:t>5</a:t>
+                      </a:r>
+                      <a:endParaRPr lang="zh-CN" sz="1000" kern="100">
+                        <a:effectLst/>
+                        <a:latin typeface="等线" panose="02010600030101010101" pitchFamily="2" charset="-122"/>
+                        <a:ea typeface="等线" panose="02010600030101010101" pitchFamily="2" charset="-122"/>
+                        <a:cs typeface="Times New Roman" panose="02020603050405020304" pitchFamily="18" charset="0"/>
+                      </a:endParaRPr>
+                    </a:p>
+                  </a:txBody>
+                  <a:tcPr marL="38993" marR="38993" marT="0" marB="0"/>
+                </a:tc>
+                <a:tc>
+                  <a:txBody>
+                    <a:bodyPr/>
+                    <a:lstStyle/>
+                    <a:p>
+                      <a:pPr algn="just" fontAlgn="t"/>
+                      <a:r>
+                        <a:rPr lang="en-US" sz="1000" kern="0">
+                          <a:effectLst/>
+                        </a:rPr>
+                        <a:t>5</a:t>
+                      </a:r>
+                      <a:endParaRPr lang="zh-CN" sz="1000" kern="100">
+                        <a:effectLst/>
+                        <a:latin typeface="等线" panose="02010600030101010101" pitchFamily="2" charset="-122"/>
+                        <a:ea typeface="等线" panose="02010600030101010101" pitchFamily="2" charset="-122"/>
+                        <a:cs typeface="Times New Roman" panose="02020603050405020304" pitchFamily="18" charset="0"/>
+                      </a:endParaRPr>
+                    </a:p>
+                  </a:txBody>
+                  <a:tcPr marL="38993" marR="38993" marT="0" marB="0"/>
+                </a:tc>
+                <a:tc>
+                  <a:txBody>
+                    <a:bodyPr/>
+                    <a:lstStyle/>
+                    <a:p>
+                      <a:pPr algn="just" fontAlgn="t"/>
+                      <a:r>
+                        <a:rPr lang="en-US" sz="1000" kern="0">
+                          <a:effectLst/>
+                        </a:rPr>
+                        <a:t>10</a:t>
+                      </a:r>
+                      <a:endParaRPr lang="zh-CN" sz="1000" kern="100">
+                        <a:effectLst/>
+                        <a:latin typeface="等线" panose="02010600030101010101" pitchFamily="2" charset="-122"/>
+                        <a:ea typeface="等线" panose="02010600030101010101" pitchFamily="2" charset="-122"/>
+                        <a:cs typeface="Times New Roman" panose="02020603050405020304" pitchFamily="18" charset="0"/>
+                      </a:endParaRPr>
+                    </a:p>
+                  </a:txBody>
+                  <a:tcPr marL="38993" marR="38993" marT="0" marB="0"/>
+                </a:tc>
+                <a:tc>
+                  <a:txBody>
+                    <a:bodyPr/>
+                    <a:lstStyle/>
+                    <a:p>
+                      <a:pPr algn="just" fontAlgn="t"/>
+                      <a:r>
+                        <a:rPr lang="en-US" sz="1000" kern="0">
+                          <a:effectLst/>
+                        </a:rPr>
+                        <a:t>3.94%</a:t>
+                      </a:r>
+                      <a:endParaRPr lang="zh-CN" sz="1000" kern="100">
+                        <a:effectLst/>
+                        <a:latin typeface="等线" panose="02010600030101010101" pitchFamily="2" charset="-122"/>
+                        <a:ea typeface="等线" panose="02010600030101010101" pitchFamily="2" charset="-122"/>
+                        <a:cs typeface="Times New Roman" panose="02020603050405020304" pitchFamily="18" charset="0"/>
+                      </a:endParaRPr>
+                    </a:p>
+                  </a:txBody>
+                  <a:tcPr marL="38993" marR="38993" marT="0" marB="0"/>
+                </a:tc>
+                <a:tc>
+                  <a:txBody>
+                    <a:bodyPr/>
+                    <a:lstStyle/>
+                    <a:p>
+                      <a:pPr algn="just" fontAlgn="t"/>
+                      <a:r>
+                        <a:rPr lang="en-US" sz="1000" kern="0">
+                          <a:effectLst/>
+                        </a:rPr>
+                        <a:t>6</a:t>
+                      </a:r>
+                      <a:endParaRPr lang="zh-CN" sz="1000" kern="100">
+                        <a:effectLst/>
+                        <a:latin typeface="等线" panose="02010600030101010101" pitchFamily="2" charset="-122"/>
+                        <a:ea typeface="等线" panose="02010600030101010101" pitchFamily="2" charset="-122"/>
+                        <a:cs typeface="Times New Roman" panose="02020603050405020304" pitchFamily="18" charset="0"/>
+                      </a:endParaRPr>
+                    </a:p>
+                  </a:txBody>
+                  <a:tcPr marL="38993" marR="38993" marT="0" marB="0"/>
+                </a:tc>
+                <a:tc>
+                  <a:txBody>
+                    <a:bodyPr/>
+                    <a:lstStyle/>
+                    <a:p>
+                      <a:pPr algn="just" fontAlgn="t"/>
+                      <a:r>
+                        <a:rPr lang="en-US" sz="1000" kern="0">
+                          <a:effectLst/>
+                        </a:rPr>
+                        <a:t>4.08%</a:t>
+                      </a:r>
+                      <a:endParaRPr lang="zh-CN" sz="1000" kern="100">
+                        <a:effectLst/>
+                        <a:latin typeface="等线" panose="02010600030101010101" pitchFamily="2" charset="-122"/>
+                        <a:ea typeface="等线" panose="02010600030101010101" pitchFamily="2" charset="-122"/>
+                        <a:cs typeface="Times New Roman" panose="02020603050405020304" pitchFamily="18" charset="0"/>
+                      </a:endParaRPr>
+                    </a:p>
+                  </a:txBody>
+                  <a:tcPr marL="38993" marR="38993" marT="0" marB="0"/>
+                </a:tc>
+                <a:tc>
+                  <a:txBody>
+                    <a:bodyPr/>
+                    <a:lstStyle/>
+                    <a:p>
+                      <a:pPr algn="just" fontAlgn="t"/>
+                      <a:r>
+                        <a:rPr lang="en-US" sz="1000" kern="0">
+                          <a:effectLst/>
+                        </a:rPr>
+                        <a:t>8</a:t>
+                      </a:r>
+                      <a:endParaRPr lang="zh-CN" sz="1000" kern="100">
+                        <a:effectLst/>
+                        <a:latin typeface="等线" panose="02010600030101010101" pitchFamily="2" charset="-122"/>
+                        <a:ea typeface="等线" panose="02010600030101010101" pitchFamily="2" charset="-122"/>
+                        <a:cs typeface="Times New Roman" panose="02020603050405020304" pitchFamily="18" charset="0"/>
+                      </a:endParaRPr>
+                    </a:p>
+                  </a:txBody>
+                  <a:tcPr marL="38993" marR="38993" marT="0" marB="0"/>
+                </a:tc>
+                <a:tc>
+                  <a:txBody>
+                    <a:bodyPr/>
+                    <a:lstStyle/>
+                    <a:p>
+                      <a:pPr algn="just" fontAlgn="t"/>
+                      <a:r>
+                        <a:rPr lang="en-US" sz="1000" kern="0">
+                          <a:effectLst/>
+                        </a:rPr>
+                        <a:t>4.73%</a:t>
+                      </a:r>
+                      <a:endParaRPr lang="zh-CN" sz="1000" kern="100">
+                        <a:effectLst/>
+                        <a:latin typeface="等线" panose="02010600030101010101" pitchFamily="2" charset="-122"/>
+                        <a:ea typeface="等线" panose="02010600030101010101" pitchFamily="2" charset="-122"/>
+                        <a:cs typeface="Times New Roman" panose="02020603050405020304" pitchFamily="18" charset="0"/>
+                      </a:endParaRPr>
+                    </a:p>
+                  </a:txBody>
+                  <a:tcPr marL="38993" marR="38993" marT="0" marB="0"/>
+                </a:tc>
+                <a:tc>
+                  <a:txBody>
+                    <a:bodyPr/>
+                    <a:lstStyle/>
+                    <a:p>
+                      <a:pPr algn="just" fontAlgn="t"/>
+                      <a:r>
+                        <a:rPr lang="en-US" sz="1000" kern="0">
+                          <a:effectLst/>
+                        </a:rPr>
+                        <a:t>0.4466 </a:t>
+                      </a:r>
+                      <a:endParaRPr lang="zh-CN" sz="1000" kern="100">
+                        <a:effectLst/>
+                        <a:latin typeface="等线" panose="02010600030101010101" pitchFamily="2" charset="-122"/>
+                        <a:ea typeface="等线" panose="02010600030101010101" pitchFamily="2" charset="-122"/>
+                        <a:cs typeface="Times New Roman" panose="02020603050405020304" pitchFamily="18" charset="0"/>
+                      </a:endParaRPr>
+                    </a:p>
+                  </a:txBody>
+                  <a:tcPr marL="38993" marR="38993" marT="0" marB="0"/>
+                </a:tc>
+                <a:extLst>
+                  <a:ext uri="{0D108BD9-81ED-4DB2-BD59-A6C34878D82A}">
+                    <a16:rowId xmlns:a16="http://schemas.microsoft.com/office/drawing/2014/main" val="2360912799"/>
+                  </a:ext>
+                </a:extLst>
+              </a:tr>
+              <a:tr h="306270">
+                <a:tc>
+                  <a:txBody>
+                    <a:bodyPr/>
+                    <a:lstStyle/>
+                    <a:p>
+                      <a:pPr algn="just" fontAlgn="t"/>
+                      <a:r>
+                        <a:rPr lang="zh-CN" sz="1000" kern="0">
+                          <a:effectLst/>
+                        </a:rPr>
+                        <a:t>学生发表博客</a:t>
+                      </a:r>
+                      <a:endParaRPr lang="zh-CN" sz="1000" kern="100">
+                        <a:effectLst/>
+                        <a:latin typeface="等线" panose="02010600030101010101" pitchFamily="2" charset="-122"/>
+                        <a:ea typeface="等线" panose="02010600030101010101" pitchFamily="2" charset="-122"/>
+                        <a:cs typeface="Times New Roman" panose="02020603050405020304" pitchFamily="18" charset="0"/>
+                      </a:endParaRPr>
+                    </a:p>
+                  </a:txBody>
+                  <a:tcPr marL="38993" marR="38993" marT="0" marB="0"/>
+                </a:tc>
+                <a:tc>
+                  <a:txBody>
+                    <a:bodyPr/>
+                    <a:lstStyle/>
+                    <a:p>
+                      <a:pPr algn="just" fontAlgn="t"/>
+                      <a:r>
+                        <a:rPr lang="en-US" sz="1000" kern="0">
+                          <a:effectLst/>
+                        </a:rPr>
+                        <a:t>4</a:t>
+                      </a:r>
+                      <a:endParaRPr lang="zh-CN" sz="1000" kern="100">
+                        <a:effectLst/>
+                        <a:latin typeface="等线" panose="02010600030101010101" pitchFamily="2" charset="-122"/>
+                        <a:ea typeface="等线" panose="02010600030101010101" pitchFamily="2" charset="-122"/>
+                        <a:cs typeface="Times New Roman" panose="02020603050405020304" pitchFamily="18" charset="0"/>
+                      </a:endParaRPr>
+                    </a:p>
+                  </a:txBody>
+                  <a:tcPr marL="38993" marR="38993" marT="0" marB="0"/>
+                </a:tc>
+                <a:tc>
+                  <a:txBody>
+                    <a:bodyPr/>
+                    <a:lstStyle/>
+                    <a:p>
+                      <a:pPr algn="just" fontAlgn="t"/>
+                      <a:r>
+                        <a:rPr lang="en-US" sz="1000" kern="0">
+                          <a:effectLst/>
+                        </a:rPr>
+                        <a:t>3</a:t>
+                      </a:r>
+                      <a:endParaRPr lang="zh-CN" sz="1000" kern="100">
+                        <a:effectLst/>
+                        <a:latin typeface="等线" panose="02010600030101010101" pitchFamily="2" charset="-122"/>
+                        <a:ea typeface="等线" panose="02010600030101010101" pitchFamily="2" charset="-122"/>
+                        <a:cs typeface="Times New Roman" panose="02020603050405020304" pitchFamily="18" charset="0"/>
+                      </a:endParaRPr>
+                    </a:p>
+                  </a:txBody>
+                  <a:tcPr marL="38993" marR="38993" marT="0" marB="0"/>
+                </a:tc>
+                <a:tc>
+                  <a:txBody>
+                    <a:bodyPr/>
+                    <a:lstStyle/>
+                    <a:p>
+                      <a:pPr algn="just" fontAlgn="t"/>
+                      <a:r>
+                        <a:rPr lang="en-US" sz="1000" kern="0">
+                          <a:effectLst/>
+                        </a:rPr>
+                        <a:t>7</a:t>
+                      </a:r>
+                      <a:endParaRPr lang="zh-CN" sz="1000" kern="100">
+                        <a:effectLst/>
+                        <a:latin typeface="等线" panose="02010600030101010101" pitchFamily="2" charset="-122"/>
+                        <a:ea typeface="等线" panose="02010600030101010101" pitchFamily="2" charset="-122"/>
+                        <a:cs typeface="Times New Roman" panose="02020603050405020304" pitchFamily="18" charset="0"/>
+                      </a:endParaRPr>
+                    </a:p>
+                  </a:txBody>
+                  <a:tcPr marL="38993" marR="38993" marT="0" marB="0"/>
+                </a:tc>
+                <a:tc>
+                  <a:txBody>
+                    <a:bodyPr/>
+                    <a:lstStyle/>
+                    <a:p>
+                      <a:pPr algn="just" fontAlgn="t"/>
+                      <a:r>
+                        <a:rPr lang="en-US" sz="1000" kern="0">
+                          <a:effectLst/>
+                        </a:rPr>
+                        <a:t>2.76%</a:t>
+                      </a:r>
+                      <a:endParaRPr lang="zh-CN" sz="1000" kern="100">
+                        <a:effectLst/>
+                        <a:latin typeface="等线" panose="02010600030101010101" pitchFamily="2" charset="-122"/>
+                        <a:ea typeface="等线" panose="02010600030101010101" pitchFamily="2" charset="-122"/>
+                        <a:cs typeface="Times New Roman" panose="02020603050405020304" pitchFamily="18" charset="0"/>
+                      </a:endParaRPr>
+                    </a:p>
+                  </a:txBody>
+                  <a:tcPr marL="38993" marR="38993" marT="0" marB="0"/>
+                </a:tc>
+                <a:tc>
+                  <a:txBody>
+                    <a:bodyPr/>
+                    <a:lstStyle/>
+                    <a:p>
+                      <a:pPr algn="just" fontAlgn="t"/>
+                      <a:r>
+                        <a:rPr lang="en-US" sz="1000" kern="0">
+                          <a:effectLst/>
+                        </a:rPr>
+                        <a:t>7</a:t>
+                      </a:r>
+                      <a:endParaRPr lang="zh-CN" sz="1000" kern="100">
+                        <a:effectLst/>
+                        <a:latin typeface="等线" panose="02010600030101010101" pitchFamily="2" charset="-122"/>
+                        <a:ea typeface="等线" panose="02010600030101010101" pitchFamily="2" charset="-122"/>
+                        <a:cs typeface="Times New Roman" panose="02020603050405020304" pitchFamily="18" charset="0"/>
+                      </a:endParaRPr>
+                    </a:p>
+                  </a:txBody>
+                  <a:tcPr marL="38993" marR="38993" marT="0" marB="0"/>
+                </a:tc>
+                <a:tc>
+                  <a:txBody>
+                    <a:bodyPr/>
+                    <a:lstStyle/>
+                    <a:p>
+                      <a:pPr algn="just" fontAlgn="t"/>
+                      <a:r>
+                        <a:rPr lang="en-US" sz="1000" kern="0">
+                          <a:effectLst/>
+                        </a:rPr>
+                        <a:t>4.76%</a:t>
+                      </a:r>
+                      <a:endParaRPr lang="zh-CN" sz="1000" kern="100">
+                        <a:effectLst/>
+                        <a:latin typeface="等线" panose="02010600030101010101" pitchFamily="2" charset="-122"/>
+                        <a:ea typeface="等线" panose="02010600030101010101" pitchFamily="2" charset="-122"/>
+                        <a:cs typeface="Times New Roman" panose="02020603050405020304" pitchFamily="18" charset="0"/>
+                      </a:endParaRPr>
+                    </a:p>
+                  </a:txBody>
+                  <a:tcPr marL="38993" marR="38993" marT="0" marB="0"/>
+                </a:tc>
+                <a:tc>
+                  <a:txBody>
+                    <a:bodyPr/>
+                    <a:lstStyle/>
+                    <a:p>
+                      <a:pPr algn="just" fontAlgn="t"/>
+                      <a:r>
+                        <a:rPr lang="en-US" sz="1000" kern="0">
+                          <a:effectLst/>
+                        </a:rPr>
+                        <a:t>8</a:t>
+                      </a:r>
+                      <a:endParaRPr lang="zh-CN" sz="1000" kern="100">
+                        <a:effectLst/>
+                        <a:latin typeface="等线" panose="02010600030101010101" pitchFamily="2" charset="-122"/>
+                        <a:ea typeface="等线" panose="02010600030101010101" pitchFamily="2" charset="-122"/>
+                        <a:cs typeface="Times New Roman" panose="02020603050405020304" pitchFamily="18" charset="0"/>
+                      </a:endParaRPr>
+                    </a:p>
+                  </a:txBody>
+                  <a:tcPr marL="38993" marR="38993" marT="0" marB="0"/>
+                </a:tc>
+                <a:tc>
+                  <a:txBody>
+                    <a:bodyPr/>
+                    <a:lstStyle/>
+                    <a:p>
+                      <a:pPr algn="just" fontAlgn="t"/>
+                      <a:r>
+                        <a:rPr lang="en-US" sz="1000" kern="0">
+                          <a:effectLst/>
+                        </a:rPr>
+                        <a:t>4.73%</a:t>
+                      </a:r>
+                      <a:endParaRPr lang="zh-CN" sz="1000" kern="100">
+                        <a:effectLst/>
+                        <a:latin typeface="等线" panose="02010600030101010101" pitchFamily="2" charset="-122"/>
+                        <a:ea typeface="等线" panose="02010600030101010101" pitchFamily="2" charset="-122"/>
+                        <a:cs typeface="Times New Roman" panose="02020603050405020304" pitchFamily="18" charset="0"/>
+                      </a:endParaRPr>
+                    </a:p>
+                  </a:txBody>
+                  <a:tcPr marL="38993" marR="38993" marT="0" marB="0"/>
+                </a:tc>
+                <a:tc>
+                  <a:txBody>
+                    <a:bodyPr/>
+                    <a:lstStyle/>
+                    <a:p>
+                      <a:pPr algn="just" fontAlgn="t"/>
+                      <a:r>
+                        <a:rPr lang="en-US" sz="1000" kern="0">
+                          <a:effectLst/>
+                        </a:rPr>
+                        <a:t>0.2902 </a:t>
+                      </a:r>
+                      <a:endParaRPr lang="zh-CN" sz="1000" kern="100">
+                        <a:effectLst/>
+                        <a:latin typeface="等线" panose="02010600030101010101" pitchFamily="2" charset="-122"/>
+                        <a:ea typeface="等线" panose="02010600030101010101" pitchFamily="2" charset="-122"/>
+                        <a:cs typeface="Times New Roman" panose="02020603050405020304" pitchFamily="18" charset="0"/>
+                      </a:endParaRPr>
+                    </a:p>
+                  </a:txBody>
+                  <a:tcPr marL="38993" marR="38993" marT="0" marB="0"/>
+                </a:tc>
+                <a:extLst>
+                  <a:ext uri="{0D108BD9-81ED-4DB2-BD59-A6C34878D82A}">
+                    <a16:rowId xmlns:a16="http://schemas.microsoft.com/office/drawing/2014/main" val="2268183292"/>
+                  </a:ext>
+                </a:extLst>
+              </a:tr>
+              <a:tr h="306270">
+                <a:tc>
+                  <a:txBody>
+                    <a:bodyPr/>
+                    <a:lstStyle/>
+                    <a:p>
+                      <a:pPr algn="just" fontAlgn="t"/>
+                      <a:r>
+                        <a:rPr lang="zh-CN" sz="1000" kern="0">
+                          <a:effectLst/>
+                        </a:rPr>
+                        <a:t>学生发表帖子</a:t>
+                      </a:r>
+                      <a:endParaRPr lang="zh-CN" sz="1000" kern="100">
+                        <a:effectLst/>
+                        <a:latin typeface="等线" panose="02010600030101010101" pitchFamily="2" charset="-122"/>
+                        <a:ea typeface="等线" panose="02010600030101010101" pitchFamily="2" charset="-122"/>
+                        <a:cs typeface="Times New Roman" panose="02020603050405020304" pitchFamily="18" charset="0"/>
+                      </a:endParaRPr>
+                    </a:p>
+                  </a:txBody>
+                  <a:tcPr marL="38993" marR="38993" marT="0" marB="0"/>
+                </a:tc>
+                <a:tc>
+                  <a:txBody>
+                    <a:bodyPr/>
+                    <a:lstStyle/>
+                    <a:p>
+                      <a:pPr algn="just" fontAlgn="t"/>
+                      <a:r>
+                        <a:rPr lang="en-US" sz="1000" kern="0">
+                          <a:effectLst/>
+                        </a:rPr>
+                        <a:t>4</a:t>
+                      </a:r>
+                      <a:endParaRPr lang="zh-CN" sz="1000" kern="100">
+                        <a:effectLst/>
+                        <a:latin typeface="等线" panose="02010600030101010101" pitchFamily="2" charset="-122"/>
+                        <a:ea typeface="等线" panose="02010600030101010101" pitchFamily="2" charset="-122"/>
+                        <a:cs typeface="Times New Roman" panose="02020603050405020304" pitchFamily="18" charset="0"/>
+                      </a:endParaRPr>
+                    </a:p>
+                  </a:txBody>
+                  <a:tcPr marL="38993" marR="38993" marT="0" marB="0"/>
+                </a:tc>
+                <a:tc>
+                  <a:txBody>
+                    <a:bodyPr/>
+                    <a:lstStyle/>
+                    <a:p>
+                      <a:pPr algn="just" fontAlgn="t"/>
+                      <a:r>
+                        <a:rPr lang="en-US" sz="1000" kern="0">
+                          <a:effectLst/>
+                        </a:rPr>
+                        <a:t>4</a:t>
+                      </a:r>
+                      <a:endParaRPr lang="zh-CN" sz="1000" kern="100">
+                        <a:effectLst/>
+                        <a:latin typeface="等线" panose="02010600030101010101" pitchFamily="2" charset="-122"/>
+                        <a:ea typeface="等线" panose="02010600030101010101" pitchFamily="2" charset="-122"/>
+                        <a:cs typeface="Times New Roman" panose="02020603050405020304" pitchFamily="18" charset="0"/>
+                      </a:endParaRPr>
+                    </a:p>
+                  </a:txBody>
+                  <a:tcPr marL="38993" marR="38993" marT="0" marB="0"/>
+                </a:tc>
+                <a:tc>
+                  <a:txBody>
+                    <a:bodyPr/>
+                    <a:lstStyle/>
+                    <a:p>
+                      <a:pPr algn="just" fontAlgn="t"/>
+                      <a:r>
+                        <a:rPr lang="en-US" sz="1000" kern="0">
+                          <a:effectLst/>
+                        </a:rPr>
+                        <a:t>8</a:t>
+                      </a:r>
+                      <a:endParaRPr lang="zh-CN" sz="1000" kern="100">
+                        <a:effectLst/>
+                        <a:latin typeface="等线" panose="02010600030101010101" pitchFamily="2" charset="-122"/>
+                        <a:ea typeface="等线" panose="02010600030101010101" pitchFamily="2" charset="-122"/>
+                        <a:cs typeface="Times New Roman" panose="02020603050405020304" pitchFamily="18" charset="0"/>
+                      </a:endParaRPr>
+                    </a:p>
+                  </a:txBody>
+                  <a:tcPr marL="38993" marR="38993" marT="0" marB="0"/>
+                </a:tc>
+                <a:tc>
+                  <a:txBody>
+                    <a:bodyPr/>
+                    <a:lstStyle/>
+                    <a:p>
+                      <a:pPr algn="just" fontAlgn="t"/>
+                      <a:r>
+                        <a:rPr lang="en-US" sz="1000" kern="0">
+                          <a:effectLst/>
+                        </a:rPr>
+                        <a:t>3.15%</a:t>
+                      </a:r>
+                      <a:endParaRPr lang="zh-CN" sz="1000" kern="100">
+                        <a:effectLst/>
+                        <a:latin typeface="等线" panose="02010600030101010101" pitchFamily="2" charset="-122"/>
+                        <a:ea typeface="等线" panose="02010600030101010101" pitchFamily="2" charset="-122"/>
+                        <a:cs typeface="Times New Roman" panose="02020603050405020304" pitchFamily="18" charset="0"/>
+                      </a:endParaRPr>
+                    </a:p>
+                  </a:txBody>
+                  <a:tcPr marL="38993" marR="38993" marT="0" marB="0"/>
+                </a:tc>
+                <a:tc>
+                  <a:txBody>
+                    <a:bodyPr/>
+                    <a:lstStyle/>
+                    <a:p>
+                      <a:pPr algn="just" fontAlgn="t"/>
+                      <a:r>
+                        <a:rPr lang="en-US" sz="1000" kern="0">
+                          <a:effectLst/>
+                        </a:rPr>
+                        <a:t>4</a:t>
+                      </a:r>
+                      <a:endParaRPr lang="zh-CN" sz="1000" kern="100">
+                        <a:effectLst/>
+                        <a:latin typeface="等线" panose="02010600030101010101" pitchFamily="2" charset="-122"/>
+                        <a:ea typeface="等线" panose="02010600030101010101" pitchFamily="2" charset="-122"/>
+                        <a:cs typeface="Times New Roman" panose="02020603050405020304" pitchFamily="18" charset="0"/>
+                      </a:endParaRPr>
+                    </a:p>
+                  </a:txBody>
+                  <a:tcPr marL="38993" marR="38993" marT="0" marB="0"/>
+                </a:tc>
+                <a:tc>
+                  <a:txBody>
+                    <a:bodyPr/>
+                    <a:lstStyle/>
+                    <a:p>
+                      <a:pPr algn="just" fontAlgn="t"/>
+                      <a:r>
+                        <a:rPr lang="en-US" sz="1000" kern="0">
+                          <a:effectLst/>
+                        </a:rPr>
+                        <a:t>2.72%</a:t>
+                      </a:r>
+                      <a:endParaRPr lang="zh-CN" sz="1000" kern="100">
+                        <a:effectLst/>
+                        <a:latin typeface="等线" panose="02010600030101010101" pitchFamily="2" charset="-122"/>
+                        <a:ea typeface="等线" panose="02010600030101010101" pitchFamily="2" charset="-122"/>
+                        <a:cs typeface="Times New Roman" panose="02020603050405020304" pitchFamily="18" charset="0"/>
+                      </a:endParaRPr>
+                    </a:p>
+                  </a:txBody>
+                  <a:tcPr marL="38993" marR="38993" marT="0" marB="0"/>
+                </a:tc>
+                <a:tc>
+                  <a:txBody>
+                    <a:bodyPr/>
+                    <a:lstStyle/>
+                    <a:p>
+                      <a:pPr algn="just" fontAlgn="t"/>
+                      <a:r>
+                        <a:rPr lang="en-US" sz="1000" kern="0">
+                          <a:effectLst/>
+                        </a:rPr>
+                        <a:t>7</a:t>
+                      </a:r>
+                      <a:endParaRPr lang="zh-CN" sz="1000" kern="100">
+                        <a:effectLst/>
+                        <a:latin typeface="等线" panose="02010600030101010101" pitchFamily="2" charset="-122"/>
+                        <a:ea typeface="等线" panose="02010600030101010101" pitchFamily="2" charset="-122"/>
+                        <a:cs typeface="Times New Roman" panose="02020603050405020304" pitchFamily="18" charset="0"/>
+                      </a:endParaRPr>
+                    </a:p>
+                  </a:txBody>
+                  <a:tcPr marL="38993" marR="38993" marT="0" marB="0"/>
+                </a:tc>
+                <a:tc>
+                  <a:txBody>
+                    <a:bodyPr/>
+                    <a:lstStyle/>
+                    <a:p>
+                      <a:pPr algn="just" fontAlgn="t"/>
+                      <a:r>
+                        <a:rPr lang="en-US" sz="1000" kern="0">
+                          <a:effectLst/>
+                        </a:rPr>
+                        <a:t>4.14%</a:t>
+                      </a:r>
+                      <a:endParaRPr lang="zh-CN" sz="1000" kern="100">
+                        <a:effectLst/>
+                        <a:latin typeface="等线" panose="02010600030101010101" pitchFamily="2" charset="-122"/>
+                        <a:ea typeface="等线" panose="02010600030101010101" pitchFamily="2" charset="-122"/>
+                        <a:cs typeface="Times New Roman" panose="02020603050405020304" pitchFamily="18" charset="0"/>
+                      </a:endParaRPr>
+                    </a:p>
+                  </a:txBody>
+                  <a:tcPr marL="38993" marR="38993" marT="0" marB="0"/>
+                </a:tc>
+                <a:tc>
+                  <a:txBody>
+                    <a:bodyPr/>
+                    <a:lstStyle/>
+                    <a:p>
+                      <a:pPr algn="just" fontAlgn="t"/>
+                      <a:r>
+                        <a:rPr lang="en-US" sz="1000" kern="0">
+                          <a:effectLst/>
+                        </a:rPr>
+                        <a:t>0.4589 </a:t>
+                      </a:r>
+                      <a:endParaRPr lang="zh-CN" sz="1000" kern="100">
+                        <a:effectLst/>
+                        <a:latin typeface="等线" panose="02010600030101010101" pitchFamily="2" charset="-122"/>
+                        <a:ea typeface="等线" panose="02010600030101010101" pitchFamily="2" charset="-122"/>
+                        <a:cs typeface="Times New Roman" panose="02020603050405020304" pitchFamily="18" charset="0"/>
+                      </a:endParaRPr>
+                    </a:p>
+                  </a:txBody>
+                  <a:tcPr marL="38993" marR="38993" marT="0" marB="0"/>
+                </a:tc>
+                <a:extLst>
+                  <a:ext uri="{0D108BD9-81ED-4DB2-BD59-A6C34878D82A}">
+                    <a16:rowId xmlns:a16="http://schemas.microsoft.com/office/drawing/2014/main" val="2383988835"/>
+                  </a:ext>
+                </a:extLst>
+              </a:tr>
+              <a:tr h="306270">
+                <a:tc>
+                  <a:txBody>
+                    <a:bodyPr/>
+                    <a:lstStyle/>
+                    <a:p>
+                      <a:pPr algn="just" fontAlgn="t"/>
+                      <a:r>
+                        <a:rPr lang="zh-CN" sz="1000" kern="0" dirty="0">
+                          <a:effectLst/>
+                        </a:rPr>
+                        <a:t>学生发表问答</a:t>
+                      </a:r>
+                      <a:endParaRPr lang="zh-CN" sz="1000" kern="100" dirty="0">
+                        <a:effectLst/>
+                        <a:latin typeface="等线" panose="02010600030101010101" pitchFamily="2" charset="-122"/>
+                        <a:ea typeface="等线" panose="02010600030101010101" pitchFamily="2" charset="-122"/>
+                        <a:cs typeface="Times New Roman" panose="02020603050405020304" pitchFamily="18" charset="0"/>
+                      </a:endParaRPr>
+                    </a:p>
+                  </a:txBody>
+                  <a:tcPr marL="38993" marR="38993" marT="0" marB="0"/>
+                </a:tc>
+                <a:tc>
+                  <a:txBody>
+                    <a:bodyPr/>
+                    <a:lstStyle/>
+                    <a:p>
+                      <a:pPr algn="just" fontAlgn="t"/>
+                      <a:r>
+                        <a:rPr lang="en-US" sz="1000" kern="0">
+                          <a:effectLst/>
+                        </a:rPr>
+                        <a:t>5</a:t>
+                      </a:r>
+                      <a:endParaRPr lang="zh-CN" sz="1000" kern="100">
+                        <a:effectLst/>
+                        <a:latin typeface="等线" panose="02010600030101010101" pitchFamily="2" charset="-122"/>
+                        <a:ea typeface="等线" panose="02010600030101010101" pitchFamily="2" charset="-122"/>
+                        <a:cs typeface="Times New Roman" panose="02020603050405020304" pitchFamily="18" charset="0"/>
+                      </a:endParaRPr>
+                    </a:p>
+                  </a:txBody>
+                  <a:tcPr marL="38993" marR="38993" marT="0" marB="0"/>
+                </a:tc>
+                <a:tc>
+                  <a:txBody>
+                    <a:bodyPr/>
+                    <a:lstStyle/>
+                    <a:p>
+                      <a:pPr algn="just" fontAlgn="t"/>
+                      <a:r>
+                        <a:rPr lang="en-US" sz="1000" kern="0">
+                          <a:effectLst/>
+                        </a:rPr>
+                        <a:t>5</a:t>
+                      </a:r>
+                      <a:endParaRPr lang="zh-CN" sz="1000" kern="100">
+                        <a:effectLst/>
+                        <a:latin typeface="等线" panose="02010600030101010101" pitchFamily="2" charset="-122"/>
+                        <a:ea typeface="等线" panose="02010600030101010101" pitchFamily="2" charset="-122"/>
+                        <a:cs typeface="Times New Roman" panose="02020603050405020304" pitchFamily="18" charset="0"/>
+                      </a:endParaRPr>
+                    </a:p>
+                  </a:txBody>
+                  <a:tcPr marL="38993" marR="38993" marT="0" marB="0"/>
+                </a:tc>
+                <a:tc>
+                  <a:txBody>
+                    <a:bodyPr/>
+                    <a:lstStyle/>
+                    <a:p>
+                      <a:pPr algn="just" fontAlgn="t"/>
+                      <a:r>
+                        <a:rPr lang="en-US" sz="1000" kern="0">
+                          <a:effectLst/>
+                        </a:rPr>
+                        <a:t>10</a:t>
+                      </a:r>
+                      <a:endParaRPr lang="zh-CN" sz="1000" kern="100">
+                        <a:effectLst/>
+                        <a:latin typeface="等线" panose="02010600030101010101" pitchFamily="2" charset="-122"/>
+                        <a:ea typeface="等线" panose="02010600030101010101" pitchFamily="2" charset="-122"/>
+                        <a:cs typeface="Times New Roman" panose="02020603050405020304" pitchFamily="18" charset="0"/>
+                      </a:endParaRPr>
+                    </a:p>
+                  </a:txBody>
+                  <a:tcPr marL="38993" marR="38993" marT="0" marB="0"/>
+                </a:tc>
+                <a:tc>
+                  <a:txBody>
+                    <a:bodyPr/>
+                    <a:lstStyle/>
+                    <a:p>
+                      <a:pPr algn="just" fontAlgn="t"/>
+                      <a:r>
+                        <a:rPr lang="en-US" sz="1000" kern="0">
+                          <a:effectLst/>
+                        </a:rPr>
+                        <a:t>3.94%</a:t>
+                      </a:r>
+                      <a:endParaRPr lang="zh-CN" sz="1000" kern="100">
+                        <a:effectLst/>
+                        <a:latin typeface="等线" panose="02010600030101010101" pitchFamily="2" charset="-122"/>
+                        <a:ea typeface="等线" panose="02010600030101010101" pitchFamily="2" charset="-122"/>
+                        <a:cs typeface="Times New Roman" panose="02020603050405020304" pitchFamily="18" charset="0"/>
+                      </a:endParaRPr>
+                    </a:p>
+                  </a:txBody>
+                  <a:tcPr marL="38993" marR="38993" marT="0" marB="0"/>
+                </a:tc>
+                <a:tc>
+                  <a:txBody>
+                    <a:bodyPr/>
+                    <a:lstStyle/>
+                    <a:p>
+                      <a:pPr algn="just" fontAlgn="t"/>
+                      <a:r>
+                        <a:rPr lang="en-US" sz="1000" kern="0">
+                          <a:effectLst/>
+                        </a:rPr>
+                        <a:t>6</a:t>
+                      </a:r>
+                      <a:endParaRPr lang="zh-CN" sz="1000" kern="100">
+                        <a:effectLst/>
+                        <a:latin typeface="等线" panose="02010600030101010101" pitchFamily="2" charset="-122"/>
+                        <a:ea typeface="等线" panose="02010600030101010101" pitchFamily="2" charset="-122"/>
+                        <a:cs typeface="Times New Roman" panose="02020603050405020304" pitchFamily="18" charset="0"/>
+                      </a:endParaRPr>
+                    </a:p>
+                  </a:txBody>
+                  <a:tcPr marL="38993" marR="38993" marT="0" marB="0"/>
+                </a:tc>
+                <a:tc>
+                  <a:txBody>
+                    <a:bodyPr/>
+                    <a:lstStyle/>
+                    <a:p>
+                      <a:pPr algn="just" fontAlgn="t"/>
+                      <a:r>
+                        <a:rPr lang="en-US" sz="1000" kern="0">
+                          <a:effectLst/>
+                        </a:rPr>
+                        <a:t>4.08%</a:t>
+                      </a:r>
+                      <a:endParaRPr lang="zh-CN" sz="1000" kern="100">
+                        <a:effectLst/>
+                        <a:latin typeface="等线" panose="02010600030101010101" pitchFamily="2" charset="-122"/>
+                        <a:ea typeface="等线" panose="02010600030101010101" pitchFamily="2" charset="-122"/>
+                        <a:cs typeface="Times New Roman" panose="02020603050405020304" pitchFamily="18" charset="0"/>
+                      </a:endParaRPr>
+                    </a:p>
+                  </a:txBody>
+                  <a:tcPr marL="38993" marR="38993" marT="0" marB="0"/>
+                </a:tc>
+                <a:tc>
+                  <a:txBody>
+                    <a:bodyPr/>
+                    <a:lstStyle/>
+                    <a:p>
+                      <a:pPr algn="just" fontAlgn="t"/>
+                      <a:r>
+                        <a:rPr lang="en-US" sz="1000" kern="0">
+                          <a:effectLst/>
+                        </a:rPr>
+                        <a:t>4</a:t>
+                      </a:r>
+                      <a:endParaRPr lang="zh-CN" sz="1000" kern="100">
+                        <a:effectLst/>
+                        <a:latin typeface="等线" panose="02010600030101010101" pitchFamily="2" charset="-122"/>
+                        <a:ea typeface="等线" panose="02010600030101010101" pitchFamily="2" charset="-122"/>
+                        <a:cs typeface="Times New Roman" panose="02020603050405020304" pitchFamily="18" charset="0"/>
+                      </a:endParaRPr>
+                    </a:p>
+                  </a:txBody>
+                  <a:tcPr marL="38993" marR="38993" marT="0" marB="0"/>
+                </a:tc>
+                <a:tc>
+                  <a:txBody>
+                    <a:bodyPr/>
+                    <a:lstStyle/>
+                    <a:p>
+                      <a:pPr algn="just" fontAlgn="t"/>
+                      <a:r>
+                        <a:rPr lang="en-US" sz="1000" kern="0">
+                          <a:effectLst/>
+                        </a:rPr>
+                        <a:t>2.37%</a:t>
+                      </a:r>
+                      <a:endParaRPr lang="zh-CN" sz="1000" kern="100">
+                        <a:effectLst/>
+                        <a:latin typeface="等线" panose="02010600030101010101" pitchFamily="2" charset="-122"/>
+                        <a:ea typeface="等线" panose="02010600030101010101" pitchFamily="2" charset="-122"/>
+                        <a:cs typeface="Times New Roman" panose="02020603050405020304" pitchFamily="18" charset="0"/>
+                      </a:endParaRPr>
+                    </a:p>
+                  </a:txBody>
+                  <a:tcPr marL="38993" marR="38993" marT="0" marB="0"/>
+                </a:tc>
+                <a:tc>
+                  <a:txBody>
+                    <a:bodyPr/>
+                    <a:lstStyle/>
+                    <a:p>
+                      <a:pPr algn="just" fontAlgn="t"/>
+                      <a:r>
+                        <a:rPr lang="en-US" sz="1000" kern="0">
+                          <a:effectLst/>
+                        </a:rPr>
+                        <a:t>0.6105 </a:t>
+                      </a:r>
+                      <a:endParaRPr lang="zh-CN" sz="1000" kern="100">
+                        <a:effectLst/>
+                        <a:latin typeface="等线" panose="02010600030101010101" pitchFamily="2" charset="-122"/>
+                        <a:ea typeface="等线" panose="02010600030101010101" pitchFamily="2" charset="-122"/>
+                        <a:cs typeface="Times New Roman" panose="02020603050405020304" pitchFamily="18" charset="0"/>
+                      </a:endParaRPr>
+                    </a:p>
+                  </a:txBody>
+                  <a:tcPr marL="38993" marR="38993" marT="0" marB="0"/>
+                </a:tc>
+                <a:extLst>
+                  <a:ext uri="{0D108BD9-81ED-4DB2-BD59-A6C34878D82A}">
+                    <a16:rowId xmlns:a16="http://schemas.microsoft.com/office/drawing/2014/main" val="3445731778"/>
+                  </a:ext>
+                </a:extLst>
+              </a:tr>
+              <a:tr h="306270">
+                <a:tc>
+                  <a:txBody>
+                    <a:bodyPr/>
+                    <a:lstStyle/>
+                    <a:p>
+                      <a:pPr algn="just" fontAlgn="t"/>
+                      <a:r>
+                        <a:rPr lang="zh-CN" sz="1000" kern="0">
+                          <a:effectLst/>
+                        </a:rPr>
+                        <a:t>讨论</a:t>
+                      </a:r>
+                      <a:endParaRPr lang="zh-CN" sz="1000" kern="100">
+                        <a:effectLst/>
+                        <a:latin typeface="等线" panose="02010600030101010101" pitchFamily="2" charset="-122"/>
+                        <a:ea typeface="等线" panose="02010600030101010101" pitchFamily="2" charset="-122"/>
+                        <a:cs typeface="Times New Roman" panose="02020603050405020304" pitchFamily="18" charset="0"/>
+                      </a:endParaRPr>
+                    </a:p>
+                  </a:txBody>
+                  <a:tcPr marL="38993" marR="38993" marT="0" marB="0"/>
+                </a:tc>
+                <a:tc>
+                  <a:txBody>
+                    <a:bodyPr/>
+                    <a:lstStyle/>
+                    <a:p>
+                      <a:pPr algn="just" fontAlgn="t"/>
+                      <a:r>
+                        <a:rPr lang="en-US" sz="1000" kern="0">
+                          <a:effectLst/>
+                        </a:rPr>
+                        <a:t>3</a:t>
+                      </a:r>
+                      <a:endParaRPr lang="zh-CN" sz="1000" kern="100">
+                        <a:effectLst/>
+                        <a:latin typeface="等线" panose="02010600030101010101" pitchFamily="2" charset="-122"/>
+                        <a:ea typeface="等线" panose="02010600030101010101" pitchFamily="2" charset="-122"/>
+                        <a:cs typeface="Times New Roman" panose="02020603050405020304" pitchFamily="18" charset="0"/>
+                      </a:endParaRPr>
+                    </a:p>
+                  </a:txBody>
+                  <a:tcPr marL="38993" marR="38993" marT="0" marB="0"/>
+                </a:tc>
+                <a:tc>
+                  <a:txBody>
+                    <a:bodyPr/>
+                    <a:lstStyle/>
+                    <a:p>
+                      <a:pPr algn="just" fontAlgn="t"/>
+                      <a:r>
+                        <a:rPr lang="en-US" sz="1000" kern="0">
+                          <a:effectLst/>
+                        </a:rPr>
+                        <a:t>3</a:t>
+                      </a:r>
+                      <a:endParaRPr lang="zh-CN" sz="1000" kern="100">
+                        <a:effectLst/>
+                        <a:latin typeface="等线" panose="02010600030101010101" pitchFamily="2" charset="-122"/>
+                        <a:ea typeface="等线" panose="02010600030101010101" pitchFamily="2" charset="-122"/>
+                        <a:cs typeface="Times New Roman" panose="02020603050405020304" pitchFamily="18" charset="0"/>
+                      </a:endParaRPr>
+                    </a:p>
+                  </a:txBody>
+                  <a:tcPr marL="38993" marR="38993" marT="0" marB="0"/>
+                </a:tc>
+                <a:tc>
+                  <a:txBody>
+                    <a:bodyPr/>
+                    <a:lstStyle/>
+                    <a:p>
+                      <a:pPr algn="just" fontAlgn="t"/>
+                      <a:r>
+                        <a:rPr lang="en-US" sz="1000" kern="0">
+                          <a:effectLst/>
+                        </a:rPr>
+                        <a:t>6</a:t>
+                      </a:r>
+                      <a:endParaRPr lang="zh-CN" sz="1000" kern="100">
+                        <a:effectLst/>
+                        <a:latin typeface="等线" panose="02010600030101010101" pitchFamily="2" charset="-122"/>
+                        <a:ea typeface="等线" panose="02010600030101010101" pitchFamily="2" charset="-122"/>
+                        <a:cs typeface="Times New Roman" panose="02020603050405020304" pitchFamily="18" charset="0"/>
+                      </a:endParaRPr>
+                    </a:p>
+                  </a:txBody>
+                  <a:tcPr marL="38993" marR="38993" marT="0" marB="0"/>
+                </a:tc>
+                <a:tc>
+                  <a:txBody>
+                    <a:bodyPr/>
+                    <a:lstStyle/>
+                    <a:p>
+                      <a:pPr algn="just" fontAlgn="t"/>
+                      <a:r>
+                        <a:rPr lang="en-US" sz="1000" kern="0">
+                          <a:effectLst/>
+                        </a:rPr>
+                        <a:t>2.36%</a:t>
+                      </a:r>
+                      <a:endParaRPr lang="zh-CN" sz="1000" kern="100">
+                        <a:effectLst/>
+                        <a:latin typeface="等线" panose="02010600030101010101" pitchFamily="2" charset="-122"/>
+                        <a:ea typeface="等线" panose="02010600030101010101" pitchFamily="2" charset="-122"/>
+                        <a:cs typeface="Times New Roman" panose="02020603050405020304" pitchFamily="18" charset="0"/>
+                      </a:endParaRPr>
+                    </a:p>
+                  </a:txBody>
+                  <a:tcPr marL="38993" marR="38993" marT="0" marB="0"/>
+                </a:tc>
+                <a:tc>
+                  <a:txBody>
+                    <a:bodyPr/>
+                    <a:lstStyle/>
+                    <a:p>
+                      <a:pPr algn="just" fontAlgn="t"/>
+                      <a:r>
+                        <a:rPr lang="en-US" sz="1000" kern="0">
+                          <a:effectLst/>
+                        </a:rPr>
+                        <a:t>5</a:t>
+                      </a:r>
+                      <a:endParaRPr lang="zh-CN" sz="1000" kern="100">
+                        <a:effectLst/>
+                        <a:latin typeface="等线" panose="02010600030101010101" pitchFamily="2" charset="-122"/>
+                        <a:ea typeface="等线" panose="02010600030101010101" pitchFamily="2" charset="-122"/>
+                        <a:cs typeface="Times New Roman" panose="02020603050405020304" pitchFamily="18" charset="0"/>
+                      </a:endParaRPr>
+                    </a:p>
+                  </a:txBody>
+                  <a:tcPr marL="38993" marR="38993" marT="0" marB="0"/>
+                </a:tc>
+                <a:tc>
+                  <a:txBody>
+                    <a:bodyPr/>
+                    <a:lstStyle/>
+                    <a:p>
+                      <a:pPr algn="just" fontAlgn="t"/>
+                      <a:r>
+                        <a:rPr lang="en-US" sz="1000" kern="0">
+                          <a:effectLst/>
+                        </a:rPr>
+                        <a:t>3.40%</a:t>
+                      </a:r>
+                      <a:endParaRPr lang="zh-CN" sz="1000" kern="100">
+                        <a:effectLst/>
+                        <a:latin typeface="等线" panose="02010600030101010101" pitchFamily="2" charset="-122"/>
+                        <a:ea typeface="等线" panose="02010600030101010101" pitchFamily="2" charset="-122"/>
+                        <a:cs typeface="Times New Roman" panose="02020603050405020304" pitchFamily="18" charset="0"/>
+                      </a:endParaRPr>
+                    </a:p>
+                  </a:txBody>
+                  <a:tcPr marL="38993" marR="38993" marT="0" marB="0"/>
+                </a:tc>
+                <a:tc>
+                  <a:txBody>
+                    <a:bodyPr/>
+                    <a:lstStyle/>
+                    <a:p>
+                      <a:pPr algn="just" fontAlgn="t"/>
+                      <a:r>
+                        <a:rPr lang="en-US" sz="1000" kern="0">
+                          <a:effectLst/>
+                        </a:rPr>
+                        <a:t>5</a:t>
+                      </a:r>
+                      <a:endParaRPr lang="zh-CN" sz="1000" kern="100">
+                        <a:effectLst/>
+                        <a:latin typeface="等线" panose="02010600030101010101" pitchFamily="2" charset="-122"/>
+                        <a:ea typeface="等线" panose="02010600030101010101" pitchFamily="2" charset="-122"/>
+                        <a:cs typeface="Times New Roman" panose="02020603050405020304" pitchFamily="18" charset="0"/>
+                      </a:endParaRPr>
+                    </a:p>
+                  </a:txBody>
+                  <a:tcPr marL="38993" marR="38993" marT="0" marB="0"/>
+                </a:tc>
+                <a:tc>
+                  <a:txBody>
+                    <a:bodyPr/>
+                    <a:lstStyle/>
+                    <a:p>
+                      <a:pPr algn="just" fontAlgn="t"/>
+                      <a:r>
+                        <a:rPr lang="en-US" sz="1000" kern="0">
+                          <a:effectLst/>
+                        </a:rPr>
+                        <a:t>2.96%</a:t>
+                      </a:r>
+                      <a:endParaRPr lang="zh-CN" sz="1000" kern="100">
+                        <a:effectLst/>
+                        <a:latin typeface="等线" panose="02010600030101010101" pitchFamily="2" charset="-122"/>
+                        <a:ea typeface="等线" panose="02010600030101010101" pitchFamily="2" charset="-122"/>
+                        <a:cs typeface="Times New Roman" panose="02020603050405020304" pitchFamily="18" charset="0"/>
+                      </a:endParaRPr>
+                    </a:p>
+                  </a:txBody>
+                  <a:tcPr marL="38993" marR="38993" marT="0" marB="0"/>
+                </a:tc>
+                <a:tc>
+                  <a:txBody>
+                    <a:bodyPr/>
+                    <a:lstStyle/>
+                    <a:p>
+                      <a:pPr algn="just" fontAlgn="t"/>
+                      <a:r>
+                        <a:rPr lang="en-US" sz="1000" kern="0">
+                          <a:effectLst/>
+                        </a:rPr>
+                        <a:t>0.3714 </a:t>
+                      </a:r>
+                      <a:endParaRPr lang="zh-CN" sz="1000" kern="100">
+                        <a:effectLst/>
+                        <a:latin typeface="等线" panose="02010600030101010101" pitchFamily="2" charset="-122"/>
+                        <a:ea typeface="等线" panose="02010600030101010101" pitchFamily="2" charset="-122"/>
+                        <a:cs typeface="Times New Roman" panose="02020603050405020304" pitchFamily="18" charset="0"/>
+                      </a:endParaRPr>
+                    </a:p>
+                  </a:txBody>
+                  <a:tcPr marL="38993" marR="38993" marT="0" marB="0"/>
+                </a:tc>
+                <a:extLst>
+                  <a:ext uri="{0D108BD9-81ED-4DB2-BD59-A6C34878D82A}">
+                    <a16:rowId xmlns:a16="http://schemas.microsoft.com/office/drawing/2014/main" val="2842369237"/>
+                  </a:ext>
+                </a:extLst>
+              </a:tr>
+              <a:tr h="306270">
+                <a:tc>
+                  <a:txBody>
+                    <a:bodyPr/>
+                    <a:lstStyle/>
+                    <a:p>
+                      <a:pPr algn="just" fontAlgn="t"/>
+                      <a:r>
+                        <a:rPr lang="zh-CN" sz="1000" kern="0">
+                          <a:effectLst/>
+                        </a:rPr>
+                        <a:t>评论</a:t>
+                      </a:r>
+                      <a:endParaRPr lang="zh-CN" sz="1000" kern="100">
+                        <a:effectLst/>
+                        <a:latin typeface="等线" panose="02010600030101010101" pitchFamily="2" charset="-122"/>
+                        <a:ea typeface="等线" panose="02010600030101010101" pitchFamily="2" charset="-122"/>
+                        <a:cs typeface="Times New Roman" panose="02020603050405020304" pitchFamily="18" charset="0"/>
+                      </a:endParaRPr>
+                    </a:p>
+                  </a:txBody>
+                  <a:tcPr marL="38993" marR="38993" marT="0" marB="0"/>
+                </a:tc>
+                <a:tc>
+                  <a:txBody>
+                    <a:bodyPr/>
+                    <a:lstStyle/>
+                    <a:p>
+                      <a:pPr algn="just" fontAlgn="t"/>
+                      <a:r>
+                        <a:rPr lang="en-US" sz="1000" kern="0">
+                          <a:effectLst/>
+                        </a:rPr>
+                        <a:t>3</a:t>
+                      </a:r>
+                      <a:endParaRPr lang="zh-CN" sz="1000" kern="100">
+                        <a:effectLst/>
+                        <a:latin typeface="等线" panose="02010600030101010101" pitchFamily="2" charset="-122"/>
+                        <a:ea typeface="等线" panose="02010600030101010101" pitchFamily="2" charset="-122"/>
+                        <a:cs typeface="Times New Roman" panose="02020603050405020304" pitchFamily="18" charset="0"/>
+                      </a:endParaRPr>
+                    </a:p>
+                  </a:txBody>
+                  <a:tcPr marL="38993" marR="38993" marT="0" marB="0"/>
+                </a:tc>
+                <a:tc>
+                  <a:txBody>
+                    <a:bodyPr/>
+                    <a:lstStyle/>
+                    <a:p>
+                      <a:pPr algn="just" fontAlgn="t"/>
+                      <a:r>
+                        <a:rPr lang="en-US" sz="1000" kern="0">
+                          <a:effectLst/>
+                        </a:rPr>
+                        <a:t>4</a:t>
+                      </a:r>
+                      <a:endParaRPr lang="zh-CN" sz="1000" kern="100">
+                        <a:effectLst/>
+                        <a:latin typeface="等线" panose="02010600030101010101" pitchFamily="2" charset="-122"/>
+                        <a:ea typeface="等线" panose="02010600030101010101" pitchFamily="2" charset="-122"/>
+                        <a:cs typeface="Times New Roman" panose="02020603050405020304" pitchFamily="18" charset="0"/>
+                      </a:endParaRPr>
+                    </a:p>
+                  </a:txBody>
+                  <a:tcPr marL="38993" marR="38993" marT="0" marB="0"/>
+                </a:tc>
+                <a:tc>
+                  <a:txBody>
+                    <a:bodyPr/>
+                    <a:lstStyle/>
+                    <a:p>
+                      <a:pPr algn="just" fontAlgn="t"/>
+                      <a:r>
+                        <a:rPr lang="en-US" sz="1000" kern="0">
+                          <a:effectLst/>
+                        </a:rPr>
+                        <a:t>7</a:t>
+                      </a:r>
+                      <a:endParaRPr lang="zh-CN" sz="1000" kern="100">
+                        <a:effectLst/>
+                        <a:latin typeface="等线" panose="02010600030101010101" pitchFamily="2" charset="-122"/>
+                        <a:ea typeface="等线" panose="02010600030101010101" pitchFamily="2" charset="-122"/>
+                        <a:cs typeface="Times New Roman" panose="02020603050405020304" pitchFamily="18" charset="0"/>
+                      </a:endParaRPr>
+                    </a:p>
+                  </a:txBody>
+                  <a:tcPr marL="38993" marR="38993" marT="0" marB="0"/>
+                </a:tc>
+                <a:tc>
+                  <a:txBody>
+                    <a:bodyPr/>
+                    <a:lstStyle/>
+                    <a:p>
+                      <a:pPr algn="just" fontAlgn="t"/>
+                      <a:r>
+                        <a:rPr lang="en-US" sz="1000" kern="0">
+                          <a:effectLst/>
+                        </a:rPr>
+                        <a:t>2.76%</a:t>
+                      </a:r>
+                      <a:endParaRPr lang="zh-CN" sz="1000" kern="100">
+                        <a:effectLst/>
+                        <a:latin typeface="等线" panose="02010600030101010101" pitchFamily="2" charset="-122"/>
+                        <a:ea typeface="等线" panose="02010600030101010101" pitchFamily="2" charset="-122"/>
+                        <a:cs typeface="Times New Roman" panose="02020603050405020304" pitchFamily="18" charset="0"/>
+                      </a:endParaRPr>
+                    </a:p>
+                  </a:txBody>
+                  <a:tcPr marL="38993" marR="38993" marT="0" marB="0"/>
+                </a:tc>
+                <a:tc>
+                  <a:txBody>
+                    <a:bodyPr/>
+                    <a:lstStyle/>
+                    <a:p>
+                      <a:pPr algn="just" fontAlgn="t"/>
+                      <a:r>
+                        <a:rPr lang="en-US" sz="1000" kern="0">
+                          <a:effectLst/>
+                        </a:rPr>
+                        <a:t>6</a:t>
+                      </a:r>
+                      <a:endParaRPr lang="zh-CN" sz="1000" kern="100">
+                        <a:effectLst/>
+                        <a:latin typeface="等线" panose="02010600030101010101" pitchFamily="2" charset="-122"/>
+                        <a:ea typeface="等线" panose="02010600030101010101" pitchFamily="2" charset="-122"/>
+                        <a:cs typeface="Times New Roman" panose="02020603050405020304" pitchFamily="18" charset="0"/>
+                      </a:endParaRPr>
+                    </a:p>
+                  </a:txBody>
+                  <a:tcPr marL="38993" marR="38993" marT="0" marB="0"/>
+                </a:tc>
+                <a:tc>
+                  <a:txBody>
+                    <a:bodyPr/>
+                    <a:lstStyle/>
+                    <a:p>
+                      <a:pPr algn="just" fontAlgn="t"/>
+                      <a:r>
+                        <a:rPr lang="en-US" sz="1000" kern="0">
+                          <a:effectLst/>
+                        </a:rPr>
+                        <a:t>4.08%</a:t>
+                      </a:r>
+                      <a:endParaRPr lang="zh-CN" sz="1000" kern="100">
+                        <a:effectLst/>
+                        <a:latin typeface="等线" panose="02010600030101010101" pitchFamily="2" charset="-122"/>
+                        <a:ea typeface="等线" panose="02010600030101010101" pitchFamily="2" charset="-122"/>
+                        <a:cs typeface="Times New Roman" panose="02020603050405020304" pitchFamily="18" charset="0"/>
+                      </a:endParaRPr>
+                    </a:p>
+                  </a:txBody>
+                  <a:tcPr marL="38993" marR="38993" marT="0" marB="0"/>
+                </a:tc>
+                <a:tc>
+                  <a:txBody>
+                    <a:bodyPr/>
+                    <a:lstStyle/>
+                    <a:p>
+                      <a:pPr algn="just" fontAlgn="t"/>
+                      <a:r>
+                        <a:rPr lang="en-US" sz="1000" kern="0">
+                          <a:effectLst/>
+                        </a:rPr>
+                        <a:t>7</a:t>
+                      </a:r>
+                      <a:endParaRPr lang="zh-CN" sz="1000" kern="100">
+                        <a:effectLst/>
+                        <a:latin typeface="等线" panose="02010600030101010101" pitchFamily="2" charset="-122"/>
+                        <a:ea typeface="等线" panose="02010600030101010101" pitchFamily="2" charset="-122"/>
+                        <a:cs typeface="Times New Roman" panose="02020603050405020304" pitchFamily="18" charset="0"/>
+                      </a:endParaRPr>
+                    </a:p>
+                  </a:txBody>
+                  <a:tcPr marL="38993" marR="38993" marT="0" marB="0"/>
+                </a:tc>
+                <a:tc>
+                  <a:txBody>
+                    <a:bodyPr/>
+                    <a:lstStyle/>
+                    <a:p>
+                      <a:pPr algn="just" fontAlgn="t"/>
+                      <a:r>
+                        <a:rPr lang="en-US" sz="1000" kern="0">
+                          <a:effectLst/>
+                        </a:rPr>
+                        <a:t>4.14%</a:t>
+                      </a:r>
+                      <a:endParaRPr lang="zh-CN" sz="1000" kern="100">
+                        <a:effectLst/>
+                        <a:latin typeface="等线" panose="02010600030101010101" pitchFamily="2" charset="-122"/>
+                        <a:ea typeface="等线" panose="02010600030101010101" pitchFamily="2" charset="-122"/>
+                        <a:cs typeface="Times New Roman" panose="02020603050405020304" pitchFamily="18" charset="0"/>
+                      </a:endParaRPr>
+                    </a:p>
+                  </a:txBody>
+                  <a:tcPr marL="38993" marR="38993" marT="0" marB="0"/>
+                </a:tc>
+                <a:tc>
+                  <a:txBody>
+                    <a:bodyPr/>
+                    <a:lstStyle/>
+                    <a:p>
+                      <a:pPr algn="just" fontAlgn="t"/>
+                      <a:r>
+                        <a:rPr lang="en-US" sz="1000" kern="0">
+                          <a:effectLst/>
+                        </a:rPr>
+                        <a:t>0.3351 </a:t>
+                      </a:r>
+                      <a:endParaRPr lang="zh-CN" sz="1000" kern="100">
+                        <a:effectLst/>
+                        <a:latin typeface="等线" panose="02010600030101010101" pitchFamily="2" charset="-122"/>
+                        <a:ea typeface="等线" panose="02010600030101010101" pitchFamily="2" charset="-122"/>
+                        <a:cs typeface="Times New Roman" panose="02020603050405020304" pitchFamily="18" charset="0"/>
+                      </a:endParaRPr>
+                    </a:p>
+                  </a:txBody>
+                  <a:tcPr marL="38993" marR="38993" marT="0" marB="0"/>
+                </a:tc>
+                <a:extLst>
+                  <a:ext uri="{0D108BD9-81ED-4DB2-BD59-A6C34878D82A}">
+                    <a16:rowId xmlns:a16="http://schemas.microsoft.com/office/drawing/2014/main" val="132586021"/>
+                  </a:ext>
+                </a:extLst>
+              </a:tr>
+              <a:tr h="306270">
+                <a:tc>
+                  <a:txBody>
+                    <a:bodyPr/>
+                    <a:lstStyle/>
+                    <a:p>
+                      <a:pPr algn="just" fontAlgn="t"/>
+                      <a:r>
+                        <a:rPr lang="zh-CN" sz="1000" kern="0">
+                          <a:effectLst/>
+                        </a:rPr>
+                        <a:t>回答</a:t>
+                      </a:r>
+                      <a:endParaRPr lang="zh-CN" sz="1000" kern="100">
+                        <a:effectLst/>
+                        <a:latin typeface="等线" panose="02010600030101010101" pitchFamily="2" charset="-122"/>
+                        <a:ea typeface="等线" panose="02010600030101010101" pitchFamily="2" charset="-122"/>
+                        <a:cs typeface="Times New Roman" panose="02020603050405020304" pitchFamily="18" charset="0"/>
+                      </a:endParaRPr>
+                    </a:p>
+                  </a:txBody>
+                  <a:tcPr marL="38993" marR="38993" marT="0" marB="0"/>
+                </a:tc>
+                <a:tc>
+                  <a:txBody>
+                    <a:bodyPr/>
+                    <a:lstStyle/>
+                    <a:p>
+                      <a:pPr algn="just" fontAlgn="t"/>
+                      <a:r>
+                        <a:rPr lang="en-US" sz="1000" kern="0">
+                          <a:effectLst/>
+                        </a:rPr>
+                        <a:t>3</a:t>
+                      </a:r>
+                      <a:endParaRPr lang="zh-CN" sz="1000" kern="100">
+                        <a:effectLst/>
+                        <a:latin typeface="等线" panose="02010600030101010101" pitchFamily="2" charset="-122"/>
+                        <a:ea typeface="等线" panose="02010600030101010101" pitchFamily="2" charset="-122"/>
+                        <a:cs typeface="Times New Roman" panose="02020603050405020304" pitchFamily="18" charset="0"/>
+                      </a:endParaRPr>
+                    </a:p>
+                  </a:txBody>
+                  <a:tcPr marL="38993" marR="38993" marT="0" marB="0"/>
+                </a:tc>
+                <a:tc>
+                  <a:txBody>
+                    <a:bodyPr/>
+                    <a:lstStyle/>
+                    <a:p>
+                      <a:pPr algn="just" fontAlgn="t"/>
+                      <a:r>
+                        <a:rPr lang="en-US" sz="1000" kern="0">
+                          <a:effectLst/>
+                        </a:rPr>
+                        <a:t>4</a:t>
+                      </a:r>
+                      <a:endParaRPr lang="zh-CN" sz="1000" kern="100">
+                        <a:effectLst/>
+                        <a:latin typeface="等线" panose="02010600030101010101" pitchFamily="2" charset="-122"/>
+                        <a:ea typeface="等线" panose="02010600030101010101" pitchFamily="2" charset="-122"/>
+                        <a:cs typeface="Times New Roman" panose="02020603050405020304" pitchFamily="18" charset="0"/>
+                      </a:endParaRPr>
+                    </a:p>
+                  </a:txBody>
+                  <a:tcPr marL="38993" marR="38993" marT="0" marB="0"/>
+                </a:tc>
+                <a:tc>
+                  <a:txBody>
+                    <a:bodyPr/>
+                    <a:lstStyle/>
+                    <a:p>
+                      <a:pPr algn="just" fontAlgn="t"/>
+                      <a:r>
+                        <a:rPr lang="en-US" sz="1000" kern="0">
+                          <a:effectLst/>
+                        </a:rPr>
+                        <a:t>7</a:t>
+                      </a:r>
+                      <a:endParaRPr lang="zh-CN" sz="1000" kern="100">
+                        <a:effectLst/>
+                        <a:latin typeface="等线" panose="02010600030101010101" pitchFamily="2" charset="-122"/>
+                        <a:ea typeface="等线" panose="02010600030101010101" pitchFamily="2" charset="-122"/>
+                        <a:cs typeface="Times New Roman" panose="02020603050405020304" pitchFamily="18" charset="0"/>
+                      </a:endParaRPr>
+                    </a:p>
+                  </a:txBody>
+                  <a:tcPr marL="38993" marR="38993" marT="0" marB="0"/>
+                </a:tc>
+                <a:tc>
+                  <a:txBody>
+                    <a:bodyPr/>
+                    <a:lstStyle/>
+                    <a:p>
+                      <a:pPr algn="just" fontAlgn="t"/>
+                      <a:r>
+                        <a:rPr lang="en-US" sz="1000" kern="0">
+                          <a:effectLst/>
+                        </a:rPr>
+                        <a:t>2.76%</a:t>
+                      </a:r>
+                      <a:endParaRPr lang="zh-CN" sz="1000" kern="100">
+                        <a:effectLst/>
+                        <a:latin typeface="等线" panose="02010600030101010101" pitchFamily="2" charset="-122"/>
+                        <a:ea typeface="等线" panose="02010600030101010101" pitchFamily="2" charset="-122"/>
+                        <a:cs typeface="Times New Roman" panose="02020603050405020304" pitchFamily="18" charset="0"/>
+                      </a:endParaRPr>
+                    </a:p>
+                  </a:txBody>
+                  <a:tcPr marL="38993" marR="38993" marT="0" marB="0"/>
+                </a:tc>
+                <a:tc>
+                  <a:txBody>
+                    <a:bodyPr/>
+                    <a:lstStyle/>
+                    <a:p>
+                      <a:pPr algn="just" fontAlgn="t"/>
+                      <a:r>
+                        <a:rPr lang="en-US" sz="1000" kern="0">
+                          <a:effectLst/>
+                        </a:rPr>
+                        <a:t>7</a:t>
+                      </a:r>
+                      <a:endParaRPr lang="zh-CN" sz="1000" kern="100">
+                        <a:effectLst/>
+                        <a:latin typeface="等线" panose="02010600030101010101" pitchFamily="2" charset="-122"/>
+                        <a:ea typeface="等线" panose="02010600030101010101" pitchFamily="2" charset="-122"/>
+                        <a:cs typeface="Times New Roman" panose="02020603050405020304" pitchFamily="18" charset="0"/>
+                      </a:endParaRPr>
+                    </a:p>
+                  </a:txBody>
+                  <a:tcPr marL="38993" marR="38993" marT="0" marB="0"/>
+                </a:tc>
+                <a:tc>
+                  <a:txBody>
+                    <a:bodyPr/>
+                    <a:lstStyle/>
+                    <a:p>
+                      <a:pPr algn="just" fontAlgn="t"/>
+                      <a:r>
+                        <a:rPr lang="en-US" sz="1000" kern="0">
+                          <a:effectLst/>
+                        </a:rPr>
+                        <a:t>4.76%</a:t>
+                      </a:r>
+                      <a:endParaRPr lang="zh-CN" sz="1000" kern="100">
+                        <a:effectLst/>
+                        <a:latin typeface="等线" panose="02010600030101010101" pitchFamily="2" charset="-122"/>
+                        <a:ea typeface="等线" panose="02010600030101010101" pitchFamily="2" charset="-122"/>
+                        <a:cs typeface="Times New Roman" panose="02020603050405020304" pitchFamily="18" charset="0"/>
+                      </a:endParaRPr>
+                    </a:p>
+                  </a:txBody>
+                  <a:tcPr marL="38993" marR="38993" marT="0" marB="0"/>
+                </a:tc>
+                <a:tc>
+                  <a:txBody>
+                    <a:bodyPr/>
+                    <a:lstStyle/>
+                    <a:p>
+                      <a:pPr algn="just" fontAlgn="t"/>
+                      <a:r>
+                        <a:rPr lang="en-US" sz="1000" kern="0">
+                          <a:effectLst/>
+                        </a:rPr>
+                        <a:t>6</a:t>
+                      </a:r>
+                      <a:endParaRPr lang="zh-CN" sz="1000" kern="100">
+                        <a:effectLst/>
+                        <a:latin typeface="等线" panose="02010600030101010101" pitchFamily="2" charset="-122"/>
+                        <a:ea typeface="等线" panose="02010600030101010101" pitchFamily="2" charset="-122"/>
+                        <a:cs typeface="Times New Roman" panose="02020603050405020304" pitchFamily="18" charset="0"/>
+                      </a:endParaRPr>
+                    </a:p>
+                  </a:txBody>
+                  <a:tcPr marL="38993" marR="38993" marT="0" marB="0"/>
+                </a:tc>
+                <a:tc>
+                  <a:txBody>
+                    <a:bodyPr/>
+                    <a:lstStyle/>
+                    <a:p>
+                      <a:pPr algn="just" fontAlgn="t"/>
+                      <a:r>
+                        <a:rPr lang="en-US" sz="1000" kern="0">
+                          <a:effectLst/>
+                        </a:rPr>
+                        <a:t>3.55%</a:t>
+                      </a:r>
+                      <a:endParaRPr lang="zh-CN" sz="1000" kern="100">
+                        <a:effectLst/>
+                        <a:latin typeface="等线" panose="02010600030101010101" pitchFamily="2" charset="-122"/>
+                        <a:ea typeface="等线" panose="02010600030101010101" pitchFamily="2" charset="-122"/>
+                        <a:cs typeface="Times New Roman" panose="02020603050405020304" pitchFamily="18" charset="0"/>
+                      </a:endParaRPr>
+                    </a:p>
+                  </a:txBody>
+                  <a:tcPr marL="38993" marR="38993" marT="0" marB="0"/>
+                </a:tc>
+                <a:tc>
+                  <a:txBody>
+                    <a:bodyPr/>
+                    <a:lstStyle/>
+                    <a:p>
+                      <a:pPr algn="just" fontAlgn="t"/>
+                      <a:r>
+                        <a:rPr lang="en-US" sz="1000" kern="0" dirty="0">
+                          <a:effectLst/>
+                        </a:rPr>
+                        <a:t>0.3315 </a:t>
+                      </a:r>
+                      <a:endParaRPr lang="zh-CN" sz="1000" kern="100" dirty="0">
+                        <a:effectLst/>
+                        <a:latin typeface="等线" panose="02010600030101010101" pitchFamily="2" charset="-122"/>
+                        <a:ea typeface="等线" panose="02010600030101010101" pitchFamily="2" charset="-122"/>
+                        <a:cs typeface="Times New Roman" panose="02020603050405020304" pitchFamily="18" charset="0"/>
+                      </a:endParaRPr>
+                    </a:p>
+                  </a:txBody>
+                  <a:tcPr marL="38993" marR="38993" marT="0" marB="0"/>
+                </a:tc>
+                <a:extLst>
+                  <a:ext uri="{0D108BD9-81ED-4DB2-BD59-A6C34878D82A}">
+                    <a16:rowId xmlns:a16="http://schemas.microsoft.com/office/drawing/2014/main" val="2654584886"/>
+                  </a:ext>
+                </a:extLst>
+              </a:tr>
+            </a:tbl>
+          </a:graphicData>
+        </a:graphic>
+      </p:graphicFrame>
+      <p:graphicFrame>
+        <p:nvGraphicFramePr>
+          <p:cNvPr id="4" name="表格 3">
+            <a:extLst>
+              <a:ext uri="{FF2B5EF4-FFF2-40B4-BE49-F238E27FC236}">
+                <a16:creationId xmlns:a16="http://schemas.microsoft.com/office/drawing/2014/main" id="{06C1CA14-718B-404F-8A26-B1A03CAB1475}"/>
+              </a:ext>
+            </a:extLst>
+          </p:cNvPr>
+          <p:cNvGraphicFramePr>
+            <a:graphicFrameLocks noGrp="1"/>
+          </p:cNvGraphicFramePr>
+          <p:nvPr>
+            <p:extLst>
+              <p:ext uri="{D42A27DB-BD31-4B8C-83A1-F6EECF244321}">
+                <p14:modId xmlns:p14="http://schemas.microsoft.com/office/powerpoint/2010/main" val="1858769652"/>
+              </p:ext>
+            </p:extLst>
+          </p:nvPr>
+        </p:nvGraphicFramePr>
+        <p:xfrm>
+          <a:off x="5805182" y="1319353"/>
+          <a:ext cx="4899169" cy="5094050"/>
+        </p:xfrm>
+        <a:graphic>
+          <a:graphicData uri="http://schemas.openxmlformats.org/drawingml/2006/table">
+            <a:tbl>
+              <a:tblPr firstRow="1" firstCol="1" bandRow="1">
+                <a:tableStyleId>{5C22544A-7EE6-4342-B048-85BDC9FD1C3A}</a:tableStyleId>
+              </a:tblPr>
+              <a:tblGrid>
+                <a:gridCol w="669586">
+                  <a:extLst>
+                    <a:ext uri="{9D8B030D-6E8A-4147-A177-3AD203B41FA5}">
+                      <a16:colId xmlns:a16="http://schemas.microsoft.com/office/drawing/2014/main" val="2386821428"/>
+                    </a:ext>
+                  </a:extLst>
+                </a:gridCol>
+                <a:gridCol w="414665">
+                  <a:extLst>
+                    <a:ext uri="{9D8B030D-6E8A-4147-A177-3AD203B41FA5}">
+                      <a16:colId xmlns:a16="http://schemas.microsoft.com/office/drawing/2014/main" val="968514178"/>
+                    </a:ext>
+                  </a:extLst>
+                </a:gridCol>
+                <a:gridCol w="470326">
+                  <a:extLst>
+                    <a:ext uri="{9D8B030D-6E8A-4147-A177-3AD203B41FA5}">
+                      <a16:colId xmlns:a16="http://schemas.microsoft.com/office/drawing/2014/main" val="2484298694"/>
+                    </a:ext>
+                  </a:extLst>
+                </a:gridCol>
+                <a:gridCol w="431362">
+                  <a:extLst>
+                    <a:ext uri="{9D8B030D-6E8A-4147-A177-3AD203B41FA5}">
+                      <a16:colId xmlns:a16="http://schemas.microsoft.com/office/drawing/2014/main" val="3086420780"/>
+                    </a:ext>
+                  </a:extLst>
+                </a:gridCol>
+                <a:gridCol w="568286">
+                  <a:extLst>
+                    <a:ext uri="{9D8B030D-6E8A-4147-A177-3AD203B41FA5}">
+                      <a16:colId xmlns:a16="http://schemas.microsoft.com/office/drawing/2014/main" val="3360487876"/>
+                    </a:ext>
+                  </a:extLst>
+                </a:gridCol>
+                <a:gridCol w="384052">
+                  <a:extLst>
+                    <a:ext uri="{9D8B030D-6E8A-4147-A177-3AD203B41FA5}">
+                      <a16:colId xmlns:a16="http://schemas.microsoft.com/office/drawing/2014/main" val="900314981"/>
+                    </a:ext>
+                  </a:extLst>
+                </a:gridCol>
+                <a:gridCol w="568286">
+                  <a:extLst>
+                    <a:ext uri="{9D8B030D-6E8A-4147-A177-3AD203B41FA5}">
+                      <a16:colId xmlns:a16="http://schemas.microsoft.com/office/drawing/2014/main" val="721054891"/>
+                    </a:ext>
+                  </a:extLst>
+                </a:gridCol>
+                <a:gridCol w="384052">
+                  <a:extLst>
+                    <a:ext uri="{9D8B030D-6E8A-4147-A177-3AD203B41FA5}">
+                      <a16:colId xmlns:a16="http://schemas.microsoft.com/office/drawing/2014/main" val="3700441097"/>
+                    </a:ext>
+                  </a:extLst>
+                </a:gridCol>
+                <a:gridCol w="465871">
+                  <a:extLst>
+                    <a:ext uri="{9D8B030D-6E8A-4147-A177-3AD203B41FA5}">
+                      <a16:colId xmlns:a16="http://schemas.microsoft.com/office/drawing/2014/main" val="903134339"/>
+                    </a:ext>
+                  </a:extLst>
+                </a:gridCol>
+                <a:gridCol w="542683">
+                  <a:extLst>
+                    <a:ext uri="{9D8B030D-6E8A-4147-A177-3AD203B41FA5}">
+                      <a16:colId xmlns:a16="http://schemas.microsoft.com/office/drawing/2014/main" val="1146364327"/>
+                    </a:ext>
+                  </a:extLst>
+                </a:gridCol>
+              </a:tblGrid>
+              <a:tr h="276775">
+                <a:tc>
+                  <a:txBody>
+                    <a:bodyPr/>
+                    <a:lstStyle/>
+                    <a:p>
+                      <a:pPr algn="just" fontAlgn="t"/>
+                      <a:r>
+                        <a:rPr lang="zh-CN" sz="1000" kern="0">
+                          <a:effectLst/>
+                        </a:rPr>
+                        <a:t>评论答案</a:t>
+                      </a:r>
+                      <a:endParaRPr lang="zh-CN" sz="1000" kern="100">
+                        <a:effectLst/>
+                        <a:latin typeface="等线" panose="02010600030101010101" pitchFamily="2" charset="-122"/>
+                        <a:ea typeface="等线" panose="02010600030101010101" pitchFamily="2" charset="-122"/>
+                        <a:cs typeface="Times New Roman" panose="02020603050405020304" pitchFamily="18" charset="0"/>
+                      </a:endParaRPr>
+                    </a:p>
+                  </a:txBody>
+                  <a:tcPr marL="38993" marR="38993" marT="0" marB="0"/>
+                </a:tc>
+                <a:tc>
+                  <a:txBody>
+                    <a:bodyPr/>
+                    <a:lstStyle/>
+                    <a:p>
+                      <a:pPr algn="just" fontAlgn="t"/>
+                      <a:r>
+                        <a:rPr lang="en-US" sz="1000" kern="0">
+                          <a:effectLst/>
+                        </a:rPr>
+                        <a:t>5</a:t>
+                      </a:r>
+                      <a:endParaRPr lang="zh-CN" sz="1000" kern="100">
+                        <a:effectLst/>
+                        <a:latin typeface="等线" panose="02010600030101010101" pitchFamily="2" charset="-122"/>
+                        <a:ea typeface="等线" panose="02010600030101010101" pitchFamily="2" charset="-122"/>
+                        <a:cs typeface="Times New Roman" panose="02020603050405020304" pitchFamily="18" charset="0"/>
+                      </a:endParaRPr>
+                    </a:p>
+                  </a:txBody>
+                  <a:tcPr marL="38993" marR="38993" marT="0" marB="0"/>
+                </a:tc>
+                <a:tc>
+                  <a:txBody>
+                    <a:bodyPr/>
+                    <a:lstStyle/>
+                    <a:p>
+                      <a:pPr algn="just" fontAlgn="t"/>
+                      <a:r>
+                        <a:rPr lang="en-US" sz="1000" kern="0">
+                          <a:effectLst/>
+                        </a:rPr>
+                        <a:t>4</a:t>
+                      </a:r>
+                      <a:endParaRPr lang="zh-CN" sz="1000" kern="100">
+                        <a:effectLst/>
+                        <a:latin typeface="等线" panose="02010600030101010101" pitchFamily="2" charset="-122"/>
+                        <a:ea typeface="等线" panose="02010600030101010101" pitchFamily="2" charset="-122"/>
+                        <a:cs typeface="Times New Roman" panose="02020603050405020304" pitchFamily="18" charset="0"/>
+                      </a:endParaRPr>
+                    </a:p>
+                  </a:txBody>
+                  <a:tcPr marL="38993" marR="38993" marT="0" marB="0"/>
+                </a:tc>
+                <a:tc>
+                  <a:txBody>
+                    <a:bodyPr/>
+                    <a:lstStyle/>
+                    <a:p>
+                      <a:pPr algn="just" fontAlgn="t"/>
+                      <a:r>
+                        <a:rPr lang="en-US" sz="1000" kern="0">
+                          <a:effectLst/>
+                        </a:rPr>
+                        <a:t>9</a:t>
+                      </a:r>
+                      <a:endParaRPr lang="zh-CN" sz="1000" kern="100">
+                        <a:effectLst/>
+                        <a:latin typeface="等线" panose="02010600030101010101" pitchFamily="2" charset="-122"/>
+                        <a:ea typeface="等线" panose="02010600030101010101" pitchFamily="2" charset="-122"/>
+                        <a:cs typeface="Times New Roman" panose="02020603050405020304" pitchFamily="18" charset="0"/>
+                      </a:endParaRPr>
+                    </a:p>
+                  </a:txBody>
+                  <a:tcPr marL="38993" marR="38993" marT="0" marB="0"/>
+                </a:tc>
+                <a:tc>
+                  <a:txBody>
+                    <a:bodyPr/>
+                    <a:lstStyle/>
+                    <a:p>
+                      <a:pPr algn="just" fontAlgn="t"/>
+                      <a:r>
+                        <a:rPr lang="en-US" sz="1000" kern="0">
+                          <a:effectLst/>
+                        </a:rPr>
+                        <a:t>3.54%</a:t>
+                      </a:r>
+                      <a:endParaRPr lang="zh-CN" sz="1000" kern="100">
+                        <a:effectLst/>
+                        <a:latin typeface="等线" panose="02010600030101010101" pitchFamily="2" charset="-122"/>
+                        <a:ea typeface="等线" panose="02010600030101010101" pitchFamily="2" charset="-122"/>
+                        <a:cs typeface="Times New Roman" panose="02020603050405020304" pitchFamily="18" charset="0"/>
+                      </a:endParaRPr>
+                    </a:p>
+                  </a:txBody>
+                  <a:tcPr marL="38993" marR="38993" marT="0" marB="0"/>
+                </a:tc>
+                <a:tc>
+                  <a:txBody>
+                    <a:bodyPr/>
+                    <a:lstStyle/>
+                    <a:p>
+                      <a:pPr algn="just" fontAlgn="t"/>
+                      <a:r>
+                        <a:rPr lang="en-US" sz="1000" kern="0">
+                          <a:effectLst/>
+                        </a:rPr>
+                        <a:t>5</a:t>
+                      </a:r>
+                      <a:endParaRPr lang="zh-CN" sz="1000" kern="100">
+                        <a:effectLst/>
+                        <a:latin typeface="等线" panose="02010600030101010101" pitchFamily="2" charset="-122"/>
+                        <a:ea typeface="等线" panose="02010600030101010101" pitchFamily="2" charset="-122"/>
+                        <a:cs typeface="Times New Roman" panose="02020603050405020304" pitchFamily="18" charset="0"/>
+                      </a:endParaRPr>
+                    </a:p>
+                  </a:txBody>
+                  <a:tcPr marL="38993" marR="38993" marT="0" marB="0"/>
+                </a:tc>
+                <a:tc>
+                  <a:txBody>
+                    <a:bodyPr/>
+                    <a:lstStyle/>
+                    <a:p>
+                      <a:pPr algn="just" fontAlgn="t"/>
+                      <a:r>
+                        <a:rPr lang="en-US" sz="1000" kern="0">
+                          <a:effectLst/>
+                        </a:rPr>
+                        <a:t>3.40%</a:t>
+                      </a:r>
+                      <a:endParaRPr lang="zh-CN" sz="1000" kern="100">
+                        <a:effectLst/>
+                        <a:latin typeface="等线" panose="02010600030101010101" pitchFamily="2" charset="-122"/>
+                        <a:ea typeface="等线" panose="02010600030101010101" pitchFamily="2" charset="-122"/>
+                        <a:cs typeface="Times New Roman" panose="02020603050405020304" pitchFamily="18" charset="0"/>
+                      </a:endParaRPr>
+                    </a:p>
+                  </a:txBody>
+                  <a:tcPr marL="38993" marR="38993" marT="0" marB="0"/>
+                </a:tc>
+                <a:tc>
+                  <a:txBody>
+                    <a:bodyPr/>
+                    <a:lstStyle/>
+                    <a:p>
+                      <a:pPr algn="just" fontAlgn="t"/>
+                      <a:r>
+                        <a:rPr lang="en-US" sz="1000" kern="0">
+                          <a:effectLst/>
+                        </a:rPr>
+                        <a:t>4</a:t>
+                      </a:r>
+                      <a:endParaRPr lang="zh-CN" sz="1000" kern="100">
+                        <a:effectLst/>
+                        <a:latin typeface="等线" panose="02010600030101010101" pitchFamily="2" charset="-122"/>
+                        <a:ea typeface="等线" panose="02010600030101010101" pitchFamily="2" charset="-122"/>
+                        <a:cs typeface="Times New Roman" panose="02020603050405020304" pitchFamily="18" charset="0"/>
+                      </a:endParaRPr>
+                    </a:p>
+                  </a:txBody>
+                  <a:tcPr marL="38993" marR="38993" marT="0" marB="0"/>
+                </a:tc>
+                <a:tc>
+                  <a:txBody>
+                    <a:bodyPr/>
+                    <a:lstStyle/>
+                    <a:p>
+                      <a:pPr algn="just" fontAlgn="t"/>
+                      <a:r>
+                        <a:rPr lang="en-US" sz="1000" kern="0">
+                          <a:effectLst/>
+                        </a:rPr>
+                        <a:t>2.37%</a:t>
+                      </a:r>
+                      <a:endParaRPr lang="zh-CN" sz="1000" kern="100">
+                        <a:effectLst/>
+                        <a:latin typeface="等线" panose="02010600030101010101" pitchFamily="2" charset="-122"/>
+                        <a:ea typeface="等线" panose="02010600030101010101" pitchFamily="2" charset="-122"/>
+                        <a:cs typeface="Times New Roman" panose="02020603050405020304" pitchFamily="18" charset="0"/>
+                      </a:endParaRPr>
+                    </a:p>
+                  </a:txBody>
+                  <a:tcPr marL="38993" marR="38993" marT="0" marB="0"/>
+                </a:tc>
+                <a:tc>
+                  <a:txBody>
+                    <a:bodyPr/>
+                    <a:lstStyle/>
+                    <a:p>
+                      <a:pPr algn="just" fontAlgn="t"/>
+                      <a:r>
+                        <a:rPr lang="en-US" sz="1000" kern="0">
+                          <a:effectLst/>
+                        </a:rPr>
+                        <a:t>0.6143 </a:t>
+                      </a:r>
+                      <a:endParaRPr lang="zh-CN" sz="1000" kern="100">
+                        <a:effectLst/>
+                        <a:latin typeface="等线" panose="02010600030101010101" pitchFamily="2" charset="-122"/>
+                        <a:ea typeface="等线" panose="02010600030101010101" pitchFamily="2" charset="-122"/>
+                        <a:cs typeface="Times New Roman" panose="02020603050405020304" pitchFamily="18" charset="0"/>
+                      </a:endParaRPr>
+                    </a:p>
+                  </a:txBody>
+                  <a:tcPr marL="38993" marR="38993" marT="0" marB="0"/>
+                </a:tc>
+                <a:extLst>
+                  <a:ext uri="{0D108BD9-81ED-4DB2-BD59-A6C34878D82A}">
+                    <a16:rowId xmlns:a16="http://schemas.microsoft.com/office/drawing/2014/main" val="290767121"/>
+                  </a:ext>
+                </a:extLst>
+              </a:tr>
+              <a:tr h="276775">
+                <a:tc>
+                  <a:txBody>
+                    <a:bodyPr/>
+                    <a:lstStyle/>
+                    <a:p>
+                      <a:pPr algn="just" fontAlgn="t"/>
+                      <a:r>
+                        <a:rPr lang="zh-CN" sz="1000" kern="0">
+                          <a:effectLst/>
+                        </a:rPr>
+                        <a:t>点赞</a:t>
+                      </a:r>
+                      <a:endParaRPr lang="zh-CN" sz="1000" kern="100">
+                        <a:effectLst/>
+                        <a:latin typeface="等线" panose="02010600030101010101" pitchFamily="2" charset="-122"/>
+                        <a:ea typeface="等线" panose="02010600030101010101" pitchFamily="2" charset="-122"/>
+                        <a:cs typeface="Times New Roman" panose="02020603050405020304" pitchFamily="18" charset="0"/>
+                      </a:endParaRPr>
+                    </a:p>
+                  </a:txBody>
+                  <a:tcPr marL="38993" marR="38993" marT="0" marB="0"/>
+                </a:tc>
+                <a:tc>
+                  <a:txBody>
+                    <a:bodyPr/>
+                    <a:lstStyle/>
+                    <a:p>
+                      <a:pPr algn="just" fontAlgn="t"/>
+                      <a:r>
+                        <a:rPr lang="en-US" sz="1000" kern="0">
+                          <a:effectLst/>
+                        </a:rPr>
+                        <a:t>3</a:t>
+                      </a:r>
+                      <a:endParaRPr lang="zh-CN" sz="1000" kern="100">
+                        <a:effectLst/>
+                        <a:latin typeface="等线" panose="02010600030101010101" pitchFamily="2" charset="-122"/>
+                        <a:ea typeface="等线" panose="02010600030101010101" pitchFamily="2" charset="-122"/>
+                        <a:cs typeface="Times New Roman" panose="02020603050405020304" pitchFamily="18" charset="0"/>
+                      </a:endParaRPr>
+                    </a:p>
+                  </a:txBody>
+                  <a:tcPr marL="38993" marR="38993" marT="0" marB="0"/>
+                </a:tc>
+                <a:tc>
+                  <a:txBody>
+                    <a:bodyPr/>
+                    <a:lstStyle/>
+                    <a:p>
+                      <a:pPr algn="just" fontAlgn="t"/>
+                      <a:r>
+                        <a:rPr lang="en-US" sz="1000" kern="0">
+                          <a:effectLst/>
+                        </a:rPr>
+                        <a:t>3</a:t>
+                      </a:r>
+                      <a:endParaRPr lang="zh-CN" sz="1000" kern="100">
+                        <a:effectLst/>
+                        <a:latin typeface="等线" panose="02010600030101010101" pitchFamily="2" charset="-122"/>
+                        <a:ea typeface="等线" panose="02010600030101010101" pitchFamily="2" charset="-122"/>
+                        <a:cs typeface="Times New Roman" panose="02020603050405020304" pitchFamily="18" charset="0"/>
+                      </a:endParaRPr>
+                    </a:p>
+                  </a:txBody>
+                  <a:tcPr marL="38993" marR="38993" marT="0" marB="0"/>
+                </a:tc>
+                <a:tc>
+                  <a:txBody>
+                    <a:bodyPr/>
+                    <a:lstStyle/>
+                    <a:p>
+                      <a:pPr algn="just" fontAlgn="t"/>
+                      <a:r>
+                        <a:rPr lang="en-US" sz="1000" kern="0">
+                          <a:effectLst/>
+                        </a:rPr>
+                        <a:t>6</a:t>
+                      </a:r>
+                      <a:endParaRPr lang="zh-CN" sz="1000" kern="100">
+                        <a:effectLst/>
+                        <a:latin typeface="等线" panose="02010600030101010101" pitchFamily="2" charset="-122"/>
+                        <a:ea typeface="等线" panose="02010600030101010101" pitchFamily="2" charset="-122"/>
+                        <a:cs typeface="Times New Roman" panose="02020603050405020304" pitchFamily="18" charset="0"/>
+                      </a:endParaRPr>
+                    </a:p>
+                  </a:txBody>
+                  <a:tcPr marL="38993" marR="38993" marT="0" marB="0"/>
+                </a:tc>
+                <a:tc>
+                  <a:txBody>
+                    <a:bodyPr/>
+                    <a:lstStyle/>
+                    <a:p>
+                      <a:pPr algn="just" fontAlgn="t"/>
+                      <a:r>
+                        <a:rPr lang="en-US" sz="1000" kern="0">
+                          <a:effectLst/>
+                        </a:rPr>
+                        <a:t>2.36%</a:t>
+                      </a:r>
+                      <a:endParaRPr lang="zh-CN" sz="1000" kern="100">
+                        <a:effectLst/>
+                        <a:latin typeface="等线" panose="02010600030101010101" pitchFamily="2" charset="-122"/>
+                        <a:ea typeface="等线" panose="02010600030101010101" pitchFamily="2" charset="-122"/>
+                        <a:cs typeface="Times New Roman" panose="02020603050405020304" pitchFamily="18" charset="0"/>
+                      </a:endParaRPr>
+                    </a:p>
+                  </a:txBody>
+                  <a:tcPr marL="38993" marR="38993" marT="0" marB="0"/>
+                </a:tc>
+                <a:tc>
+                  <a:txBody>
+                    <a:bodyPr/>
+                    <a:lstStyle/>
+                    <a:p>
+                      <a:pPr algn="just" fontAlgn="t"/>
+                      <a:r>
+                        <a:rPr lang="en-US" sz="1000" kern="0">
+                          <a:effectLst/>
+                        </a:rPr>
+                        <a:t>8</a:t>
+                      </a:r>
+                      <a:endParaRPr lang="zh-CN" sz="1000" kern="100">
+                        <a:effectLst/>
+                        <a:latin typeface="等线" panose="02010600030101010101" pitchFamily="2" charset="-122"/>
+                        <a:ea typeface="等线" panose="02010600030101010101" pitchFamily="2" charset="-122"/>
+                        <a:cs typeface="Times New Roman" panose="02020603050405020304" pitchFamily="18" charset="0"/>
+                      </a:endParaRPr>
+                    </a:p>
+                  </a:txBody>
+                  <a:tcPr marL="38993" marR="38993" marT="0" marB="0"/>
+                </a:tc>
+                <a:tc>
+                  <a:txBody>
+                    <a:bodyPr/>
+                    <a:lstStyle/>
+                    <a:p>
+                      <a:pPr algn="just" fontAlgn="t"/>
+                      <a:r>
+                        <a:rPr lang="en-US" sz="1000" kern="0">
+                          <a:effectLst/>
+                        </a:rPr>
+                        <a:t>5.44%</a:t>
+                      </a:r>
+                      <a:endParaRPr lang="zh-CN" sz="1000" kern="100">
+                        <a:effectLst/>
+                        <a:latin typeface="等线" panose="02010600030101010101" pitchFamily="2" charset="-122"/>
+                        <a:ea typeface="等线" panose="02010600030101010101" pitchFamily="2" charset="-122"/>
+                        <a:cs typeface="Times New Roman" panose="02020603050405020304" pitchFamily="18" charset="0"/>
+                      </a:endParaRPr>
+                    </a:p>
+                  </a:txBody>
+                  <a:tcPr marL="38993" marR="38993" marT="0" marB="0"/>
+                </a:tc>
+                <a:tc>
+                  <a:txBody>
+                    <a:bodyPr/>
+                    <a:lstStyle/>
+                    <a:p>
+                      <a:pPr algn="just" fontAlgn="t"/>
+                      <a:r>
+                        <a:rPr lang="en-US" sz="1000" kern="0">
+                          <a:effectLst/>
+                        </a:rPr>
+                        <a:t>6</a:t>
+                      </a:r>
+                      <a:endParaRPr lang="zh-CN" sz="1000" kern="100">
+                        <a:effectLst/>
+                        <a:latin typeface="等线" panose="02010600030101010101" pitchFamily="2" charset="-122"/>
+                        <a:ea typeface="等线" panose="02010600030101010101" pitchFamily="2" charset="-122"/>
+                        <a:cs typeface="Times New Roman" panose="02020603050405020304" pitchFamily="18" charset="0"/>
+                      </a:endParaRPr>
+                    </a:p>
+                  </a:txBody>
+                  <a:tcPr marL="38993" marR="38993" marT="0" marB="0"/>
+                </a:tc>
+                <a:tc>
+                  <a:txBody>
+                    <a:bodyPr/>
+                    <a:lstStyle/>
+                    <a:p>
+                      <a:pPr algn="just" fontAlgn="t"/>
+                      <a:r>
+                        <a:rPr lang="en-US" sz="1000" kern="0">
+                          <a:effectLst/>
+                        </a:rPr>
+                        <a:t>3.55%</a:t>
+                      </a:r>
+                      <a:endParaRPr lang="zh-CN" sz="1000" kern="100">
+                        <a:effectLst/>
+                        <a:latin typeface="等线" panose="02010600030101010101" pitchFamily="2" charset="-122"/>
+                        <a:ea typeface="等线" panose="02010600030101010101" pitchFamily="2" charset="-122"/>
+                        <a:cs typeface="Times New Roman" panose="02020603050405020304" pitchFamily="18" charset="0"/>
+                      </a:endParaRPr>
+                    </a:p>
+                  </a:txBody>
+                  <a:tcPr marL="38993" marR="38993" marT="0" marB="0"/>
+                </a:tc>
+                <a:tc>
+                  <a:txBody>
+                    <a:bodyPr/>
+                    <a:lstStyle/>
+                    <a:p>
+                      <a:pPr algn="just" fontAlgn="t"/>
+                      <a:r>
+                        <a:rPr lang="en-US" sz="1000" kern="0">
+                          <a:effectLst/>
+                        </a:rPr>
+                        <a:t>0.2627 </a:t>
+                      </a:r>
+                      <a:endParaRPr lang="zh-CN" sz="1000" kern="100">
+                        <a:effectLst/>
+                        <a:latin typeface="等线" panose="02010600030101010101" pitchFamily="2" charset="-122"/>
+                        <a:ea typeface="等线" panose="02010600030101010101" pitchFamily="2" charset="-122"/>
+                        <a:cs typeface="Times New Roman" panose="02020603050405020304" pitchFamily="18" charset="0"/>
+                      </a:endParaRPr>
+                    </a:p>
+                  </a:txBody>
+                  <a:tcPr marL="38993" marR="38993" marT="0" marB="0"/>
+                </a:tc>
+                <a:extLst>
+                  <a:ext uri="{0D108BD9-81ED-4DB2-BD59-A6C34878D82A}">
+                    <a16:rowId xmlns:a16="http://schemas.microsoft.com/office/drawing/2014/main" val="2393916840"/>
+                  </a:ext>
+                </a:extLst>
+              </a:tr>
+              <a:tr h="276775">
+                <a:tc>
+                  <a:txBody>
+                    <a:bodyPr/>
+                    <a:lstStyle/>
+                    <a:p>
+                      <a:pPr algn="just" fontAlgn="t"/>
+                      <a:r>
+                        <a:rPr lang="zh-CN" sz="1000" kern="0">
+                          <a:effectLst/>
+                        </a:rPr>
+                        <a:t>加精</a:t>
+                      </a:r>
+                      <a:endParaRPr lang="zh-CN" sz="1000" kern="100">
+                        <a:effectLst/>
+                        <a:latin typeface="等线" panose="02010600030101010101" pitchFamily="2" charset="-122"/>
+                        <a:ea typeface="等线" panose="02010600030101010101" pitchFamily="2" charset="-122"/>
+                        <a:cs typeface="Times New Roman" panose="02020603050405020304" pitchFamily="18" charset="0"/>
+                      </a:endParaRPr>
+                    </a:p>
+                  </a:txBody>
+                  <a:tcPr marL="38993" marR="38993" marT="0" marB="0"/>
+                </a:tc>
+                <a:tc>
+                  <a:txBody>
+                    <a:bodyPr/>
+                    <a:lstStyle/>
+                    <a:p>
+                      <a:pPr algn="just" fontAlgn="t"/>
+                      <a:r>
+                        <a:rPr lang="en-US" sz="1000" kern="0">
+                          <a:effectLst/>
+                        </a:rPr>
+                        <a:t>3</a:t>
+                      </a:r>
+                      <a:endParaRPr lang="zh-CN" sz="1000" kern="100">
+                        <a:effectLst/>
+                        <a:latin typeface="等线" panose="02010600030101010101" pitchFamily="2" charset="-122"/>
+                        <a:ea typeface="等线" panose="02010600030101010101" pitchFamily="2" charset="-122"/>
+                        <a:cs typeface="Times New Roman" panose="02020603050405020304" pitchFamily="18" charset="0"/>
+                      </a:endParaRPr>
+                    </a:p>
+                  </a:txBody>
+                  <a:tcPr marL="38993" marR="38993" marT="0" marB="0"/>
+                </a:tc>
+                <a:tc>
+                  <a:txBody>
+                    <a:bodyPr/>
+                    <a:lstStyle/>
+                    <a:p>
+                      <a:pPr algn="just" fontAlgn="t"/>
+                      <a:r>
+                        <a:rPr lang="en-US" sz="1000" kern="0">
+                          <a:effectLst/>
+                        </a:rPr>
+                        <a:t>4</a:t>
+                      </a:r>
+                      <a:endParaRPr lang="zh-CN" sz="1000" kern="100">
+                        <a:effectLst/>
+                        <a:latin typeface="等线" panose="02010600030101010101" pitchFamily="2" charset="-122"/>
+                        <a:ea typeface="等线" panose="02010600030101010101" pitchFamily="2" charset="-122"/>
+                        <a:cs typeface="Times New Roman" panose="02020603050405020304" pitchFamily="18" charset="0"/>
+                      </a:endParaRPr>
+                    </a:p>
+                  </a:txBody>
+                  <a:tcPr marL="38993" marR="38993" marT="0" marB="0"/>
+                </a:tc>
+                <a:tc>
+                  <a:txBody>
+                    <a:bodyPr/>
+                    <a:lstStyle/>
+                    <a:p>
+                      <a:pPr algn="just" fontAlgn="t"/>
+                      <a:r>
+                        <a:rPr lang="en-US" sz="1000" kern="0">
+                          <a:effectLst/>
+                        </a:rPr>
+                        <a:t>7</a:t>
+                      </a:r>
+                      <a:endParaRPr lang="zh-CN" sz="1000" kern="100">
+                        <a:effectLst/>
+                        <a:latin typeface="等线" panose="02010600030101010101" pitchFamily="2" charset="-122"/>
+                        <a:ea typeface="等线" panose="02010600030101010101" pitchFamily="2" charset="-122"/>
+                        <a:cs typeface="Times New Roman" panose="02020603050405020304" pitchFamily="18" charset="0"/>
+                      </a:endParaRPr>
+                    </a:p>
+                  </a:txBody>
+                  <a:tcPr marL="38993" marR="38993" marT="0" marB="0"/>
+                </a:tc>
+                <a:tc>
+                  <a:txBody>
+                    <a:bodyPr/>
+                    <a:lstStyle/>
+                    <a:p>
+                      <a:pPr algn="just" fontAlgn="t"/>
+                      <a:r>
+                        <a:rPr lang="en-US" sz="1000" kern="0">
+                          <a:effectLst/>
+                        </a:rPr>
+                        <a:t>2.76%</a:t>
+                      </a:r>
+                      <a:endParaRPr lang="zh-CN" sz="1000" kern="100">
+                        <a:effectLst/>
+                        <a:latin typeface="等线" panose="02010600030101010101" pitchFamily="2" charset="-122"/>
+                        <a:ea typeface="等线" panose="02010600030101010101" pitchFamily="2" charset="-122"/>
+                        <a:cs typeface="Times New Roman" panose="02020603050405020304" pitchFamily="18" charset="0"/>
+                      </a:endParaRPr>
+                    </a:p>
+                  </a:txBody>
+                  <a:tcPr marL="38993" marR="38993" marT="0" marB="0"/>
+                </a:tc>
+                <a:tc>
+                  <a:txBody>
+                    <a:bodyPr/>
+                    <a:lstStyle/>
+                    <a:p>
+                      <a:pPr algn="just" fontAlgn="t"/>
+                      <a:r>
+                        <a:rPr lang="en-US" sz="1000" kern="0">
+                          <a:effectLst/>
+                        </a:rPr>
+                        <a:t>2</a:t>
+                      </a:r>
+                      <a:endParaRPr lang="zh-CN" sz="1000" kern="100">
+                        <a:effectLst/>
+                        <a:latin typeface="等线" panose="02010600030101010101" pitchFamily="2" charset="-122"/>
+                        <a:ea typeface="等线" panose="02010600030101010101" pitchFamily="2" charset="-122"/>
+                        <a:cs typeface="Times New Roman" panose="02020603050405020304" pitchFamily="18" charset="0"/>
+                      </a:endParaRPr>
+                    </a:p>
+                  </a:txBody>
+                  <a:tcPr marL="38993" marR="38993" marT="0" marB="0"/>
+                </a:tc>
+                <a:tc>
+                  <a:txBody>
+                    <a:bodyPr/>
+                    <a:lstStyle/>
+                    <a:p>
+                      <a:pPr algn="just" fontAlgn="t"/>
+                      <a:r>
+                        <a:rPr lang="en-US" sz="1000" kern="0">
+                          <a:effectLst/>
+                        </a:rPr>
+                        <a:t>1.36%</a:t>
+                      </a:r>
+                      <a:endParaRPr lang="zh-CN" sz="1000" kern="100">
+                        <a:effectLst/>
+                        <a:latin typeface="等线" panose="02010600030101010101" pitchFamily="2" charset="-122"/>
+                        <a:ea typeface="等线" panose="02010600030101010101" pitchFamily="2" charset="-122"/>
+                        <a:cs typeface="Times New Roman" panose="02020603050405020304" pitchFamily="18" charset="0"/>
+                      </a:endParaRPr>
+                    </a:p>
+                  </a:txBody>
+                  <a:tcPr marL="38993" marR="38993" marT="0" marB="0"/>
+                </a:tc>
+                <a:tc>
+                  <a:txBody>
+                    <a:bodyPr/>
+                    <a:lstStyle/>
+                    <a:p>
+                      <a:pPr algn="just" fontAlgn="t"/>
+                      <a:r>
+                        <a:rPr lang="en-US" sz="1000" kern="0">
+                          <a:effectLst/>
+                        </a:rPr>
+                        <a:t>2</a:t>
+                      </a:r>
+                      <a:endParaRPr lang="zh-CN" sz="1000" kern="100">
+                        <a:effectLst/>
+                        <a:latin typeface="等线" panose="02010600030101010101" pitchFamily="2" charset="-122"/>
+                        <a:ea typeface="等线" panose="02010600030101010101" pitchFamily="2" charset="-122"/>
+                        <a:cs typeface="Times New Roman" panose="02020603050405020304" pitchFamily="18" charset="0"/>
+                      </a:endParaRPr>
+                    </a:p>
+                  </a:txBody>
+                  <a:tcPr marL="38993" marR="38993" marT="0" marB="0"/>
+                </a:tc>
+                <a:tc>
+                  <a:txBody>
+                    <a:bodyPr/>
+                    <a:lstStyle/>
+                    <a:p>
+                      <a:pPr algn="just" fontAlgn="t"/>
+                      <a:r>
+                        <a:rPr lang="en-US" sz="1000" kern="0">
+                          <a:effectLst/>
+                        </a:rPr>
+                        <a:t>1.18%</a:t>
+                      </a:r>
+                      <a:endParaRPr lang="zh-CN" sz="1000" kern="100">
+                        <a:effectLst/>
+                        <a:latin typeface="等线" panose="02010600030101010101" pitchFamily="2" charset="-122"/>
+                        <a:ea typeface="等线" panose="02010600030101010101" pitchFamily="2" charset="-122"/>
+                        <a:cs typeface="Times New Roman" panose="02020603050405020304" pitchFamily="18" charset="0"/>
+                      </a:endParaRPr>
+                    </a:p>
+                  </a:txBody>
+                  <a:tcPr marL="38993" marR="38993" marT="0" marB="0"/>
+                </a:tc>
+                <a:tc>
+                  <a:txBody>
+                    <a:bodyPr/>
+                    <a:lstStyle/>
+                    <a:p>
+                      <a:pPr algn="just" fontAlgn="t"/>
+                      <a:r>
+                        <a:rPr lang="en-US" sz="1000" kern="0">
+                          <a:effectLst/>
+                        </a:rPr>
+                        <a:t>1.0833 </a:t>
+                      </a:r>
+                      <a:endParaRPr lang="zh-CN" sz="1000" kern="100">
+                        <a:effectLst/>
+                        <a:latin typeface="等线" panose="02010600030101010101" pitchFamily="2" charset="-122"/>
+                        <a:ea typeface="等线" panose="02010600030101010101" pitchFamily="2" charset="-122"/>
+                        <a:cs typeface="Times New Roman" panose="02020603050405020304" pitchFamily="18" charset="0"/>
+                      </a:endParaRPr>
+                    </a:p>
+                  </a:txBody>
+                  <a:tcPr marL="38993" marR="38993" marT="0" marB="0"/>
+                </a:tc>
+                <a:extLst>
+                  <a:ext uri="{0D108BD9-81ED-4DB2-BD59-A6C34878D82A}">
+                    <a16:rowId xmlns:a16="http://schemas.microsoft.com/office/drawing/2014/main" val="3594420885"/>
+                  </a:ext>
+                </a:extLst>
+              </a:tr>
+              <a:tr h="276775">
+                <a:tc>
+                  <a:txBody>
+                    <a:bodyPr/>
+                    <a:lstStyle/>
+                    <a:p>
+                      <a:pPr algn="just" fontAlgn="t"/>
+                      <a:r>
+                        <a:rPr lang="zh-CN" sz="1000" kern="0">
+                          <a:effectLst/>
+                        </a:rPr>
+                        <a:t>添加标签</a:t>
+                      </a:r>
+                      <a:endParaRPr lang="zh-CN" sz="1000" kern="100">
+                        <a:effectLst/>
+                        <a:latin typeface="等线" panose="02010600030101010101" pitchFamily="2" charset="-122"/>
+                        <a:ea typeface="等线" panose="02010600030101010101" pitchFamily="2" charset="-122"/>
+                        <a:cs typeface="Times New Roman" panose="02020603050405020304" pitchFamily="18" charset="0"/>
+                      </a:endParaRPr>
+                    </a:p>
+                  </a:txBody>
+                  <a:tcPr marL="38993" marR="38993" marT="0" marB="0"/>
+                </a:tc>
+                <a:tc>
+                  <a:txBody>
+                    <a:bodyPr/>
+                    <a:lstStyle/>
+                    <a:p>
+                      <a:pPr algn="just" fontAlgn="t"/>
+                      <a:r>
+                        <a:rPr lang="en-US" sz="1000" kern="0">
+                          <a:effectLst/>
+                        </a:rPr>
+                        <a:t>3</a:t>
+                      </a:r>
+                      <a:endParaRPr lang="zh-CN" sz="1000" kern="100">
+                        <a:effectLst/>
+                        <a:latin typeface="等线" panose="02010600030101010101" pitchFamily="2" charset="-122"/>
+                        <a:ea typeface="等线" panose="02010600030101010101" pitchFamily="2" charset="-122"/>
+                        <a:cs typeface="Times New Roman" panose="02020603050405020304" pitchFamily="18" charset="0"/>
+                      </a:endParaRPr>
+                    </a:p>
+                  </a:txBody>
+                  <a:tcPr marL="38993" marR="38993" marT="0" marB="0"/>
+                </a:tc>
+                <a:tc>
+                  <a:txBody>
+                    <a:bodyPr/>
+                    <a:lstStyle/>
+                    <a:p>
+                      <a:pPr algn="just" fontAlgn="t"/>
+                      <a:r>
+                        <a:rPr lang="en-US" sz="1000" kern="0">
+                          <a:effectLst/>
+                        </a:rPr>
+                        <a:t>4</a:t>
+                      </a:r>
+                      <a:endParaRPr lang="zh-CN" sz="1000" kern="100">
+                        <a:effectLst/>
+                        <a:latin typeface="等线" panose="02010600030101010101" pitchFamily="2" charset="-122"/>
+                        <a:ea typeface="等线" panose="02010600030101010101" pitchFamily="2" charset="-122"/>
+                        <a:cs typeface="Times New Roman" panose="02020603050405020304" pitchFamily="18" charset="0"/>
+                      </a:endParaRPr>
+                    </a:p>
+                  </a:txBody>
+                  <a:tcPr marL="38993" marR="38993" marT="0" marB="0"/>
+                </a:tc>
+                <a:tc>
+                  <a:txBody>
+                    <a:bodyPr/>
+                    <a:lstStyle/>
+                    <a:p>
+                      <a:pPr algn="just" fontAlgn="t"/>
+                      <a:r>
+                        <a:rPr lang="en-US" sz="1000" kern="0">
+                          <a:effectLst/>
+                        </a:rPr>
+                        <a:t>7</a:t>
+                      </a:r>
+                      <a:endParaRPr lang="zh-CN" sz="1000" kern="100">
+                        <a:effectLst/>
+                        <a:latin typeface="等线" panose="02010600030101010101" pitchFamily="2" charset="-122"/>
+                        <a:ea typeface="等线" panose="02010600030101010101" pitchFamily="2" charset="-122"/>
+                        <a:cs typeface="Times New Roman" panose="02020603050405020304" pitchFamily="18" charset="0"/>
+                      </a:endParaRPr>
+                    </a:p>
+                  </a:txBody>
+                  <a:tcPr marL="38993" marR="38993" marT="0" marB="0"/>
+                </a:tc>
+                <a:tc>
+                  <a:txBody>
+                    <a:bodyPr/>
+                    <a:lstStyle/>
+                    <a:p>
+                      <a:pPr algn="just" fontAlgn="t"/>
+                      <a:r>
+                        <a:rPr lang="en-US" sz="1000" kern="0">
+                          <a:effectLst/>
+                        </a:rPr>
+                        <a:t>2.76%</a:t>
+                      </a:r>
+                      <a:endParaRPr lang="zh-CN" sz="1000" kern="100">
+                        <a:effectLst/>
+                        <a:latin typeface="等线" panose="02010600030101010101" pitchFamily="2" charset="-122"/>
+                        <a:ea typeface="等线" panose="02010600030101010101" pitchFamily="2" charset="-122"/>
+                        <a:cs typeface="Times New Roman" panose="02020603050405020304" pitchFamily="18" charset="0"/>
+                      </a:endParaRPr>
+                    </a:p>
+                  </a:txBody>
+                  <a:tcPr marL="38993" marR="38993" marT="0" marB="0"/>
+                </a:tc>
+                <a:tc>
+                  <a:txBody>
+                    <a:bodyPr/>
+                    <a:lstStyle/>
+                    <a:p>
+                      <a:pPr algn="just" fontAlgn="t"/>
+                      <a:r>
+                        <a:rPr lang="en-US" sz="1000" kern="0">
+                          <a:effectLst/>
+                        </a:rPr>
+                        <a:t>3</a:t>
+                      </a:r>
+                      <a:endParaRPr lang="zh-CN" sz="1000" kern="100">
+                        <a:effectLst/>
+                        <a:latin typeface="等线" panose="02010600030101010101" pitchFamily="2" charset="-122"/>
+                        <a:ea typeface="等线" panose="02010600030101010101" pitchFamily="2" charset="-122"/>
+                        <a:cs typeface="Times New Roman" panose="02020603050405020304" pitchFamily="18" charset="0"/>
+                      </a:endParaRPr>
+                    </a:p>
+                  </a:txBody>
+                  <a:tcPr marL="38993" marR="38993" marT="0" marB="0"/>
+                </a:tc>
+                <a:tc>
+                  <a:txBody>
+                    <a:bodyPr/>
+                    <a:lstStyle/>
+                    <a:p>
+                      <a:pPr algn="just" fontAlgn="t"/>
+                      <a:r>
+                        <a:rPr lang="en-US" sz="1000" kern="0">
+                          <a:effectLst/>
+                        </a:rPr>
+                        <a:t>2.04%</a:t>
+                      </a:r>
+                      <a:endParaRPr lang="zh-CN" sz="1000" kern="100">
+                        <a:effectLst/>
+                        <a:latin typeface="等线" panose="02010600030101010101" pitchFamily="2" charset="-122"/>
+                        <a:ea typeface="等线" panose="02010600030101010101" pitchFamily="2" charset="-122"/>
+                        <a:cs typeface="Times New Roman" panose="02020603050405020304" pitchFamily="18" charset="0"/>
+                      </a:endParaRPr>
+                    </a:p>
+                  </a:txBody>
+                  <a:tcPr marL="38993" marR="38993" marT="0" marB="0"/>
+                </a:tc>
+                <a:tc>
+                  <a:txBody>
+                    <a:bodyPr/>
+                    <a:lstStyle/>
+                    <a:p>
+                      <a:pPr algn="just" fontAlgn="t"/>
+                      <a:r>
+                        <a:rPr lang="en-US" sz="1000" kern="0">
+                          <a:effectLst/>
+                        </a:rPr>
+                        <a:t>3</a:t>
+                      </a:r>
+                      <a:endParaRPr lang="zh-CN" sz="1000" kern="100">
+                        <a:effectLst/>
+                        <a:latin typeface="等线" panose="02010600030101010101" pitchFamily="2" charset="-122"/>
+                        <a:ea typeface="等线" panose="02010600030101010101" pitchFamily="2" charset="-122"/>
+                        <a:cs typeface="Times New Roman" panose="02020603050405020304" pitchFamily="18" charset="0"/>
+                      </a:endParaRPr>
+                    </a:p>
+                  </a:txBody>
+                  <a:tcPr marL="38993" marR="38993" marT="0" marB="0"/>
+                </a:tc>
+                <a:tc>
+                  <a:txBody>
+                    <a:bodyPr/>
+                    <a:lstStyle/>
+                    <a:p>
+                      <a:pPr algn="just" fontAlgn="t"/>
+                      <a:r>
+                        <a:rPr lang="en-US" sz="1000" kern="0">
+                          <a:effectLst/>
+                        </a:rPr>
+                        <a:t>1.78%</a:t>
+                      </a:r>
+                      <a:endParaRPr lang="zh-CN" sz="1000" kern="100">
+                        <a:effectLst/>
+                        <a:latin typeface="等线" panose="02010600030101010101" pitchFamily="2" charset="-122"/>
+                        <a:ea typeface="等线" panose="02010600030101010101" pitchFamily="2" charset="-122"/>
+                        <a:cs typeface="Times New Roman" panose="02020603050405020304" pitchFamily="18" charset="0"/>
+                      </a:endParaRPr>
+                    </a:p>
+                  </a:txBody>
+                  <a:tcPr marL="38993" marR="38993" marT="0" marB="0"/>
+                </a:tc>
+                <a:tc>
+                  <a:txBody>
+                    <a:bodyPr/>
+                    <a:lstStyle/>
+                    <a:p>
+                      <a:pPr algn="just" fontAlgn="t"/>
+                      <a:r>
+                        <a:rPr lang="en-US" sz="1000" kern="0">
+                          <a:effectLst/>
+                        </a:rPr>
+                        <a:t>0.7222 </a:t>
+                      </a:r>
+                      <a:endParaRPr lang="zh-CN" sz="1000" kern="100">
+                        <a:effectLst/>
+                        <a:latin typeface="等线" panose="02010600030101010101" pitchFamily="2" charset="-122"/>
+                        <a:ea typeface="等线" panose="02010600030101010101" pitchFamily="2" charset="-122"/>
+                        <a:cs typeface="Times New Roman" panose="02020603050405020304" pitchFamily="18" charset="0"/>
+                      </a:endParaRPr>
+                    </a:p>
+                  </a:txBody>
+                  <a:tcPr marL="38993" marR="38993" marT="0" marB="0"/>
+                </a:tc>
+                <a:extLst>
+                  <a:ext uri="{0D108BD9-81ED-4DB2-BD59-A6C34878D82A}">
+                    <a16:rowId xmlns:a16="http://schemas.microsoft.com/office/drawing/2014/main" val="1204635687"/>
+                  </a:ext>
+                </a:extLst>
+              </a:tr>
+              <a:tr h="276775">
+                <a:tc>
+                  <a:txBody>
+                    <a:bodyPr/>
+                    <a:lstStyle/>
+                    <a:p>
+                      <a:pPr algn="just" fontAlgn="t"/>
+                      <a:r>
+                        <a:rPr lang="zh-CN" sz="1000" kern="0">
+                          <a:effectLst/>
+                        </a:rPr>
+                        <a:t>关注</a:t>
+                      </a:r>
+                      <a:endParaRPr lang="zh-CN" sz="1000" kern="100">
+                        <a:effectLst/>
+                        <a:latin typeface="等线" panose="02010600030101010101" pitchFamily="2" charset="-122"/>
+                        <a:ea typeface="等线" panose="02010600030101010101" pitchFamily="2" charset="-122"/>
+                        <a:cs typeface="Times New Roman" panose="02020603050405020304" pitchFamily="18" charset="0"/>
+                      </a:endParaRPr>
+                    </a:p>
+                  </a:txBody>
+                  <a:tcPr marL="38993" marR="38993" marT="0" marB="0"/>
+                </a:tc>
+                <a:tc>
+                  <a:txBody>
+                    <a:bodyPr/>
+                    <a:lstStyle/>
+                    <a:p>
+                      <a:pPr algn="just" fontAlgn="t"/>
+                      <a:r>
+                        <a:rPr lang="en-US" sz="1000" kern="0">
+                          <a:effectLst/>
+                        </a:rPr>
+                        <a:t>3</a:t>
+                      </a:r>
+                      <a:endParaRPr lang="zh-CN" sz="1000" kern="100">
+                        <a:effectLst/>
+                        <a:latin typeface="等线" panose="02010600030101010101" pitchFamily="2" charset="-122"/>
+                        <a:ea typeface="等线" panose="02010600030101010101" pitchFamily="2" charset="-122"/>
+                        <a:cs typeface="Times New Roman" panose="02020603050405020304" pitchFamily="18" charset="0"/>
+                      </a:endParaRPr>
+                    </a:p>
+                  </a:txBody>
+                  <a:tcPr marL="38993" marR="38993" marT="0" marB="0"/>
+                </a:tc>
+                <a:tc>
+                  <a:txBody>
+                    <a:bodyPr/>
+                    <a:lstStyle/>
+                    <a:p>
+                      <a:pPr algn="just" fontAlgn="t"/>
+                      <a:r>
+                        <a:rPr lang="en-US" sz="1000" kern="0">
+                          <a:effectLst/>
+                        </a:rPr>
+                        <a:t>3</a:t>
+                      </a:r>
+                      <a:endParaRPr lang="zh-CN" sz="1000" kern="100">
+                        <a:effectLst/>
+                        <a:latin typeface="等线" panose="02010600030101010101" pitchFamily="2" charset="-122"/>
+                        <a:ea typeface="等线" panose="02010600030101010101" pitchFamily="2" charset="-122"/>
+                        <a:cs typeface="Times New Roman" panose="02020603050405020304" pitchFamily="18" charset="0"/>
+                      </a:endParaRPr>
+                    </a:p>
+                  </a:txBody>
+                  <a:tcPr marL="38993" marR="38993" marT="0" marB="0"/>
+                </a:tc>
+                <a:tc>
+                  <a:txBody>
+                    <a:bodyPr/>
+                    <a:lstStyle/>
+                    <a:p>
+                      <a:pPr algn="just" fontAlgn="t"/>
+                      <a:r>
+                        <a:rPr lang="en-US" sz="1000" kern="0">
+                          <a:effectLst/>
+                        </a:rPr>
+                        <a:t>6</a:t>
+                      </a:r>
+                      <a:endParaRPr lang="zh-CN" sz="1000" kern="100">
+                        <a:effectLst/>
+                        <a:latin typeface="等线" panose="02010600030101010101" pitchFamily="2" charset="-122"/>
+                        <a:ea typeface="等线" panose="02010600030101010101" pitchFamily="2" charset="-122"/>
+                        <a:cs typeface="Times New Roman" panose="02020603050405020304" pitchFamily="18" charset="0"/>
+                      </a:endParaRPr>
+                    </a:p>
+                  </a:txBody>
+                  <a:tcPr marL="38993" marR="38993" marT="0" marB="0"/>
+                </a:tc>
+                <a:tc>
+                  <a:txBody>
+                    <a:bodyPr/>
+                    <a:lstStyle/>
+                    <a:p>
+                      <a:pPr algn="just" fontAlgn="t"/>
+                      <a:r>
+                        <a:rPr lang="en-US" sz="1000" kern="0">
+                          <a:effectLst/>
+                        </a:rPr>
+                        <a:t>2.36%</a:t>
+                      </a:r>
+                      <a:endParaRPr lang="zh-CN" sz="1000" kern="100">
+                        <a:effectLst/>
+                        <a:latin typeface="等线" panose="02010600030101010101" pitchFamily="2" charset="-122"/>
+                        <a:ea typeface="等线" panose="02010600030101010101" pitchFamily="2" charset="-122"/>
+                        <a:cs typeface="Times New Roman" panose="02020603050405020304" pitchFamily="18" charset="0"/>
+                      </a:endParaRPr>
+                    </a:p>
+                  </a:txBody>
+                  <a:tcPr marL="38993" marR="38993" marT="0" marB="0"/>
+                </a:tc>
+                <a:tc>
+                  <a:txBody>
+                    <a:bodyPr/>
+                    <a:lstStyle/>
+                    <a:p>
+                      <a:pPr algn="just" fontAlgn="t"/>
+                      <a:r>
+                        <a:rPr lang="en-US" sz="1000" kern="0">
+                          <a:effectLst/>
+                        </a:rPr>
+                        <a:t>2</a:t>
+                      </a:r>
+                      <a:endParaRPr lang="zh-CN" sz="1000" kern="100">
+                        <a:effectLst/>
+                        <a:latin typeface="等线" panose="02010600030101010101" pitchFamily="2" charset="-122"/>
+                        <a:ea typeface="等线" panose="02010600030101010101" pitchFamily="2" charset="-122"/>
+                        <a:cs typeface="Times New Roman" panose="02020603050405020304" pitchFamily="18" charset="0"/>
+                      </a:endParaRPr>
+                    </a:p>
+                  </a:txBody>
+                  <a:tcPr marL="38993" marR="38993" marT="0" marB="0"/>
+                </a:tc>
+                <a:tc>
+                  <a:txBody>
+                    <a:bodyPr/>
+                    <a:lstStyle/>
+                    <a:p>
+                      <a:pPr algn="just" fontAlgn="t"/>
+                      <a:r>
+                        <a:rPr lang="en-US" sz="1000" kern="0">
+                          <a:effectLst/>
+                        </a:rPr>
+                        <a:t>1.36%</a:t>
+                      </a:r>
+                      <a:endParaRPr lang="zh-CN" sz="1000" kern="100">
+                        <a:effectLst/>
+                        <a:latin typeface="等线" panose="02010600030101010101" pitchFamily="2" charset="-122"/>
+                        <a:ea typeface="等线" panose="02010600030101010101" pitchFamily="2" charset="-122"/>
+                        <a:cs typeface="Times New Roman" panose="02020603050405020304" pitchFamily="18" charset="0"/>
+                      </a:endParaRPr>
+                    </a:p>
+                  </a:txBody>
+                  <a:tcPr marL="38993" marR="38993" marT="0" marB="0"/>
+                </a:tc>
+                <a:tc>
+                  <a:txBody>
+                    <a:bodyPr/>
+                    <a:lstStyle/>
+                    <a:p>
+                      <a:pPr algn="just" fontAlgn="t"/>
+                      <a:r>
+                        <a:rPr lang="en-US" sz="1000" kern="0">
+                          <a:effectLst/>
+                        </a:rPr>
+                        <a:t>4</a:t>
+                      </a:r>
+                      <a:endParaRPr lang="zh-CN" sz="1000" kern="100">
+                        <a:effectLst/>
+                        <a:latin typeface="等线" panose="02010600030101010101" pitchFamily="2" charset="-122"/>
+                        <a:ea typeface="等线" panose="02010600030101010101" pitchFamily="2" charset="-122"/>
+                        <a:cs typeface="Times New Roman" panose="02020603050405020304" pitchFamily="18" charset="0"/>
+                      </a:endParaRPr>
+                    </a:p>
+                  </a:txBody>
+                  <a:tcPr marL="38993" marR="38993" marT="0" marB="0"/>
+                </a:tc>
+                <a:tc>
+                  <a:txBody>
+                    <a:bodyPr/>
+                    <a:lstStyle/>
+                    <a:p>
+                      <a:pPr algn="just" fontAlgn="t"/>
+                      <a:r>
+                        <a:rPr lang="en-US" sz="1000" kern="0">
+                          <a:effectLst/>
+                        </a:rPr>
+                        <a:t>2.37%</a:t>
+                      </a:r>
+                      <a:endParaRPr lang="zh-CN" sz="1000" kern="100">
+                        <a:effectLst/>
+                        <a:latin typeface="等线" panose="02010600030101010101" pitchFamily="2" charset="-122"/>
+                        <a:ea typeface="等线" panose="02010600030101010101" pitchFamily="2" charset="-122"/>
+                        <a:cs typeface="Times New Roman" panose="02020603050405020304" pitchFamily="18" charset="0"/>
+                      </a:endParaRPr>
+                    </a:p>
+                  </a:txBody>
+                  <a:tcPr marL="38993" marR="38993" marT="0" marB="0"/>
+                </a:tc>
+                <a:tc>
+                  <a:txBody>
+                    <a:bodyPr/>
+                    <a:lstStyle/>
+                    <a:p>
+                      <a:pPr algn="just" fontAlgn="t"/>
+                      <a:r>
+                        <a:rPr lang="en-US" sz="1000" kern="0">
+                          <a:effectLst/>
+                        </a:rPr>
+                        <a:t>0.6337 </a:t>
+                      </a:r>
+                      <a:endParaRPr lang="zh-CN" sz="1000" kern="100">
+                        <a:effectLst/>
+                        <a:latin typeface="等线" panose="02010600030101010101" pitchFamily="2" charset="-122"/>
+                        <a:ea typeface="等线" panose="02010600030101010101" pitchFamily="2" charset="-122"/>
+                        <a:cs typeface="Times New Roman" panose="02020603050405020304" pitchFamily="18" charset="0"/>
+                      </a:endParaRPr>
+                    </a:p>
+                  </a:txBody>
+                  <a:tcPr marL="38993" marR="38993" marT="0" marB="0"/>
+                </a:tc>
+                <a:extLst>
+                  <a:ext uri="{0D108BD9-81ED-4DB2-BD59-A6C34878D82A}">
+                    <a16:rowId xmlns:a16="http://schemas.microsoft.com/office/drawing/2014/main" val="3067587948"/>
+                  </a:ext>
+                </a:extLst>
+              </a:tr>
+              <a:tr h="276775">
+                <a:tc>
+                  <a:txBody>
+                    <a:bodyPr/>
+                    <a:lstStyle/>
+                    <a:p>
+                      <a:pPr algn="just" fontAlgn="t"/>
+                      <a:r>
+                        <a:rPr lang="zh-CN" sz="1000" kern="0">
+                          <a:effectLst/>
+                        </a:rPr>
+                        <a:t>收藏</a:t>
+                      </a:r>
+                      <a:endParaRPr lang="zh-CN" sz="1000" kern="100">
+                        <a:effectLst/>
+                        <a:latin typeface="等线" panose="02010600030101010101" pitchFamily="2" charset="-122"/>
+                        <a:ea typeface="等线" panose="02010600030101010101" pitchFamily="2" charset="-122"/>
+                        <a:cs typeface="Times New Roman" panose="02020603050405020304" pitchFamily="18" charset="0"/>
+                      </a:endParaRPr>
+                    </a:p>
+                  </a:txBody>
+                  <a:tcPr marL="38993" marR="38993" marT="0" marB="0"/>
+                </a:tc>
+                <a:tc>
+                  <a:txBody>
+                    <a:bodyPr/>
+                    <a:lstStyle/>
+                    <a:p>
+                      <a:pPr algn="just" fontAlgn="t"/>
+                      <a:r>
+                        <a:rPr lang="en-US" sz="1000" kern="0">
+                          <a:effectLst/>
+                        </a:rPr>
+                        <a:t>4</a:t>
+                      </a:r>
+                      <a:endParaRPr lang="zh-CN" sz="1000" kern="100">
+                        <a:effectLst/>
+                        <a:latin typeface="等线" panose="02010600030101010101" pitchFamily="2" charset="-122"/>
+                        <a:ea typeface="等线" panose="02010600030101010101" pitchFamily="2" charset="-122"/>
+                        <a:cs typeface="Times New Roman" panose="02020603050405020304" pitchFamily="18" charset="0"/>
+                      </a:endParaRPr>
+                    </a:p>
+                  </a:txBody>
+                  <a:tcPr marL="38993" marR="38993" marT="0" marB="0"/>
+                </a:tc>
+                <a:tc>
+                  <a:txBody>
+                    <a:bodyPr/>
+                    <a:lstStyle/>
+                    <a:p>
+                      <a:pPr algn="just" fontAlgn="t"/>
+                      <a:r>
+                        <a:rPr lang="en-US" sz="1000" kern="0">
+                          <a:effectLst/>
+                        </a:rPr>
+                        <a:t>3</a:t>
+                      </a:r>
+                      <a:endParaRPr lang="zh-CN" sz="1000" kern="100">
+                        <a:effectLst/>
+                        <a:latin typeface="等线" panose="02010600030101010101" pitchFamily="2" charset="-122"/>
+                        <a:ea typeface="等线" panose="02010600030101010101" pitchFamily="2" charset="-122"/>
+                        <a:cs typeface="Times New Roman" panose="02020603050405020304" pitchFamily="18" charset="0"/>
+                      </a:endParaRPr>
+                    </a:p>
+                  </a:txBody>
+                  <a:tcPr marL="38993" marR="38993" marT="0" marB="0"/>
+                </a:tc>
+                <a:tc>
+                  <a:txBody>
+                    <a:bodyPr/>
+                    <a:lstStyle/>
+                    <a:p>
+                      <a:pPr algn="just" fontAlgn="t"/>
+                      <a:r>
+                        <a:rPr lang="en-US" sz="1000" kern="0">
+                          <a:effectLst/>
+                        </a:rPr>
+                        <a:t>7</a:t>
+                      </a:r>
+                      <a:endParaRPr lang="zh-CN" sz="1000" kern="100">
+                        <a:effectLst/>
+                        <a:latin typeface="等线" panose="02010600030101010101" pitchFamily="2" charset="-122"/>
+                        <a:ea typeface="等线" panose="02010600030101010101" pitchFamily="2" charset="-122"/>
+                        <a:cs typeface="Times New Roman" panose="02020603050405020304" pitchFamily="18" charset="0"/>
+                      </a:endParaRPr>
+                    </a:p>
+                  </a:txBody>
+                  <a:tcPr marL="38993" marR="38993" marT="0" marB="0"/>
+                </a:tc>
+                <a:tc>
+                  <a:txBody>
+                    <a:bodyPr/>
+                    <a:lstStyle/>
+                    <a:p>
+                      <a:pPr algn="just" fontAlgn="t"/>
+                      <a:r>
+                        <a:rPr lang="en-US" sz="1000" kern="0">
+                          <a:effectLst/>
+                        </a:rPr>
+                        <a:t>2.76%</a:t>
+                      </a:r>
+                      <a:endParaRPr lang="zh-CN" sz="1000" kern="100">
+                        <a:effectLst/>
+                        <a:latin typeface="等线" panose="02010600030101010101" pitchFamily="2" charset="-122"/>
+                        <a:ea typeface="等线" panose="02010600030101010101" pitchFamily="2" charset="-122"/>
+                        <a:cs typeface="Times New Roman" panose="02020603050405020304" pitchFamily="18" charset="0"/>
+                      </a:endParaRPr>
+                    </a:p>
+                  </a:txBody>
+                  <a:tcPr marL="38993" marR="38993" marT="0" marB="0"/>
+                </a:tc>
+                <a:tc>
+                  <a:txBody>
+                    <a:bodyPr/>
+                    <a:lstStyle/>
+                    <a:p>
+                      <a:pPr algn="just" fontAlgn="t"/>
+                      <a:r>
+                        <a:rPr lang="en-US" sz="1000" kern="0">
+                          <a:effectLst/>
+                        </a:rPr>
+                        <a:t>6</a:t>
+                      </a:r>
+                      <a:endParaRPr lang="zh-CN" sz="1000" kern="100">
+                        <a:effectLst/>
+                        <a:latin typeface="等线" panose="02010600030101010101" pitchFamily="2" charset="-122"/>
+                        <a:ea typeface="等线" panose="02010600030101010101" pitchFamily="2" charset="-122"/>
+                        <a:cs typeface="Times New Roman" panose="02020603050405020304" pitchFamily="18" charset="0"/>
+                      </a:endParaRPr>
+                    </a:p>
+                  </a:txBody>
+                  <a:tcPr marL="38993" marR="38993" marT="0" marB="0"/>
+                </a:tc>
+                <a:tc>
+                  <a:txBody>
+                    <a:bodyPr/>
+                    <a:lstStyle/>
+                    <a:p>
+                      <a:pPr algn="just" fontAlgn="t"/>
+                      <a:r>
+                        <a:rPr lang="en-US" sz="1000" kern="0">
+                          <a:effectLst/>
+                        </a:rPr>
+                        <a:t>4.08%</a:t>
+                      </a:r>
+                      <a:endParaRPr lang="zh-CN" sz="1000" kern="100">
+                        <a:effectLst/>
+                        <a:latin typeface="等线" panose="02010600030101010101" pitchFamily="2" charset="-122"/>
+                        <a:ea typeface="等线" panose="02010600030101010101" pitchFamily="2" charset="-122"/>
+                        <a:cs typeface="Times New Roman" panose="02020603050405020304" pitchFamily="18" charset="0"/>
+                      </a:endParaRPr>
+                    </a:p>
+                  </a:txBody>
+                  <a:tcPr marL="38993" marR="38993" marT="0" marB="0"/>
+                </a:tc>
+                <a:tc>
+                  <a:txBody>
+                    <a:bodyPr/>
+                    <a:lstStyle/>
+                    <a:p>
+                      <a:pPr algn="just" fontAlgn="t"/>
+                      <a:r>
+                        <a:rPr lang="en-US" sz="1000" kern="0">
+                          <a:effectLst/>
+                        </a:rPr>
+                        <a:t>7</a:t>
+                      </a:r>
+                      <a:endParaRPr lang="zh-CN" sz="1000" kern="100">
+                        <a:effectLst/>
+                        <a:latin typeface="等线" panose="02010600030101010101" pitchFamily="2" charset="-122"/>
+                        <a:ea typeface="等线" panose="02010600030101010101" pitchFamily="2" charset="-122"/>
+                        <a:cs typeface="Times New Roman" panose="02020603050405020304" pitchFamily="18" charset="0"/>
+                      </a:endParaRPr>
+                    </a:p>
+                  </a:txBody>
+                  <a:tcPr marL="38993" marR="38993" marT="0" marB="0"/>
+                </a:tc>
+                <a:tc>
+                  <a:txBody>
+                    <a:bodyPr/>
+                    <a:lstStyle/>
+                    <a:p>
+                      <a:pPr algn="just" fontAlgn="t"/>
+                      <a:r>
+                        <a:rPr lang="en-US" sz="1000" kern="0">
+                          <a:effectLst/>
+                        </a:rPr>
+                        <a:t>4.14%</a:t>
+                      </a:r>
+                      <a:endParaRPr lang="zh-CN" sz="1000" kern="100">
+                        <a:effectLst/>
+                        <a:latin typeface="等线" panose="02010600030101010101" pitchFamily="2" charset="-122"/>
+                        <a:ea typeface="等线" panose="02010600030101010101" pitchFamily="2" charset="-122"/>
+                        <a:cs typeface="Times New Roman" panose="02020603050405020304" pitchFamily="18" charset="0"/>
+                      </a:endParaRPr>
+                    </a:p>
+                  </a:txBody>
+                  <a:tcPr marL="38993" marR="38993" marT="0" marB="0"/>
+                </a:tc>
+                <a:tc>
+                  <a:txBody>
+                    <a:bodyPr/>
+                    <a:lstStyle/>
+                    <a:p>
+                      <a:pPr algn="just" fontAlgn="t"/>
+                      <a:r>
+                        <a:rPr lang="en-US" sz="1000" kern="0">
+                          <a:effectLst/>
+                        </a:rPr>
+                        <a:t>0.3351 </a:t>
+                      </a:r>
+                      <a:endParaRPr lang="zh-CN" sz="1000" kern="100">
+                        <a:effectLst/>
+                        <a:latin typeface="等线" panose="02010600030101010101" pitchFamily="2" charset="-122"/>
+                        <a:ea typeface="等线" panose="02010600030101010101" pitchFamily="2" charset="-122"/>
+                        <a:cs typeface="Times New Roman" panose="02020603050405020304" pitchFamily="18" charset="0"/>
+                      </a:endParaRPr>
+                    </a:p>
+                  </a:txBody>
+                  <a:tcPr marL="38993" marR="38993" marT="0" marB="0"/>
+                </a:tc>
+                <a:extLst>
+                  <a:ext uri="{0D108BD9-81ED-4DB2-BD59-A6C34878D82A}">
+                    <a16:rowId xmlns:a16="http://schemas.microsoft.com/office/drawing/2014/main" val="1146347366"/>
+                  </a:ext>
+                </a:extLst>
+              </a:tr>
+              <a:tr h="276775">
+                <a:tc>
+                  <a:txBody>
+                    <a:bodyPr/>
+                    <a:lstStyle/>
+                    <a:p>
+                      <a:pPr algn="just" fontAlgn="t"/>
+                      <a:r>
+                        <a:rPr lang="zh-CN" sz="1000" kern="0">
+                          <a:effectLst/>
+                        </a:rPr>
+                        <a:t>取消关注</a:t>
+                      </a:r>
+                      <a:endParaRPr lang="zh-CN" sz="1000" kern="100">
+                        <a:effectLst/>
+                        <a:latin typeface="等线" panose="02010600030101010101" pitchFamily="2" charset="-122"/>
+                        <a:ea typeface="等线" panose="02010600030101010101" pitchFamily="2" charset="-122"/>
+                        <a:cs typeface="Times New Roman" panose="02020603050405020304" pitchFamily="18" charset="0"/>
+                      </a:endParaRPr>
+                    </a:p>
+                  </a:txBody>
+                  <a:tcPr marL="38993" marR="38993" marT="0" marB="0"/>
+                </a:tc>
+                <a:tc>
+                  <a:txBody>
+                    <a:bodyPr/>
+                    <a:lstStyle/>
+                    <a:p>
+                      <a:pPr algn="just" fontAlgn="t"/>
+                      <a:r>
+                        <a:rPr lang="en-US" sz="1000" kern="0">
+                          <a:effectLst/>
+                        </a:rPr>
+                        <a:t>3</a:t>
+                      </a:r>
+                      <a:endParaRPr lang="zh-CN" sz="1000" kern="100">
+                        <a:effectLst/>
+                        <a:latin typeface="等线" panose="02010600030101010101" pitchFamily="2" charset="-122"/>
+                        <a:ea typeface="等线" panose="02010600030101010101" pitchFamily="2" charset="-122"/>
+                        <a:cs typeface="Times New Roman" panose="02020603050405020304" pitchFamily="18" charset="0"/>
+                      </a:endParaRPr>
+                    </a:p>
+                  </a:txBody>
+                  <a:tcPr marL="38993" marR="38993" marT="0" marB="0"/>
+                </a:tc>
+                <a:tc>
+                  <a:txBody>
+                    <a:bodyPr/>
+                    <a:lstStyle/>
+                    <a:p>
+                      <a:pPr algn="just" fontAlgn="t"/>
+                      <a:r>
+                        <a:rPr lang="en-US" sz="1000" kern="0">
+                          <a:effectLst/>
+                        </a:rPr>
+                        <a:t>5</a:t>
+                      </a:r>
+                      <a:endParaRPr lang="zh-CN" sz="1000" kern="100">
+                        <a:effectLst/>
+                        <a:latin typeface="等线" panose="02010600030101010101" pitchFamily="2" charset="-122"/>
+                        <a:ea typeface="等线" panose="02010600030101010101" pitchFamily="2" charset="-122"/>
+                        <a:cs typeface="Times New Roman" panose="02020603050405020304" pitchFamily="18" charset="0"/>
+                      </a:endParaRPr>
+                    </a:p>
+                  </a:txBody>
+                  <a:tcPr marL="38993" marR="38993" marT="0" marB="0"/>
+                </a:tc>
+                <a:tc>
+                  <a:txBody>
+                    <a:bodyPr/>
+                    <a:lstStyle/>
+                    <a:p>
+                      <a:pPr algn="just" fontAlgn="t"/>
+                      <a:r>
+                        <a:rPr lang="en-US" sz="1000" kern="0">
+                          <a:effectLst/>
+                        </a:rPr>
+                        <a:t>8</a:t>
+                      </a:r>
+                      <a:endParaRPr lang="zh-CN" sz="1000" kern="100">
+                        <a:effectLst/>
+                        <a:latin typeface="等线" panose="02010600030101010101" pitchFamily="2" charset="-122"/>
+                        <a:ea typeface="等线" panose="02010600030101010101" pitchFamily="2" charset="-122"/>
+                        <a:cs typeface="Times New Roman" panose="02020603050405020304" pitchFamily="18" charset="0"/>
+                      </a:endParaRPr>
+                    </a:p>
+                  </a:txBody>
+                  <a:tcPr marL="38993" marR="38993" marT="0" marB="0"/>
+                </a:tc>
+                <a:tc>
+                  <a:txBody>
+                    <a:bodyPr/>
+                    <a:lstStyle/>
+                    <a:p>
+                      <a:pPr algn="just" fontAlgn="t"/>
+                      <a:r>
+                        <a:rPr lang="en-US" sz="1000" kern="0">
+                          <a:effectLst/>
+                        </a:rPr>
+                        <a:t>3.15%</a:t>
+                      </a:r>
+                      <a:endParaRPr lang="zh-CN" sz="1000" kern="100">
+                        <a:effectLst/>
+                        <a:latin typeface="等线" panose="02010600030101010101" pitchFamily="2" charset="-122"/>
+                        <a:ea typeface="等线" panose="02010600030101010101" pitchFamily="2" charset="-122"/>
+                        <a:cs typeface="Times New Roman" panose="02020603050405020304" pitchFamily="18" charset="0"/>
+                      </a:endParaRPr>
+                    </a:p>
+                  </a:txBody>
+                  <a:tcPr marL="38993" marR="38993" marT="0" marB="0"/>
+                </a:tc>
+                <a:tc>
+                  <a:txBody>
+                    <a:bodyPr/>
+                    <a:lstStyle/>
+                    <a:p>
+                      <a:pPr algn="just" fontAlgn="t"/>
+                      <a:r>
+                        <a:rPr lang="en-US" sz="1000" kern="0">
+                          <a:effectLst/>
+                        </a:rPr>
+                        <a:t>5</a:t>
+                      </a:r>
+                      <a:endParaRPr lang="zh-CN" sz="1000" kern="100">
+                        <a:effectLst/>
+                        <a:latin typeface="等线" panose="02010600030101010101" pitchFamily="2" charset="-122"/>
+                        <a:ea typeface="等线" panose="02010600030101010101" pitchFamily="2" charset="-122"/>
+                        <a:cs typeface="Times New Roman" panose="02020603050405020304" pitchFamily="18" charset="0"/>
+                      </a:endParaRPr>
+                    </a:p>
+                  </a:txBody>
+                  <a:tcPr marL="38993" marR="38993" marT="0" marB="0"/>
+                </a:tc>
+                <a:tc>
+                  <a:txBody>
+                    <a:bodyPr/>
+                    <a:lstStyle/>
+                    <a:p>
+                      <a:pPr algn="just" fontAlgn="t"/>
+                      <a:r>
+                        <a:rPr lang="en-US" sz="1000" kern="0">
+                          <a:effectLst/>
+                        </a:rPr>
+                        <a:t>3.40%</a:t>
+                      </a:r>
+                      <a:endParaRPr lang="zh-CN" sz="1000" kern="100">
+                        <a:effectLst/>
+                        <a:latin typeface="等线" panose="02010600030101010101" pitchFamily="2" charset="-122"/>
+                        <a:ea typeface="等线" panose="02010600030101010101" pitchFamily="2" charset="-122"/>
+                        <a:cs typeface="Times New Roman" panose="02020603050405020304" pitchFamily="18" charset="0"/>
+                      </a:endParaRPr>
+                    </a:p>
+                  </a:txBody>
+                  <a:tcPr marL="38993" marR="38993" marT="0" marB="0"/>
+                </a:tc>
+                <a:tc>
+                  <a:txBody>
+                    <a:bodyPr/>
+                    <a:lstStyle/>
+                    <a:p>
+                      <a:pPr algn="just" fontAlgn="t"/>
+                      <a:r>
+                        <a:rPr lang="en-US" sz="1000" kern="0">
+                          <a:effectLst/>
+                        </a:rPr>
+                        <a:t>9</a:t>
+                      </a:r>
+                      <a:endParaRPr lang="zh-CN" sz="1000" kern="100">
+                        <a:effectLst/>
+                        <a:latin typeface="等线" panose="02010600030101010101" pitchFamily="2" charset="-122"/>
+                        <a:ea typeface="等线" panose="02010600030101010101" pitchFamily="2" charset="-122"/>
+                        <a:cs typeface="Times New Roman" panose="02020603050405020304" pitchFamily="18" charset="0"/>
+                      </a:endParaRPr>
+                    </a:p>
+                  </a:txBody>
+                  <a:tcPr marL="38993" marR="38993" marT="0" marB="0"/>
+                </a:tc>
+                <a:tc>
+                  <a:txBody>
+                    <a:bodyPr/>
+                    <a:lstStyle/>
+                    <a:p>
+                      <a:pPr algn="just" fontAlgn="t"/>
+                      <a:r>
+                        <a:rPr lang="en-US" sz="1000" kern="0">
+                          <a:effectLst/>
+                        </a:rPr>
+                        <a:t>5.33%</a:t>
+                      </a:r>
+                      <a:endParaRPr lang="zh-CN" sz="1000" kern="100">
+                        <a:effectLst/>
+                        <a:latin typeface="等线" panose="02010600030101010101" pitchFamily="2" charset="-122"/>
+                        <a:ea typeface="等线" panose="02010600030101010101" pitchFamily="2" charset="-122"/>
+                        <a:cs typeface="Times New Roman" panose="02020603050405020304" pitchFamily="18" charset="0"/>
+                      </a:endParaRPr>
+                    </a:p>
+                  </a:txBody>
+                  <a:tcPr marL="38993" marR="38993" marT="0" marB="0"/>
+                </a:tc>
+                <a:tc>
+                  <a:txBody>
+                    <a:bodyPr/>
+                    <a:lstStyle/>
+                    <a:p>
+                      <a:pPr algn="just" fontAlgn="t"/>
+                      <a:r>
+                        <a:rPr lang="en-US" sz="1000" kern="0">
+                          <a:effectLst/>
+                        </a:rPr>
+                        <a:t>0.3609 </a:t>
+                      </a:r>
+                      <a:endParaRPr lang="zh-CN" sz="1000" kern="100">
+                        <a:effectLst/>
+                        <a:latin typeface="等线" panose="02010600030101010101" pitchFamily="2" charset="-122"/>
+                        <a:ea typeface="等线" panose="02010600030101010101" pitchFamily="2" charset="-122"/>
+                        <a:cs typeface="Times New Roman" panose="02020603050405020304" pitchFamily="18" charset="0"/>
+                      </a:endParaRPr>
+                    </a:p>
+                  </a:txBody>
+                  <a:tcPr marL="38993" marR="38993" marT="0" marB="0"/>
+                </a:tc>
+                <a:extLst>
+                  <a:ext uri="{0D108BD9-81ED-4DB2-BD59-A6C34878D82A}">
+                    <a16:rowId xmlns:a16="http://schemas.microsoft.com/office/drawing/2014/main" val="3361008645"/>
+                  </a:ext>
+                </a:extLst>
+              </a:tr>
+              <a:tr h="276775">
+                <a:tc>
+                  <a:txBody>
+                    <a:bodyPr/>
+                    <a:lstStyle/>
+                    <a:p>
+                      <a:pPr algn="just" fontAlgn="t"/>
+                      <a:r>
+                        <a:rPr lang="zh-CN" sz="1000" kern="0">
+                          <a:effectLst/>
+                        </a:rPr>
+                        <a:t>取消收藏</a:t>
+                      </a:r>
+                      <a:endParaRPr lang="zh-CN" sz="1000" kern="100">
+                        <a:effectLst/>
+                        <a:latin typeface="等线" panose="02010600030101010101" pitchFamily="2" charset="-122"/>
+                        <a:ea typeface="等线" panose="02010600030101010101" pitchFamily="2" charset="-122"/>
+                        <a:cs typeface="Times New Roman" panose="02020603050405020304" pitchFamily="18" charset="0"/>
+                      </a:endParaRPr>
+                    </a:p>
+                  </a:txBody>
+                  <a:tcPr marL="38993" marR="38993" marT="0" marB="0"/>
+                </a:tc>
+                <a:tc>
+                  <a:txBody>
+                    <a:bodyPr/>
+                    <a:lstStyle/>
+                    <a:p>
+                      <a:pPr algn="just" fontAlgn="t"/>
+                      <a:r>
+                        <a:rPr lang="en-US" sz="1000" kern="0">
+                          <a:effectLst/>
+                        </a:rPr>
+                        <a:t>3</a:t>
+                      </a:r>
+                      <a:endParaRPr lang="zh-CN" sz="1000" kern="100">
+                        <a:effectLst/>
+                        <a:latin typeface="等线" panose="02010600030101010101" pitchFamily="2" charset="-122"/>
+                        <a:ea typeface="等线" panose="02010600030101010101" pitchFamily="2" charset="-122"/>
+                        <a:cs typeface="Times New Roman" panose="02020603050405020304" pitchFamily="18" charset="0"/>
+                      </a:endParaRPr>
+                    </a:p>
+                  </a:txBody>
+                  <a:tcPr marL="38993" marR="38993" marT="0" marB="0"/>
+                </a:tc>
+                <a:tc>
+                  <a:txBody>
+                    <a:bodyPr/>
+                    <a:lstStyle/>
+                    <a:p>
+                      <a:pPr algn="just" fontAlgn="t"/>
+                      <a:r>
+                        <a:rPr lang="en-US" sz="1000" kern="0">
+                          <a:effectLst/>
+                        </a:rPr>
+                        <a:t>4</a:t>
+                      </a:r>
+                      <a:endParaRPr lang="zh-CN" sz="1000" kern="100">
+                        <a:effectLst/>
+                        <a:latin typeface="等线" panose="02010600030101010101" pitchFamily="2" charset="-122"/>
+                        <a:ea typeface="等线" panose="02010600030101010101" pitchFamily="2" charset="-122"/>
+                        <a:cs typeface="Times New Roman" panose="02020603050405020304" pitchFamily="18" charset="0"/>
+                      </a:endParaRPr>
+                    </a:p>
+                  </a:txBody>
+                  <a:tcPr marL="38993" marR="38993" marT="0" marB="0"/>
+                </a:tc>
+                <a:tc>
+                  <a:txBody>
+                    <a:bodyPr/>
+                    <a:lstStyle/>
+                    <a:p>
+                      <a:pPr algn="just" fontAlgn="t"/>
+                      <a:r>
+                        <a:rPr lang="en-US" sz="1000" kern="0">
+                          <a:effectLst/>
+                        </a:rPr>
+                        <a:t>7</a:t>
+                      </a:r>
+                      <a:endParaRPr lang="zh-CN" sz="1000" kern="100">
+                        <a:effectLst/>
+                        <a:latin typeface="等线" panose="02010600030101010101" pitchFamily="2" charset="-122"/>
+                        <a:ea typeface="等线" panose="02010600030101010101" pitchFamily="2" charset="-122"/>
+                        <a:cs typeface="Times New Roman" panose="02020603050405020304" pitchFamily="18" charset="0"/>
+                      </a:endParaRPr>
+                    </a:p>
+                  </a:txBody>
+                  <a:tcPr marL="38993" marR="38993" marT="0" marB="0"/>
+                </a:tc>
+                <a:tc>
+                  <a:txBody>
+                    <a:bodyPr/>
+                    <a:lstStyle/>
+                    <a:p>
+                      <a:pPr algn="just" fontAlgn="t"/>
+                      <a:r>
+                        <a:rPr lang="en-US" sz="1000" kern="0">
+                          <a:effectLst/>
+                        </a:rPr>
+                        <a:t>2.76%</a:t>
+                      </a:r>
+                      <a:endParaRPr lang="zh-CN" sz="1000" kern="100">
+                        <a:effectLst/>
+                        <a:latin typeface="等线" panose="02010600030101010101" pitchFamily="2" charset="-122"/>
+                        <a:ea typeface="等线" panose="02010600030101010101" pitchFamily="2" charset="-122"/>
+                        <a:cs typeface="Times New Roman" panose="02020603050405020304" pitchFamily="18" charset="0"/>
+                      </a:endParaRPr>
+                    </a:p>
+                  </a:txBody>
+                  <a:tcPr marL="38993" marR="38993" marT="0" marB="0"/>
+                </a:tc>
+                <a:tc>
+                  <a:txBody>
+                    <a:bodyPr/>
+                    <a:lstStyle/>
+                    <a:p>
+                      <a:pPr algn="just" fontAlgn="t"/>
+                      <a:r>
+                        <a:rPr lang="en-US" sz="1000" kern="0">
+                          <a:effectLst/>
+                        </a:rPr>
+                        <a:t>4</a:t>
+                      </a:r>
+                      <a:endParaRPr lang="zh-CN" sz="1000" kern="100">
+                        <a:effectLst/>
+                        <a:latin typeface="等线" panose="02010600030101010101" pitchFamily="2" charset="-122"/>
+                        <a:ea typeface="等线" panose="02010600030101010101" pitchFamily="2" charset="-122"/>
+                        <a:cs typeface="Times New Roman" panose="02020603050405020304" pitchFamily="18" charset="0"/>
+                      </a:endParaRPr>
+                    </a:p>
+                  </a:txBody>
+                  <a:tcPr marL="38993" marR="38993" marT="0" marB="0"/>
+                </a:tc>
+                <a:tc>
+                  <a:txBody>
+                    <a:bodyPr/>
+                    <a:lstStyle/>
+                    <a:p>
+                      <a:pPr algn="just" fontAlgn="t"/>
+                      <a:r>
+                        <a:rPr lang="en-US" sz="1000" kern="0">
+                          <a:effectLst/>
+                        </a:rPr>
+                        <a:t>2.72%</a:t>
+                      </a:r>
+                      <a:endParaRPr lang="zh-CN" sz="1000" kern="100">
+                        <a:effectLst/>
+                        <a:latin typeface="等线" panose="02010600030101010101" pitchFamily="2" charset="-122"/>
+                        <a:ea typeface="等线" panose="02010600030101010101" pitchFamily="2" charset="-122"/>
+                        <a:cs typeface="Times New Roman" panose="02020603050405020304" pitchFamily="18" charset="0"/>
+                      </a:endParaRPr>
+                    </a:p>
+                  </a:txBody>
+                  <a:tcPr marL="38993" marR="38993" marT="0" marB="0"/>
+                </a:tc>
+                <a:tc>
+                  <a:txBody>
+                    <a:bodyPr/>
+                    <a:lstStyle/>
+                    <a:p>
+                      <a:pPr algn="just" fontAlgn="t"/>
+                      <a:r>
+                        <a:rPr lang="en-US" sz="1000" kern="0">
+                          <a:effectLst/>
+                        </a:rPr>
+                        <a:t>6</a:t>
+                      </a:r>
+                      <a:endParaRPr lang="zh-CN" sz="1000" kern="100">
+                        <a:effectLst/>
+                        <a:latin typeface="等线" panose="02010600030101010101" pitchFamily="2" charset="-122"/>
+                        <a:ea typeface="等线" panose="02010600030101010101" pitchFamily="2" charset="-122"/>
+                        <a:cs typeface="Times New Roman" panose="02020603050405020304" pitchFamily="18" charset="0"/>
+                      </a:endParaRPr>
+                    </a:p>
+                  </a:txBody>
+                  <a:tcPr marL="38993" marR="38993" marT="0" marB="0"/>
+                </a:tc>
+                <a:tc>
+                  <a:txBody>
+                    <a:bodyPr/>
+                    <a:lstStyle/>
+                    <a:p>
+                      <a:pPr algn="just" fontAlgn="t"/>
+                      <a:r>
+                        <a:rPr lang="en-US" sz="1000" kern="0">
+                          <a:effectLst/>
+                        </a:rPr>
+                        <a:t>3.55%</a:t>
+                      </a:r>
+                      <a:endParaRPr lang="zh-CN" sz="1000" kern="100">
+                        <a:effectLst/>
+                        <a:latin typeface="等线" panose="02010600030101010101" pitchFamily="2" charset="-122"/>
+                        <a:ea typeface="等线" panose="02010600030101010101" pitchFamily="2" charset="-122"/>
+                        <a:cs typeface="Times New Roman" panose="02020603050405020304" pitchFamily="18" charset="0"/>
+                      </a:endParaRPr>
+                    </a:p>
+                  </a:txBody>
+                  <a:tcPr marL="38993" marR="38993" marT="0" marB="0"/>
+                </a:tc>
+                <a:tc>
+                  <a:txBody>
+                    <a:bodyPr/>
+                    <a:lstStyle/>
+                    <a:p>
+                      <a:pPr algn="just" fontAlgn="t"/>
+                      <a:r>
+                        <a:rPr lang="en-US" sz="1000" kern="0">
+                          <a:effectLst/>
+                        </a:rPr>
+                        <a:t>0.4394 </a:t>
+                      </a:r>
+                      <a:endParaRPr lang="zh-CN" sz="1000" kern="100">
+                        <a:effectLst/>
+                        <a:latin typeface="等线" panose="02010600030101010101" pitchFamily="2" charset="-122"/>
+                        <a:ea typeface="等线" panose="02010600030101010101" pitchFamily="2" charset="-122"/>
+                        <a:cs typeface="Times New Roman" panose="02020603050405020304" pitchFamily="18" charset="0"/>
+                      </a:endParaRPr>
+                    </a:p>
+                  </a:txBody>
+                  <a:tcPr marL="38993" marR="38993" marT="0" marB="0"/>
+                </a:tc>
+                <a:extLst>
+                  <a:ext uri="{0D108BD9-81ED-4DB2-BD59-A6C34878D82A}">
+                    <a16:rowId xmlns:a16="http://schemas.microsoft.com/office/drawing/2014/main" val="2418766891"/>
+                  </a:ext>
+                </a:extLst>
+              </a:tr>
+              <a:tr h="276775">
+                <a:tc>
+                  <a:txBody>
+                    <a:bodyPr/>
+                    <a:lstStyle/>
+                    <a:p>
+                      <a:pPr algn="just" fontAlgn="t"/>
+                      <a:r>
+                        <a:rPr lang="zh-CN" sz="1000" kern="0">
+                          <a:effectLst/>
+                        </a:rPr>
+                        <a:t>退出登录</a:t>
+                      </a:r>
+                      <a:endParaRPr lang="zh-CN" sz="1000" kern="100">
+                        <a:effectLst/>
+                        <a:latin typeface="等线" panose="02010600030101010101" pitchFamily="2" charset="-122"/>
+                        <a:ea typeface="等线" panose="02010600030101010101" pitchFamily="2" charset="-122"/>
+                        <a:cs typeface="Times New Roman" panose="02020603050405020304" pitchFamily="18" charset="0"/>
+                      </a:endParaRPr>
+                    </a:p>
+                  </a:txBody>
+                  <a:tcPr marL="38993" marR="38993" marT="0" marB="0"/>
+                </a:tc>
+                <a:tc>
+                  <a:txBody>
+                    <a:bodyPr/>
+                    <a:lstStyle/>
+                    <a:p>
+                      <a:pPr algn="just" fontAlgn="t"/>
+                      <a:r>
+                        <a:rPr lang="en-US" sz="1000" kern="0">
+                          <a:effectLst/>
+                        </a:rPr>
+                        <a:t>3</a:t>
+                      </a:r>
+                      <a:endParaRPr lang="zh-CN" sz="1000" kern="100">
+                        <a:effectLst/>
+                        <a:latin typeface="等线" panose="02010600030101010101" pitchFamily="2" charset="-122"/>
+                        <a:ea typeface="等线" panose="02010600030101010101" pitchFamily="2" charset="-122"/>
+                        <a:cs typeface="Times New Roman" panose="02020603050405020304" pitchFamily="18" charset="0"/>
+                      </a:endParaRPr>
+                    </a:p>
+                  </a:txBody>
+                  <a:tcPr marL="38993" marR="38993" marT="0" marB="0"/>
+                </a:tc>
+                <a:tc>
+                  <a:txBody>
+                    <a:bodyPr/>
+                    <a:lstStyle/>
+                    <a:p>
+                      <a:pPr algn="just" fontAlgn="t"/>
+                      <a:r>
+                        <a:rPr lang="en-US" sz="1000" kern="0">
+                          <a:effectLst/>
+                        </a:rPr>
+                        <a:t>4</a:t>
+                      </a:r>
+                      <a:endParaRPr lang="zh-CN" sz="1000" kern="100">
+                        <a:effectLst/>
+                        <a:latin typeface="等线" panose="02010600030101010101" pitchFamily="2" charset="-122"/>
+                        <a:ea typeface="等线" panose="02010600030101010101" pitchFamily="2" charset="-122"/>
+                        <a:cs typeface="Times New Roman" panose="02020603050405020304" pitchFamily="18" charset="0"/>
+                      </a:endParaRPr>
+                    </a:p>
+                  </a:txBody>
+                  <a:tcPr marL="38993" marR="38993" marT="0" marB="0"/>
+                </a:tc>
+                <a:tc>
+                  <a:txBody>
+                    <a:bodyPr/>
+                    <a:lstStyle/>
+                    <a:p>
+                      <a:pPr algn="just" fontAlgn="t"/>
+                      <a:r>
+                        <a:rPr lang="en-US" sz="1000" kern="0">
+                          <a:effectLst/>
+                        </a:rPr>
+                        <a:t>7</a:t>
+                      </a:r>
+                      <a:endParaRPr lang="zh-CN" sz="1000" kern="100">
+                        <a:effectLst/>
+                        <a:latin typeface="等线" panose="02010600030101010101" pitchFamily="2" charset="-122"/>
+                        <a:ea typeface="等线" panose="02010600030101010101" pitchFamily="2" charset="-122"/>
+                        <a:cs typeface="Times New Roman" panose="02020603050405020304" pitchFamily="18" charset="0"/>
+                      </a:endParaRPr>
+                    </a:p>
+                  </a:txBody>
+                  <a:tcPr marL="38993" marR="38993" marT="0" marB="0"/>
+                </a:tc>
+                <a:tc>
+                  <a:txBody>
+                    <a:bodyPr/>
+                    <a:lstStyle/>
+                    <a:p>
+                      <a:pPr algn="just" fontAlgn="t"/>
+                      <a:r>
+                        <a:rPr lang="en-US" sz="1000" kern="0">
+                          <a:effectLst/>
+                        </a:rPr>
+                        <a:t>2.76%</a:t>
+                      </a:r>
+                      <a:endParaRPr lang="zh-CN" sz="1000" kern="100">
+                        <a:effectLst/>
+                        <a:latin typeface="等线" panose="02010600030101010101" pitchFamily="2" charset="-122"/>
+                        <a:ea typeface="等线" panose="02010600030101010101" pitchFamily="2" charset="-122"/>
+                        <a:cs typeface="Times New Roman" panose="02020603050405020304" pitchFamily="18" charset="0"/>
+                      </a:endParaRPr>
+                    </a:p>
+                  </a:txBody>
+                  <a:tcPr marL="38993" marR="38993" marT="0" marB="0"/>
+                </a:tc>
+                <a:tc>
+                  <a:txBody>
+                    <a:bodyPr/>
+                    <a:lstStyle/>
+                    <a:p>
+                      <a:pPr algn="just" fontAlgn="t"/>
+                      <a:r>
+                        <a:rPr lang="en-US" sz="1000" kern="0">
+                          <a:effectLst/>
+                        </a:rPr>
+                        <a:t>3</a:t>
+                      </a:r>
+                      <a:endParaRPr lang="zh-CN" sz="1000" kern="100">
+                        <a:effectLst/>
+                        <a:latin typeface="等线" panose="02010600030101010101" pitchFamily="2" charset="-122"/>
+                        <a:ea typeface="等线" panose="02010600030101010101" pitchFamily="2" charset="-122"/>
+                        <a:cs typeface="Times New Roman" panose="02020603050405020304" pitchFamily="18" charset="0"/>
+                      </a:endParaRPr>
+                    </a:p>
+                  </a:txBody>
+                  <a:tcPr marL="38993" marR="38993" marT="0" marB="0"/>
+                </a:tc>
+                <a:tc>
+                  <a:txBody>
+                    <a:bodyPr/>
+                    <a:lstStyle/>
+                    <a:p>
+                      <a:pPr algn="just" fontAlgn="t"/>
+                      <a:r>
+                        <a:rPr lang="en-US" sz="1000" kern="0">
+                          <a:effectLst/>
+                        </a:rPr>
+                        <a:t>2.04%</a:t>
+                      </a:r>
+                      <a:endParaRPr lang="zh-CN" sz="1000" kern="100">
+                        <a:effectLst/>
+                        <a:latin typeface="等线" panose="02010600030101010101" pitchFamily="2" charset="-122"/>
+                        <a:ea typeface="等线" panose="02010600030101010101" pitchFamily="2" charset="-122"/>
+                        <a:cs typeface="Times New Roman" panose="02020603050405020304" pitchFamily="18" charset="0"/>
+                      </a:endParaRPr>
+                    </a:p>
+                  </a:txBody>
+                  <a:tcPr marL="38993" marR="38993" marT="0" marB="0"/>
+                </a:tc>
+                <a:tc>
+                  <a:txBody>
+                    <a:bodyPr/>
+                    <a:lstStyle/>
+                    <a:p>
+                      <a:pPr algn="just" fontAlgn="t"/>
+                      <a:r>
+                        <a:rPr lang="en-US" sz="1000" kern="0">
+                          <a:effectLst/>
+                        </a:rPr>
+                        <a:t>5</a:t>
+                      </a:r>
+                      <a:endParaRPr lang="zh-CN" sz="1000" kern="100">
+                        <a:effectLst/>
+                        <a:latin typeface="等线" panose="02010600030101010101" pitchFamily="2" charset="-122"/>
+                        <a:ea typeface="等线" panose="02010600030101010101" pitchFamily="2" charset="-122"/>
+                        <a:cs typeface="Times New Roman" panose="02020603050405020304" pitchFamily="18" charset="0"/>
+                      </a:endParaRPr>
+                    </a:p>
+                  </a:txBody>
+                  <a:tcPr marL="38993" marR="38993" marT="0" marB="0"/>
+                </a:tc>
+                <a:tc>
+                  <a:txBody>
+                    <a:bodyPr/>
+                    <a:lstStyle/>
+                    <a:p>
+                      <a:pPr algn="just" fontAlgn="t"/>
+                      <a:r>
+                        <a:rPr lang="en-US" sz="1000" kern="0">
+                          <a:effectLst/>
+                        </a:rPr>
+                        <a:t>2.96%</a:t>
+                      </a:r>
+                      <a:endParaRPr lang="zh-CN" sz="1000" kern="100">
+                        <a:effectLst/>
+                        <a:latin typeface="等线" panose="02010600030101010101" pitchFamily="2" charset="-122"/>
+                        <a:ea typeface="等线" panose="02010600030101010101" pitchFamily="2" charset="-122"/>
+                        <a:cs typeface="Times New Roman" panose="02020603050405020304" pitchFamily="18" charset="0"/>
+                      </a:endParaRPr>
+                    </a:p>
+                  </a:txBody>
+                  <a:tcPr marL="38993" marR="38993" marT="0" marB="0"/>
+                </a:tc>
+                <a:tc>
+                  <a:txBody>
+                    <a:bodyPr/>
+                    <a:lstStyle/>
+                    <a:p>
+                      <a:pPr algn="just" fontAlgn="t"/>
+                      <a:r>
+                        <a:rPr lang="en-US" sz="1000" kern="0">
+                          <a:effectLst/>
+                        </a:rPr>
+                        <a:t>0.5512 </a:t>
+                      </a:r>
+                      <a:endParaRPr lang="zh-CN" sz="1000" kern="100">
+                        <a:effectLst/>
+                        <a:latin typeface="等线" panose="02010600030101010101" pitchFamily="2" charset="-122"/>
+                        <a:ea typeface="等线" panose="02010600030101010101" pitchFamily="2" charset="-122"/>
+                        <a:cs typeface="Times New Roman" panose="02020603050405020304" pitchFamily="18" charset="0"/>
+                      </a:endParaRPr>
+                    </a:p>
+                  </a:txBody>
+                  <a:tcPr marL="38993" marR="38993" marT="0" marB="0"/>
+                </a:tc>
+                <a:extLst>
+                  <a:ext uri="{0D108BD9-81ED-4DB2-BD59-A6C34878D82A}">
+                    <a16:rowId xmlns:a16="http://schemas.microsoft.com/office/drawing/2014/main" val="2030943232"/>
+                  </a:ext>
+                </a:extLst>
+              </a:tr>
+              <a:tr h="276775">
+                <a:tc>
+                  <a:txBody>
+                    <a:bodyPr/>
+                    <a:lstStyle/>
+                    <a:p>
+                      <a:pPr algn="just" fontAlgn="t"/>
+                      <a:r>
+                        <a:rPr lang="zh-CN" sz="1000" kern="0">
+                          <a:effectLst/>
+                        </a:rPr>
+                        <a:t>查看消息</a:t>
+                      </a:r>
+                      <a:endParaRPr lang="zh-CN" sz="1000" kern="100">
+                        <a:effectLst/>
+                        <a:latin typeface="等线" panose="02010600030101010101" pitchFamily="2" charset="-122"/>
+                        <a:ea typeface="等线" panose="02010600030101010101" pitchFamily="2" charset="-122"/>
+                        <a:cs typeface="Times New Roman" panose="02020603050405020304" pitchFamily="18" charset="0"/>
+                      </a:endParaRPr>
+                    </a:p>
+                  </a:txBody>
+                  <a:tcPr marL="38993" marR="38993" marT="0" marB="0"/>
+                </a:tc>
+                <a:tc>
+                  <a:txBody>
+                    <a:bodyPr/>
+                    <a:lstStyle/>
+                    <a:p>
+                      <a:pPr algn="just" fontAlgn="t"/>
+                      <a:r>
+                        <a:rPr lang="en-US" sz="1000" kern="0">
+                          <a:effectLst/>
+                        </a:rPr>
+                        <a:t>1</a:t>
+                      </a:r>
+                      <a:endParaRPr lang="zh-CN" sz="1000" kern="100">
+                        <a:effectLst/>
+                        <a:latin typeface="等线" panose="02010600030101010101" pitchFamily="2" charset="-122"/>
+                        <a:ea typeface="等线" panose="02010600030101010101" pitchFamily="2" charset="-122"/>
+                        <a:cs typeface="Times New Roman" panose="02020603050405020304" pitchFamily="18" charset="0"/>
+                      </a:endParaRPr>
+                    </a:p>
+                  </a:txBody>
+                  <a:tcPr marL="38993" marR="38993" marT="0" marB="0"/>
+                </a:tc>
+                <a:tc>
+                  <a:txBody>
+                    <a:bodyPr/>
+                    <a:lstStyle/>
+                    <a:p>
+                      <a:pPr algn="just" fontAlgn="t"/>
+                      <a:r>
+                        <a:rPr lang="en-US" sz="1000" kern="0">
+                          <a:effectLst/>
+                        </a:rPr>
+                        <a:t>4</a:t>
+                      </a:r>
+                      <a:endParaRPr lang="zh-CN" sz="1000" kern="100">
+                        <a:effectLst/>
+                        <a:latin typeface="等线" panose="02010600030101010101" pitchFamily="2" charset="-122"/>
+                        <a:ea typeface="等线" panose="02010600030101010101" pitchFamily="2" charset="-122"/>
+                        <a:cs typeface="Times New Roman" panose="02020603050405020304" pitchFamily="18" charset="0"/>
+                      </a:endParaRPr>
+                    </a:p>
+                  </a:txBody>
+                  <a:tcPr marL="38993" marR="38993" marT="0" marB="0"/>
+                </a:tc>
+                <a:tc>
+                  <a:txBody>
+                    <a:bodyPr/>
+                    <a:lstStyle/>
+                    <a:p>
+                      <a:pPr algn="just" fontAlgn="t"/>
+                      <a:r>
+                        <a:rPr lang="en-US" sz="1000" kern="0">
+                          <a:effectLst/>
+                        </a:rPr>
+                        <a:t>5</a:t>
+                      </a:r>
+                      <a:endParaRPr lang="zh-CN" sz="1000" kern="100">
+                        <a:effectLst/>
+                        <a:latin typeface="等线" panose="02010600030101010101" pitchFamily="2" charset="-122"/>
+                        <a:ea typeface="等线" panose="02010600030101010101" pitchFamily="2" charset="-122"/>
+                        <a:cs typeface="Times New Roman" panose="02020603050405020304" pitchFamily="18" charset="0"/>
+                      </a:endParaRPr>
+                    </a:p>
+                  </a:txBody>
+                  <a:tcPr marL="38993" marR="38993" marT="0" marB="0"/>
+                </a:tc>
+                <a:tc>
+                  <a:txBody>
+                    <a:bodyPr/>
+                    <a:lstStyle/>
+                    <a:p>
+                      <a:pPr algn="just" fontAlgn="t"/>
+                      <a:r>
+                        <a:rPr lang="en-US" sz="1000" kern="0">
+                          <a:effectLst/>
+                        </a:rPr>
+                        <a:t>1.97%</a:t>
+                      </a:r>
+                      <a:endParaRPr lang="zh-CN" sz="1000" kern="100">
+                        <a:effectLst/>
+                        <a:latin typeface="等线" panose="02010600030101010101" pitchFamily="2" charset="-122"/>
+                        <a:ea typeface="等线" panose="02010600030101010101" pitchFamily="2" charset="-122"/>
+                        <a:cs typeface="Times New Roman" panose="02020603050405020304" pitchFamily="18" charset="0"/>
+                      </a:endParaRPr>
+                    </a:p>
+                  </a:txBody>
+                  <a:tcPr marL="38993" marR="38993" marT="0" marB="0"/>
+                </a:tc>
+                <a:tc>
+                  <a:txBody>
+                    <a:bodyPr/>
+                    <a:lstStyle/>
+                    <a:p>
+                      <a:pPr algn="just" fontAlgn="t"/>
+                      <a:r>
+                        <a:rPr lang="en-US" sz="1000" kern="0">
+                          <a:effectLst/>
+                        </a:rPr>
+                        <a:t>1</a:t>
+                      </a:r>
+                      <a:endParaRPr lang="zh-CN" sz="1000" kern="100">
+                        <a:effectLst/>
+                        <a:latin typeface="等线" panose="02010600030101010101" pitchFamily="2" charset="-122"/>
+                        <a:ea typeface="等线" panose="02010600030101010101" pitchFamily="2" charset="-122"/>
+                        <a:cs typeface="Times New Roman" panose="02020603050405020304" pitchFamily="18" charset="0"/>
+                      </a:endParaRPr>
+                    </a:p>
+                  </a:txBody>
+                  <a:tcPr marL="38993" marR="38993" marT="0" marB="0"/>
+                </a:tc>
+                <a:tc>
+                  <a:txBody>
+                    <a:bodyPr/>
+                    <a:lstStyle/>
+                    <a:p>
+                      <a:pPr algn="just" fontAlgn="t"/>
+                      <a:r>
+                        <a:rPr lang="en-US" sz="1000" kern="0">
+                          <a:effectLst/>
+                        </a:rPr>
+                        <a:t>0.68%</a:t>
+                      </a:r>
+                      <a:endParaRPr lang="zh-CN" sz="1000" kern="100">
+                        <a:effectLst/>
+                        <a:latin typeface="等线" panose="02010600030101010101" pitchFamily="2" charset="-122"/>
+                        <a:ea typeface="等线" panose="02010600030101010101" pitchFamily="2" charset="-122"/>
+                        <a:cs typeface="Times New Roman" panose="02020603050405020304" pitchFamily="18" charset="0"/>
+                      </a:endParaRPr>
+                    </a:p>
+                  </a:txBody>
+                  <a:tcPr marL="38993" marR="38993" marT="0" marB="0"/>
+                </a:tc>
+                <a:tc>
+                  <a:txBody>
+                    <a:bodyPr/>
+                    <a:lstStyle/>
+                    <a:p>
+                      <a:pPr algn="just" fontAlgn="t"/>
+                      <a:r>
+                        <a:rPr lang="en-US" sz="1000" kern="0">
+                          <a:effectLst/>
+                        </a:rPr>
+                        <a:t>3</a:t>
+                      </a:r>
+                      <a:endParaRPr lang="zh-CN" sz="1000" kern="100">
+                        <a:effectLst/>
+                        <a:latin typeface="等线" panose="02010600030101010101" pitchFamily="2" charset="-122"/>
+                        <a:ea typeface="等线" panose="02010600030101010101" pitchFamily="2" charset="-122"/>
+                        <a:cs typeface="Times New Roman" panose="02020603050405020304" pitchFamily="18" charset="0"/>
+                      </a:endParaRPr>
+                    </a:p>
+                  </a:txBody>
+                  <a:tcPr marL="38993" marR="38993" marT="0" marB="0"/>
+                </a:tc>
+                <a:tc>
+                  <a:txBody>
+                    <a:bodyPr/>
+                    <a:lstStyle/>
+                    <a:p>
+                      <a:pPr algn="just" fontAlgn="t"/>
+                      <a:r>
+                        <a:rPr lang="en-US" sz="1000" kern="0">
+                          <a:effectLst/>
+                        </a:rPr>
+                        <a:t>1.78%</a:t>
+                      </a:r>
+                      <a:endParaRPr lang="zh-CN" sz="1000" kern="100">
+                        <a:effectLst/>
+                        <a:latin typeface="等线" panose="02010600030101010101" pitchFamily="2" charset="-122"/>
+                        <a:ea typeface="等线" panose="02010600030101010101" pitchFamily="2" charset="-122"/>
+                        <a:cs typeface="Times New Roman" panose="02020603050405020304" pitchFamily="18" charset="0"/>
+                      </a:endParaRPr>
+                    </a:p>
+                  </a:txBody>
+                  <a:tcPr marL="38993" marR="38993" marT="0" marB="0"/>
+                </a:tc>
+                <a:tc>
+                  <a:txBody>
+                    <a:bodyPr/>
+                    <a:lstStyle/>
+                    <a:p>
+                      <a:pPr algn="just" fontAlgn="t"/>
+                      <a:r>
+                        <a:rPr lang="en-US" sz="1000" kern="0">
+                          <a:effectLst/>
+                        </a:rPr>
+                        <a:t>0.8017 </a:t>
+                      </a:r>
+                      <a:endParaRPr lang="zh-CN" sz="1000" kern="100">
+                        <a:effectLst/>
+                        <a:latin typeface="等线" panose="02010600030101010101" pitchFamily="2" charset="-122"/>
+                        <a:ea typeface="等线" panose="02010600030101010101" pitchFamily="2" charset="-122"/>
+                        <a:cs typeface="Times New Roman" panose="02020603050405020304" pitchFamily="18" charset="0"/>
+                      </a:endParaRPr>
+                    </a:p>
+                  </a:txBody>
+                  <a:tcPr marL="38993" marR="38993" marT="0" marB="0"/>
+                </a:tc>
+                <a:extLst>
+                  <a:ext uri="{0D108BD9-81ED-4DB2-BD59-A6C34878D82A}">
+                    <a16:rowId xmlns:a16="http://schemas.microsoft.com/office/drawing/2014/main" val="1697040392"/>
+                  </a:ext>
+                </a:extLst>
+              </a:tr>
+              <a:tr h="276775">
+                <a:tc>
+                  <a:txBody>
+                    <a:bodyPr/>
+                    <a:lstStyle/>
+                    <a:p>
+                      <a:pPr algn="just" fontAlgn="t"/>
+                      <a:r>
+                        <a:rPr lang="zh-CN" sz="1000" kern="0">
+                          <a:effectLst/>
+                        </a:rPr>
+                        <a:t>查看消息详情</a:t>
+                      </a:r>
+                      <a:endParaRPr lang="zh-CN" sz="1000" kern="100">
+                        <a:effectLst/>
+                        <a:latin typeface="等线" panose="02010600030101010101" pitchFamily="2" charset="-122"/>
+                        <a:ea typeface="等线" panose="02010600030101010101" pitchFamily="2" charset="-122"/>
+                        <a:cs typeface="Times New Roman" panose="02020603050405020304" pitchFamily="18" charset="0"/>
+                      </a:endParaRPr>
+                    </a:p>
+                  </a:txBody>
+                  <a:tcPr marL="38993" marR="38993" marT="0" marB="0"/>
+                </a:tc>
+                <a:tc>
+                  <a:txBody>
+                    <a:bodyPr/>
+                    <a:lstStyle/>
+                    <a:p>
+                      <a:pPr algn="just" fontAlgn="t"/>
+                      <a:r>
+                        <a:rPr lang="en-US" sz="1000" kern="0">
+                          <a:effectLst/>
+                        </a:rPr>
+                        <a:t>3</a:t>
+                      </a:r>
+                      <a:endParaRPr lang="zh-CN" sz="1000" kern="100">
+                        <a:effectLst/>
+                        <a:latin typeface="等线" panose="02010600030101010101" pitchFamily="2" charset="-122"/>
+                        <a:ea typeface="等线" panose="02010600030101010101" pitchFamily="2" charset="-122"/>
+                        <a:cs typeface="Times New Roman" panose="02020603050405020304" pitchFamily="18" charset="0"/>
+                      </a:endParaRPr>
+                    </a:p>
+                  </a:txBody>
+                  <a:tcPr marL="38993" marR="38993" marT="0" marB="0"/>
+                </a:tc>
+                <a:tc>
+                  <a:txBody>
+                    <a:bodyPr/>
+                    <a:lstStyle/>
+                    <a:p>
+                      <a:pPr algn="just" fontAlgn="t"/>
+                      <a:r>
+                        <a:rPr lang="en-US" sz="1000" kern="0">
+                          <a:effectLst/>
+                        </a:rPr>
+                        <a:t>4</a:t>
+                      </a:r>
+                      <a:endParaRPr lang="zh-CN" sz="1000" kern="100">
+                        <a:effectLst/>
+                        <a:latin typeface="等线" panose="02010600030101010101" pitchFamily="2" charset="-122"/>
+                        <a:ea typeface="等线" panose="02010600030101010101" pitchFamily="2" charset="-122"/>
+                        <a:cs typeface="Times New Roman" panose="02020603050405020304" pitchFamily="18" charset="0"/>
+                      </a:endParaRPr>
+                    </a:p>
+                  </a:txBody>
+                  <a:tcPr marL="38993" marR="38993" marT="0" marB="0"/>
+                </a:tc>
+                <a:tc>
+                  <a:txBody>
+                    <a:bodyPr/>
+                    <a:lstStyle/>
+                    <a:p>
+                      <a:pPr algn="just" fontAlgn="t"/>
+                      <a:r>
+                        <a:rPr lang="en-US" sz="1000" kern="0">
+                          <a:effectLst/>
+                        </a:rPr>
+                        <a:t>7</a:t>
+                      </a:r>
+                      <a:endParaRPr lang="zh-CN" sz="1000" kern="100">
+                        <a:effectLst/>
+                        <a:latin typeface="等线" panose="02010600030101010101" pitchFamily="2" charset="-122"/>
+                        <a:ea typeface="等线" panose="02010600030101010101" pitchFamily="2" charset="-122"/>
+                        <a:cs typeface="Times New Roman" panose="02020603050405020304" pitchFamily="18" charset="0"/>
+                      </a:endParaRPr>
+                    </a:p>
+                  </a:txBody>
+                  <a:tcPr marL="38993" marR="38993" marT="0" marB="0"/>
+                </a:tc>
+                <a:tc>
+                  <a:txBody>
+                    <a:bodyPr/>
+                    <a:lstStyle/>
+                    <a:p>
+                      <a:pPr algn="just" fontAlgn="t"/>
+                      <a:r>
+                        <a:rPr lang="en-US" sz="1000" kern="0">
+                          <a:effectLst/>
+                        </a:rPr>
+                        <a:t>2.76%</a:t>
+                      </a:r>
+                      <a:endParaRPr lang="zh-CN" sz="1000" kern="100">
+                        <a:effectLst/>
+                        <a:latin typeface="等线" panose="02010600030101010101" pitchFamily="2" charset="-122"/>
+                        <a:ea typeface="等线" panose="02010600030101010101" pitchFamily="2" charset="-122"/>
+                        <a:cs typeface="Times New Roman" panose="02020603050405020304" pitchFamily="18" charset="0"/>
+                      </a:endParaRPr>
+                    </a:p>
+                  </a:txBody>
+                  <a:tcPr marL="38993" marR="38993" marT="0" marB="0"/>
+                </a:tc>
+                <a:tc>
+                  <a:txBody>
+                    <a:bodyPr/>
+                    <a:lstStyle/>
+                    <a:p>
+                      <a:pPr algn="just" fontAlgn="t"/>
+                      <a:r>
+                        <a:rPr lang="en-US" sz="1000" kern="0">
+                          <a:effectLst/>
+                        </a:rPr>
+                        <a:t>2</a:t>
+                      </a:r>
+                      <a:endParaRPr lang="zh-CN" sz="1000" kern="100">
+                        <a:effectLst/>
+                        <a:latin typeface="等线" panose="02010600030101010101" pitchFamily="2" charset="-122"/>
+                        <a:ea typeface="等线" panose="02010600030101010101" pitchFamily="2" charset="-122"/>
+                        <a:cs typeface="Times New Roman" panose="02020603050405020304" pitchFamily="18" charset="0"/>
+                      </a:endParaRPr>
+                    </a:p>
+                  </a:txBody>
+                  <a:tcPr marL="38993" marR="38993" marT="0" marB="0"/>
+                </a:tc>
+                <a:tc>
+                  <a:txBody>
+                    <a:bodyPr/>
+                    <a:lstStyle/>
+                    <a:p>
+                      <a:pPr algn="just" fontAlgn="t"/>
+                      <a:r>
+                        <a:rPr lang="en-US" sz="1000" kern="0">
+                          <a:effectLst/>
+                        </a:rPr>
+                        <a:t>1.36%</a:t>
+                      </a:r>
+                      <a:endParaRPr lang="zh-CN" sz="1000" kern="100">
+                        <a:effectLst/>
+                        <a:latin typeface="等线" panose="02010600030101010101" pitchFamily="2" charset="-122"/>
+                        <a:ea typeface="等线" panose="02010600030101010101" pitchFamily="2" charset="-122"/>
+                        <a:cs typeface="Times New Roman" panose="02020603050405020304" pitchFamily="18" charset="0"/>
+                      </a:endParaRPr>
+                    </a:p>
+                  </a:txBody>
+                  <a:tcPr marL="38993" marR="38993" marT="0" marB="0"/>
+                </a:tc>
+                <a:tc>
+                  <a:txBody>
+                    <a:bodyPr/>
+                    <a:lstStyle/>
+                    <a:p>
+                      <a:pPr algn="just" fontAlgn="t"/>
+                      <a:r>
+                        <a:rPr lang="en-US" sz="1000" kern="0">
+                          <a:effectLst/>
+                        </a:rPr>
+                        <a:t>2</a:t>
+                      </a:r>
+                      <a:endParaRPr lang="zh-CN" sz="1000" kern="100">
+                        <a:effectLst/>
+                        <a:latin typeface="等线" panose="02010600030101010101" pitchFamily="2" charset="-122"/>
+                        <a:ea typeface="等线" panose="02010600030101010101" pitchFamily="2" charset="-122"/>
+                        <a:cs typeface="Times New Roman" panose="02020603050405020304" pitchFamily="18" charset="0"/>
+                      </a:endParaRPr>
+                    </a:p>
+                  </a:txBody>
+                  <a:tcPr marL="38993" marR="38993" marT="0" marB="0"/>
+                </a:tc>
+                <a:tc>
+                  <a:txBody>
+                    <a:bodyPr/>
+                    <a:lstStyle/>
+                    <a:p>
+                      <a:pPr algn="just" fontAlgn="t"/>
+                      <a:r>
+                        <a:rPr lang="en-US" sz="1000" kern="0">
+                          <a:effectLst/>
+                        </a:rPr>
+                        <a:t>1.18%</a:t>
+                      </a:r>
+                      <a:endParaRPr lang="zh-CN" sz="1000" kern="100">
+                        <a:effectLst/>
+                        <a:latin typeface="等线" panose="02010600030101010101" pitchFamily="2" charset="-122"/>
+                        <a:ea typeface="等线" panose="02010600030101010101" pitchFamily="2" charset="-122"/>
+                        <a:cs typeface="Times New Roman" panose="02020603050405020304" pitchFamily="18" charset="0"/>
+                      </a:endParaRPr>
+                    </a:p>
+                  </a:txBody>
+                  <a:tcPr marL="38993" marR="38993" marT="0" marB="0"/>
+                </a:tc>
+                <a:tc>
+                  <a:txBody>
+                    <a:bodyPr/>
+                    <a:lstStyle/>
+                    <a:p>
+                      <a:pPr algn="just" fontAlgn="t"/>
+                      <a:r>
+                        <a:rPr lang="en-US" sz="1000" kern="0">
+                          <a:effectLst/>
+                        </a:rPr>
+                        <a:t>1.0833 </a:t>
+                      </a:r>
+                      <a:endParaRPr lang="zh-CN" sz="1000" kern="100">
+                        <a:effectLst/>
+                        <a:latin typeface="等线" panose="02010600030101010101" pitchFamily="2" charset="-122"/>
+                        <a:ea typeface="等线" panose="02010600030101010101" pitchFamily="2" charset="-122"/>
+                        <a:cs typeface="Times New Roman" panose="02020603050405020304" pitchFamily="18" charset="0"/>
+                      </a:endParaRPr>
+                    </a:p>
+                  </a:txBody>
+                  <a:tcPr marL="38993" marR="38993" marT="0" marB="0"/>
+                </a:tc>
+                <a:extLst>
+                  <a:ext uri="{0D108BD9-81ED-4DB2-BD59-A6C34878D82A}">
+                    <a16:rowId xmlns:a16="http://schemas.microsoft.com/office/drawing/2014/main" val="1175519399"/>
+                  </a:ext>
+                </a:extLst>
+              </a:tr>
+              <a:tr h="355853">
+                <a:tc>
+                  <a:txBody>
+                    <a:bodyPr/>
+                    <a:lstStyle/>
+                    <a:p>
+                      <a:pPr algn="just" fontAlgn="t"/>
+                      <a:r>
+                        <a:rPr lang="zh-CN" sz="1000" kern="0">
+                          <a:effectLst/>
+                        </a:rPr>
+                        <a:t>编辑自己发布的内容</a:t>
+                      </a:r>
+                      <a:endParaRPr lang="zh-CN" sz="1000" kern="100">
+                        <a:effectLst/>
+                        <a:latin typeface="等线" panose="02010600030101010101" pitchFamily="2" charset="-122"/>
+                        <a:ea typeface="等线" panose="02010600030101010101" pitchFamily="2" charset="-122"/>
+                        <a:cs typeface="Times New Roman" panose="02020603050405020304" pitchFamily="18" charset="0"/>
+                      </a:endParaRPr>
+                    </a:p>
+                  </a:txBody>
+                  <a:tcPr marL="38993" marR="38993" marT="0" marB="0"/>
+                </a:tc>
+                <a:tc>
+                  <a:txBody>
+                    <a:bodyPr/>
+                    <a:lstStyle/>
+                    <a:p>
+                      <a:pPr algn="just" fontAlgn="t"/>
+                      <a:r>
+                        <a:rPr lang="en-US" sz="1000" kern="0">
+                          <a:effectLst/>
+                        </a:rPr>
+                        <a:t>4</a:t>
+                      </a:r>
+                      <a:endParaRPr lang="zh-CN" sz="1000" kern="100">
+                        <a:effectLst/>
+                        <a:latin typeface="等线" panose="02010600030101010101" pitchFamily="2" charset="-122"/>
+                        <a:ea typeface="等线" panose="02010600030101010101" pitchFamily="2" charset="-122"/>
+                        <a:cs typeface="Times New Roman" panose="02020603050405020304" pitchFamily="18" charset="0"/>
+                      </a:endParaRPr>
+                    </a:p>
+                  </a:txBody>
+                  <a:tcPr marL="38993" marR="38993" marT="0" marB="0"/>
+                </a:tc>
+                <a:tc>
+                  <a:txBody>
+                    <a:bodyPr/>
+                    <a:lstStyle/>
+                    <a:p>
+                      <a:pPr algn="just" fontAlgn="t"/>
+                      <a:r>
+                        <a:rPr lang="en-US" sz="1000" kern="0">
+                          <a:effectLst/>
+                        </a:rPr>
+                        <a:t>3</a:t>
+                      </a:r>
+                      <a:endParaRPr lang="zh-CN" sz="1000" kern="100">
+                        <a:effectLst/>
+                        <a:latin typeface="等线" panose="02010600030101010101" pitchFamily="2" charset="-122"/>
+                        <a:ea typeface="等线" panose="02010600030101010101" pitchFamily="2" charset="-122"/>
+                        <a:cs typeface="Times New Roman" panose="02020603050405020304" pitchFamily="18" charset="0"/>
+                      </a:endParaRPr>
+                    </a:p>
+                  </a:txBody>
+                  <a:tcPr marL="38993" marR="38993" marT="0" marB="0"/>
+                </a:tc>
+                <a:tc>
+                  <a:txBody>
+                    <a:bodyPr/>
+                    <a:lstStyle/>
+                    <a:p>
+                      <a:pPr algn="just" fontAlgn="t"/>
+                      <a:r>
+                        <a:rPr lang="en-US" sz="1000" kern="0">
+                          <a:effectLst/>
+                        </a:rPr>
+                        <a:t>7</a:t>
+                      </a:r>
+                      <a:endParaRPr lang="zh-CN" sz="1000" kern="100">
+                        <a:effectLst/>
+                        <a:latin typeface="等线" panose="02010600030101010101" pitchFamily="2" charset="-122"/>
+                        <a:ea typeface="等线" panose="02010600030101010101" pitchFamily="2" charset="-122"/>
+                        <a:cs typeface="Times New Roman" panose="02020603050405020304" pitchFamily="18" charset="0"/>
+                      </a:endParaRPr>
+                    </a:p>
+                  </a:txBody>
+                  <a:tcPr marL="38993" marR="38993" marT="0" marB="0"/>
+                </a:tc>
+                <a:tc>
+                  <a:txBody>
+                    <a:bodyPr/>
+                    <a:lstStyle/>
+                    <a:p>
+                      <a:pPr algn="just" fontAlgn="t"/>
+                      <a:r>
+                        <a:rPr lang="en-US" sz="1000" kern="0">
+                          <a:effectLst/>
+                        </a:rPr>
+                        <a:t>2.76%</a:t>
+                      </a:r>
+                      <a:endParaRPr lang="zh-CN" sz="1000" kern="100">
+                        <a:effectLst/>
+                        <a:latin typeface="等线" panose="02010600030101010101" pitchFamily="2" charset="-122"/>
+                        <a:ea typeface="等线" panose="02010600030101010101" pitchFamily="2" charset="-122"/>
+                        <a:cs typeface="Times New Roman" panose="02020603050405020304" pitchFamily="18" charset="0"/>
+                      </a:endParaRPr>
+                    </a:p>
+                  </a:txBody>
+                  <a:tcPr marL="38993" marR="38993" marT="0" marB="0"/>
+                </a:tc>
+                <a:tc>
+                  <a:txBody>
+                    <a:bodyPr/>
+                    <a:lstStyle/>
+                    <a:p>
+                      <a:pPr algn="just" fontAlgn="t"/>
+                      <a:r>
+                        <a:rPr lang="en-US" sz="1000" kern="0">
+                          <a:effectLst/>
+                        </a:rPr>
+                        <a:t>4</a:t>
+                      </a:r>
+                      <a:endParaRPr lang="zh-CN" sz="1000" kern="100">
+                        <a:effectLst/>
+                        <a:latin typeface="等线" panose="02010600030101010101" pitchFamily="2" charset="-122"/>
+                        <a:ea typeface="等线" panose="02010600030101010101" pitchFamily="2" charset="-122"/>
+                        <a:cs typeface="Times New Roman" panose="02020603050405020304" pitchFamily="18" charset="0"/>
+                      </a:endParaRPr>
+                    </a:p>
+                  </a:txBody>
+                  <a:tcPr marL="38993" marR="38993" marT="0" marB="0"/>
+                </a:tc>
+                <a:tc>
+                  <a:txBody>
+                    <a:bodyPr/>
+                    <a:lstStyle/>
+                    <a:p>
+                      <a:pPr algn="just" fontAlgn="t"/>
+                      <a:r>
+                        <a:rPr lang="en-US" sz="1000" kern="0">
+                          <a:effectLst/>
+                        </a:rPr>
+                        <a:t>2.72%</a:t>
+                      </a:r>
+                      <a:endParaRPr lang="zh-CN" sz="1000" kern="100">
+                        <a:effectLst/>
+                        <a:latin typeface="等线" panose="02010600030101010101" pitchFamily="2" charset="-122"/>
+                        <a:ea typeface="等线" panose="02010600030101010101" pitchFamily="2" charset="-122"/>
+                        <a:cs typeface="Times New Roman" panose="02020603050405020304" pitchFamily="18" charset="0"/>
+                      </a:endParaRPr>
+                    </a:p>
+                  </a:txBody>
+                  <a:tcPr marL="38993" marR="38993" marT="0" marB="0"/>
+                </a:tc>
+                <a:tc>
+                  <a:txBody>
+                    <a:bodyPr/>
+                    <a:lstStyle/>
+                    <a:p>
+                      <a:pPr algn="just" fontAlgn="t"/>
+                      <a:r>
+                        <a:rPr lang="en-US" sz="1000" kern="0">
+                          <a:effectLst/>
+                        </a:rPr>
+                        <a:t>6</a:t>
+                      </a:r>
+                      <a:endParaRPr lang="zh-CN" sz="1000" kern="100">
+                        <a:effectLst/>
+                        <a:latin typeface="等线" panose="02010600030101010101" pitchFamily="2" charset="-122"/>
+                        <a:ea typeface="等线" panose="02010600030101010101" pitchFamily="2" charset="-122"/>
+                        <a:cs typeface="Times New Roman" panose="02020603050405020304" pitchFamily="18" charset="0"/>
+                      </a:endParaRPr>
+                    </a:p>
+                  </a:txBody>
+                  <a:tcPr marL="38993" marR="38993" marT="0" marB="0"/>
+                </a:tc>
+                <a:tc>
+                  <a:txBody>
+                    <a:bodyPr/>
+                    <a:lstStyle/>
+                    <a:p>
+                      <a:pPr algn="just" fontAlgn="t"/>
+                      <a:r>
+                        <a:rPr lang="en-US" sz="1000" kern="0">
+                          <a:effectLst/>
+                        </a:rPr>
+                        <a:t>3.55%</a:t>
+                      </a:r>
+                      <a:endParaRPr lang="zh-CN" sz="1000" kern="100">
+                        <a:effectLst/>
+                        <a:latin typeface="等线" panose="02010600030101010101" pitchFamily="2" charset="-122"/>
+                        <a:ea typeface="等线" panose="02010600030101010101" pitchFamily="2" charset="-122"/>
+                        <a:cs typeface="Times New Roman" panose="02020603050405020304" pitchFamily="18" charset="0"/>
+                      </a:endParaRPr>
+                    </a:p>
+                  </a:txBody>
+                  <a:tcPr marL="38993" marR="38993" marT="0" marB="0"/>
+                </a:tc>
+                <a:tc>
+                  <a:txBody>
+                    <a:bodyPr/>
+                    <a:lstStyle/>
+                    <a:p>
+                      <a:pPr algn="just" fontAlgn="t"/>
+                      <a:r>
+                        <a:rPr lang="en-US" sz="1000" kern="0">
+                          <a:effectLst/>
+                        </a:rPr>
+                        <a:t>0.4394 </a:t>
+                      </a:r>
+                      <a:endParaRPr lang="zh-CN" sz="1000" kern="100">
+                        <a:effectLst/>
+                        <a:latin typeface="等线" panose="02010600030101010101" pitchFamily="2" charset="-122"/>
+                        <a:ea typeface="等线" panose="02010600030101010101" pitchFamily="2" charset="-122"/>
+                        <a:cs typeface="Times New Roman" panose="02020603050405020304" pitchFamily="18" charset="0"/>
+                      </a:endParaRPr>
+                    </a:p>
+                  </a:txBody>
+                  <a:tcPr marL="38993" marR="38993" marT="0" marB="0"/>
+                </a:tc>
+                <a:extLst>
+                  <a:ext uri="{0D108BD9-81ED-4DB2-BD59-A6C34878D82A}">
+                    <a16:rowId xmlns:a16="http://schemas.microsoft.com/office/drawing/2014/main" val="1851539579"/>
+                  </a:ext>
+                </a:extLst>
+              </a:tr>
+              <a:tr h="355853">
+                <a:tc>
+                  <a:txBody>
+                    <a:bodyPr/>
+                    <a:lstStyle/>
+                    <a:p>
+                      <a:pPr algn="just" fontAlgn="t"/>
+                      <a:r>
+                        <a:rPr lang="zh-CN" sz="1000" kern="0">
+                          <a:effectLst/>
+                        </a:rPr>
+                        <a:t>删除自己发布的内容</a:t>
+                      </a:r>
+                      <a:endParaRPr lang="zh-CN" sz="1000" kern="100">
+                        <a:effectLst/>
+                        <a:latin typeface="等线" panose="02010600030101010101" pitchFamily="2" charset="-122"/>
+                        <a:ea typeface="等线" panose="02010600030101010101" pitchFamily="2" charset="-122"/>
+                        <a:cs typeface="Times New Roman" panose="02020603050405020304" pitchFamily="18" charset="0"/>
+                      </a:endParaRPr>
+                    </a:p>
+                  </a:txBody>
+                  <a:tcPr marL="38993" marR="38993" marT="0" marB="0"/>
+                </a:tc>
+                <a:tc>
+                  <a:txBody>
+                    <a:bodyPr/>
+                    <a:lstStyle/>
+                    <a:p>
+                      <a:pPr algn="just" fontAlgn="t"/>
+                      <a:r>
+                        <a:rPr lang="en-US" sz="1000" kern="0">
+                          <a:effectLst/>
+                        </a:rPr>
+                        <a:t>5</a:t>
+                      </a:r>
+                      <a:endParaRPr lang="zh-CN" sz="1000" kern="100">
+                        <a:effectLst/>
+                        <a:latin typeface="等线" panose="02010600030101010101" pitchFamily="2" charset="-122"/>
+                        <a:ea typeface="等线" panose="02010600030101010101" pitchFamily="2" charset="-122"/>
+                        <a:cs typeface="Times New Roman" panose="02020603050405020304" pitchFamily="18" charset="0"/>
+                      </a:endParaRPr>
+                    </a:p>
+                  </a:txBody>
+                  <a:tcPr marL="38993" marR="38993" marT="0" marB="0"/>
+                </a:tc>
+                <a:tc>
+                  <a:txBody>
+                    <a:bodyPr/>
+                    <a:lstStyle/>
+                    <a:p>
+                      <a:pPr algn="just" fontAlgn="t"/>
+                      <a:r>
+                        <a:rPr lang="en-US" sz="1000" kern="0">
+                          <a:effectLst/>
+                        </a:rPr>
+                        <a:t>5</a:t>
+                      </a:r>
+                      <a:endParaRPr lang="zh-CN" sz="1000" kern="100">
+                        <a:effectLst/>
+                        <a:latin typeface="等线" panose="02010600030101010101" pitchFamily="2" charset="-122"/>
+                        <a:ea typeface="等线" panose="02010600030101010101" pitchFamily="2" charset="-122"/>
+                        <a:cs typeface="Times New Roman" panose="02020603050405020304" pitchFamily="18" charset="0"/>
+                      </a:endParaRPr>
+                    </a:p>
+                  </a:txBody>
+                  <a:tcPr marL="38993" marR="38993" marT="0" marB="0"/>
+                </a:tc>
+                <a:tc>
+                  <a:txBody>
+                    <a:bodyPr/>
+                    <a:lstStyle/>
+                    <a:p>
+                      <a:pPr algn="just" fontAlgn="t"/>
+                      <a:r>
+                        <a:rPr lang="en-US" sz="1000" kern="0">
+                          <a:effectLst/>
+                        </a:rPr>
+                        <a:t>10</a:t>
+                      </a:r>
+                      <a:endParaRPr lang="zh-CN" sz="1000" kern="100">
+                        <a:effectLst/>
+                        <a:latin typeface="等线" panose="02010600030101010101" pitchFamily="2" charset="-122"/>
+                        <a:ea typeface="等线" panose="02010600030101010101" pitchFamily="2" charset="-122"/>
+                        <a:cs typeface="Times New Roman" panose="02020603050405020304" pitchFamily="18" charset="0"/>
+                      </a:endParaRPr>
+                    </a:p>
+                  </a:txBody>
+                  <a:tcPr marL="38993" marR="38993" marT="0" marB="0"/>
+                </a:tc>
+                <a:tc>
+                  <a:txBody>
+                    <a:bodyPr/>
+                    <a:lstStyle/>
+                    <a:p>
+                      <a:pPr algn="just" fontAlgn="t"/>
+                      <a:r>
+                        <a:rPr lang="en-US" sz="1000" kern="0">
+                          <a:effectLst/>
+                        </a:rPr>
+                        <a:t>3.94%</a:t>
+                      </a:r>
+                      <a:endParaRPr lang="zh-CN" sz="1000" kern="100">
+                        <a:effectLst/>
+                        <a:latin typeface="等线" panose="02010600030101010101" pitchFamily="2" charset="-122"/>
+                        <a:ea typeface="等线" panose="02010600030101010101" pitchFamily="2" charset="-122"/>
+                        <a:cs typeface="Times New Roman" panose="02020603050405020304" pitchFamily="18" charset="0"/>
+                      </a:endParaRPr>
+                    </a:p>
+                  </a:txBody>
+                  <a:tcPr marL="38993" marR="38993" marT="0" marB="0"/>
+                </a:tc>
+                <a:tc>
+                  <a:txBody>
+                    <a:bodyPr/>
+                    <a:lstStyle/>
+                    <a:p>
+                      <a:pPr algn="just" fontAlgn="t"/>
+                      <a:r>
+                        <a:rPr lang="en-US" sz="1000" kern="0">
+                          <a:effectLst/>
+                        </a:rPr>
+                        <a:t>4</a:t>
+                      </a:r>
+                      <a:endParaRPr lang="zh-CN" sz="1000" kern="100">
+                        <a:effectLst/>
+                        <a:latin typeface="等线" panose="02010600030101010101" pitchFamily="2" charset="-122"/>
+                        <a:ea typeface="等线" panose="02010600030101010101" pitchFamily="2" charset="-122"/>
+                        <a:cs typeface="Times New Roman" panose="02020603050405020304" pitchFamily="18" charset="0"/>
+                      </a:endParaRPr>
+                    </a:p>
+                  </a:txBody>
+                  <a:tcPr marL="38993" marR="38993" marT="0" marB="0"/>
+                </a:tc>
+                <a:tc>
+                  <a:txBody>
+                    <a:bodyPr/>
+                    <a:lstStyle/>
+                    <a:p>
+                      <a:pPr algn="just" fontAlgn="t"/>
+                      <a:r>
+                        <a:rPr lang="en-US" sz="1000" kern="0">
+                          <a:effectLst/>
+                        </a:rPr>
+                        <a:t>2.72%</a:t>
+                      </a:r>
+                      <a:endParaRPr lang="zh-CN" sz="1000" kern="100">
+                        <a:effectLst/>
+                        <a:latin typeface="等线" panose="02010600030101010101" pitchFamily="2" charset="-122"/>
+                        <a:ea typeface="等线" panose="02010600030101010101" pitchFamily="2" charset="-122"/>
+                        <a:cs typeface="Times New Roman" panose="02020603050405020304" pitchFamily="18" charset="0"/>
+                      </a:endParaRPr>
+                    </a:p>
+                  </a:txBody>
+                  <a:tcPr marL="38993" marR="38993" marT="0" marB="0"/>
+                </a:tc>
+                <a:tc>
+                  <a:txBody>
+                    <a:bodyPr/>
+                    <a:lstStyle/>
+                    <a:p>
+                      <a:pPr algn="just" fontAlgn="t"/>
+                      <a:r>
+                        <a:rPr lang="en-US" sz="1000" kern="0">
+                          <a:effectLst/>
+                        </a:rPr>
+                        <a:t>7</a:t>
+                      </a:r>
+                      <a:endParaRPr lang="zh-CN" sz="1000" kern="100">
+                        <a:effectLst/>
+                        <a:latin typeface="等线" panose="02010600030101010101" pitchFamily="2" charset="-122"/>
+                        <a:ea typeface="等线" panose="02010600030101010101" pitchFamily="2" charset="-122"/>
+                        <a:cs typeface="Times New Roman" panose="02020603050405020304" pitchFamily="18" charset="0"/>
+                      </a:endParaRPr>
+                    </a:p>
+                  </a:txBody>
+                  <a:tcPr marL="38993" marR="38993" marT="0" marB="0"/>
+                </a:tc>
+                <a:tc>
+                  <a:txBody>
+                    <a:bodyPr/>
+                    <a:lstStyle/>
+                    <a:p>
+                      <a:pPr algn="just" fontAlgn="t"/>
+                      <a:r>
+                        <a:rPr lang="en-US" sz="1000" kern="0">
+                          <a:effectLst/>
+                        </a:rPr>
+                        <a:t>4.14%</a:t>
+                      </a:r>
+                      <a:endParaRPr lang="zh-CN" sz="1000" kern="100">
+                        <a:effectLst/>
+                        <a:latin typeface="等线" panose="02010600030101010101" pitchFamily="2" charset="-122"/>
+                        <a:ea typeface="等线" panose="02010600030101010101" pitchFamily="2" charset="-122"/>
+                        <a:cs typeface="Times New Roman" panose="02020603050405020304" pitchFamily="18" charset="0"/>
+                      </a:endParaRPr>
+                    </a:p>
+                  </a:txBody>
+                  <a:tcPr marL="38993" marR="38993" marT="0" marB="0"/>
+                </a:tc>
+                <a:tc>
+                  <a:txBody>
+                    <a:bodyPr/>
+                    <a:lstStyle/>
+                    <a:p>
+                      <a:pPr algn="just" fontAlgn="t"/>
+                      <a:r>
+                        <a:rPr lang="en-US" sz="1000" kern="0">
+                          <a:effectLst/>
+                        </a:rPr>
+                        <a:t>0.5736 </a:t>
+                      </a:r>
+                      <a:endParaRPr lang="zh-CN" sz="1000" kern="100">
+                        <a:effectLst/>
+                        <a:latin typeface="等线" panose="02010600030101010101" pitchFamily="2" charset="-122"/>
+                        <a:ea typeface="等线" panose="02010600030101010101" pitchFamily="2" charset="-122"/>
+                        <a:cs typeface="Times New Roman" panose="02020603050405020304" pitchFamily="18" charset="0"/>
+                      </a:endParaRPr>
+                    </a:p>
+                  </a:txBody>
+                  <a:tcPr marL="38993" marR="38993" marT="0" marB="0"/>
+                </a:tc>
+                <a:extLst>
+                  <a:ext uri="{0D108BD9-81ED-4DB2-BD59-A6C34878D82A}">
+                    <a16:rowId xmlns:a16="http://schemas.microsoft.com/office/drawing/2014/main" val="1267988296"/>
+                  </a:ext>
+                </a:extLst>
+              </a:tr>
+              <a:tr h="276775">
+                <a:tc>
+                  <a:txBody>
+                    <a:bodyPr/>
+                    <a:lstStyle/>
+                    <a:p>
+                      <a:pPr algn="just" fontAlgn="t"/>
+                      <a:r>
+                        <a:rPr lang="zh-CN" sz="1000" kern="0">
+                          <a:effectLst/>
+                        </a:rPr>
+                        <a:t>主页设计</a:t>
+                      </a:r>
+                      <a:endParaRPr lang="zh-CN" sz="1000" kern="100">
+                        <a:effectLst/>
+                        <a:latin typeface="等线" panose="02010600030101010101" pitchFamily="2" charset="-122"/>
+                        <a:ea typeface="等线" panose="02010600030101010101" pitchFamily="2" charset="-122"/>
+                        <a:cs typeface="Times New Roman" panose="02020603050405020304" pitchFamily="18" charset="0"/>
+                      </a:endParaRPr>
+                    </a:p>
+                  </a:txBody>
+                  <a:tcPr marL="38993" marR="38993" marT="0" marB="0"/>
+                </a:tc>
+                <a:tc>
+                  <a:txBody>
+                    <a:bodyPr/>
+                    <a:lstStyle/>
+                    <a:p>
+                      <a:pPr algn="just" fontAlgn="t"/>
+                      <a:r>
+                        <a:rPr lang="en-US" sz="1000" kern="0">
+                          <a:effectLst/>
+                        </a:rPr>
+                        <a:t>5</a:t>
+                      </a:r>
+                      <a:endParaRPr lang="zh-CN" sz="1000" kern="100">
+                        <a:effectLst/>
+                        <a:latin typeface="等线" panose="02010600030101010101" pitchFamily="2" charset="-122"/>
+                        <a:ea typeface="等线" panose="02010600030101010101" pitchFamily="2" charset="-122"/>
+                        <a:cs typeface="Times New Roman" panose="02020603050405020304" pitchFamily="18" charset="0"/>
+                      </a:endParaRPr>
+                    </a:p>
+                  </a:txBody>
+                  <a:tcPr marL="38993" marR="38993" marT="0" marB="0"/>
+                </a:tc>
+                <a:tc>
+                  <a:txBody>
+                    <a:bodyPr/>
+                    <a:lstStyle/>
+                    <a:p>
+                      <a:pPr algn="just" fontAlgn="t"/>
+                      <a:r>
+                        <a:rPr lang="en-US" sz="1000" kern="0">
+                          <a:effectLst/>
+                        </a:rPr>
+                        <a:t>5</a:t>
+                      </a:r>
+                      <a:endParaRPr lang="zh-CN" sz="1000" kern="100">
+                        <a:effectLst/>
+                        <a:latin typeface="等线" panose="02010600030101010101" pitchFamily="2" charset="-122"/>
+                        <a:ea typeface="等线" panose="02010600030101010101" pitchFamily="2" charset="-122"/>
+                        <a:cs typeface="Times New Roman" panose="02020603050405020304" pitchFamily="18" charset="0"/>
+                      </a:endParaRPr>
+                    </a:p>
+                  </a:txBody>
+                  <a:tcPr marL="38993" marR="38993" marT="0" marB="0"/>
+                </a:tc>
+                <a:tc>
+                  <a:txBody>
+                    <a:bodyPr/>
+                    <a:lstStyle/>
+                    <a:p>
+                      <a:pPr algn="just" fontAlgn="t"/>
+                      <a:r>
+                        <a:rPr lang="en-US" sz="1000" kern="0">
+                          <a:effectLst/>
+                        </a:rPr>
+                        <a:t>10</a:t>
+                      </a:r>
+                      <a:endParaRPr lang="zh-CN" sz="1000" kern="100">
+                        <a:effectLst/>
+                        <a:latin typeface="等线" panose="02010600030101010101" pitchFamily="2" charset="-122"/>
+                        <a:ea typeface="等线" panose="02010600030101010101" pitchFamily="2" charset="-122"/>
+                        <a:cs typeface="Times New Roman" panose="02020603050405020304" pitchFamily="18" charset="0"/>
+                      </a:endParaRPr>
+                    </a:p>
+                  </a:txBody>
+                  <a:tcPr marL="38993" marR="38993" marT="0" marB="0"/>
+                </a:tc>
+                <a:tc>
+                  <a:txBody>
+                    <a:bodyPr/>
+                    <a:lstStyle/>
+                    <a:p>
+                      <a:pPr algn="just" fontAlgn="t"/>
+                      <a:r>
+                        <a:rPr lang="en-US" sz="1000" kern="0">
+                          <a:effectLst/>
+                        </a:rPr>
+                        <a:t>3.94%</a:t>
+                      </a:r>
+                      <a:endParaRPr lang="zh-CN" sz="1000" kern="100">
+                        <a:effectLst/>
+                        <a:latin typeface="等线" panose="02010600030101010101" pitchFamily="2" charset="-122"/>
+                        <a:ea typeface="等线" panose="02010600030101010101" pitchFamily="2" charset="-122"/>
+                        <a:cs typeface="Times New Roman" panose="02020603050405020304" pitchFamily="18" charset="0"/>
+                      </a:endParaRPr>
+                    </a:p>
+                  </a:txBody>
+                  <a:tcPr marL="38993" marR="38993" marT="0" marB="0"/>
+                </a:tc>
+                <a:tc>
+                  <a:txBody>
+                    <a:bodyPr/>
+                    <a:lstStyle/>
+                    <a:p>
+                      <a:pPr algn="just" fontAlgn="t"/>
+                      <a:r>
+                        <a:rPr lang="en-US" sz="1000" kern="0">
+                          <a:effectLst/>
+                        </a:rPr>
+                        <a:t>6</a:t>
+                      </a:r>
+                      <a:endParaRPr lang="zh-CN" sz="1000" kern="100">
+                        <a:effectLst/>
+                        <a:latin typeface="等线" panose="02010600030101010101" pitchFamily="2" charset="-122"/>
+                        <a:ea typeface="等线" panose="02010600030101010101" pitchFamily="2" charset="-122"/>
+                        <a:cs typeface="Times New Roman" panose="02020603050405020304" pitchFamily="18" charset="0"/>
+                      </a:endParaRPr>
+                    </a:p>
+                  </a:txBody>
+                  <a:tcPr marL="38993" marR="38993" marT="0" marB="0"/>
+                </a:tc>
+                <a:tc>
+                  <a:txBody>
+                    <a:bodyPr/>
+                    <a:lstStyle/>
+                    <a:p>
+                      <a:pPr algn="just" fontAlgn="t"/>
+                      <a:r>
+                        <a:rPr lang="en-US" sz="1000" kern="0">
+                          <a:effectLst/>
+                        </a:rPr>
+                        <a:t>4.08%</a:t>
+                      </a:r>
+                      <a:endParaRPr lang="zh-CN" sz="1000" kern="100">
+                        <a:effectLst/>
+                        <a:latin typeface="等线" panose="02010600030101010101" pitchFamily="2" charset="-122"/>
+                        <a:ea typeface="等线" panose="02010600030101010101" pitchFamily="2" charset="-122"/>
+                        <a:cs typeface="Times New Roman" panose="02020603050405020304" pitchFamily="18" charset="0"/>
+                      </a:endParaRPr>
+                    </a:p>
+                  </a:txBody>
+                  <a:tcPr marL="38993" marR="38993" marT="0" marB="0"/>
+                </a:tc>
+                <a:tc>
+                  <a:txBody>
+                    <a:bodyPr/>
+                    <a:lstStyle/>
+                    <a:p>
+                      <a:pPr algn="just" fontAlgn="t"/>
+                      <a:r>
+                        <a:rPr lang="en-US" sz="1000" kern="0">
+                          <a:effectLst/>
+                        </a:rPr>
+                        <a:t>5</a:t>
+                      </a:r>
+                      <a:endParaRPr lang="zh-CN" sz="1000" kern="100">
+                        <a:effectLst/>
+                        <a:latin typeface="等线" panose="02010600030101010101" pitchFamily="2" charset="-122"/>
+                        <a:ea typeface="等线" panose="02010600030101010101" pitchFamily="2" charset="-122"/>
+                        <a:cs typeface="Times New Roman" panose="02020603050405020304" pitchFamily="18" charset="0"/>
+                      </a:endParaRPr>
+                    </a:p>
+                  </a:txBody>
+                  <a:tcPr marL="38993" marR="38993" marT="0" marB="0"/>
+                </a:tc>
+                <a:tc>
+                  <a:txBody>
+                    <a:bodyPr/>
+                    <a:lstStyle/>
+                    <a:p>
+                      <a:pPr algn="just" fontAlgn="t"/>
+                      <a:r>
+                        <a:rPr lang="en-US" sz="1000" kern="0">
+                          <a:effectLst/>
+                        </a:rPr>
+                        <a:t>2.96%</a:t>
+                      </a:r>
+                      <a:endParaRPr lang="zh-CN" sz="1000" kern="100">
+                        <a:effectLst/>
+                        <a:latin typeface="等线" panose="02010600030101010101" pitchFamily="2" charset="-122"/>
+                        <a:ea typeface="等线" panose="02010600030101010101" pitchFamily="2" charset="-122"/>
+                        <a:cs typeface="Times New Roman" panose="02020603050405020304" pitchFamily="18" charset="0"/>
+                      </a:endParaRPr>
+                    </a:p>
+                  </a:txBody>
+                  <a:tcPr marL="38993" marR="38993" marT="0" marB="0"/>
+                </a:tc>
+                <a:tc>
+                  <a:txBody>
+                    <a:bodyPr/>
+                    <a:lstStyle/>
+                    <a:p>
+                      <a:pPr algn="just" fontAlgn="t"/>
+                      <a:r>
+                        <a:rPr lang="en-US" sz="1000" kern="0">
+                          <a:effectLst/>
+                        </a:rPr>
+                        <a:t>0.5592 </a:t>
+                      </a:r>
+                      <a:endParaRPr lang="zh-CN" sz="1000" kern="100">
+                        <a:effectLst/>
+                        <a:latin typeface="等线" panose="02010600030101010101" pitchFamily="2" charset="-122"/>
+                        <a:ea typeface="等线" panose="02010600030101010101" pitchFamily="2" charset="-122"/>
+                        <a:cs typeface="Times New Roman" panose="02020603050405020304" pitchFamily="18" charset="0"/>
+                      </a:endParaRPr>
+                    </a:p>
+                  </a:txBody>
+                  <a:tcPr marL="38993" marR="38993" marT="0" marB="0"/>
+                </a:tc>
+                <a:extLst>
+                  <a:ext uri="{0D108BD9-81ED-4DB2-BD59-A6C34878D82A}">
+                    <a16:rowId xmlns:a16="http://schemas.microsoft.com/office/drawing/2014/main" val="99626366"/>
+                  </a:ext>
+                </a:extLst>
+              </a:tr>
+              <a:tr h="276775">
+                <a:tc>
+                  <a:txBody>
+                    <a:bodyPr/>
+                    <a:lstStyle/>
+                    <a:p>
+                      <a:pPr algn="just" fontAlgn="t"/>
+                      <a:r>
+                        <a:rPr lang="zh-CN" sz="1000" kern="0">
+                          <a:effectLst/>
+                        </a:rPr>
+                        <a:t>反馈</a:t>
+                      </a:r>
+                      <a:endParaRPr lang="zh-CN" sz="1000" kern="100">
+                        <a:effectLst/>
+                        <a:latin typeface="等线" panose="02010600030101010101" pitchFamily="2" charset="-122"/>
+                        <a:ea typeface="等线" panose="02010600030101010101" pitchFamily="2" charset="-122"/>
+                        <a:cs typeface="Times New Roman" panose="02020603050405020304" pitchFamily="18" charset="0"/>
+                      </a:endParaRPr>
+                    </a:p>
+                  </a:txBody>
+                  <a:tcPr marL="38993" marR="38993" marT="0" marB="0"/>
+                </a:tc>
+                <a:tc>
+                  <a:txBody>
+                    <a:bodyPr/>
+                    <a:lstStyle/>
+                    <a:p>
+                      <a:pPr algn="just" fontAlgn="t"/>
+                      <a:r>
+                        <a:rPr lang="en-US" sz="1000" kern="0">
+                          <a:effectLst/>
+                        </a:rPr>
+                        <a:t>1</a:t>
+                      </a:r>
+                      <a:endParaRPr lang="zh-CN" sz="1000" kern="100">
+                        <a:effectLst/>
+                        <a:latin typeface="等线" panose="02010600030101010101" pitchFamily="2" charset="-122"/>
+                        <a:ea typeface="等线" panose="02010600030101010101" pitchFamily="2" charset="-122"/>
+                        <a:cs typeface="Times New Roman" panose="02020603050405020304" pitchFamily="18" charset="0"/>
+                      </a:endParaRPr>
+                    </a:p>
+                  </a:txBody>
+                  <a:tcPr marL="38993" marR="38993" marT="0" marB="0"/>
+                </a:tc>
+                <a:tc>
+                  <a:txBody>
+                    <a:bodyPr/>
+                    <a:lstStyle/>
+                    <a:p>
+                      <a:pPr algn="just" fontAlgn="t"/>
+                      <a:r>
+                        <a:rPr lang="en-US" sz="1000" kern="0">
+                          <a:effectLst/>
+                        </a:rPr>
+                        <a:t>5</a:t>
+                      </a:r>
+                      <a:endParaRPr lang="zh-CN" sz="1000" kern="100">
+                        <a:effectLst/>
+                        <a:latin typeface="等线" panose="02010600030101010101" pitchFamily="2" charset="-122"/>
+                        <a:ea typeface="等线" panose="02010600030101010101" pitchFamily="2" charset="-122"/>
+                        <a:cs typeface="Times New Roman" panose="02020603050405020304" pitchFamily="18" charset="0"/>
+                      </a:endParaRPr>
+                    </a:p>
+                  </a:txBody>
+                  <a:tcPr marL="38993" marR="38993" marT="0" marB="0"/>
+                </a:tc>
+                <a:tc>
+                  <a:txBody>
+                    <a:bodyPr/>
+                    <a:lstStyle/>
+                    <a:p>
+                      <a:pPr algn="just" fontAlgn="t"/>
+                      <a:r>
+                        <a:rPr lang="en-US" sz="1000" kern="0">
+                          <a:effectLst/>
+                        </a:rPr>
+                        <a:t>6</a:t>
+                      </a:r>
+                      <a:endParaRPr lang="zh-CN" sz="1000" kern="100">
+                        <a:effectLst/>
+                        <a:latin typeface="等线" panose="02010600030101010101" pitchFamily="2" charset="-122"/>
+                        <a:ea typeface="等线" panose="02010600030101010101" pitchFamily="2" charset="-122"/>
+                        <a:cs typeface="Times New Roman" panose="02020603050405020304" pitchFamily="18" charset="0"/>
+                      </a:endParaRPr>
+                    </a:p>
+                  </a:txBody>
+                  <a:tcPr marL="38993" marR="38993" marT="0" marB="0"/>
+                </a:tc>
+                <a:tc>
+                  <a:txBody>
+                    <a:bodyPr/>
+                    <a:lstStyle/>
+                    <a:p>
+                      <a:pPr algn="just" fontAlgn="t"/>
+                      <a:r>
+                        <a:rPr lang="en-US" sz="1000" kern="0">
+                          <a:effectLst/>
+                        </a:rPr>
+                        <a:t>2.36%</a:t>
+                      </a:r>
+                      <a:endParaRPr lang="zh-CN" sz="1000" kern="100">
+                        <a:effectLst/>
+                        <a:latin typeface="等线" panose="02010600030101010101" pitchFamily="2" charset="-122"/>
+                        <a:ea typeface="等线" panose="02010600030101010101" pitchFamily="2" charset="-122"/>
+                        <a:cs typeface="Times New Roman" panose="02020603050405020304" pitchFamily="18" charset="0"/>
+                      </a:endParaRPr>
+                    </a:p>
+                  </a:txBody>
+                  <a:tcPr marL="38993" marR="38993" marT="0" marB="0"/>
+                </a:tc>
+                <a:tc>
+                  <a:txBody>
+                    <a:bodyPr/>
+                    <a:lstStyle/>
+                    <a:p>
+                      <a:pPr algn="just" fontAlgn="t"/>
+                      <a:r>
+                        <a:rPr lang="en-US" sz="1000" kern="0">
+                          <a:effectLst/>
+                        </a:rPr>
+                        <a:t>3</a:t>
+                      </a:r>
+                      <a:endParaRPr lang="zh-CN" sz="1000" kern="100">
+                        <a:effectLst/>
+                        <a:latin typeface="等线" panose="02010600030101010101" pitchFamily="2" charset="-122"/>
+                        <a:ea typeface="等线" panose="02010600030101010101" pitchFamily="2" charset="-122"/>
+                        <a:cs typeface="Times New Roman" panose="02020603050405020304" pitchFamily="18" charset="0"/>
+                      </a:endParaRPr>
+                    </a:p>
+                  </a:txBody>
+                  <a:tcPr marL="38993" marR="38993" marT="0" marB="0"/>
+                </a:tc>
+                <a:tc>
+                  <a:txBody>
+                    <a:bodyPr/>
+                    <a:lstStyle/>
+                    <a:p>
+                      <a:pPr algn="just" fontAlgn="t"/>
+                      <a:r>
+                        <a:rPr lang="en-US" sz="1000" kern="0">
+                          <a:effectLst/>
+                        </a:rPr>
+                        <a:t>2.04%</a:t>
+                      </a:r>
+                      <a:endParaRPr lang="zh-CN" sz="1000" kern="100">
+                        <a:effectLst/>
+                        <a:latin typeface="等线" panose="02010600030101010101" pitchFamily="2" charset="-122"/>
+                        <a:ea typeface="等线" panose="02010600030101010101" pitchFamily="2" charset="-122"/>
+                        <a:cs typeface="Times New Roman" panose="02020603050405020304" pitchFamily="18" charset="0"/>
+                      </a:endParaRPr>
+                    </a:p>
+                  </a:txBody>
+                  <a:tcPr marL="38993" marR="38993" marT="0" marB="0"/>
+                </a:tc>
+                <a:tc>
+                  <a:txBody>
+                    <a:bodyPr/>
+                    <a:lstStyle/>
+                    <a:p>
+                      <a:pPr algn="just" fontAlgn="t"/>
+                      <a:r>
+                        <a:rPr lang="en-US" sz="1000" kern="0">
+                          <a:effectLst/>
+                        </a:rPr>
+                        <a:t>4</a:t>
+                      </a:r>
+                      <a:endParaRPr lang="zh-CN" sz="1000" kern="100">
+                        <a:effectLst/>
+                        <a:latin typeface="等线" panose="02010600030101010101" pitchFamily="2" charset="-122"/>
+                        <a:ea typeface="等线" panose="02010600030101010101" pitchFamily="2" charset="-122"/>
+                        <a:cs typeface="Times New Roman" panose="02020603050405020304" pitchFamily="18" charset="0"/>
+                      </a:endParaRPr>
+                    </a:p>
+                  </a:txBody>
+                  <a:tcPr marL="38993" marR="38993" marT="0" marB="0"/>
+                </a:tc>
+                <a:tc>
+                  <a:txBody>
+                    <a:bodyPr/>
+                    <a:lstStyle/>
+                    <a:p>
+                      <a:pPr algn="just" fontAlgn="t"/>
+                      <a:r>
+                        <a:rPr lang="en-US" sz="1000" kern="0">
+                          <a:effectLst/>
+                        </a:rPr>
+                        <a:t>2.37%</a:t>
+                      </a:r>
+                      <a:endParaRPr lang="zh-CN" sz="1000" kern="100">
+                        <a:effectLst/>
+                        <a:latin typeface="等线" panose="02010600030101010101" pitchFamily="2" charset="-122"/>
+                        <a:ea typeface="等线" panose="02010600030101010101" pitchFamily="2" charset="-122"/>
+                        <a:cs typeface="Times New Roman" panose="02020603050405020304" pitchFamily="18" charset="0"/>
+                      </a:endParaRPr>
+                    </a:p>
+                  </a:txBody>
+                  <a:tcPr marL="38993" marR="38993" marT="0" marB="0"/>
+                </a:tc>
+                <a:tc>
+                  <a:txBody>
+                    <a:bodyPr/>
+                    <a:lstStyle/>
+                    <a:p>
+                      <a:pPr algn="just" fontAlgn="t"/>
+                      <a:r>
+                        <a:rPr lang="en-US" sz="1000" kern="0">
+                          <a:effectLst/>
+                        </a:rPr>
+                        <a:t>0.5359 </a:t>
+                      </a:r>
+                      <a:endParaRPr lang="zh-CN" sz="1000" kern="100">
+                        <a:effectLst/>
+                        <a:latin typeface="等线" panose="02010600030101010101" pitchFamily="2" charset="-122"/>
+                        <a:ea typeface="等线" panose="02010600030101010101" pitchFamily="2" charset="-122"/>
+                        <a:cs typeface="Times New Roman" panose="02020603050405020304" pitchFamily="18" charset="0"/>
+                      </a:endParaRPr>
+                    </a:p>
+                  </a:txBody>
+                  <a:tcPr marL="38993" marR="38993" marT="0" marB="0"/>
+                </a:tc>
+                <a:extLst>
+                  <a:ext uri="{0D108BD9-81ED-4DB2-BD59-A6C34878D82A}">
+                    <a16:rowId xmlns:a16="http://schemas.microsoft.com/office/drawing/2014/main" val="419573928"/>
+                  </a:ext>
+                </a:extLst>
+              </a:tr>
+              <a:tr h="276775">
+                <a:tc>
+                  <a:txBody>
+                    <a:bodyPr/>
+                    <a:lstStyle/>
+                    <a:p>
+                      <a:pPr algn="just" fontAlgn="t"/>
+                      <a:r>
+                        <a:rPr lang="zh-CN" sz="1000" kern="0">
+                          <a:effectLst/>
+                        </a:rPr>
+                        <a:t>查看反馈</a:t>
+                      </a:r>
+                      <a:endParaRPr lang="zh-CN" sz="1000" kern="100">
+                        <a:effectLst/>
+                        <a:latin typeface="等线" panose="02010600030101010101" pitchFamily="2" charset="-122"/>
+                        <a:ea typeface="等线" panose="02010600030101010101" pitchFamily="2" charset="-122"/>
+                        <a:cs typeface="Times New Roman" panose="02020603050405020304" pitchFamily="18" charset="0"/>
+                      </a:endParaRPr>
+                    </a:p>
+                  </a:txBody>
+                  <a:tcPr marL="38993" marR="38993" marT="0" marB="0"/>
+                </a:tc>
+                <a:tc>
+                  <a:txBody>
+                    <a:bodyPr/>
+                    <a:lstStyle/>
+                    <a:p>
+                      <a:pPr algn="just" fontAlgn="t"/>
+                      <a:r>
+                        <a:rPr lang="en-US" sz="1000" kern="0">
+                          <a:effectLst/>
+                        </a:rPr>
+                        <a:t>1</a:t>
+                      </a:r>
+                      <a:endParaRPr lang="zh-CN" sz="1000" kern="100">
+                        <a:effectLst/>
+                        <a:latin typeface="等线" panose="02010600030101010101" pitchFamily="2" charset="-122"/>
+                        <a:ea typeface="等线" panose="02010600030101010101" pitchFamily="2" charset="-122"/>
+                        <a:cs typeface="Times New Roman" panose="02020603050405020304" pitchFamily="18" charset="0"/>
+                      </a:endParaRPr>
+                    </a:p>
+                  </a:txBody>
+                  <a:tcPr marL="38993" marR="38993" marT="0" marB="0"/>
+                </a:tc>
+                <a:tc>
+                  <a:txBody>
+                    <a:bodyPr/>
+                    <a:lstStyle/>
+                    <a:p>
+                      <a:pPr algn="just" fontAlgn="t"/>
+                      <a:r>
+                        <a:rPr lang="en-US" sz="1000" kern="0">
+                          <a:effectLst/>
+                        </a:rPr>
+                        <a:t>5</a:t>
+                      </a:r>
+                      <a:endParaRPr lang="zh-CN" sz="1000" kern="100">
+                        <a:effectLst/>
+                        <a:latin typeface="等线" panose="02010600030101010101" pitchFamily="2" charset="-122"/>
+                        <a:ea typeface="等线" panose="02010600030101010101" pitchFamily="2" charset="-122"/>
+                        <a:cs typeface="Times New Roman" panose="02020603050405020304" pitchFamily="18" charset="0"/>
+                      </a:endParaRPr>
+                    </a:p>
+                  </a:txBody>
+                  <a:tcPr marL="38993" marR="38993" marT="0" marB="0"/>
+                </a:tc>
+                <a:tc>
+                  <a:txBody>
+                    <a:bodyPr/>
+                    <a:lstStyle/>
+                    <a:p>
+                      <a:pPr algn="just" fontAlgn="t"/>
+                      <a:r>
+                        <a:rPr lang="en-US" sz="1000" kern="0">
+                          <a:effectLst/>
+                        </a:rPr>
+                        <a:t>6</a:t>
+                      </a:r>
+                      <a:endParaRPr lang="zh-CN" sz="1000" kern="100">
+                        <a:effectLst/>
+                        <a:latin typeface="等线" panose="02010600030101010101" pitchFamily="2" charset="-122"/>
+                        <a:ea typeface="等线" panose="02010600030101010101" pitchFamily="2" charset="-122"/>
+                        <a:cs typeface="Times New Roman" panose="02020603050405020304" pitchFamily="18" charset="0"/>
+                      </a:endParaRPr>
+                    </a:p>
+                  </a:txBody>
+                  <a:tcPr marL="38993" marR="38993" marT="0" marB="0"/>
+                </a:tc>
+                <a:tc>
+                  <a:txBody>
+                    <a:bodyPr/>
+                    <a:lstStyle/>
+                    <a:p>
+                      <a:pPr algn="just" fontAlgn="t"/>
+                      <a:r>
+                        <a:rPr lang="en-US" sz="1000" kern="0">
+                          <a:effectLst/>
+                        </a:rPr>
+                        <a:t>2.36%</a:t>
+                      </a:r>
+                      <a:endParaRPr lang="zh-CN" sz="1000" kern="100">
+                        <a:effectLst/>
+                        <a:latin typeface="等线" panose="02010600030101010101" pitchFamily="2" charset="-122"/>
+                        <a:ea typeface="等线" panose="02010600030101010101" pitchFamily="2" charset="-122"/>
+                        <a:cs typeface="Times New Roman" panose="02020603050405020304" pitchFamily="18" charset="0"/>
+                      </a:endParaRPr>
+                    </a:p>
+                  </a:txBody>
+                  <a:tcPr marL="38993" marR="38993" marT="0" marB="0"/>
+                </a:tc>
+                <a:tc>
+                  <a:txBody>
+                    <a:bodyPr/>
+                    <a:lstStyle/>
+                    <a:p>
+                      <a:pPr algn="just" fontAlgn="t"/>
+                      <a:r>
+                        <a:rPr lang="en-US" sz="1000" kern="0">
+                          <a:effectLst/>
+                        </a:rPr>
+                        <a:t>2</a:t>
+                      </a:r>
+                      <a:endParaRPr lang="zh-CN" sz="1000" kern="100">
+                        <a:effectLst/>
+                        <a:latin typeface="等线" panose="02010600030101010101" pitchFamily="2" charset="-122"/>
+                        <a:ea typeface="等线" panose="02010600030101010101" pitchFamily="2" charset="-122"/>
+                        <a:cs typeface="Times New Roman" panose="02020603050405020304" pitchFamily="18" charset="0"/>
+                      </a:endParaRPr>
+                    </a:p>
+                  </a:txBody>
+                  <a:tcPr marL="38993" marR="38993" marT="0" marB="0"/>
+                </a:tc>
+                <a:tc>
+                  <a:txBody>
+                    <a:bodyPr/>
+                    <a:lstStyle/>
+                    <a:p>
+                      <a:pPr algn="just" fontAlgn="t"/>
+                      <a:r>
+                        <a:rPr lang="en-US" sz="1000" kern="0">
+                          <a:effectLst/>
+                        </a:rPr>
+                        <a:t>1.36%</a:t>
+                      </a:r>
+                      <a:endParaRPr lang="zh-CN" sz="1000" kern="100">
+                        <a:effectLst/>
+                        <a:latin typeface="等线" panose="02010600030101010101" pitchFamily="2" charset="-122"/>
+                        <a:ea typeface="等线" panose="02010600030101010101" pitchFamily="2" charset="-122"/>
+                        <a:cs typeface="Times New Roman" panose="02020603050405020304" pitchFamily="18" charset="0"/>
+                      </a:endParaRPr>
+                    </a:p>
+                  </a:txBody>
+                  <a:tcPr marL="38993" marR="38993" marT="0" marB="0"/>
+                </a:tc>
+                <a:tc>
+                  <a:txBody>
+                    <a:bodyPr/>
+                    <a:lstStyle/>
+                    <a:p>
+                      <a:pPr algn="just" fontAlgn="t"/>
+                      <a:r>
+                        <a:rPr lang="en-US" sz="1000" kern="0">
+                          <a:effectLst/>
+                        </a:rPr>
+                        <a:t>2</a:t>
+                      </a:r>
+                      <a:endParaRPr lang="zh-CN" sz="1000" kern="100">
+                        <a:effectLst/>
+                        <a:latin typeface="等线" panose="02010600030101010101" pitchFamily="2" charset="-122"/>
+                        <a:ea typeface="等线" panose="02010600030101010101" pitchFamily="2" charset="-122"/>
+                        <a:cs typeface="Times New Roman" panose="02020603050405020304" pitchFamily="18" charset="0"/>
+                      </a:endParaRPr>
+                    </a:p>
+                  </a:txBody>
+                  <a:tcPr marL="38993" marR="38993" marT="0" marB="0"/>
+                </a:tc>
+                <a:tc>
+                  <a:txBody>
+                    <a:bodyPr/>
+                    <a:lstStyle/>
+                    <a:p>
+                      <a:pPr algn="just" fontAlgn="t"/>
+                      <a:r>
+                        <a:rPr lang="en-US" sz="1000" kern="0">
+                          <a:effectLst/>
+                        </a:rPr>
+                        <a:t>1.18%</a:t>
+                      </a:r>
+                      <a:endParaRPr lang="zh-CN" sz="1000" kern="100">
+                        <a:effectLst/>
+                        <a:latin typeface="等线" panose="02010600030101010101" pitchFamily="2" charset="-122"/>
+                        <a:ea typeface="等线" panose="02010600030101010101" pitchFamily="2" charset="-122"/>
+                        <a:cs typeface="Times New Roman" panose="02020603050405020304" pitchFamily="18" charset="0"/>
+                      </a:endParaRPr>
+                    </a:p>
+                  </a:txBody>
+                  <a:tcPr marL="38993" marR="38993" marT="0" marB="0"/>
+                </a:tc>
+                <a:tc>
+                  <a:txBody>
+                    <a:bodyPr/>
+                    <a:lstStyle/>
+                    <a:p>
+                      <a:pPr algn="just" fontAlgn="t"/>
+                      <a:r>
+                        <a:rPr lang="en-US" sz="1000" kern="0">
+                          <a:effectLst/>
+                        </a:rPr>
+                        <a:t>0.9285 </a:t>
+                      </a:r>
+                      <a:endParaRPr lang="zh-CN" sz="1000" kern="100">
+                        <a:effectLst/>
+                        <a:latin typeface="等线" panose="02010600030101010101" pitchFamily="2" charset="-122"/>
+                        <a:ea typeface="等线" panose="02010600030101010101" pitchFamily="2" charset="-122"/>
+                        <a:cs typeface="Times New Roman" panose="02020603050405020304" pitchFamily="18" charset="0"/>
+                      </a:endParaRPr>
+                    </a:p>
+                  </a:txBody>
+                  <a:tcPr marL="38993" marR="38993" marT="0" marB="0"/>
+                </a:tc>
+                <a:extLst>
+                  <a:ext uri="{0D108BD9-81ED-4DB2-BD59-A6C34878D82A}">
+                    <a16:rowId xmlns:a16="http://schemas.microsoft.com/office/drawing/2014/main" val="2529095483"/>
+                  </a:ext>
+                </a:extLst>
+              </a:tr>
+              <a:tr h="276775">
+                <a:tc>
+                  <a:txBody>
+                    <a:bodyPr/>
+                    <a:lstStyle/>
+                    <a:p>
+                      <a:pPr algn="just" fontAlgn="t"/>
+                      <a:r>
+                        <a:rPr lang="zh-CN" sz="1000" kern="0">
+                          <a:effectLst/>
+                        </a:rPr>
+                        <a:t>合计</a:t>
+                      </a:r>
+                      <a:endParaRPr lang="zh-CN" sz="1000" kern="100">
+                        <a:effectLst/>
+                        <a:latin typeface="等线" panose="02010600030101010101" pitchFamily="2" charset="-122"/>
+                        <a:ea typeface="等线" panose="02010600030101010101" pitchFamily="2" charset="-122"/>
+                        <a:cs typeface="Times New Roman" panose="02020603050405020304" pitchFamily="18" charset="0"/>
+                      </a:endParaRPr>
+                    </a:p>
+                  </a:txBody>
+                  <a:tcPr marL="38993" marR="38993" marT="0" marB="0"/>
+                </a:tc>
+                <a:tc>
+                  <a:txBody>
+                    <a:bodyPr/>
+                    <a:lstStyle/>
+                    <a:p>
+                      <a:pPr algn="just" fontAlgn="t"/>
+                      <a:r>
+                        <a:rPr lang="en-US" sz="1000" kern="0">
+                          <a:effectLst/>
+                        </a:rPr>
+                        <a:t>118</a:t>
+                      </a:r>
+                      <a:endParaRPr lang="zh-CN" sz="1000" kern="100">
+                        <a:effectLst/>
+                        <a:latin typeface="等线" panose="02010600030101010101" pitchFamily="2" charset="-122"/>
+                        <a:ea typeface="等线" panose="02010600030101010101" pitchFamily="2" charset="-122"/>
+                        <a:cs typeface="Times New Roman" panose="02020603050405020304" pitchFamily="18" charset="0"/>
+                      </a:endParaRPr>
+                    </a:p>
+                  </a:txBody>
+                  <a:tcPr marL="38993" marR="38993" marT="0" marB="0"/>
+                </a:tc>
+                <a:tc>
+                  <a:txBody>
+                    <a:bodyPr/>
+                    <a:lstStyle/>
+                    <a:p>
+                      <a:pPr algn="just" fontAlgn="t"/>
+                      <a:r>
+                        <a:rPr lang="en-US" sz="1000" kern="0">
+                          <a:effectLst/>
+                        </a:rPr>
+                        <a:t>136</a:t>
+                      </a:r>
+                      <a:endParaRPr lang="zh-CN" sz="1000" kern="100">
+                        <a:effectLst/>
+                        <a:latin typeface="等线" panose="02010600030101010101" pitchFamily="2" charset="-122"/>
+                        <a:ea typeface="等线" panose="02010600030101010101" pitchFamily="2" charset="-122"/>
+                        <a:cs typeface="Times New Roman" panose="02020603050405020304" pitchFamily="18" charset="0"/>
+                      </a:endParaRPr>
+                    </a:p>
+                  </a:txBody>
+                  <a:tcPr marL="38993" marR="38993" marT="0" marB="0"/>
+                </a:tc>
+                <a:tc>
+                  <a:txBody>
+                    <a:bodyPr/>
+                    <a:lstStyle/>
+                    <a:p>
+                      <a:pPr algn="just" fontAlgn="t"/>
+                      <a:r>
+                        <a:rPr lang="en-US" sz="1000" kern="0">
+                          <a:effectLst/>
+                        </a:rPr>
+                        <a:t>254</a:t>
+                      </a:r>
+                      <a:endParaRPr lang="zh-CN" sz="1000" kern="100">
+                        <a:effectLst/>
+                        <a:latin typeface="等线" panose="02010600030101010101" pitchFamily="2" charset="-122"/>
+                        <a:ea typeface="等线" panose="02010600030101010101" pitchFamily="2" charset="-122"/>
+                        <a:cs typeface="Times New Roman" panose="02020603050405020304" pitchFamily="18" charset="0"/>
+                      </a:endParaRPr>
+                    </a:p>
+                  </a:txBody>
+                  <a:tcPr marL="38993" marR="38993" marT="0" marB="0"/>
+                </a:tc>
+                <a:tc>
+                  <a:txBody>
+                    <a:bodyPr/>
+                    <a:lstStyle/>
+                    <a:p>
+                      <a:pPr algn="just" fontAlgn="t"/>
+                      <a:r>
+                        <a:rPr lang="en-US" sz="1000" kern="0">
+                          <a:effectLst/>
+                        </a:rPr>
+                        <a:t>100%</a:t>
+                      </a:r>
+                      <a:endParaRPr lang="zh-CN" sz="1000" kern="100">
+                        <a:effectLst/>
+                        <a:latin typeface="等线" panose="02010600030101010101" pitchFamily="2" charset="-122"/>
+                        <a:ea typeface="等线" panose="02010600030101010101" pitchFamily="2" charset="-122"/>
+                        <a:cs typeface="Times New Roman" panose="02020603050405020304" pitchFamily="18" charset="0"/>
+                      </a:endParaRPr>
+                    </a:p>
+                  </a:txBody>
+                  <a:tcPr marL="38993" marR="38993" marT="0" marB="0"/>
+                </a:tc>
+                <a:tc>
+                  <a:txBody>
+                    <a:bodyPr/>
+                    <a:lstStyle/>
+                    <a:p>
+                      <a:pPr algn="just" fontAlgn="t"/>
+                      <a:r>
+                        <a:rPr lang="en-US" sz="1000" kern="0">
+                          <a:effectLst/>
+                        </a:rPr>
+                        <a:t>147</a:t>
+                      </a:r>
+                      <a:endParaRPr lang="zh-CN" sz="1000" kern="100">
+                        <a:effectLst/>
+                        <a:latin typeface="等线" panose="02010600030101010101" pitchFamily="2" charset="-122"/>
+                        <a:ea typeface="等线" panose="02010600030101010101" pitchFamily="2" charset="-122"/>
+                        <a:cs typeface="Times New Roman" panose="02020603050405020304" pitchFamily="18" charset="0"/>
+                      </a:endParaRPr>
+                    </a:p>
+                  </a:txBody>
+                  <a:tcPr marL="38993" marR="38993" marT="0" marB="0"/>
+                </a:tc>
+                <a:tc>
+                  <a:txBody>
+                    <a:bodyPr/>
+                    <a:lstStyle/>
+                    <a:p>
+                      <a:pPr algn="just" fontAlgn="t"/>
+                      <a:r>
+                        <a:rPr lang="en-US" sz="1000" kern="0">
+                          <a:effectLst/>
+                        </a:rPr>
+                        <a:t>100%</a:t>
+                      </a:r>
+                      <a:endParaRPr lang="zh-CN" sz="1000" kern="100">
+                        <a:effectLst/>
+                        <a:latin typeface="等线" panose="02010600030101010101" pitchFamily="2" charset="-122"/>
+                        <a:ea typeface="等线" panose="02010600030101010101" pitchFamily="2" charset="-122"/>
+                        <a:cs typeface="Times New Roman" panose="02020603050405020304" pitchFamily="18" charset="0"/>
+                      </a:endParaRPr>
+                    </a:p>
+                  </a:txBody>
+                  <a:tcPr marL="38993" marR="38993" marT="0" marB="0"/>
+                </a:tc>
+                <a:tc>
+                  <a:txBody>
+                    <a:bodyPr/>
+                    <a:lstStyle/>
+                    <a:p>
+                      <a:pPr algn="just" fontAlgn="t"/>
+                      <a:r>
+                        <a:rPr lang="en-US" sz="1000" kern="0">
+                          <a:effectLst/>
+                        </a:rPr>
+                        <a:t>169</a:t>
+                      </a:r>
+                      <a:endParaRPr lang="zh-CN" sz="1000" kern="100">
+                        <a:effectLst/>
+                        <a:latin typeface="等线" panose="02010600030101010101" pitchFamily="2" charset="-122"/>
+                        <a:ea typeface="等线" panose="02010600030101010101" pitchFamily="2" charset="-122"/>
+                        <a:cs typeface="Times New Roman" panose="02020603050405020304" pitchFamily="18" charset="0"/>
+                      </a:endParaRPr>
+                    </a:p>
+                  </a:txBody>
+                  <a:tcPr marL="38993" marR="38993" marT="0" marB="0"/>
+                </a:tc>
+                <a:tc>
+                  <a:txBody>
+                    <a:bodyPr/>
+                    <a:lstStyle/>
+                    <a:p>
+                      <a:pPr algn="just"/>
+                      <a:r>
+                        <a:rPr lang="en-US" sz="1000" kern="0">
+                          <a:effectLst/>
+                        </a:rPr>
+                        <a:t>100%</a:t>
+                      </a:r>
+                      <a:endParaRPr lang="zh-CN" sz="1000" kern="100">
+                        <a:effectLst/>
+                        <a:latin typeface="等线" panose="02010600030101010101" pitchFamily="2" charset="-122"/>
+                        <a:ea typeface="等线" panose="02010600030101010101" pitchFamily="2" charset="-122"/>
+                        <a:cs typeface="Times New Roman" panose="02020603050405020304" pitchFamily="18" charset="0"/>
+                      </a:endParaRPr>
+                    </a:p>
+                  </a:txBody>
+                  <a:tcPr marL="38993" marR="38993" marT="0" marB="0"/>
+                </a:tc>
+                <a:tc>
+                  <a:txBody>
+                    <a:bodyPr/>
+                    <a:lstStyle/>
+                    <a:p>
+                      <a:pPr algn="just"/>
+                      <a:r>
+                        <a:rPr lang="en-US" sz="1000" kern="100" dirty="0">
+                          <a:effectLst/>
+                        </a:rPr>
+                        <a:t> </a:t>
+                      </a:r>
+                      <a:endParaRPr lang="zh-CN" sz="1000" kern="100" dirty="0">
+                        <a:effectLst/>
+                        <a:latin typeface="等线" panose="02010600030101010101" pitchFamily="2" charset="-122"/>
+                        <a:ea typeface="等线" panose="02010600030101010101" pitchFamily="2" charset="-122"/>
+                        <a:cs typeface="Times New Roman" panose="02020603050405020304" pitchFamily="18" charset="0"/>
+                      </a:endParaRPr>
+                    </a:p>
+                  </a:txBody>
+                  <a:tcPr marL="38993" marR="38993" marT="0" marB="0" anchor="ctr"/>
+                </a:tc>
+                <a:extLst>
+                  <a:ext uri="{0D108BD9-81ED-4DB2-BD59-A6C34878D82A}">
+                    <a16:rowId xmlns:a16="http://schemas.microsoft.com/office/drawing/2014/main" val="2717494929"/>
+                  </a:ext>
+                </a:extLst>
+              </a:tr>
+            </a:tbl>
+          </a:graphicData>
+        </a:graphic>
+      </p:graphicFrame>
     </p:spTree>
     <p:custDataLst>
       <p:tags r:id="rId1"/>

--- a/3.requirement/5.需求变更/G07需求变更评审.pptx
+++ b/3.requirement/5.需求变更/G07需求变更评审.pptx
@@ -5,7 +5,7 @@
     <p:sldMasterId id="2147483648" r:id="rId1"/>
   </p:sldMasterIdLst>
   <p:notesMasterIdLst>
-    <p:notesMasterId r:id="rId31"/>
+    <p:notesMasterId r:id="rId32"/>
   </p:notesMasterIdLst>
   <p:sldIdLst>
     <p:sldId id="256" r:id="rId2"/>
@@ -28,20 +28,21 @@
     <p:sldId id="289" r:id="rId19"/>
     <p:sldId id="278" r:id="rId20"/>
     <p:sldId id="290" r:id="rId21"/>
-    <p:sldId id="295" r:id="rId22"/>
-    <p:sldId id="275" r:id="rId23"/>
-    <p:sldId id="296" r:id="rId24"/>
-    <p:sldId id="282" r:id="rId25"/>
-    <p:sldId id="297" r:id="rId26"/>
-    <p:sldId id="272" r:id="rId27"/>
-    <p:sldId id="274" r:id="rId28"/>
-    <p:sldId id="299" r:id="rId29"/>
-    <p:sldId id="298" r:id="rId30"/>
+    <p:sldId id="301" r:id="rId22"/>
+    <p:sldId id="295" r:id="rId23"/>
+    <p:sldId id="275" r:id="rId24"/>
+    <p:sldId id="296" r:id="rId25"/>
+    <p:sldId id="282" r:id="rId26"/>
+    <p:sldId id="297" r:id="rId27"/>
+    <p:sldId id="272" r:id="rId28"/>
+    <p:sldId id="274" r:id="rId29"/>
+    <p:sldId id="299" r:id="rId30"/>
+    <p:sldId id="298" r:id="rId31"/>
   </p:sldIdLst>
   <p:sldSz cx="12192000" cy="6858000"/>
   <p:notesSz cx="6858000" cy="9144000"/>
   <p:custDataLst>
-    <p:tags r:id="rId32"/>
+    <p:tags r:id="rId33"/>
   </p:custDataLst>
   <p:defaultTextStyle>
     <a:defPPr>
@@ -885,7 +886,7 @@
           <a:p>
             <a:fld id="{93B838D7-ACB7-4D7F-8F6C-15C3D1214DC2}" type="slidenum">
               <a:rPr lang="zh-CN" altLang="en-US" smtClean="0"/>
-              <a:t>21</a:t>
+              <a:t>22</a:t>
             </a:fld>
             <a:endParaRPr lang="zh-CN" altLang="en-US"/>
           </a:p>
@@ -964,7 +965,7 @@
           <a:p>
             <a:fld id="{93B838D7-ACB7-4D7F-8F6C-15C3D1214DC2}" type="slidenum">
               <a:rPr lang="zh-CN" altLang="en-US" smtClean="0"/>
-              <a:t>23</a:t>
+              <a:t>24</a:t>
             </a:fld>
             <a:endParaRPr lang="zh-CN" altLang="en-US"/>
           </a:p>
@@ -1043,7 +1044,7 @@
           <a:p>
             <a:fld id="{93B838D7-ACB7-4D7F-8F6C-15C3D1214DC2}" type="slidenum">
               <a:rPr lang="zh-CN" altLang="en-US" smtClean="0"/>
-              <a:t>25</a:t>
+              <a:t>26</a:t>
             </a:fld>
             <a:endParaRPr lang="zh-CN" altLang="en-US"/>
           </a:p>
@@ -1122,7 +1123,7 @@
           <a:p>
             <a:fld id="{93B838D7-ACB7-4D7F-8F6C-15C3D1214DC2}" type="slidenum">
               <a:rPr lang="zh-CN" altLang="en-US" smtClean="0"/>
-              <a:t>29</a:t>
+              <a:t>30</a:t>
             </a:fld>
             <a:endParaRPr lang="zh-CN" altLang="en-US"/>
           </a:p>
@@ -23985,6 +23986,116 @@
   <p:cSld>
     <p:bg>
       <p:bgPr>
+        <a:solidFill>
+          <a:schemeClr val="bg1"/>
+        </a:solidFill>
+        <a:effectLst/>
+      </p:bgPr>
+    </p:bg>
+    <p:spTree>
+      <p:nvGrpSpPr>
+        <p:cNvPr id="1" name=""/>
+        <p:cNvGrpSpPr/>
+        <p:nvPr/>
+      </p:nvGrpSpPr>
+      <p:grpSpPr>
+        <a:xfrm>
+          <a:off x="0" y="0"/>
+          <a:ext cx="0" cy="0"/>
+          <a:chOff x="0" y="0"/>
+          <a:chExt cx="0" cy="0"/>
+        </a:xfrm>
+      </p:grpSpPr>
+      <p:sp>
+        <p:nvSpPr>
+          <p:cNvPr id="2" name="标题 1"/>
+          <p:cNvSpPr>
+            <a:spLocks noGrp="1"/>
+          </p:cNvSpPr>
+          <p:nvPr>
+            <p:ph type="title"/>
+          </p:nvPr>
+        </p:nvSpPr>
+        <p:spPr>
+          <a:xfrm>
+            <a:off x="838200" y="425450"/>
+            <a:ext cx="8658225" cy="598170"/>
+          </a:xfrm>
+        </p:spPr>
+        <p:txBody>
+          <a:bodyPr>
+            <a:noAutofit/>
+          </a:bodyPr>
+          <a:lstStyle/>
+          <a:p>
+            <a:r>
+              <a:rPr lang="zh-CN" altLang="en-US" sz="3200">
+                <a:latin typeface="+mn-lt"/>
+                <a:ea typeface="+mn-ea"/>
+                <a:sym typeface="+mn-ea"/>
+              </a:rPr>
+              <a:t>原型以及用户手册修改</a:t>
+            </a:r>
+          </a:p>
+        </p:txBody>
+      </p:sp>
+      <p:pic>
+        <p:nvPicPr>
+          <p:cNvPr id="9" name="图片 8">
+            <a:extLst>
+              <a:ext uri="{FF2B5EF4-FFF2-40B4-BE49-F238E27FC236}">
+                <a16:creationId xmlns:a16="http://schemas.microsoft.com/office/drawing/2014/main" id="{ADDB5B01-3661-F462-DD07-E8A9BD7EA07E}"/>
+              </a:ext>
+            </a:extLst>
+          </p:cNvPr>
+          <p:cNvPicPr>
+            <a:picLocks noChangeAspect="1"/>
+          </p:cNvPicPr>
+          <p:nvPr/>
+        </p:nvPicPr>
+        <p:blipFill>
+          <a:blip r:embed="rId3">
+            <a:extLst>
+              <a:ext uri="{28A0092B-C50C-407E-A947-70E740481C1C}">
+                <a14:useLocalDpi xmlns:a14="http://schemas.microsoft.com/office/drawing/2010/main" val="0"/>
+              </a:ext>
+            </a:extLst>
+          </a:blip>
+          <a:stretch>
+            <a:fillRect/>
+          </a:stretch>
+        </p:blipFill>
+        <p:spPr>
+          <a:xfrm>
+            <a:off x="553653" y="1674890"/>
+            <a:ext cx="11084694" cy="3092907"/>
+          </a:xfrm>
+          <a:prstGeom prst="rect">
+            <a:avLst/>
+          </a:prstGeom>
+        </p:spPr>
+      </p:pic>
+    </p:spTree>
+    <p:custDataLst>
+      <p:tags r:id="rId1"/>
+    </p:custDataLst>
+    <p:extLst>
+      <p:ext uri="{BB962C8B-B14F-4D97-AF65-F5344CB8AC3E}">
+        <p14:creationId xmlns:p14="http://schemas.microsoft.com/office/powerpoint/2010/main" val="149286585"/>
+      </p:ext>
+    </p:extLst>
+  </p:cSld>
+  <p:clrMapOvr>
+    <a:masterClrMapping/>
+  </p:clrMapOvr>
+</p:sld>
+</file>
+
+<file path=ppt/slides/slide22.xml><?xml version="1.0" encoding="utf-8"?>
+<p:sld xmlns:a="http://schemas.openxmlformats.org/drawingml/2006/main" xmlns:r="http://schemas.openxmlformats.org/officeDocument/2006/relationships" xmlns:p="http://schemas.openxmlformats.org/presentationml/2006/main">
+  <p:cSld>
+    <p:bg>
+      <p:bgPr>
         <a:noFill/>
         <a:effectLst/>
       </p:bgPr>
@@ -24098,7 +24209,7 @@
 </p:sld>
 </file>
 
-<file path=ppt/slides/slide22.xml><?xml version="1.0" encoding="utf-8"?>
+<file path=ppt/slides/slide23.xml><?xml version="1.0" encoding="utf-8"?>
 <p:sld xmlns:a="http://schemas.openxmlformats.org/drawingml/2006/main" xmlns:r="http://schemas.openxmlformats.org/officeDocument/2006/relationships" xmlns:p="http://schemas.openxmlformats.org/presentationml/2006/main">
   <p:cSld>
     <p:bg>
@@ -24269,7 +24380,7 @@
 </p:sld>
 </file>
 
-<file path=ppt/slides/slide23.xml><?xml version="1.0" encoding="utf-8"?>
+<file path=ppt/slides/slide24.xml><?xml version="1.0" encoding="utf-8"?>
 <p:sld xmlns:a="http://schemas.openxmlformats.org/drawingml/2006/main" xmlns:r="http://schemas.openxmlformats.org/officeDocument/2006/relationships" xmlns:p="http://schemas.openxmlformats.org/presentationml/2006/main">
   <p:cSld>
     <p:bg>
@@ -24379,7 +24490,7 @@
 </p:sld>
 </file>
 
-<file path=ppt/slides/slide24.xml><?xml version="1.0" encoding="utf-8"?>
+<file path=ppt/slides/slide25.xml><?xml version="1.0" encoding="utf-8"?>
 <p:sld xmlns:a="http://schemas.openxmlformats.org/drawingml/2006/main" xmlns:r="http://schemas.openxmlformats.org/officeDocument/2006/relationships" xmlns:p="http://schemas.openxmlformats.org/presentationml/2006/main">
   <p:cSld>
     <p:bg>
@@ -24586,7 +24697,7 @@
 </p:sld>
 </file>
 
-<file path=ppt/slides/slide25.xml><?xml version="1.0" encoding="utf-8"?>
+<file path=ppt/slides/slide26.xml><?xml version="1.0" encoding="utf-8"?>
 <p:sld xmlns:a="http://schemas.openxmlformats.org/drawingml/2006/main" xmlns:r="http://schemas.openxmlformats.org/officeDocument/2006/relationships" xmlns:p="http://schemas.openxmlformats.org/presentationml/2006/main">
   <p:cSld>
     <p:bg>
@@ -24696,7 +24807,7 @@
 </p:sld>
 </file>
 
-<file path=ppt/slides/slide26.xml><?xml version="1.0" encoding="utf-8"?>
+<file path=ppt/slides/slide27.xml><?xml version="1.0" encoding="utf-8"?>
 <p:sld xmlns:a="http://schemas.openxmlformats.org/drawingml/2006/main" xmlns:r="http://schemas.openxmlformats.org/officeDocument/2006/relationships" xmlns:p="http://schemas.openxmlformats.org/presentationml/2006/main">
   <p:cSld>
     <p:bg>
@@ -24906,7 +25017,7 @@
 </p:sld>
 </file>
 
-<file path=ppt/slides/slide27.xml><?xml version="1.0" encoding="utf-8"?>
+<file path=ppt/slides/slide28.xml><?xml version="1.0" encoding="utf-8"?>
 <p:sld xmlns:a="http://schemas.openxmlformats.org/drawingml/2006/main" xmlns:r="http://schemas.openxmlformats.org/officeDocument/2006/relationships" xmlns:p="http://schemas.openxmlformats.org/presentationml/2006/main">
   <p:cSld>
     <p:bg>
@@ -25632,7 +25743,7 @@
 </p:sld>
 </file>
 
-<file path=ppt/slides/slide28.xml><?xml version="1.0" encoding="utf-8"?>
+<file path=ppt/slides/slide29.xml><?xml version="1.0" encoding="utf-8"?>
 <p:sld xmlns:a="http://schemas.openxmlformats.org/drawingml/2006/main" xmlns:r="http://schemas.openxmlformats.org/officeDocument/2006/relationships" xmlns:p="http://schemas.openxmlformats.org/presentationml/2006/main">
   <p:cSld>
     <p:bg>
@@ -25804,7 +25915,120 @@
 </p:sld>
 </file>
 
-<file path=ppt/slides/slide29.xml><?xml version="1.0" encoding="utf-8"?>
+<file path=ppt/slides/slide3.xml><?xml version="1.0" encoding="utf-8"?>
+<p:sld xmlns:a="http://schemas.openxmlformats.org/drawingml/2006/main" xmlns:r="http://schemas.openxmlformats.org/officeDocument/2006/relationships" xmlns:p="http://schemas.openxmlformats.org/presentationml/2006/main">
+  <p:cSld>
+    <p:bg>
+      <p:bgPr>
+        <a:noFill/>
+        <a:effectLst/>
+      </p:bgPr>
+    </p:bg>
+    <p:spTree>
+      <p:nvGrpSpPr>
+        <p:cNvPr id="1" name=""/>
+        <p:cNvGrpSpPr/>
+        <p:nvPr/>
+      </p:nvGrpSpPr>
+      <p:grpSpPr>
+        <a:xfrm>
+          <a:off x="0" y="0"/>
+          <a:ext cx="0" cy="0"/>
+          <a:chOff x="0" y="0"/>
+          <a:chExt cx="0" cy="0"/>
+        </a:xfrm>
+      </p:grpSpPr>
+      <p:sp>
+        <p:nvSpPr>
+          <p:cNvPr id="6" name="标题 5"/>
+          <p:cNvSpPr>
+            <a:spLocks noGrp="1"/>
+          </p:cNvSpPr>
+          <p:nvPr>
+            <p:ph type="title"/>
+            <p:custDataLst>
+              <p:tags r:id="rId2"/>
+            </p:custDataLst>
+          </p:nvPr>
+        </p:nvSpPr>
+        <p:spPr/>
+        <p:txBody>
+          <a:bodyPr>
+            <a:normAutofit/>
+          </a:bodyPr>
+          <a:lstStyle/>
+          <a:p>
+            <a:r>
+              <a:rPr lang="en-US" altLang="zh-CN">
+                <a:latin typeface="+mn-lt"/>
+                <a:ea typeface="+mn-ea"/>
+                <a:sym typeface="+mn-ea"/>
+              </a:rPr>
+              <a:t>用户的需求</a:t>
+            </a:r>
+            <a:r>
+              <a:rPr lang="zh-CN" altLang="en-US">
+                <a:latin typeface="+mn-lt"/>
+                <a:ea typeface="+mn-ea"/>
+                <a:sym typeface="+mn-ea"/>
+              </a:rPr>
+              <a:t>变更</a:t>
+            </a:r>
+            <a:endParaRPr lang="en-US" altLang="zh-CN"/>
+          </a:p>
+        </p:txBody>
+      </p:sp>
+      <p:sp>
+        <p:nvSpPr>
+          <p:cNvPr id="2" name="文本框 1"/>
+          <p:cNvSpPr txBox="1"/>
+          <p:nvPr>
+            <p:custDataLst>
+              <p:tags r:id="rId3"/>
+            </p:custDataLst>
+          </p:nvPr>
+        </p:nvSpPr>
+        <p:spPr>
+          <a:xfrm>
+            <a:off x="2020389" y="1323703"/>
+            <a:ext cx="3030583" cy="1569660"/>
+          </a:xfrm>
+          <a:prstGeom prst="rect">
+            <a:avLst/>
+          </a:prstGeom>
+          <a:noFill/>
+        </p:spPr>
+        <p:txBody>
+          <a:bodyPr wrap="square" rtlCol="0">
+            <a:spAutoFit/>
+          </a:bodyPr>
+          <a:lstStyle/>
+          <a:p>
+            <a:r>
+              <a:rPr lang="en-US" altLang="zh-CN" sz="9600">
+                <a:solidFill>
+                  <a:schemeClr val="accent1"/>
+                </a:solidFill>
+                <a:latin typeface="微软雅黑" panose="020B0503020204020204" charset="-122"/>
+                <a:ea typeface="微软雅黑" panose="020B0503020204020204" charset="-122"/>
+              </a:rPr>
+              <a:t>01</a:t>
+            </a:r>
+          </a:p>
+        </p:txBody>
+      </p:sp>
+    </p:spTree>
+    <p:custDataLst>
+      <p:tags r:id="rId1"/>
+    </p:custDataLst>
+  </p:cSld>
+  <p:clrMapOvr>
+    <a:masterClrMapping/>
+  </p:clrMapOvr>
+</p:sld>
+</file>
+
+<file path=ppt/slides/slide30.xml><?xml version="1.0" encoding="utf-8"?>
 <p:sld xmlns:a="http://schemas.openxmlformats.org/drawingml/2006/main" xmlns:r="http://schemas.openxmlformats.org/officeDocument/2006/relationships" xmlns:p="http://schemas.openxmlformats.org/presentationml/2006/main">
   <p:cSld>
     <p:bg>
@@ -25916,119 +26140,6 @@
                 <a:schemeClr val="accent1"/>
               </a:solidFill>
             </a:endParaRPr>
-          </a:p>
-        </p:txBody>
-      </p:sp>
-    </p:spTree>
-    <p:custDataLst>
-      <p:tags r:id="rId1"/>
-    </p:custDataLst>
-  </p:cSld>
-  <p:clrMapOvr>
-    <a:masterClrMapping/>
-  </p:clrMapOvr>
-</p:sld>
-</file>
-
-<file path=ppt/slides/slide3.xml><?xml version="1.0" encoding="utf-8"?>
-<p:sld xmlns:a="http://schemas.openxmlformats.org/drawingml/2006/main" xmlns:r="http://schemas.openxmlformats.org/officeDocument/2006/relationships" xmlns:p="http://schemas.openxmlformats.org/presentationml/2006/main">
-  <p:cSld>
-    <p:bg>
-      <p:bgPr>
-        <a:noFill/>
-        <a:effectLst/>
-      </p:bgPr>
-    </p:bg>
-    <p:spTree>
-      <p:nvGrpSpPr>
-        <p:cNvPr id="1" name=""/>
-        <p:cNvGrpSpPr/>
-        <p:nvPr/>
-      </p:nvGrpSpPr>
-      <p:grpSpPr>
-        <a:xfrm>
-          <a:off x="0" y="0"/>
-          <a:ext cx="0" cy="0"/>
-          <a:chOff x="0" y="0"/>
-          <a:chExt cx="0" cy="0"/>
-        </a:xfrm>
-      </p:grpSpPr>
-      <p:sp>
-        <p:nvSpPr>
-          <p:cNvPr id="6" name="标题 5"/>
-          <p:cNvSpPr>
-            <a:spLocks noGrp="1"/>
-          </p:cNvSpPr>
-          <p:nvPr>
-            <p:ph type="title"/>
-            <p:custDataLst>
-              <p:tags r:id="rId2"/>
-            </p:custDataLst>
-          </p:nvPr>
-        </p:nvSpPr>
-        <p:spPr/>
-        <p:txBody>
-          <a:bodyPr>
-            <a:normAutofit/>
-          </a:bodyPr>
-          <a:lstStyle/>
-          <a:p>
-            <a:r>
-              <a:rPr lang="en-US" altLang="zh-CN">
-                <a:latin typeface="+mn-lt"/>
-                <a:ea typeface="+mn-ea"/>
-                <a:sym typeface="+mn-ea"/>
-              </a:rPr>
-              <a:t>用户的需求</a:t>
-            </a:r>
-            <a:r>
-              <a:rPr lang="zh-CN" altLang="en-US">
-                <a:latin typeface="+mn-lt"/>
-                <a:ea typeface="+mn-ea"/>
-                <a:sym typeface="+mn-ea"/>
-              </a:rPr>
-              <a:t>变更</a:t>
-            </a:r>
-            <a:endParaRPr lang="en-US" altLang="zh-CN"/>
-          </a:p>
-        </p:txBody>
-      </p:sp>
-      <p:sp>
-        <p:nvSpPr>
-          <p:cNvPr id="2" name="文本框 1"/>
-          <p:cNvSpPr txBox="1"/>
-          <p:nvPr>
-            <p:custDataLst>
-              <p:tags r:id="rId3"/>
-            </p:custDataLst>
-          </p:nvPr>
-        </p:nvSpPr>
-        <p:spPr>
-          <a:xfrm>
-            <a:off x="2020389" y="1323703"/>
-            <a:ext cx="3030583" cy="1569660"/>
-          </a:xfrm>
-          <a:prstGeom prst="rect">
-            <a:avLst/>
-          </a:prstGeom>
-          <a:noFill/>
-        </p:spPr>
-        <p:txBody>
-          <a:bodyPr wrap="square" rtlCol="0">
-            <a:spAutoFit/>
-          </a:bodyPr>
-          <a:lstStyle/>
-          <a:p>
-            <a:r>
-              <a:rPr lang="en-US" altLang="zh-CN" sz="9600">
-                <a:solidFill>
-                  <a:schemeClr val="accent1"/>
-                </a:solidFill>
-                <a:latin typeface="微软雅黑" panose="020B0503020204020204" charset="-122"/>
-                <a:ea typeface="微软雅黑" panose="020B0503020204020204" charset="-122"/>
-              </a:rPr>
-              <a:t>01</a:t>
-            </a:r>
           </a:p>
         </p:txBody>
       </p:sp>
@@ -26381,6 +26492,14 @@
 <file path=ppt/slides/slide6.xml><?xml version="1.0" encoding="utf-8"?>
 <p:sld xmlns:a="http://schemas.openxmlformats.org/drawingml/2006/main" xmlns:r="http://schemas.openxmlformats.org/officeDocument/2006/relationships" xmlns:p="http://schemas.openxmlformats.org/presentationml/2006/main">
   <p:cSld>
+    <p:bg>
+      <p:bgPr>
+        <a:solidFill>
+          <a:schemeClr val="bg1"/>
+        </a:solidFill>
+        <a:effectLst/>
+      </p:bgPr>
+    </p:bg>
     <p:spTree>
       <p:nvGrpSpPr>
         <p:cNvPr id="1" name=""/>
@@ -29322,6 +29441,14 @@
 
 <file path=ppt/tags/tag193.xml><?xml version="1.0" encoding="utf-8"?>
 <p:tagLst xmlns:a="http://schemas.openxmlformats.org/drawingml/2006/main" xmlns:r="http://schemas.openxmlformats.org/officeDocument/2006/relationships" xmlns:p="http://schemas.openxmlformats.org/presentationml/2006/main">
+  <p:tag name="KSO_WM_BEAUTIFY_FLAG" val="#wm#"/>
+  <p:tag name="KSO_WM_TEMPLATE_CATEGORY" val="custom"/>
+  <p:tag name="KSO_WM_TEMPLATE_INDEX" val="20181613"/>
+</p:tagLst>
+</file>
+
+<file path=ppt/tags/tag194.xml><?xml version="1.0" encoding="utf-8"?>
+<p:tagLst xmlns:a="http://schemas.openxmlformats.org/drawingml/2006/main" xmlns:r="http://schemas.openxmlformats.org/officeDocument/2006/relationships" xmlns:p="http://schemas.openxmlformats.org/presentationml/2006/main">
   <p:tag name="KSO_WM_COMBINE_RELATE_SLIDE_ID" val="background20180934_6"/>
   <p:tag name="KSO_WM_SLIDE_ID" val="custom20181613_12"/>
   <p:tag name="KSO_WM_TEMPLATE_SUBCATEGORY" val="0"/>
@@ -29340,7 +29467,7 @@
 </p:tagLst>
 </file>
 
-<file path=ppt/tags/tag194.xml><?xml version="1.0" encoding="utf-8"?>
+<file path=ppt/tags/tag195.xml><?xml version="1.0" encoding="utf-8"?>
 <p:tagLst xmlns:a="http://schemas.openxmlformats.org/drawingml/2006/main" xmlns:r="http://schemas.openxmlformats.org/officeDocument/2006/relationships" xmlns:p="http://schemas.openxmlformats.org/presentationml/2006/main">
   <p:tag name="KSO_WM_UNIT_ISCONTENTSTITLE" val="0"/>
   <p:tag name="KSO_WM_UNIT_ISNUMDGMTITLE" val="0"/>
@@ -29362,7 +29489,7 @@
 </p:tagLst>
 </file>
 
-<file path=ppt/tags/tag195.xml><?xml version="1.0" encoding="utf-8"?>
+<file path=ppt/tags/tag196.xml><?xml version="1.0" encoding="utf-8"?>
 <p:tagLst xmlns:a="http://schemas.openxmlformats.org/drawingml/2006/main" xmlns:r="http://schemas.openxmlformats.org/officeDocument/2006/relationships" xmlns:p="http://schemas.openxmlformats.org/presentationml/2006/main">
   <p:tag name="KSO_WM_UNIT_PRESET_TEXT" val="01"/>
   <p:tag name="KSO_WM_UNIT_NOCLEAR" val="0"/>
@@ -29382,7 +29509,7 @@
 </p:tagLst>
 </file>
 
-<file path=ppt/tags/tag196.xml><?xml version="1.0" encoding="utf-8"?>
+<file path=ppt/tags/tag197.xml><?xml version="1.0" encoding="utf-8"?>
 <p:tagLst xmlns:a="http://schemas.openxmlformats.org/drawingml/2006/main" xmlns:r="http://schemas.openxmlformats.org/officeDocument/2006/relationships" xmlns:p="http://schemas.openxmlformats.org/presentationml/2006/main">
   <p:tag name="KSO_WM_BEAUTIFY_FLAG" val="#wm#"/>
   <p:tag name="KSO_WM_TEMPLATE_CATEGORY" val="custom"/>
@@ -29390,7 +29517,7 @@
 </p:tagLst>
 </file>
 
-<file path=ppt/tags/tag197.xml><?xml version="1.0" encoding="utf-8"?>
+<file path=ppt/tags/tag198.xml><?xml version="1.0" encoding="utf-8"?>
 <p:tagLst xmlns:a="http://schemas.openxmlformats.org/drawingml/2006/main" xmlns:r="http://schemas.openxmlformats.org/officeDocument/2006/relationships" xmlns:p="http://schemas.openxmlformats.org/presentationml/2006/main">
   <p:tag name="KSO_WM_COMBINE_RELATE_SLIDE_ID" val="background20180934_6"/>
   <p:tag name="KSO_WM_SLIDE_ID" val="custom20181613_12"/>
@@ -29410,7 +29537,7 @@
 </p:tagLst>
 </file>
 
-<file path=ppt/tags/tag198.xml><?xml version="1.0" encoding="utf-8"?>
+<file path=ppt/tags/tag199.xml><?xml version="1.0" encoding="utf-8"?>
 <p:tagLst xmlns:a="http://schemas.openxmlformats.org/drawingml/2006/main" xmlns:r="http://schemas.openxmlformats.org/officeDocument/2006/relationships" xmlns:p="http://schemas.openxmlformats.org/presentationml/2006/main">
   <p:tag name="KSO_WM_UNIT_ISCONTENTSTITLE" val="0"/>
   <p:tag name="KSO_WM_UNIT_ISNUMDGMTITLE" val="0"/>
@@ -29424,26 +29551,6 @@
   <p:tag name="KSO_WM_UNIT_TYPE" val="a"/>
   <p:tag name="KSO_WM_UNIT_INDEX" val="1"/>
   <p:tag name="KSO_WM_UNIT_ID" val="custom20181613_12*a*1"/>
-  <p:tag name="KSO_WM_TEMPLATE_CATEGORY" val="custom"/>
-  <p:tag name="KSO_WM_TEMPLATE_INDEX" val="20181613"/>
-  <p:tag name="KSO_WM_UNIT_LAYERLEVEL" val="1"/>
-  <p:tag name="KSO_WM_TAG_VERSION" val="1.0"/>
-  <p:tag name="KSO_WM_BEAUTIFY_FLAG" val="#wm#"/>
-</p:tagLst>
-</file>
-
-<file path=ppt/tags/tag199.xml><?xml version="1.0" encoding="utf-8"?>
-<p:tagLst xmlns:a="http://schemas.openxmlformats.org/drawingml/2006/main" xmlns:r="http://schemas.openxmlformats.org/officeDocument/2006/relationships" xmlns:p="http://schemas.openxmlformats.org/presentationml/2006/main">
-  <p:tag name="KSO_WM_UNIT_PRESET_TEXT" val="01"/>
-  <p:tag name="KSO_WM_UNIT_NOCLEAR" val="0"/>
-  <p:tag name="KSO_WM_UNIT_VALUE" val="2"/>
-  <p:tag name="KSO_WM_UNIT_HIGHLIGHT" val="0"/>
-  <p:tag name="KSO_WM_UNIT_COMPATIBLE" val="1"/>
-  <p:tag name="KSO_WM_UNIT_DIAGRAM_ISNUMVISUAL" val="0"/>
-  <p:tag name="KSO_WM_UNIT_DIAGRAM_ISREFERUNIT" val="0"/>
-  <p:tag name="KSO_WM_UNIT_TYPE" val="e"/>
-  <p:tag name="KSO_WM_UNIT_INDEX" val="1"/>
-  <p:tag name="KSO_WM_UNIT_ID" val="custom20181613_12*e*1"/>
   <p:tag name="KSO_WM_TEMPLATE_CATEGORY" val="custom"/>
   <p:tag name="KSO_WM_TEMPLATE_INDEX" val="20181613"/>
   <p:tag name="KSO_WM_UNIT_LAYERLEVEL" val="1"/>
@@ -29480,13 +29587,33 @@
 
 <file path=ppt/tags/tag200.xml><?xml version="1.0" encoding="utf-8"?>
 <p:tagLst xmlns:a="http://schemas.openxmlformats.org/drawingml/2006/main" xmlns:r="http://schemas.openxmlformats.org/officeDocument/2006/relationships" xmlns:p="http://schemas.openxmlformats.org/presentationml/2006/main">
+  <p:tag name="KSO_WM_UNIT_PRESET_TEXT" val="01"/>
+  <p:tag name="KSO_WM_UNIT_NOCLEAR" val="0"/>
+  <p:tag name="KSO_WM_UNIT_VALUE" val="2"/>
+  <p:tag name="KSO_WM_UNIT_HIGHLIGHT" val="0"/>
+  <p:tag name="KSO_WM_UNIT_COMPATIBLE" val="1"/>
+  <p:tag name="KSO_WM_UNIT_DIAGRAM_ISNUMVISUAL" val="0"/>
+  <p:tag name="KSO_WM_UNIT_DIAGRAM_ISREFERUNIT" val="0"/>
+  <p:tag name="KSO_WM_UNIT_TYPE" val="e"/>
+  <p:tag name="KSO_WM_UNIT_INDEX" val="1"/>
+  <p:tag name="KSO_WM_UNIT_ID" val="custom20181613_12*e*1"/>
+  <p:tag name="KSO_WM_TEMPLATE_CATEGORY" val="custom"/>
+  <p:tag name="KSO_WM_TEMPLATE_INDEX" val="20181613"/>
+  <p:tag name="KSO_WM_UNIT_LAYERLEVEL" val="1"/>
+  <p:tag name="KSO_WM_TAG_VERSION" val="1.0"/>
+  <p:tag name="KSO_WM_BEAUTIFY_FLAG" val="#wm#"/>
+</p:tagLst>
+</file>
+
+<file path=ppt/tags/tag201.xml><?xml version="1.0" encoding="utf-8"?>
+<p:tagLst xmlns:a="http://schemas.openxmlformats.org/drawingml/2006/main" xmlns:r="http://schemas.openxmlformats.org/officeDocument/2006/relationships" xmlns:p="http://schemas.openxmlformats.org/presentationml/2006/main">
   <p:tag name="KSO_WM_BEAUTIFY_FLAG" val="#wm#"/>
   <p:tag name="KSO_WM_TEMPLATE_CATEGORY" val="custom"/>
   <p:tag name="KSO_WM_TEMPLATE_INDEX" val="20181613"/>
 </p:tagLst>
 </file>
 
-<file path=ppt/tags/tag201.xml><?xml version="1.0" encoding="utf-8"?>
+<file path=ppt/tags/tag202.xml><?xml version="1.0" encoding="utf-8"?>
 <p:tagLst xmlns:a="http://schemas.openxmlformats.org/drawingml/2006/main" xmlns:r="http://schemas.openxmlformats.org/officeDocument/2006/relationships" xmlns:p="http://schemas.openxmlformats.org/presentationml/2006/main">
   <p:tag name="KSO_WM_COMBINE_RELATE_SLIDE_ID" val="background20180934_6"/>
   <p:tag name="KSO_WM_SLIDE_ID" val="custom20181613_12"/>
@@ -29506,7 +29633,7 @@
 </p:tagLst>
 </file>
 
-<file path=ppt/tags/tag202.xml><?xml version="1.0" encoding="utf-8"?>
+<file path=ppt/tags/tag203.xml><?xml version="1.0" encoding="utf-8"?>
 <p:tagLst xmlns:a="http://schemas.openxmlformats.org/drawingml/2006/main" xmlns:r="http://schemas.openxmlformats.org/officeDocument/2006/relationships" xmlns:p="http://schemas.openxmlformats.org/presentationml/2006/main">
   <p:tag name="KSO_WM_UNIT_ISCONTENTSTITLE" val="0"/>
   <p:tag name="KSO_WM_UNIT_ISNUMDGMTITLE" val="0"/>
@@ -29528,7 +29655,7 @@
 </p:tagLst>
 </file>
 
-<file path=ppt/tags/tag203.xml><?xml version="1.0" encoding="utf-8"?>
+<file path=ppt/tags/tag204.xml><?xml version="1.0" encoding="utf-8"?>
 <p:tagLst xmlns:a="http://schemas.openxmlformats.org/drawingml/2006/main" xmlns:r="http://schemas.openxmlformats.org/officeDocument/2006/relationships" xmlns:p="http://schemas.openxmlformats.org/presentationml/2006/main">
   <p:tag name="KSO_WM_UNIT_PRESET_TEXT" val="01"/>
   <p:tag name="KSO_WM_UNIT_NOCLEAR" val="0"/>
@@ -29548,7 +29675,7 @@
 </p:tagLst>
 </file>
 
-<file path=ppt/tags/tag204.xml><?xml version="1.0" encoding="utf-8"?>
+<file path=ppt/tags/tag205.xml><?xml version="1.0" encoding="utf-8"?>
 <p:tagLst xmlns:a="http://schemas.openxmlformats.org/drawingml/2006/main" xmlns:r="http://schemas.openxmlformats.org/officeDocument/2006/relationships" xmlns:p="http://schemas.openxmlformats.org/presentationml/2006/main">
   <p:tag name="KSO_WM_BEAUTIFY_FLAG" val="#wm#"/>
   <p:tag name="KSO_WM_TEMPLATE_CATEGORY" val="custom"/>
@@ -29556,17 +29683,9 @@
 </p:tagLst>
 </file>
 
-<file path=ppt/tags/tag205.xml><?xml version="1.0" encoding="utf-8"?>
+<file path=ppt/tags/tag206.xml><?xml version="1.0" encoding="utf-8"?>
 <p:tagLst xmlns:a="http://schemas.openxmlformats.org/drawingml/2006/main" xmlns:r="http://schemas.openxmlformats.org/officeDocument/2006/relationships" xmlns:p="http://schemas.openxmlformats.org/presentationml/2006/main">
   <p:tag name="KSO_WM_UNIT_PLACING_PICTURE_USER_VIEWPORT" val="{&quot;height&quot;:6225,&quot;width&quot;:8295}"/>
-</p:tagLst>
-</file>
-
-<file path=ppt/tags/tag206.xml><?xml version="1.0" encoding="utf-8"?>
-<p:tagLst xmlns:a="http://schemas.openxmlformats.org/drawingml/2006/main" xmlns:r="http://schemas.openxmlformats.org/officeDocument/2006/relationships" xmlns:p="http://schemas.openxmlformats.org/presentationml/2006/main">
-  <p:tag name="KSO_WM_BEAUTIFY_FLAG" val="#wm#"/>
-  <p:tag name="KSO_WM_TEMPLATE_CATEGORY" val="custom"/>
-  <p:tag name="KSO_WM_TEMPLATE_INDEX" val="20181613"/>
 </p:tagLst>
 </file>
 
@@ -29579,6 +29698,14 @@
 </file>
 
 <file path=ppt/tags/tag208.xml><?xml version="1.0" encoding="utf-8"?>
+<p:tagLst xmlns:a="http://schemas.openxmlformats.org/drawingml/2006/main" xmlns:r="http://schemas.openxmlformats.org/officeDocument/2006/relationships" xmlns:p="http://schemas.openxmlformats.org/presentationml/2006/main">
+  <p:tag name="KSO_WM_BEAUTIFY_FLAG" val="#wm#"/>
+  <p:tag name="KSO_WM_TEMPLATE_CATEGORY" val="custom"/>
+  <p:tag name="KSO_WM_TEMPLATE_INDEX" val="20181613"/>
+</p:tagLst>
+</file>
+
+<file path=ppt/tags/tag209.xml><?xml version="1.0" encoding="utf-8"?>
 <p:tagLst xmlns:a="http://schemas.openxmlformats.org/drawingml/2006/main" xmlns:r="http://schemas.openxmlformats.org/officeDocument/2006/relationships" xmlns:p="http://schemas.openxmlformats.org/presentationml/2006/main">
   <p:tag name="KSO_WM_COMBINE_RELATE_SLIDE_ID" val="background20180934_1"/>
   <p:tag name="KSO_WM_TEMPLATE_THUMBS_INDEX" val="1、6、12、13、21、22、25、26"/>
@@ -29599,7 +29726,20 @@
 </p:tagLst>
 </file>
 
-<file path=ppt/tags/tag209.xml><?xml version="1.0" encoding="utf-8"?>
+<file path=ppt/tags/tag21.xml><?xml version="1.0" encoding="utf-8"?>
+<p:tagLst xmlns:a="http://schemas.openxmlformats.org/drawingml/2006/main" xmlns:r="http://schemas.openxmlformats.org/officeDocument/2006/relationships" xmlns:p="http://schemas.openxmlformats.org/presentationml/2006/main">
+  <p:tag name="KSO_WM_UNIT_HIGHLIGHT" val="0"/>
+  <p:tag name="KSO_WM_UNIT_COMPATIBLE" val="0"/>
+  <p:tag name="KSO_WM_UNIT_DIAGRAM_ISNUMVISUAL" val="0"/>
+  <p:tag name="KSO_WM_UNIT_DIAGRAM_ISREFERUNIT" val="0"/>
+  <p:tag name="KSO_WM_UNIT_ID" val="_2**"/>
+  <p:tag name="KSO_WM_UNIT_LAYERLEVEL" val="1"/>
+  <p:tag name="KSO_WM_TAG_VERSION" val="1.0"/>
+  <p:tag name="KSO_WM_BEAUTIFY_FLAG" val="#wm#"/>
+</p:tagLst>
+</file>
+
+<file path=ppt/tags/tag210.xml><?xml version="1.0" encoding="utf-8"?>
 <p:tagLst xmlns:a="http://schemas.openxmlformats.org/drawingml/2006/main" xmlns:r="http://schemas.openxmlformats.org/officeDocument/2006/relationships" xmlns:p="http://schemas.openxmlformats.org/presentationml/2006/main">
   <p:tag name="KSO_WM_UNIT_ISCONTENTSTITLE" val="0"/>
   <p:tag name="KSO_WM_UNIT_ISNUMDGMTITLE" val="0"/>
@@ -29621,20 +29761,7 @@
 </p:tagLst>
 </file>
 
-<file path=ppt/tags/tag21.xml><?xml version="1.0" encoding="utf-8"?>
-<p:tagLst xmlns:a="http://schemas.openxmlformats.org/drawingml/2006/main" xmlns:r="http://schemas.openxmlformats.org/officeDocument/2006/relationships" xmlns:p="http://schemas.openxmlformats.org/presentationml/2006/main">
-  <p:tag name="KSO_WM_UNIT_HIGHLIGHT" val="0"/>
-  <p:tag name="KSO_WM_UNIT_COMPATIBLE" val="0"/>
-  <p:tag name="KSO_WM_UNIT_DIAGRAM_ISNUMVISUAL" val="0"/>
-  <p:tag name="KSO_WM_UNIT_DIAGRAM_ISREFERUNIT" val="0"/>
-  <p:tag name="KSO_WM_UNIT_ID" val="_2**"/>
-  <p:tag name="KSO_WM_UNIT_LAYERLEVEL" val="1"/>
-  <p:tag name="KSO_WM_TAG_VERSION" val="1.0"/>
-  <p:tag name="KSO_WM_BEAUTIFY_FLAG" val="#wm#"/>
-</p:tagLst>
-</file>
-
-<file path=ppt/tags/tag210.xml><?xml version="1.0" encoding="utf-8"?>
+<file path=ppt/tags/tag211.xml><?xml version="1.0" encoding="utf-8"?>
 <p:tagLst xmlns:a="http://schemas.openxmlformats.org/drawingml/2006/main" xmlns:r="http://schemas.openxmlformats.org/officeDocument/2006/relationships" xmlns:p="http://schemas.openxmlformats.org/presentationml/2006/main">
   <p:tag name="KSO_WM_UNIT_HIGHLIGHT" val="0"/>
   <p:tag name="KSO_WM_UNIT_COMPATIBLE" val="0"/>
